--- a/Architecture-Overview.pptx
+++ b/Architecture-Overview.pptx
@@ -104,6 +104,11 @@
       </a:defRPr>
     </a:lvl9pPr>
   </p:defaultTextStyle>
+  <p:extLst>
+    <p:ext uri="{EFAFB233-063F-42B5-8137-9DF3F51BA10A}">
+      <p15:sldGuideLst xmlns:p15="http://schemas.microsoft.com/office/powerpoint/2012/main"/>
+    </p:ext>
+  </p:extLst>
 </p:presentation>
 </file>
 
@@ -238,7 +243,7 @@
           <a:p>
             <a:fld id="{FB965CEE-315E-405C-BA70-ED45D4E0DFFE}" type="datetimeFigureOut">
               <a:rPr lang="de-DE" smtClean="0"/>
-              <a:t>15.12.2020</a:t>
+              <a:t>18.12.2020</a:t>
             </a:fld>
             <a:endParaRPr lang="de-DE"/>
           </a:p>
@@ -408,7 +413,7 @@
           <a:p>
             <a:fld id="{FB965CEE-315E-405C-BA70-ED45D4E0DFFE}" type="datetimeFigureOut">
               <a:rPr lang="de-DE" smtClean="0"/>
-              <a:t>15.12.2020</a:t>
+              <a:t>18.12.2020</a:t>
             </a:fld>
             <a:endParaRPr lang="de-DE"/>
           </a:p>
@@ -588,7 +593,7 @@
           <a:p>
             <a:fld id="{FB965CEE-315E-405C-BA70-ED45D4E0DFFE}" type="datetimeFigureOut">
               <a:rPr lang="de-DE" smtClean="0"/>
-              <a:t>15.12.2020</a:t>
+              <a:t>18.12.2020</a:t>
             </a:fld>
             <a:endParaRPr lang="de-DE"/>
           </a:p>
@@ -758,7 +763,7 @@
           <a:p>
             <a:fld id="{FB965CEE-315E-405C-BA70-ED45D4E0DFFE}" type="datetimeFigureOut">
               <a:rPr lang="de-DE" smtClean="0"/>
-              <a:t>15.12.2020</a:t>
+              <a:t>18.12.2020</a:t>
             </a:fld>
             <a:endParaRPr lang="de-DE"/>
           </a:p>
@@ -1004,7 +1009,7 @@
           <a:p>
             <a:fld id="{FB965CEE-315E-405C-BA70-ED45D4E0DFFE}" type="datetimeFigureOut">
               <a:rPr lang="de-DE" smtClean="0"/>
-              <a:t>15.12.2020</a:t>
+              <a:t>18.12.2020</a:t>
             </a:fld>
             <a:endParaRPr lang="de-DE"/>
           </a:p>
@@ -1236,7 +1241,7 @@
           <a:p>
             <a:fld id="{FB965CEE-315E-405C-BA70-ED45D4E0DFFE}" type="datetimeFigureOut">
               <a:rPr lang="de-DE" smtClean="0"/>
-              <a:t>15.12.2020</a:t>
+              <a:t>18.12.2020</a:t>
             </a:fld>
             <a:endParaRPr lang="de-DE"/>
           </a:p>
@@ -1603,7 +1608,7 @@
           <a:p>
             <a:fld id="{FB965CEE-315E-405C-BA70-ED45D4E0DFFE}" type="datetimeFigureOut">
               <a:rPr lang="de-DE" smtClean="0"/>
-              <a:t>15.12.2020</a:t>
+              <a:t>18.12.2020</a:t>
             </a:fld>
             <a:endParaRPr lang="de-DE"/>
           </a:p>
@@ -1721,7 +1726,7 @@
           <a:p>
             <a:fld id="{FB965CEE-315E-405C-BA70-ED45D4E0DFFE}" type="datetimeFigureOut">
               <a:rPr lang="de-DE" smtClean="0"/>
-              <a:t>15.12.2020</a:t>
+              <a:t>18.12.2020</a:t>
             </a:fld>
             <a:endParaRPr lang="de-DE"/>
           </a:p>
@@ -1816,7 +1821,7 @@
           <a:p>
             <a:fld id="{FB965CEE-315E-405C-BA70-ED45D4E0DFFE}" type="datetimeFigureOut">
               <a:rPr lang="de-DE" smtClean="0"/>
-              <a:t>15.12.2020</a:t>
+              <a:t>18.12.2020</a:t>
             </a:fld>
             <a:endParaRPr lang="de-DE"/>
           </a:p>
@@ -2093,7 +2098,7 @@
           <a:p>
             <a:fld id="{FB965CEE-315E-405C-BA70-ED45D4E0DFFE}" type="datetimeFigureOut">
               <a:rPr lang="de-DE" smtClean="0"/>
-              <a:t>15.12.2020</a:t>
+              <a:t>18.12.2020</a:t>
             </a:fld>
             <a:endParaRPr lang="de-DE"/>
           </a:p>
@@ -2346,7 +2351,7 @@
           <a:p>
             <a:fld id="{FB965CEE-315E-405C-BA70-ED45D4E0DFFE}" type="datetimeFigureOut">
               <a:rPr lang="de-DE" smtClean="0"/>
-              <a:t>15.12.2020</a:t>
+              <a:t>18.12.2020</a:t>
             </a:fld>
             <a:endParaRPr lang="de-DE"/>
           </a:p>
@@ -2559,7 +2564,7 @@
           <a:p>
             <a:fld id="{FB965CEE-315E-405C-BA70-ED45D4E0DFFE}" type="datetimeFigureOut">
               <a:rPr lang="de-DE" smtClean="0"/>
-              <a:t>15.12.2020</a:t>
+              <a:t>18.12.2020</a:t>
             </a:fld>
             <a:endParaRPr lang="de-DE"/>
           </a:p>
@@ -3021,142 +3026,6 @@
       </p:sp>
       <p:sp>
         <p:nvSpPr>
-          <p:cNvPr id="5" name="Rechteck 4"/>
-          <p:cNvSpPr/>
-          <p:nvPr/>
-        </p:nvSpPr>
-        <p:spPr>
-          <a:xfrm>
-            <a:off x="3995531" y="1734378"/>
-            <a:ext cx="1762539" cy="1033670"/>
-          </a:xfrm>
-          <a:prstGeom prst="rect">
-            <a:avLst/>
-          </a:prstGeom>
-        </p:spPr>
-        <p:style>
-          <a:lnRef idx="2">
-            <a:schemeClr val="accent1">
-              <a:shade val="50000"/>
-            </a:schemeClr>
-          </a:lnRef>
-          <a:fillRef idx="1">
-            <a:schemeClr val="accent1"/>
-          </a:fillRef>
-          <a:effectRef idx="0">
-            <a:schemeClr val="accent1"/>
-          </a:effectRef>
-          <a:fontRef idx="minor">
-            <a:schemeClr val="lt1"/>
-          </a:fontRef>
-        </p:style>
-        <p:txBody>
-          <a:bodyPr rtlCol="0" anchor="ctr"/>
-          <a:lstStyle/>
-          <a:p>
-            <a:pPr algn="ctr"/>
-            <a:r>
-              <a:rPr lang="de-DE" dirty="0" smtClean="0"/>
-              <a:t>Bastion Host</a:t>
-            </a:r>
-            <a:endParaRPr lang="de-DE" dirty="0"/>
-          </a:p>
-        </p:txBody>
-      </p:sp>
-      <p:sp>
-        <p:nvSpPr>
-          <p:cNvPr id="6" name="Rechteck 5"/>
-          <p:cNvSpPr/>
-          <p:nvPr/>
-        </p:nvSpPr>
-        <p:spPr>
-          <a:xfrm>
-            <a:off x="3995531" y="500269"/>
-            <a:ext cx="1762539" cy="1033670"/>
-          </a:xfrm>
-          <a:prstGeom prst="rect">
-            <a:avLst/>
-          </a:prstGeom>
-        </p:spPr>
-        <p:style>
-          <a:lnRef idx="2">
-            <a:schemeClr val="accent1">
-              <a:shade val="50000"/>
-            </a:schemeClr>
-          </a:lnRef>
-          <a:fillRef idx="1">
-            <a:schemeClr val="accent1"/>
-          </a:fillRef>
-          <a:effectRef idx="0">
-            <a:schemeClr val="accent1"/>
-          </a:effectRef>
-          <a:fontRef idx="minor">
-            <a:schemeClr val="lt1"/>
-          </a:fontRef>
-        </p:style>
-        <p:txBody>
-          <a:bodyPr rtlCol="0" anchor="ctr"/>
-          <a:lstStyle/>
-          <a:p>
-            <a:pPr algn="ctr"/>
-            <a:r>
-              <a:rPr lang="de-DE" dirty="0" smtClean="0"/>
-              <a:t>Registry</a:t>
-            </a:r>
-            <a:endParaRPr lang="de-DE" dirty="0"/>
-          </a:p>
-        </p:txBody>
-      </p:sp>
-      <p:sp>
-        <p:nvSpPr>
-          <p:cNvPr id="7" name="Rechteck 6"/>
-          <p:cNvSpPr/>
-          <p:nvPr/>
-        </p:nvSpPr>
-        <p:spPr>
-          <a:xfrm>
-            <a:off x="3995530" y="2968487"/>
-            <a:ext cx="1762539" cy="1033670"/>
-          </a:xfrm>
-          <a:prstGeom prst="rect">
-            <a:avLst/>
-          </a:prstGeom>
-        </p:spPr>
-        <p:style>
-          <a:lnRef idx="2">
-            <a:schemeClr val="accent1">
-              <a:shade val="50000"/>
-            </a:schemeClr>
-          </a:lnRef>
-          <a:fillRef idx="1">
-            <a:schemeClr val="accent1"/>
-          </a:fillRef>
-          <a:effectRef idx="0">
-            <a:schemeClr val="accent1"/>
-          </a:effectRef>
-          <a:fontRef idx="minor">
-            <a:schemeClr val="lt1"/>
-          </a:fontRef>
-        </p:style>
-        <p:txBody>
-          <a:bodyPr rtlCol="0" anchor="ctr"/>
-          <a:lstStyle/>
-          <a:p>
-            <a:pPr algn="ctr"/>
-            <a:r>
-              <a:rPr lang="de-DE" dirty="0" smtClean="0"/>
-              <a:t>Load-</a:t>
-            </a:r>
-            <a:r>
-              <a:rPr lang="de-DE" dirty="0" err="1" smtClean="0"/>
-              <a:t>Balancer</a:t>
-            </a:r>
-            <a:endParaRPr lang="de-DE" dirty="0"/>
-          </a:p>
-        </p:txBody>
-      </p:sp>
-      <p:sp>
-        <p:nvSpPr>
           <p:cNvPr id="8" name="Rechteck 7"/>
           <p:cNvSpPr/>
           <p:nvPr/>
@@ -3263,12 +3132,15 @@
         </p:nvSpPr>
         <p:spPr>
           <a:xfrm>
-            <a:off x="6414052" y="500269"/>
+            <a:off x="5817703" y="380170"/>
             <a:ext cx="1762539" cy="1033670"/>
           </a:xfrm>
           <a:prstGeom prst="rect">
             <a:avLst/>
           </a:prstGeom>
+          <a:solidFill>
+            <a:srgbClr val="C00000"/>
+          </a:solidFill>
         </p:spPr>
         <p:style>
           <a:lnRef idx="2">
@@ -3307,12 +3179,15 @@
         </p:nvSpPr>
         <p:spPr>
           <a:xfrm>
-            <a:off x="6414051" y="1734378"/>
+            <a:off x="5817703" y="1533939"/>
             <a:ext cx="1762539" cy="1033670"/>
           </a:xfrm>
           <a:prstGeom prst="rect">
             <a:avLst/>
           </a:prstGeom>
+          <a:solidFill>
+            <a:srgbClr val="C00000"/>
+          </a:solidFill>
         </p:spPr>
         <p:style>
           <a:lnRef idx="2">
@@ -3351,12 +3226,15 @@
         </p:nvSpPr>
         <p:spPr>
           <a:xfrm>
-            <a:off x="6414051" y="2968487"/>
+            <a:off x="5817700" y="2722079"/>
             <a:ext cx="1762539" cy="1033670"/>
           </a:xfrm>
           <a:prstGeom prst="rect">
             <a:avLst/>
           </a:prstGeom>
+          <a:solidFill>
+            <a:srgbClr val="C00000"/>
+          </a:solidFill>
         </p:spPr>
         <p:style>
           <a:lnRef idx="2">
@@ -3395,12 +3273,15 @@
         </p:nvSpPr>
         <p:spPr>
           <a:xfrm>
-            <a:off x="8600659" y="500269"/>
+            <a:off x="7719389" y="380170"/>
             <a:ext cx="1762539" cy="1033670"/>
           </a:xfrm>
           <a:prstGeom prst="rect">
             <a:avLst/>
           </a:prstGeom>
+          <a:solidFill>
+            <a:schemeClr val="accent2"/>
+          </a:solidFill>
         </p:spPr>
         <p:style>
           <a:lnRef idx="2">
@@ -3439,12 +3320,15 @@
         </p:nvSpPr>
         <p:spPr>
           <a:xfrm>
-            <a:off x="8600659" y="1734378"/>
+            <a:off x="7719389" y="1533939"/>
             <a:ext cx="1762539" cy="1033670"/>
           </a:xfrm>
           <a:prstGeom prst="rect">
             <a:avLst/>
           </a:prstGeom>
+          <a:solidFill>
+            <a:schemeClr val="accent2"/>
+          </a:solidFill>
         </p:spPr>
         <p:style>
           <a:lnRef idx="2">
@@ -3483,12 +3367,15 @@
         </p:nvSpPr>
         <p:spPr>
           <a:xfrm>
-            <a:off x="8600659" y="2968487"/>
+            <a:off x="7719388" y="2722079"/>
             <a:ext cx="1762539" cy="1033670"/>
           </a:xfrm>
           <a:prstGeom prst="rect">
             <a:avLst/>
           </a:prstGeom>
+          <a:solidFill>
+            <a:schemeClr val="accent2"/>
+          </a:solidFill>
         </p:spPr>
         <p:style>
           <a:lnRef idx="2">
@@ -3710,12 +3597,15 @@
         </p:nvSpPr>
         <p:spPr>
           <a:xfrm>
-            <a:off x="10462590" y="500269"/>
+            <a:off x="9634328" y="380170"/>
             <a:ext cx="1762539" cy="1033670"/>
           </a:xfrm>
           <a:prstGeom prst="rect">
             <a:avLst/>
           </a:prstGeom>
+          <a:solidFill>
+            <a:schemeClr val="accent2"/>
+          </a:solidFill>
         </p:spPr>
         <p:style>
           <a:lnRef idx="2">
@@ -3746,6 +3636,245 @@
           </a:p>
         </p:txBody>
       </p:sp>
+      <p:sp>
+        <p:nvSpPr>
+          <p:cNvPr id="21" name="Rechteck 20"/>
+          <p:cNvSpPr/>
+          <p:nvPr/>
+        </p:nvSpPr>
+        <p:spPr>
+          <a:xfrm>
+            <a:off x="3783495" y="1537666"/>
+            <a:ext cx="1762539" cy="1033670"/>
+          </a:xfrm>
+          <a:prstGeom prst="rect">
+            <a:avLst/>
+          </a:prstGeom>
+          <a:solidFill>
+            <a:schemeClr val="accent6"/>
+          </a:solidFill>
+        </p:spPr>
+        <p:style>
+          <a:lnRef idx="2">
+            <a:schemeClr val="accent1">
+              <a:shade val="50000"/>
+            </a:schemeClr>
+          </a:lnRef>
+          <a:fillRef idx="1">
+            <a:schemeClr val="accent1"/>
+          </a:fillRef>
+          <a:effectRef idx="0">
+            <a:schemeClr val="accent1"/>
+          </a:effectRef>
+          <a:fontRef idx="minor">
+            <a:schemeClr val="lt1"/>
+          </a:fontRef>
+        </p:style>
+        <p:txBody>
+          <a:bodyPr rtlCol="0" anchor="ctr"/>
+          <a:lstStyle/>
+          <a:p>
+            <a:pPr algn="ctr"/>
+            <a:r>
+              <a:rPr lang="de-DE" dirty="0" smtClean="0"/>
+              <a:t>Bastion Host</a:t>
+            </a:r>
+            <a:endParaRPr lang="de-DE" dirty="0"/>
+          </a:p>
+        </p:txBody>
+      </p:sp>
+      <p:sp>
+        <p:nvSpPr>
+          <p:cNvPr id="22" name="Rechteck 21"/>
+          <p:cNvSpPr/>
+          <p:nvPr/>
+        </p:nvSpPr>
+        <p:spPr>
+          <a:xfrm>
+            <a:off x="3776871" y="380170"/>
+            <a:ext cx="1762539" cy="1033670"/>
+          </a:xfrm>
+          <a:prstGeom prst="rect">
+            <a:avLst/>
+          </a:prstGeom>
+          <a:solidFill>
+            <a:srgbClr val="00B0F0"/>
+          </a:solidFill>
+        </p:spPr>
+        <p:style>
+          <a:lnRef idx="2">
+            <a:schemeClr val="accent1">
+              <a:shade val="50000"/>
+            </a:schemeClr>
+          </a:lnRef>
+          <a:fillRef idx="1">
+            <a:schemeClr val="accent1"/>
+          </a:fillRef>
+          <a:effectRef idx="0">
+            <a:schemeClr val="accent1"/>
+          </a:effectRef>
+          <a:fontRef idx="minor">
+            <a:schemeClr val="lt1"/>
+          </a:fontRef>
+        </p:style>
+        <p:txBody>
+          <a:bodyPr rtlCol="0" anchor="ctr"/>
+          <a:lstStyle/>
+          <a:p>
+            <a:pPr algn="ctr"/>
+            <a:r>
+              <a:rPr lang="de-DE" dirty="0" smtClean="0"/>
+              <a:t>Registry</a:t>
+            </a:r>
+            <a:endParaRPr lang="de-DE" dirty="0"/>
+          </a:p>
+        </p:txBody>
+      </p:sp>
+      <p:sp>
+        <p:nvSpPr>
+          <p:cNvPr id="23" name="Rechteck 22"/>
+          <p:cNvSpPr/>
+          <p:nvPr/>
+        </p:nvSpPr>
+        <p:spPr>
+          <a:xfrm>
+            <a:off x="3776870" y="2722079"/>
+            <a:ext cx="1762539" cy="1033670"/>
+          </a:xfrm>
+          <a:prstGeom prst="rect">
+            <a:avLst/>
+          </a:prstGeom>
+          <a:solidFill>
+            <a:schemeClr val="accent3"/>
+          </a:solidFill>
+        </p:spPr>
+        <p:style>
+          <a:lnRef idx="2">
+            <a:schemeClr val="accent1">
+              <a:shade val="50000"/>
+            </a:schemeClr>
+          </a:lnRef>
+          <a:fillRef idx="1">
+            <a:schemeClr val="accent1"/>
+          </a:fillRef>
+          <a:effectRef idx="0">
+            <a:schemeClr val="accent1"/>
+          </a:effectRef>
+          <a:fontRef idx="minor">
+            <a:schemeClr val="lt1"/>
+          </a:fontRef>
+        </p:style>
+        <p:txBody>
+          <a:bodyPr rtlCol="0" anchor="ctr"/>
+          <a:lstStyle/>
+          <a:p>
+            <a:pPr algn="ctr"/>
+            <a:r>
+              <a:rPr lang="de-DE" dirty="0" smtClean="0"/>
+              <a:t>Load-</a:t>
+            </a:r>
+            <a:r>
+              <a:rPr lang="de-DE" dirty="0" err="1" smtClean="0"/>
+              <a:t>Balancer</a:t>
+            </a:r>
+            <a:endParaRPr lang="de-DE" dirty="0"/>
+          </a:p>
+        </p:txBody>
+      </p:sp>
+      <p:sp>
+        <p:nvSpPr>
+          <p:cNvPr id="31" name="Rechteck 30"/>
+          <p:cNvSpPr/>
+          <p:nvPr/>
+        </p:nvSpPr>
+        <p:spPr>
+          <a:xfrm>
+            <a:off x="9634327" y="1533939"/>
+            <a:ext cx="1762539" cy="1033670"/>
+          </a:xfrm>
+          <a:prstGeom prst="rect">
+            <a:avLst/>
+          </a:prstGeom>
+          <a:solidFill>
+            <a:schemeClr val="accent2"/>
+          </a:solidFill>
+        </p:spPr>
+        <p:style>
+          <a:lnRef idx="2">
+            <a:schemeClr val="accent1">
+              <a:shade val="50000"/>
+            </a:schemeClr>
+          </a:lnRef>
+          <a:fillRef idx="1">
+            <a:schemeClr val="accent1"/>
+          </a:fillRef>
+          <a:effectRef idx="0">
+            <a:schemeClr val="accent1"/>
+          </a:effectRef>
+          <a:fontRef idx="minor">
+            <a:schemeClr val="lt1"/>
+          </a:fontRef>
+        </p:style>
+        <p:txBody>
+          <a:bodyPr rtlCol="0" anchor="ctr"/>
+          <a:lstStyle/>
+          <a:p>
+            <a:pPr algn="ctr"/>
+            <a:r>
+              <a:rPr lang="de-DE" dirty="0" smtClean="0"/>
+              <a:t>Worker#5</a:t>
+            </a:r>
+            <a:endParaRPr lang="de-DE" dirty="0"/>
+          </a:p>
+        </p:txBody>
+      </p:sp>
+      <p:sp>
+        <p:nvSpPr>
+          <p:cNvPr id="32" name="Rechteck 31"/>
+          <p:cNvSpPr/>
+          <p:nvPr/>
+        </p:nvSpPr>
+        <p:spPr>
+          <a:xfrm>
+            <a:off x="9634327" y="2722079"/>
+            <a:ext cx="1762539" cy="1033670"/>
+          </a:xfrm>
+          <a:prstGeom prst="rect">
+            <a:avLst/>
+          </a:prstGeom>
+          <a:solidFill>
+            <a:schemeClr val="accent2"/>
+          </a:solidFill>
+        </p:spPr>
+        <p:style>
+          <a:lnRef idx="2">
+            <a:schemeClr val="accent1">
+              <a:shade val="50000"/>
+            </a:schemeClr>
+          </a:lnRef>
+          <a:fillRef idx="1">
+            <a:schemeClr val="accent1"/>
+          </a:fillRef>
+          <a:effectRef idx="0">
+            <a:schemeClr val="accent1"/>
+          </a:effectRef>
+          <a:fontRef idx="minor">
+            <a:schemeClr val="lt1"/>
+          </a:fontRef>
+        </p:style>
+        <p:txBody>
+          <a:bodyPr rtlCol="0" anchor="ctr"/>
+          <a:lstStyle/>
+          <a:p>
+            <a:pPr algn="ctr"/>
+            <a:r>
+              <a:rPr lang="de-DE" dirty="0" smtClean="0"/>
+              <a:t>Worker#6</a:t>
+            </a:r>
+            <a:endParaRPr lang="de-DE" dirty="0"/>
+          </a:p>
+        </p:txBody>
+      </p:sp>
     </p:spTree>
     <p:extLst>
       <p:ext uri="{BB962C8B-B14F-4D97-AF65-F5344CB8AC3E}">
@@ -3756,6 +3885,912 @@
   <p:clrMapOvr>
     <a:masterClrMapping/>
   </p:clrMapOvr>
+  <p:timing>
+    <p:tnLst>
+      <p:par>
+        <p:cTn id="1" dur="indefinite" restart="never" nodeType="tmRoot">
+          <p:childTnLst>
+            <p:seq concurrent="1" nextAc="seek">
+              <p:cTn id="2" dur="indefinite" nodeType="mainSeq">
+                <p:childTnLst>
+                  <p:par>
+                    <p:cTn id="3" fill="hold">
+                      <p:stCondLst>
+                        <p:cond delay="indefinite"/>
+                      </p:stCondLst>
+                      <p:childTnLst>
+                        <p:par>
+                          <p:cTn id="4" fill="hold">
+                            <p:stCondLst>
+                              <p:cond delay="0"/>
+                            </p:stCondLst>
+                            <p:childTnLst>
+                              <p:par>
+                                <p:cTn id="5" presetID="1" presetClass="entr" presetSubtype="0" fill="hold" grpId="0" nodeType="clickEffect">
+                                  <p:stCondLst>
+                                    <p:cond delay="0"/>
+                                  </p:stCondLst>
+                                  <p:childTnLst>
+                                    <p:set>
+                                      <p:cBhvr>
+                                        <p:cTn id="6" dur="1" fill="hold">
+                                          <p:stCondLst>
+                                            <p:cond delay="0"/>
+                                          </p:stCondLst>
+                                        </p:cTn>
+                                        <p:tgtEl>
+                                          <p:spTgt spid="9"/>
+                                        </p:tgtEl>
+                                        <p:attrNameLst>
+                                          <p:attrName>style.visibility</p:attrName>
+                                        </p:attrNameLst>
+                                      </p:cBhvr>
+                                      <p:to>
+                                        <p:strVal val="visible"/>
+                                      </p:to>
+                                    </p:set>
+                                  </p:childTnLst>
+                                </p:cTn>
+                              </p:par>
+                            </p:childTnLst>
+                          </p:cTn>
+                        </p:par>
+                      </p:childTnLst>
+                    </p:cTn>
+                  </p:par>
+                  <p:par>
+                    <p:cTn id="7" fill="hold">
+                      <p:stCondLst>
+                        <p:cond delay="indefinite"/>
+                      </p:stCondLst>
+                      <p:childTnLst>
+                        <p:par>
+                          <p:cTn id="8" fill="hold">
+                            <p:stCondLst>
+                              <p:cond delay="0"/>
+                            </p:stCondLst>
+                            <p:childTnLst>
+                              <p:par>
+                                <p:cTn id="9" presetID="1" presetClass="entr" presetSubtype="0" fill="hold" grpId="0" nodeType="clickEffect">
+                                  <p:stCondLst>
+                                    <p:cond delay="0"/>
+                                  </p:stCondLst>
+                                  <p:childTnLst>
+                                    <p:set>
+                                      <p:cBhvr>
+                                        <p:cTn id="10" dur="1" fill="hold">
+                                          <p:stCondLst>
+                                            <p:cond delay="0"/>
+                                          </p:stCondLst>
+                                        </p:cTn>
+                                        <p:tgtEl>
+                                          <p:spTgt spid="17"/>
+                                        </p:tgtEl>
+                                        <p:attrNameLst>
+                                          <p:attrName>style.visibility</p:attrName>
+                                        </p:attrNameLst>
+                                      </p:cBhvr>
+                                      <p:to>
+                                        <p:strVal val="visible"/>
+                                      </p:to>
+                                    </p:set>
+                                  </p:childTnLst>
+                                </p:cTn>
+                              </p:par>
+                            </p:childTnLst>
+                          </p:cTn>
+                        </p:par>
+                      </p:childTnLst>
+                    </p:cTn>
+                  </p:par>
+                  <p:par>
+                    <p:cTn id="11" fill="hold">
+                      <p:stCondLst>
+                        <p:cond delay="indefinite"/>
+                      </p:stCondLst>
+                      <p:childTnLst>
+                        <p:par>
+                          <p:cTn id="12" fill="hold">
+                            <p:stCondLst>
+                              <p:cond delay="0"/>
+                            </p:stCondLst>
+                            <p:childTnLst>
+                              <p:par>
+                                <p:cTn id="13" presetID="1" presetClass="entr" presetSubtype="0" fill="hold" grpId="0" nodeType="clickEffect">
+                                  <p:stCondLst>
+                                    <p:cond delay="0"/>
+                                  </p:stCondLst>
+                                  <p:childTnLst>
+                                    <p:set>
+                                      <p:cBhvr>
+                                        <p:cTn id="14" dur="1" fill="hold">
+                                          <p:stCondLst>
+                                            <p:cond delay="0"/>
+                                          </p:stCondLst>
+                                        </p:cTn>
+                                        <p:tgtEl>
+                                          <p:spTgt spid="16"/>
+                                        </p:tgtEl>
+                                        <p:attrNameLst>
+                                          <p:attrName>style.visibility</p:attrName>
+                                        </p:attrNameLst>
+                                      </p:cBhvr>
+                                      <p:to>
+                                        <p:strVal val="visible"/>
+                                      </p:to>
+                                    </p:set>
+                                  </p:childTnLst>
+                                </p:cTn>
+                              </p:par>
+                            </p:childTnLst>
+                          </p:cTn>
+                        </p:par>
+                      </p:childTnLst>
+                    </p:cTn>
+                  </p:par>
+                  <p:par>
+                    <p:cTn id="15" fill="hold">
+                      <p:stCondLst>
+                        <p:cond delay="indefinite"/>
+                      </p:stCondLst>
+                      <p:childTnLst>
+                        <p:par>
+                          <p:cTn id="16" fill="hold">
+                            <p:stCondLst>
+                              <p:cond delay="0"/>
+                            </p:stCondLst>
+                            <p:childTnLst>
+                              <p:par>
+                                <p:cTn id="17" presetID="1" presetClass="entr" presetSubtype="0" fill="hold" grpId="0" nodeType="clickEffect">
+                                  <p:stCondLst>
+                                    <p:cond delay="0"/>
+                                  </p:stCondLst>
+                                  <p:childTnLst>
+                                    <p:set>
+                                      <p:cBhvr>
+                                        <p:cTn id="18" dur="1" fill="hold">
+                                          <p:stCondLst>
+                                            <p:cond delay="0"/>
+                                          </p:stCondLst>
+                                        </p:cTn>
+                                        <p:tgtEl>
+                                          <p:spTgt spid="18"/>
+                                        </p:tgtEl>
+                                        <p:attrNameLst>
+                                          <p:attrName>style.visibility</p:attrName>
+                                        </p:attrNameLst>
+                                      </p:cBhvr>
+                                      <p:to>
+                                        <p:strVal val="visible"/>
+                                      </p:to>
+                                    </p:set>
+                                  </p:childTnLst>
+                                </p:cTn>
+                              </p:par>
+                            </p:childTnLst>
+                          </p:cTn>
+                        </p:par>
+                      </p:childTnLst>
+                    </p:cTn>
+                  </p:par>
+                  <p:par>
+                    <p:cTn id="19" fill="hold">
+                      <p:stCondLst>
+                        <p:cond delay="indefinite"/>
+                      </p:stCondLst>
+                      <p:childTnLst>
+                        <p:par>
+                          <p:cTn id="20" fill="hold">
+                            <p:stCondLst>
+                              <p:cond delay="0"/>
+                            </p:stCondLst>
+                            <p:childTnLst>
+                              <p:par>
+                                <p:cTn id="21" presetID="1" presetClass="entr" presetSubtype="0" fill="hold" grpId="0" nodeType="clickEffect">
+                                  <p:stCondLst>
+                                    <p:cond delay="0"/>
+                                  </p:stCondLst>
+                                  <p:childTnLst>
+                                    <p:set>
+                                      <p:cBhvr>
+                                        <p:cTn id="22" dur="1" fill="hold">
+                                          <p:stCondLst>
+                                            <p:cond delay="0"/>
+                                          </p:stCondLst>
+                                        </p:cTn>
+                                        <p:tgtEl>
+                                          <p:spTgt spid="8"/>
+                                        </p:tgtEl>
+                                        <p:attrNameLst>
+                                          <p:attrName>style.visibility</p:attrName>
+                                        </p:attrNameLst>
+                                      </p:cBhvr>
+                                      <p:to>
+                                        <p:strVal val="visible"/>
+                                      </p:to>
+                                    </p:set>
+                                  </p:childTnLst>
+                                </p:cTn>
+                              </p:par>
+                            </p:childTnLst>
+                          </p:cTn>
+                        </p:par>
+                      </p:childTnLst>
+                    </p:cTn>
+                  </p:par>
+                  <p:par>
+                    <p:cTn id="23" fill="hold">
+                      <p:stCondLst>
+                        <p:cond delay="indefinite"/>
+                      </p:stCondLst>
+                      <p:childTnLst>
+                        <p:par>
+                          <p:cTn id="24" fill="hold">
+                            <p:stCondLst>
+                              <p:cond delay="0"/>
+                            </p:stCondLst>
+                            <p:childTnLst>
+                              <p:par>
+                                <p:cTn id="25" presetID="1" presetClass="entr" presetSubtype="0" fill="hold" grpId="0" nodeType="clickEffect">
+                                  <p:stCondLst>
+                                    <p:cond delay="0"/>
+                                  </p:stCondLst>
+                                  <p:childTnLst>
+                                    <p:set>
+                                      <p:cBhvr>
+                                        <p:cTn id="26" dur="1" fill="hold">
+                                          <p:stCondLst>
+                                            <p:cond delay="0"/>
+                                          </p:stCondLst>
+                                        </p:cTn>
+                                        <p:tgtEl>
+                                          <p:spTgt spid="4"/>
+                                        </p:tgtEl>
+                                        <p:attrNameLst>
+                                          <p:attrName>style.visibility</p:attrName>
+                                        </p:attrNameLst>
+                                      </p:cBhvr>
+                                      <p:to>
+                                        <p:strVal val="visible"/>
+                                      </p:to>
+                                    </p:set>
+                                  </p:childTnLst>
+                                </p:cTn>
+                              </p:par>
+                            </p:childTnLst>
+                          </p:cTn>
+                        </p:par>
+                      </p:childTnLst>
+                    </p:cTn>
+                  </p:par>
+                  <p:par>
+                    <p:cTn id="27" fill="hold">
+                      <p:stCondLst>
+                        <p:cond delay="indefinite"/>
+                      </p:stCondLst>
+                      <p:childTnLst>
+                        <p:par>
+                          <p:cTn id="28" fill="hold">
+                            <p:stCondLst>
+                              <p:cond delay="0"/>
+                            </p:stCondLst>
+                            <p:childTnLst>
+                              <p:par>
+                                <p:cTn id="29" presetID="1" presetClass="entr" presetSubtype="0" fill="hold" grpId="0" nodeType="clickEffect">
+                                  <p:stCondLst>
+                                    <p:cond delay="0"/>
+                                  </p:stCondLst>
+                                  <p:childTnLst>
+                                    <p:set>
+                                      <p:cBhvr>
+                                        <p:cTn id="30" dur="1" fill="hold">
+                                          <p:stCondLst>
+                                            <p:cond delay="0"/>
+                                          </p:stCondLst>
+                                        </p:cTn>
+                                        <p:tgtEl>
+                                          <p:spTgt spid="21"/>
+                                        </p:tgtEl>
+                                        <p:attrNameLst>
+                                          <p:attrName>style.visibility</p:attrName>
+                                        </p:attrNameLst>
+                                      </p:cBhvr>
+                                      <p:to>
+                                        <p:strVal val="visible"/>
+                                      </p:to>
+                                    </p:set>
+                                  </p:childTnLst>
+                                </p:cTn>
+                              </p:par>
+                            </p:childTnLst>
+                          </p:cTn>
+                        </p:par>
+                      </p:childTnLst>
+                    </p:cTn>
+                  </p:par>
+                  <p:par>
+                    <p:cTn id="31" fill="hold">
+                      <p:stCondLst>
+                        <p:cond delay="indefinite"/>
+                      </p:stCondLst>
+                      <p:childTnLst>
+                        <p:par>
+                          <p:cTn id="32" fill="hold">
+                            <p:stCondLst>
+                              <p:cond delay="0"/>
+                            </p:stCondLst>
+                            <p:childTnLst>
+                              <p:par>
+                                <p:cTn id="33" presetID="1" presetClass="entr" presetSubtype="0" fill="hold" grpId="0" nodeType="clickEffect">
+                                  <p:stCondLst>
+                                    <p:cond delay="0"/>
+                                  </p:stCondLst>
+                                  <p:childTnLst>
+                                    <p:set>
+                                      <p:cBhvr>
+                                        <p:cTn id="34" dur="1" fill="hold">
+                                          <p:stCondLst>
+                                            <p:cond delay="0"/>
+                                          </p:stCondLst>
+                                        </p:cTn>
+                                        <p:tgtEl>
+                                          <p:spTgt spid="22"/>
+                                        </p:tgtEl>
+                                        <p:attrNameLst>
+                                          <p:attrName>style.visibility</p:attrName>
+                                        </p:attrNameLst>
+                                      </p:cBhvr>
+                                      <p:to>
+                                        <p:strVal val="visible"/>
+                                      </p:to>
+                                    </p:set>
+                                  </p:childTnLst>
+                                </p:cTn>
+                              </p:par>
+                            </p:childTnLst>
+                          </p:cTn>
+                        </p:par>
+                      </p:childTnLst>
+                    </p:cTn>
+                  </p:par>
+                  <p:par>
+                    <p:cTn id="35" fill="hold">
+                      <p:stCondLst>
+                        <p:cond delay="indefinite"/>
+                      </p:stCondLst>
+                      <p:childTnLst>
+                        <p:par>
+                          <p:cTn id="36" fill="hold">
+                            <p:stCondLst>
+                              <p:cond delay="0"/>
+                            </p:stCondLst>
+                            <p:childTnLst>
+                              <p:par>
+                                <p:cTn id="37" presetID="1" presetClass="entr" presetSubtype="0" fill="hold" grpId="0" nodeType="clickEffect">
+                                  <p:stCondLst>
+                                    <p:cond delay="0"/>
+                                  </p:stCondLst>
+                                  <p:childTnLst>
+                                    <p:set>
+                                      <p:cBhvr>
+                                        <p:cTn id="38" dur="1" fill="hold">
+                                          <p:stCondLst>
+                                            <p:cond delay="0"/>
+                                          </p:stCondLst>
+                                        </p:cTn>
+                                        <p:tgtEl>
+                                          <p:spTgt spid="23"/>
+                                        </p:tgtEl>
+                                        <p:attrNameLst>
+                                          <p:attrName>style.visibility</p:attrName>
+                                        </p:attrNameLst>
+                                      </p:cBhvr>
+                                      <p:to>
+                                        <p:strVal val="visible"/>
+                                      </p:to>
+                                    </p:set>
+                                  </p:childTnLst>
+                                </p:cTn>
+                              </p:par>
+                            </p:childTnLst>
+                          </p:cTn>
+                        </p:par>
+                      </p:childTnLst>
+                    </p:cTn>
+                  </p:par>
+                  <p:par>
+                    <p:cTn id="39" fill="hold">
+                      <p:stCondLst>
+                        <p:cond delay="indefinite"/>
+                      </p:stCondLst>
+                      <p:childTnLst>
+                        <p:par>
+                          <p:cTn id="40" fill="hold">
+                            <p:stCondLst>
+                              <p:cond delay="0"/>
+                            </p:stCondLst>
+                            <p:childTnLst>
+                              <p:par>
+                                <p:cTn id="41" presetID="1" presetClass="entr" presetSubtype="0" fill="hold" grpId="0" nodeType="clickEffect">
+                                  <p:stCondLst>
+                                    <p:cond delay="0"/>
+                                  </p:stCondLst>
+                                  <p:childTnLst>
+                                    <p:set>
+                                      <p:cBhvr>
+                                        <p:cTn id="42" dur="1" fill="hold">
+                                          <p:stCondLst>
+                                            <p:cond delay="0"/>
+                                          </p:stCondLst>
+                                        </p:cTn>
+                                        <p:tgtEl>
+                                          <p:spTgt spid="10"/>
+                                        </p:tgtEl>
+                                        <p:attrNameLst>
+                                          <p:attrName>style.visibility</p:attrName>
+                                        </p:attrNameLst>
+                                      </p:cBhvr>
+                                      <p:to>
+                                        <p:strVal val="visible"/>
+                                      </p:to>
+                                    </p:set>
+                                  </p:childTnLst>
+                                </p:cTn>
+                              </p:par>
+                            </p:childTnLst>
+                          </p:cTn>
+                        </p:par>
+                      </p:childTnLst>
+                    </p:cTn>
+                  </p:par>
+                  <p:par>
+                    <p:cTn id="43" fill="hold">
+                      <p:stCondLst>
+                        <p:cond delay="indefinite"/>
+                      </p:stCondLst>
+                      <p:childTnLst>
+                        <p:par>
+                          <p:cTn id="44" fill="hold">
+                            <p:stCondLst>
+                              <p:cond delay="0"/>
+                            </p:stCondLst>
+                            <p:childTnLst>
+                              <p:par>
+                                <p:cTn id="45" presetID="1" presetClass="entr" presetSubtype="0" fill="hold" grpId="0" nodeType="clickEffect">
+                                  <p:stCondLst>
+                                    <p:cond delay="0"/>
+                                  </p:stCondLst>
+                                  <p:childTnLst>
+                                    <p:set>
+                                      <p:cBhvr>
+                                        <p:cTn id="46" dur="1" fill="hold">
+                                          <p:stCondLst>
+                                            <p:cond delay="0"/>
+                                          </p:stCondLst>
+                                        </p:cTn>
+                                        <p:tgtEl>
+                                          <p:spTgt spid="11"/>
+                                        </p:tgtEl>
+                                        <p:attrNameLst>
+                                          <p:attrName>style.visibility</p:attrName>
+                                        </p:attrNameLst>
+                                      </p:cBhvr>
+                                      <p:to>
+                                        <p:strVal val="visible"/>
+                                      </p:to>
+                                    </p:set>
+                                  </p:childTnLst>
+                                </p:cTn>
+                              </p:par>
+                            </p:childTnLst>
+                          </p:cTn>
+                        </p:par>
+                      </p:childTnLst>
+                    </p:cTn>
+                  </p:par>
+                  <p:par>
+                    <p:cTn id="47" fill="hold">
+                      <p:stCondLst>
+                        <p:cond delay="indefinite"/>
+                      </p:stCondLst>
+                      <p:childTnLst>
+                        <p:par>
+                          <p:cTn id="48" fill="hold">
+                            <p:stCondLst>
+                              <p:cond delay="0"/>
+                            </p:stCondLst>
+                            <p:childTnLst>
+                              <p:par>
+                                <p:cTn id="49" presetID="1" presetClass="entr" presetSubtype="0" fill="hold" grpId="0" nodeType="clickEffect">
+                                  <p:stCondLst>
+                                    <p:cond delay="0"/>
+                                  </p:stCondLst>
+                                  <p:childTnLst>
+                                    <p:set>
+                                      <p:cBhvr>
+                                        <p:cTn id="50" dur="1" fill="hold">
+                                          <p:stCondLst>
+                                            <p:cond delay="0"/>
+                                          </p:stCondLst>
+                                        </p:cTn>
+                                        <p:tgtEl>
+                                          <p:spTgt spid="12"/>
+                                        </p:tgtEl>
+                                        <p:attrNameLst>
+                                          <p:attrName>style.visibility</p:attrName>
+                                        </p:attrNameLst>
+                                      </p:cBhvr>
+                                      <p:to>
+                                        <p:strVal val="visible"/>
+                                      </p:to>
+                                    </p:set>
+                                  </p:childTnLst>
+                                </p:cTn>
+                              </p:par>
+                            </p:childTnLst>
+                          </p:cTn>
+                        </p:par>
+                      </p:childTnLst>
+                    </p:cTn>
+                  </p:par>
+                  <p:par>
+                    <p:cTn id="51" fill="hold">
+                      <p:stCondLst>
+                        <p:cond delay="indefinite"/>
+                      </p:stCondLst>
+                      <p:childTnLst>
+                        <p:par>
+                          <p:cTn id="52" fill="hold">
+                            <p:stCondLst>
+                              <p:cond delay="0"/>
+                            </p:stCondLst>
+                            <p:childTnLst>
+                              <p:par>
+                                <p:cTn id="53" presetID="1" presetClass="entr" presetSubtype="0" fill="hold" grpId="0" nodeType="clickEffect">
+                                  <p:stCondLst>
+                                    <p:cond delay="0"/>
+                                  </p:stCondLst>
+                                  <p:childTnLst>
+                                    <p:set>
+                                      <p:cBhvr>
+                                        <p:cTn id="54" dur="1" fill="hold">
+                                          <p:stCondLst>
+                                            <p:cond delay="0"/>
+                                          </p:stCondLst>
+                                        </p:cTn>
+                                        <p:tgtEl>
+                                          <p:spTgt spid="13"/>
+                                        </p:tgtEl>
+                                        <p:attrNameLst>
+                                          <p:attrName>style.visibility</p:attrName>
+                                        </p:attrNameLst>
+                                      </p:cBhvr>
+                                      <p:to>
+                                        <p:strVal val="visible"/>
+                                      </p:to>
+                                    </p:set>
+                                  </p:childTnLst>
+                                </p:cTn>
+                              </p:par>
+                            </p:childTnLst>
+                          </p:cTn>
+                        </p:par>
+                      </p:childTnLst>
+                    </p:cTn>
+                  </p:par>
+                  <p:par>
+                    <p:cTn id="55" fill="hold">
+                      <p:stCondLst>
+                        <p:cond delay="indefinite"/>
+                      </p:stCondLst>
+                      <p:childTnLst>
+                        <p:par>
+                          <p:cTn id="56" fill="hold">
+                            <p:stCondLst>
+                              <p:cond delay="0"/>
+                            </p:stCondLst>
+                            <p:childTnLst>
+                              <p:par>
+                                <p:cTn id="57" presetID="1" presetClass="entr" presetSubtype="0" fill="hold" grpId="0" nodeType="clickEffect">
+                                  <p:stCondLst>
+                                    <p:cond delay="0"/>
+                                  </p:stCondLst>
+                                  <p:childTnLst>
+                                    <p:set>
+                                      <p:cBhvr>
+                                        <p:cTn id="58" dur="1" fill="hold">
+                                          <p:stCondLst>
+                                            <p:cond delay="0"/>
+                                          </p:stCondLst>
+                                        </p:cTn>
+                                        <p:tgtEl>
+                                          <p:spTgt spid="14"/>
+                                        </p:tgtEl>
+                                        <p:attrNameLst>
+                                          <p:attrName>style.visibility</p:attrName>
+                                        </p:attrNameLst>
+                                      </p:cBhvr>
+                                      <p:to>
+                                        <p:strVal val="visible"/>
+                                      </p:to>
+                                    </p:set>
+                                  </p:childTnLst>
+                                </p:cTn>
+                              </p:par>
+                            </p:childTnLst>
+                          </p:cTn>
+                        </p:par>
+                      </p:childTnLst>
+                    </p:cTn>
+                  </p:par>
+                  <p:par>
+                    <p:cTn id="59" fill="hold">
+                      <p:stCondLst>
+                        <p:cond delay="indefinite"/>
+                      </p:stCondLst>
+                      <p:childTnLst>
+                        <p:par>
+                          <p:cTn id="60" fill="hold">
+                            <p:stCondLst>
+                              <p:cond delay="0"/>
+                            </p:stCondLst>
+                            <p:childTnLst>
+                              <p:par>
+                                <p:cTn id="61" presetID="1" presetClass="entr" presetSubtype="0" fill="hold" grpId="0" nodeType="clickEffect">
+                                  <p:stCondLst>
+                                    <p:cond delay="0"/>
+                                  </p:stCondLst>
+                                  <p:childTnLst>
+                                    <p:set>
+                                      <p:cBhvr>
+                                        <p:cTn id="62" dur="1" fill="hold">
+                                          <p:stCondLst>
+                                            <p:cond delay="0"/>
+                                          </p:stCondLst>
+                                        </p:cTn>
+                                        <p:tgtEl>
+                                          <p:spTgt spid="15"/>
+                                        </p:tgtEl>
+                                        <p:attrNameLst>
+                                          <p:attrName>style.visibility</p:attrName>
+                                        </p:attrNameLst>
+                                      </p:cBhvr>
+                                      <p:to>
+                                        <p:strVal val="visible"/>
+                                      </p:to>
+                                    </p:set>
+                                  </p:childTnLst>
+                                </p:cTn>
+                              </p:par>
+                            </p:childTnLst>
+                          </p:cTn>
+                        </p:par>
+                      </p:childTnLst>
+                    </p:cTn>
+                  </p:par>
+                  <p:par>
+                    <p:cTn id="63" fill="hold">
+                      <p:stCondLst>
+                        <p:cond delay="indefinite"/>
+                      </p:stCondLst>
+                      <p:childTnLst>
+                        <p:par>
+                          <p:cTn id="64" fill="hold">
+                            <p:stCondLst>
+                              <p:cond delay="0"/>
+                            </p:stCondLst>
+                            <p:childTnLst>
+                              <p:par>
+                                <p:cTn id="65" presetID="1" presetClass="entr" presetSubtype="0" fill="hold" grpId="0" nodeType="clickEffect">
+                                  <p:stCondLst>
+                                    <p:cond delay="0"/>
+                                  </p:stCondLst>
+                                  <p:childTnLst>
+                                    <p:set>
+                                      <p:cBhvr>
+                                        <p:cTn id="66" dur="1" fill="hold">
+                                          <p:stCondLst>
+                                            <p:cond delay="0"/>
+                                          </p:stCondLst>
+                                        </p:cTn>
+                                        <p:tgtEl>
+                                          <p:spTgt spid="20"/>
+                                        </p:tgtEl>
+                                        <p:attrNameLst>
+                                          <p:attrName>style.visibility</p:attrName>
+                                        </p:attrNameLst>
+                                      </p:cBhvr>
+                                      <p:to>
+                                        <p:strVal val="visible"/>
+                                      </p:to>
+                                    </p:set>
+                                  </p:childTnLst>
+                                </p:cTn>
+                              </p:par>
+                            </p:childTnLst>
+                          </p:cTn>
+                        </p:par>
+                      </p:childTnLst>
+                    </p:cTn>
+                  </p:par>
+                  <p:par>
+                    <p:cTn id="67" fill="hold">
+                      <p:stCondLst>
+                        <p:cond delay="indefinite"/>
+                      </p:stCondLst>
+                      <p:childTnLst>
+                        <p:par>
+                          <p:cTn id="68" fill="hold">
+                            <p:stCondLst>
+                              <p:cond delay="0"/>
+                            </p:stCondLst>
+                            <p:childTnLst>
+                              <p:par>
+                                <p:cTn id="69" presetID="1" presetClass="entr" presetSubtype="0" fill="hold" grpId="0" nodeType="clickEffect">
+                                  <p:stCondLst>
+                                    <p:cond delay="0"/>
+                                  </p:stCondLst>
+                                  <p:childTnLst>
+                                    <p:set>
+                                      <p:cBhvr>
+                                        <p:cTn id="70" dur="1" fill="hold">
+                                          <p:stCondLst>
+                                            <p:cond delay="0"/>
+                                          </p:stCondLst>
+                                        </p:cTn>
+                                        <p:tgtEl>
+                                          <p:spTgt spid="31"/>
+                                        </p:tgtEl>
+                                        <p:attrNameLst>
+                                          <p:attrName>style.visibility</p:attrName>
+                                        </p:attrNameLst>
+                                      </p:cBhvr>
+                                      <p:to>
+                                        <p:strVal val="visible"/>
+                                      </p:to>
+                                    </p:set>
+                                  </p:childTnLst>
+                                </p:cTn>
+                              </p:par>
+                            </p:childTnLst>
+                          </p:cTn>
+                        </p:par>
+                      </p:childTnLst>
+                    </p:cTn>
+                  </p:par>
+                  <p:par>
+                    <p:cTn id="71" fill="hold">
+                      <p:stCondLst>
+                        <p:cond delay="indefinite"/>
+                      </p:stCondLst>
+                      <p:childTnLst>
+                        <p:par>
+                          <p:cTn id="72" fill="hold">
+                            <p:stCondLst>
+                              <p:cond delay="0"/>
+                            </p:stCondLst>
+                            <p:childTnLst>
+                              <p:par>
+                                <p:cTn id="73" presetID="1" presetClass="entr" presetSubtype="0" fill="hold" grpId="0" nodeType="clickEffect">
+                                  <p:stCondLst>
+                                    <p:cond delay="0"/>
+                                  </p:stCondLst>
+                                  <p:childTnLst>
+                                    <p:set>
+                                      <p:cBhvr>
+                                        <p:cTn id="74" dur="1" fill="hold">
+                                          <p:stCondLst>
+                                            <p:cond delay="0"/>
+                                          </p:stCondLst>
+                                        </p:cTn>
+                                        <p:tgtEl>
+                                          <p:spTgt spid="32"/>
+                                        </p:tgtEl>
+                                        <p:attrNameLst>
+                                          <p:attrName>style.visibility</p:attrName>
+                                        </p:attrNameLst>
+                                      </p:cBhvr>
+                                      <p:to>
+                                        <p:strVal val="visible"/>
+                                      </p:to>
+                                    </p:set>
+                                  </p:childTnLst>
+                                </p:cTn>
+                              </p:par>
+                            </p:childTnLst>
+                          </p:cTn>
+                        </p:par>
+                      </p:childTnLst>
+                    </p:cTn>
+                  </p:par>
+                  <p:par>
+                    <p:cTn id="75" fill="hold">
+                      <p:stCondLst>
+                        <p:cond delay="indefinite"/>
+                      </p:stCondLst>
+                      <p:childTnLst>
+                        <p:par>
+                          <p:cTn id="76" fill="hold">
+                            <p:stCondLst>
+                              <p:cond delay="0"/>
+                            </p:stCondLst>
+                            <p:childTnLst>
+                              <p:par>
+                                <p:cTn id="77" presetID="1" presetClass="entr" presetSubtype="0" fill="hold" grpId="0" nodeType="clickEffect">
+                                  <p:stCondLst>
+                                    <p:cond delay="0"/>
+                                  </p:stCondLst>
+                                  <p:childTnLst>
+                                    <p:set>
+                                      <p:cBhvr>
+                                        <p:cTn id="78" dur="1" fill="hold">
+                                          <p:stCondLst>
+                                            <p:cond delay="0"/>
+                                          </p:stCondLst>
+                                        </p:cTn>
+                                        <p:tgtEl>
+                                          <p:spTgt spid="19"/>
+                                        </p:tgtEl>
+                                        <p:attrNameLst>
+                                          <p:attrName>style.visibility</p:attrName>
+                                        </p:attrNameLst>
+                                      </p:cBhvr>
+                                      <p:to>
+                                        <p:strVal val="visible"/>
+                                      </p:to>
+                                    </p:set>
+                                  </p:childTnLst>
+                                </p:cTn>
+                              </p:par>
+                            </p:childTnLst>
+                          </p:cTn>
+                        </p:par>
+                      </p:childTnLst>
+                    </p:cTn>
+                  </p:par>
+                </p:childTnLst>
+              </p:cTn>
+              <p:prevCondLst>
+                <p:cond evt="onPrev" delay="0">
+                  <p:tgtEl>
+                    <p:sldTgt/>
+                  </p:tgtEl>
+                </p:cond>
+              </p:prevCondLst>
+              <p:nextCondLst>
+                <p:cond evt="onNext" delay="0">
+                  <p:tgtEl>
+                    <p:sldTgt/>
+                  </p:tgtEl>
+                </p:cond>
+              </p:nextCondLst>
+            </p:seq>
+          </p:childTnLst>
+        </p:cTn>
+      </p:par>
+    </p:tnLst>
+    <p:bldLst>
+      <p:bldP spid="4" grpId="0" animBg="1"/>
+      <p:bldP spid="8" grpId="0" animBg="1"/>
+      <p:bldP spid="9" grpId="0" animBg="1"/>
+      <p:bldP spid="10" grpId="0" animBg="1"/>
+      <p:bldP spid="11" grpId="0" animBg="1"/>
+      <p:bldP spid="12" grpId="0" animBg="1"/>
+      <p:bldP spid="13" grpId="0" animBg="1"/>
+      <p:bldP spid="14" grpId="0" animBg="1"/>
+      <p:bldP spid="15" grpId="0" animBg="1"/>
+      <p:bldP spid="16" grpId="0" animBg="1"/>
+      <p:bldP spid="17" grpId="0" animBg="1"/>
+      <p:bldP spid="18" grpId="0" animBg="1"/>
+      <p:bldP spid="19" grpId="0" animBg="1"/>
+      <p:bldP spid="20" grpId="0" animBg="1"/>
+      <p:bldP spid="21" grpId="0" animBg="1"/>
+      <p:bldP spid="22" grpId="0" animBg="1"/>
+      <p:bldP spid="23" grpId="0" animBg="1"/>
+      <p:bldP spid="31" grpId="0" animBg="1"/>
+      <p:bldP spid="32" grpId="0" animBg="1"/>
+    </p:bldLst>
+  </p:timing>
 </p:sld>
 </file>
 

--- a/Architecture-Overview.pptx
+++ b/Architecture-Overview.pptx
@@ -6,6 +6,7 @@
   </p:sldMasterIdLst>
   <p:sldIdLst>
     <p:sldId id="256" r:id="rId2"/>
+    <p:sldId id="257" r:id="rId3"/>
   </p:sldIdLst>
   <p:sldSz cx="12192000" cy="6858000"/>
   <p:notesSz cx="6858000" cy="9144000"/>
@@ -243,7 +244,7 @@
           <a:p>
             <a:fld id="{FB965CEE-315E-405C-BA70-ED45D4E0DFFE}" type="datetimeFigureOut">
               <a:rPr lang="de-DE" smtClean="0"/>
-              <a:t>18.12.2020</a:t>
+              <a:t>17.01.2021</a:t>
             </a:fld>
             <a:endParaRPr lang="de-DE"/>
           </a:p>
@@ -413,7 +414,7 @@
           <a:p>
             <a:fld id="{FB965CEE-315E-405C-BA70-ED45D4E0DFFE}" type="datetimeFigureOut">
               <a:rPr lang="de-DE" smtClean="0"/>
-              <a:t>18.12.2020</a:t>
+              <a:t>17.01.2021</a:t>
             </a:fld>
             <a:endParaRPr lang="de-DE"/>
           </a:p>
@@ -593,7 +594,7 @@
           <a:p>
             <a:fld id="{FB965CEE-315E-405C-BA70-ED45D4E0DFFE}" type="datetimeFigureOut">
               <a:rPr lang="de-DE" smtClean="0"/>
-              <a:t>18.12.2020</a:t>
+              <a:t>17.01.2021</a:t>
             </a:fld>
             <a:endParaRPr lang="de-DE"/>
           </a:p>
@@ -763,7 +764,7 @@
           <a:p>
             <a:fld id="{FB965CEE-315E-405C-BA70-ED45D4E0DFFE}" type="datetimeFigureOut">
               <a:rPr lang="de-DE" smtClean="0"/>
-              <a:t>18.12.2020</a:t>
+              <a:t>17.01.2021</a:t>
             </a:fld>
             <a:endParaRPr lang="de-DE"/>
           </a:p>
@@ -1009,7 +1010,7 @@
           <a:p>
             <a:fld id="{FB965CEE-315E-405C-BA70-ED45D4E0DFFE}" type="datetimeFigureOut">
               <a:rPr lang="de-DE" smtClean="0"/>
-              <a:t>18.12.2020</a:t>
+              <a:t>17.01.2021</a:t>
             </a:fld>
             <a:endParaRPr lang="de-DE"/>
           </a:p>
@@ -1241,7 +1242,7 @@
           <a:p>
             <a:fld id="{FB965CEE-315E-405C-BA70-ED45D4E0DFFE}" type="datetimeFigureOut">
               <a:rPr lang="de-DE" smtClean="0"/>
-              <a:t>18.12.2020</a:t>
+              <a:t>17.01.2021</a:t>
             </a:fld>
             <a:endParaRPr lang="de-DE"/>
           </a:p>
@@ -1608,7 +1609,7 @@
           <a:p>
             <a:fld id="{FB965CEE-315E-405C-BA70-ED45D4E0DFFE}" type="datetimeFigureOut">
               <a:rPr lang="de-DE" smtClean="0"/>
-              <a:t>18.12.2020</a:t>
+              <a:t>17.01.2021</a:t>
             </a:fld>
             <a:endParaRPr lang="de-DE"/>
           </a:p>
@@ -1726,7 +1727,7 @@
           <a:p>
             <a:fld id="{FB965CEE-315E-405C-BA70-ED45D4E0DFFE}" type="datetimeFigureOut">
               <a:rPr lang="de-DE" smtClean="0"/>
-              <a:t>18.12.2020</a:t>
+              <a:t>17.01.2021</a:t>
             </a:fld>
             <a:endParaRPr lang="de-DE"/>
           </a:p>
@@ -1821,7 +1822,7 @@
           <a:p>
             <a:fld id="{FB965CEE-315E-405C-BA70-ED45D4E0DFFE}" type="datetimeFigureOut">
               <a:rPr lang="de-DE" smtClean="0"/>
-              <a:t>18.12.2020</a:t>
+              <a:t>17.01.2021</a:t>
             </a:fld>
             <a:endParaRPr lang="de-DE"/>
           </a:p>
@@ -2098,7 +2099,7 @@
           <a:p>
             <a:fld id="{FB965CEE-315E-405C-BA70-ED45D4E0DFFE}" type="datetimeFigureOut">
               <a:rPr lang="de-DE" smtClean="0"/>
-              <a:t>18.12.2020</a:t>
+              <a:t>17.01.2021</a:t>
             </a:fld>
             <a:endParaRPr lang="de-DE"/>
           </a:p>
@@ -2351,7 +2352,7 @@
           <a:p>
             <a:fld id="{FB965CEE-315E-405C-BA70-ED45D4E0DFFE}" type="datetimeFigureOut">
               <a:rPr lang="de-DE" smtClean="0"/>
-              <a:t>18.12.2020</a:t>
+              <a:t>17.01.2021</a:t>
             </a:fld>
             <a:endParaRPr lang="de-DE"/>
           </a:p>
@@ -2564,7 +2565,7 @@
           <a:p>
             <a:fld id="{FB965CEE-315E-405C-BA70-ED45D4E0DFFE}" type="datetimeFigureOut">
               <a:rPr lang="de-DE" smtClean="0"/>
-              <a:t>18.12.2020</a:t>
+              <a:t>17.01.2021</a:t>
             </a:fld>
             <a:endParaRPr lang="de-DE"/>
           </a:p>
@@ -3414,8 +3415,8 @@
         </p:nvSpPr>
         <p:spPr>
           <a:xfrm>
-            <a:off x="3180521" y="4200939"/>
-            <a:ext cx="8328991" cy="563218"/>
+            <a:off x="3783495" y="4200939"/>
+            <a:ext cx="7613371" cy="563218"/>
           </a:xfrm>
           <a:prstGeom prst="rect">
             <a:avLst/>
@@ -3444,7 +3445,11 @@
             <a:pPr algn="ctr"/>
             <a:r>
               <a:rPr lang="de-DE" dirty="0" smtClean="0"/>
-              <a:t>Internal Network 192.168.111.0/26</a:t>
+              <a:t>Internal Network </a:t>
+            </a:r>
+            <a:r>
+              <a:rPr lang="de-DE" dirty="0" smtClean="0"/>
+              <a:t>11.11.11.0/24</a:t>
             </a:r>
             <a:endParaRPr lang="de-DE" dirty="0"/>
           </a:p>
@@ -4794,6 +4799,2035 @@
 </p:sld>
 </file>
 
+<file path=ppt/slides/slide2.xml><?xml version="1.0" encoding="utf-8"?>
+<p:sld xmlns:a="http://schemas.openxmlformats.org/drawingml/2006/main" xmlns:r="http://schemas.openxmlformats.org/officeDocument/2006/relationships" xmlns:p="http://schemas.openxmlformats.org/presentationml/2006/main">
+  <p:cSld>
+    <p:spTree>
+      <p:nvGrpSpPr>
+        <p:cNvPr id="1" name=""/>
+        <p:cNvGrpSpPr/>
+        <p:nvPr/>
+      </p:nvGrpSpPr>
+      <p:grpSpPr>
+        <a:xfrm>
+          <a:off x="0" y="0"/>
+          <a:ext cx="0" cy="0"/>
+          <a:chOff x="0" y="0"/>
+          <a:chExt cx="0" cy="0"/>
+        </a:xfrm>
+      </p:grpSpPr>
+      <p:sp>
+        <p:nvSpPr>
+          <p:cNvPr id="8" name="Rechteck 7"/>
+          <p:cNvSpPr/>
+          <p:nvPr/>
+        </p:nvSpPr>
+        <p:spPr>
+          <a:xfrm>
+            <a:off x="2789583" y="225288"/>
+            <a:ext cx="9011478" cy="4764156"/>
+          </a:xfrm>
+          <a:prstGeom prst="rect">
+            <a:avLst/>
+          </a:prstGeom>
+          <a:noFill/>
+          <a:ln>
+            <a:prstDash val="dash"/>
+          </a:ln>
+        </p:spPr>
+        <p:style>
+          <a:lnRef idx="2">
+            <a:schemeClr val="accent1">
+              <a:shade val="50000"/>
+            </a:schemeClr>
+          </a:lnRef>
+          <a:fillRef idx="1">
+            <a:schemeClr val="accent1"/>
+          </a:fillRef>
+          <a:effectRef idx="0">
+            <a:schemeClr val="accent1"/>
+          </a:effectRef>
+          <a:fontRef idx="minor">
+            <a:schemeClr val="lt1"/>
+          </a:fontRef>
+        </p:style>
+        <p:txBody>
+          <a:bodyPr rtlCol="0" anchor="ctr"/>
+          <a:lstStyle/>
+          <a:p>
+            <a:pPr algn="ctr"/>
+            <a:endParaRPr lang="de-DE"/>
+          </a:p>
+        </p:txBody>
+      </p:sp>
+      <p:sp>
+        <p:nvSpPr>
+          <p:cNvPr id="9" name="Rechteck 8"/>
+          <p:cNvSpPr/>
+          <p:nvPr/>
+        </p:nvSpPr>
+        <p:spPr>
+          <a:xfrm>
+            <a:off x="278296" y="5189883"/>
+            <a:ext cx="11522765" cy="1033670"/>
+          </a:xfrm>
+          <a:prstGeom prst="rect">
+            <a:avLst/>
+          </a:prstGeom>
+        </p:spPr>
+        <p:style>
+          <a:lnRef idx="2">
+            <a:schemeClr val="accent1">
+              <a:shade val="50000"/>
+            </a:schemeClr>
+          </a:lnRef>
+          <a:fillRef idx="1">
+            <a:schemeClr val="accent1"/>
+          </a:fillRef>
+          <a:effectRef idx="0">
+            <a:schemeClr val="accent1"/>
+          </a:effectRef>
+          <a:fontRef idx="minor">
+            <a:schemeClr val="lt1"/>
+          </a:fontRef>
+        </p:style>
+        <p:txBody>
+          <a:bodyPr rtlCol="0" anchor="ctr"/>
+          <a:lstStyle/>
+          <a:p>
+            <a:pPr algn="ctr"/>
+            <a:r>
+              <a:rPr lang="de-DE" dirty="0" err="1" smtClean="0"/>
+              <a:t>openshift.home.local</a:t>
+            </a:r>
+            <a:endParaRPr lang="de-DE" dirty="0"/>
+          </a:p>
+        </p:txBody>
+      </p:sp>
+      <p:sp>
+        <p:nvSpPr>
+          <p:cNvPr id="10" name="Rechteck 9"/>
+          <p:cNvSpPr/>
+          <p:nvPr/>
+        </p:nvSpPr>
+        <p:spPr>
+          <a:xfrm>
+            <a:off x="7759039" y="380170"/>
+            <a:ext cx="1762539" cy="1033670"/>
+          </a:xfrm>
+          <a:prstGeom prst="rect">
+            <a:avLst/>
+          </a:prstGeom>
+          <a:solidFill>
+            <a:srgbClr val="C00000"/>
+          </a:solidFill>
+        </p:spPr>
+        <p:style>
+          <a:lnRef idx="2">
+            <a:schemeClr val="accent1">
+              <a:shade val="50000"/>
+            </a:schemeClr>
+          </a:lnRef>
+          <a:fillRef idx="1">
+            <a:schemeClr val="accent1"/>
+          </a:fillRef>
+          <a:effectRef idx="0">
+            <a:schemeClr val="accent1"/>
+          </a:effectRef>
+          <a:fontRef idx="minor">
+            <a:schemeClr val="lt1"/>
+          </a:fontRef>
+        </p:style>
+        <p:txBody>
+          <a:bodyPr rtlCol="0" anchor="ctr"/>
+          <a:lstStyle/>
+          <a:p>
+            <a:pPr algn="ctr"/>
+            <a:r>
+              <a:rPr lang="de-DE" dirty="0" smtClean="0"/>
+              <a:t>ocpmaster1</a:t>
+            </a:r>
+          </a:p>
+          <a:p>
+            <a:pPr algn="ctr"/>
+            <a:r>
+              <a:rPr lang="de-DE" dirty="0" smtClean="0"/>
+              <a:t>11.11.11.121</a:t>
+            </a:r>
+            <a:endParaRPr lang="de-DE" dirty="0"/>
+          </a:p>
+        </p:txBody>
+      </p:sp>
+      <p:sp>
+        <p:nvSpPr>
+          <p:cNvPr id="11" name="Rechteck 10"/>
+          <p:cNvSpPr/>
+          <p:nvPr/>
+        </p:nvSpPr>
+        <p:spPr>
+          <a:xfrm>
+            <a:off x="7759039" y="1533939"/>
+            <a:ext cx="1762539" cy="1033670"/>
+          </a:xfrm>
+          <a:prstGeom prst="rect">
+            <a:avLst/>
+          </a:prstGeom>
+          <a:solidFill>
+            <a:srgbClr val="C00000"/>
+          </a:solidFill>
+        </p:spPr>
+        <p:style>
+          <a:lnRef idx="2">
+            <a:schemeClr val="accent1">
+              <a:shade val="50000"/>
+            </a:schemeClr>
+          </a:lnRef>
+          <a:fillRef idx="1">
+            <a:schemeClr val="accent1"/>
+          </a:fillRef>
+          <a:effectRef idx="0">
+            <a:schemeClr val="accent1"/>
+          </a:effectRef>
+          <a:fontRef idx="minor">
+            <a:schemeClr val="lt1"/>
+          </a:fontRef>
+        </p:style>
+        <p:txBody>
+          <a:bodyPr rtlCol="0" anchor="ctr"/>
+          <a:lstStyle/>
+          <a:p>
+            <a:pPr algn="ctr"/>
+            <a:r>
+              <a:rPr lang="de-DE" dirty="0" smtClean="0"/>
+              <a:t>ocpmaster</a:t>
+            </a:r>
+            <a:r>
+              <a:rPr lang="de-DE" dirty="0" smtClean="0"/>
+              <a:t>2</a:t>
+            </a:r>
+          </a:p>
+          <a:p>
+            <a:pPr algn="ctr"/>
+            <a:r>
+              <a:rPr lang="de-DE" dirty="0" smtClean="0"/>
+              <a:t>11.11.11.122</a:t>
+            </a:r>
+            <a:endParaRPr lang="de-DE" dirty="0"/>
+          </a:p>
+        </p:txBody>
+      </p:sp>
+      <p:sp>
+        <p:nvSpPr>
+          <p:cNvPr id="12" name="Rechteck 11"/>
+          <p:cNvSpPr/>
+          <p:nvPr/>
+        </p:nvSpPr>
+        <p:spPr>
+          <a:xfrm>
+            <a:off x="7759036" y="2722079"/>
+            <a:ext cx="1762539" cy="1033670"/>
+          </a:xfrm>
+          <a:prstGeom prst="rect">
+            <a:avLst/>
+          </a:prstGeom>
+          <a:solidFill>
+            <a:srgbClr val="C00000"/>
+          </a:solidFill>
+        </p:spPr>
+        <p:style>
+          <a:lnRef idx="2">
+            <a:schemeClr val="accent1">
+              <a:shade val="50000"/>
+            </a:schemeClr>
+          </a:lnRef>
+          <a:fillRef idx="1">
+            <a:schemeClr val="accent1"/>
+          </a:fillRef>
+          <a:effectRef idx="0">
+            <a:schemeClr val="accent1"/>
+          </a:effectRef>
+          <a:fontRef idx="minor">
+            <a:schemeClr val="lt1"/>
+          </a:fontRef>
+        </p:style>
+        <p:txBody>
+          <a:bodyPr rtlCol="0" anchor="ctr"/>
+          <a:lstStyle/>
+          <a:p>
+            <a:pPr algn="ctr"/>
+            <a:r>
+              <a:rPr lang="de-DE" dirty="0" smtClean="0"/>
+              <a:t>ocpmaster3</a:t>
+            </a:r>
+          </a:p>
+          <a:p>
+            <a:pPr algn="ctr"/>
+            <a:r>
+              <a:rPr lang="de-DE" dirty="0" smtClean="0"/>
+              <a:t>11.11.11.123</a:t>
+            </a:r>
+            <a:endParaRPr lang="de-DE" dirty="0"/>
+          </a:p>
+        </p:txBody>
+      </p:sp>
+      <p:sp>
+        <p:nvSpPr>
+          <p:cNvPr id="13" name="Rechteck 12"/>
+          <p:cNvSpPr/>
+          <p:nvPr/>
+        </p:nvSpPr>
+        <p:spPr>
+          <a:xfrm>
+            <a:off x="9660725" y="380170"/>
+            <a:ext cx="1762539" cy="1033670"/>
+          </a:xfrm>
+          <a:prstGeom prst="rect">
+            <a:avLst/>
+          </a:prstGeom>
+          <a:solidFill>
+            <a:schemeClr val="accent2"/>
+          </a:solidFill>
+        </p:spPr>
+        <p:style>
+          <a:lnRef idx="2">
+            <a:schemeClr val="accent1">
+              <a:shade val="50000"/>
+            </a:schemeClr>
+          </a:lnRef>
+          <a:fillRef idx="1">
+            <a:schemeClr val="accent1"/>
+          </a:fillRef>
+          <a:effectRef idx="0">
+            <a:schemeClr val="accent1"/>
+          </a:effectRef>
+          <a:fontRef idx="minor">
+            <a:schemeClr val="lt1"/>
+          </a:fontRef>
+        </p:style>
+        <p:txBody>
+          <a:bodyPr rtlCol="0" anchor="ctr"/>
+          <a:lstStyle/>
+          <a:p>
+            <a:pPr algn="ctr"/>
+            <a:r>
+              <a:rPr lang="de-DE" dirty="0" smtClean="0"/>
+              <a:t>ocpworker1</a:t>
+            </a:r>
+          </a:p>
+          <a:p>
+            <a:pPr algn="ctr"/>
+            <a:r>
+              <a:rPr lang="de-DE" dirty="0" smtClean="0"/>
+              <a:t>11.11.11.124</a:t>
+            </a:r>
+            <a:endParaRPr lang="de-DE" dirty="0"/>
+          </a:p>
+        </p:txBody>
+      </p:sp>
+      <p:sp>
+        <p:nvSpPr>
+          <p:cNvPr id="14" name="Rechteck 13"/>
+          <p:cNvSpPr/>
+          <p:nvPr/>
+        </p:nvSpPr>
+        <p:spPr>
+          <a:xfrm>
+            <a:off x="9660725" y="1533939"/>
+            <a:ext cx="1762539" cy="1033670"/>
+          </a:xfrm>
+          <a:prstGeom prst="rect">
+            <a:avLst/>
+          </a:prstGeom>
+          <a:solidFill>
+            <a:schemeClr val="accent2"/>
+          </a:solidFill>
+        </p:spPr>
+        <p:style>
+          <a:lnRef idx="2">
+            <a:schemeClr val="accent1">
+              <a:shade val="50000"/>
+            </a:schemeClr>
+          </a:lnRef>
+          <a:fillRef idx="1">
+            <a:schemeClr val="accent1"/>
+          </a:fillRef>
+          <a:effectRef idx="0">
+            <a:schemeClr val="accent1"/>
+          </a:effectRef>
+          <a:fontRef idx="minor">
+            <a:schemeClr val="lt1"/>
+          </a:fontRef>
+        </p:style>
+        <p:txBody>
+          <a:bodyPr rtlCol="0" anchor="ctr"/>
+          <a:lstStyle/>
+          <a:p>
+            <a:pPr algn="ctr"/>
+            <a:r>
+              <a:rPr lang="de-DE" dirty="0" smtClean="0"/>
+              <a:t>ocpworker2</a:t>
+            </a:r>
+          </a:p>
+          <a:p>
+            <a:pPr algn="ctr"/>
+            <a:r>
+              <a:rPr lang="de-DE" dirty="0" smtClean="0"/>
+              <a:t>11.11.11.125</a:t>
+            </a:r>
+            <a:endParaRPr lang="de-DE" dirty="0"/>
+          </a:p>
+        </p:txBody>
+      </p:sp>
+      <p:sp>
+        <p:nvSpPr>
+          <p:cNvPr id="15" name="Rechteck 14"/>
+          <p:cNvSpPr/>
+          <p:nvPr/>
+        </p:nvSpPr>
+        <p:spPr>
+          <a:xfrm>
+            <a:off x="9660724" y="2722079"/>
+            <a:ext cx="1762539" cy="1033670"/>
+          </a:xfrm>
+          <a:prstGeom prst="rect">
+            <a:avLst/>
+          </a:prstGeom>
+          <a:solidFill>
+            <a:schemeClr val="accent2"/>
+          </a:solidFill>
+        </p:spPr>
+        <p:style>
+          <a:lnRef idx="2">
+            <a:schemeClr val="accent1">
+              <a:shade val="50000"/>
+            </a:schemeClr>
+          </a:lnRef>
+          <a:fillRef idx="1">
+            <a:schemeClr val="accent1"/>
+          </a:fillRef>
+          <a:effectRef idx="0">
+            <a:schemeClr val="accent1"/>
+          </a:effectRef>
+          <a:fontRef idx="minor">
+            <a:schemeClr val="lt1"/>
+          </a:fontRef>
+        </p:style>
+        <p:txBody>
+          <a:bodyPr rtlCol="0" anchor="ctr"/>
+          <a:lstStyle/>
+          <a:p>
+            <a:pPr algn="ctr"/>
+            <a:r>
+              <a:rPr lang="de-DE" dirty="0" smtClean="0"/>
+              <a:t>ocpworker3</a:t>
+            </a:r>
+          </a:p>
+          <a:p>
+            <a:pPr algn="ctr"/>
+            <a:r>
+              <a:rPr lang="de-DE" dirty="0" smtClean="0"/>
+              <a:t>11.11.11.126</a:t>
+            </a:r>
+            <a:endParaRPr lang="de-DE" dirty="0"/>
+          </a:p>
+        </p:txBody>
+      </p:sp>
+      <p:sp>
+        <p:nvSpPr>
+          <p:cNvPr id="16" name="Rechteck 15"/>
+          <p:cNvSpPr/>
+          <p:nvPr/>
+        </p:nvSpPr>
+        <p:spPr>
+          <a:xfrm>
+            <a:off x="3783495" y="4200939"/>
+            <a:ext cx="7613371" cy="563218"/>
+          </a:xfrm>
+          <a:prstGeom prst="rect">
+            <a:avLst/>
+          </a:prstGeom>
+        </p:spPr>
+        <p:style>
+          <a:lnRef idx="2">
+            <a:schemeClr val="accent6">
+              <a:shade val="50000"/>
+            </a:schemeClr>
+          </a:lnRef>
+          <a:fillRef idx="1">
+            <a:schemeClr val="accent6"/>
+          </a:fillRef>
+          <a:effectRef idx="0">
+            <a:schemeClr val="accent6"/>
+          </a:effectRef>
+          <a:fontRef idx="minor">
+            <a:schemeClr val="lt1"/>
+          </a:fontRef>
+        </p:style>
+        <p:txBody>
+          <a:bodyPr rtlCol="0" anchor="ctr"/>
+          <a:lstStyle/>
+          <a:p>
+            <a:pPr algn="ctr"/>
+            <a:r>
+              <a:rPr lang="de-DE" dirty="0" smtClean="0"/>
+              <a:t>Internal Network </a:t>
+            </a:r>
+            <a:r>
+              <a:rPr lang="de-DE" dirty="0" smtClean="0"/>
+              <a:t>11.11.11.0/24</a:t>
+            </a:r>
+            <a:endParaRPr lang="de-DE" dirty="0"/>
+          </a:p>
+        </p:txBody>
+      </p:sp>
+      <p:sp>
+        <p:nvSpPr>
+          <p:cNvPr id="17" name="Rechteck 16"/>
+          <p:cNvSpPr/>
+          <p:nvPr/>
+        </p:nvSpPr>
+        <p:spPr>
+          <a:xfrm>
+            <a:off x="689112" y="4200939"/>
+            <a:ext cx="1762539" cy="563218"/>
+          </a:xfrm>
+          <a:prstGeom prst="rect">
+            <a:avLst/>
+          </a:prstGeom>
+        </p:spPr>
+        <p:style>
+          <a:lnRef idx="2">
+            <a:schemeClr val="accent2">
+              <a:shade val="50000"/>
+            </a:schemeClr>
+          </a:lnRef>
+          <a:fillRef idx="1">
+            <a:schemeClr val="accent2"/>
+          </a:fillRef>
+          <a:effectRef idx="0">
+            <a:schemeClr val="accent2"/>
+          </a:effectRef>
+          <a:fontRef idx="minor">
+            <a:schemeClr val="lt1"/>
+          </a:fontRef>
+        </p:style>
+        <p:txBody>
+          <a:bodyPr rtlCol="0" anchor="ctr"/>
+          <a:lstStyle/>
+          <a:p>
+            <a:pPr algn="ctr"/>
+            <a:r>
+              <a:rPr lang="de-DE" sz="1200" dirty="0" err="1" smtClean="0"/>
+              <a:t>External</a:t>
+            </a:r>
+            <a:r>
+              <a:rPr lang="de-DE" sz="1200" dirty="0" smtClean="0"/>
+              <a:t> Network 10.0.249.0/24</a:t>
+            </a:r>
+            <a:endParaRPr lang="de-DE" sz="1200" dirty="0"/>
+          </a:p>
+        </p:txBody>
+      </p:sp>
+      <p:sp>
+        <p:nvSpPr>
+          <p:cNvPr id="18" name="Rechteck 17"/>
+          <p:cNvSpPr/>
+          <p:nvPr/>
+        </p:nvSpPr>
+        <p:spPr>
+          <a:xfrm>
+            <a:off x="278296" y="225288"/>
+            <a:ext cx="2358887" cy="4764156"/>
+          </a:xfrm>
+          <a:prstGeom prst="rect">
+            <a:avLst/>
+          </a:prstGeom>
+          <a:noFill/>
+          <a:ln>
+            <a:solidFill>
+              <a:schemeClr val="accent2"/>
+            </a:solidFill>
+            <a:prstDash val="dash"/>
+          </a:ln>
+        </p:spPr>
+        <p:style>
+          <a:lnRef idx="2">
+            <a:schemeClr val="accent1">
+              <a:shade val="50000"/>
+            </a:schemeClr>
+          </a:lnRef>
+          <a:fillRef idx="1">
+            <a:schemeClr val="accent1"/>
+          </a:fillRef>
+          <a:effectRef idx="0">
+            <a:schemeClr val="accent1"/>
+          </a:effectRef>
+          <a:fontRef idx="minor">
+            <a:schemeClr val="lt1"/>
+          </a:fontRef>
+        </p:style>
+        <p:txBody>
+          <a:bodyPr rtlCol="0" anchor="ctr"/>
+          <a:lstStyle/>
+          <a:p>
+            <a:pPr algn="ctr"/>
+            <a:endParaRPr lang="de-DE"/>
+          </a:p>
+        </p:txBody>
+      </p:sp>
+      <p:sp>
+        <p:nvSpPr>
+          <p:cNvPr id="21" name="Rechteck 20"/>
+          <p:cNvSpPr/>
+          <p:nvPr/>
+        </p:nvSpPr>
+        <p:spPr>
+          <a:xfrm>
+            <a:off x="3783495" y="1551734"/>
+            <a:ext cx="1762539" cy="1033670"/>
+          </a:xfrm>
+          <a:prstGeom prst="rect">
+            <a:avLst/>
+          </a:prstGeom>
+          <a:solidFill>
+            <a:schemeClr val="accent6"/>
+          </a:solidFill>
+        </p:spPr>
+        <p:style>
+          <a:lnRef idx="2">
+            <a:schemeClr val="accent1">
+              <a:shade val="50000"/>
+            </a:schemeClr>
+          </a:lnRef>
+          <a:fillRef idx="1">
+            <a:schemeClr val="accent1"/>
+          </a:fillRef>
+          <a:effectRef idx="0">
+            <a:schemeClr val="accent1"/>
+          </a:effectRef>
+          <a:fontRef idx="minor">
+            <a:schemeClr val="lt1"/>
+          </a:fontRef>
+        </p:style>
+        <p:txBody>
+          <a:bodyPr rtlCol="0" anchor="ctr"/>
+          <a:lstStyle/>
+          <a:p>
+            <a:pPr algn="ctr"/>
+            <a:r>
+              <a:rPr lang="de-DE" sz="1400" dirty="0" err="1" smtClean="0"/>
+              <a:t>ocpbastion</a:t>
+            </a:r>
+            <a:endParaRPr lang="de-DE" sz="1400" dirty="0" smtClean="0"/>
+          </a:p>
+          <a:p>
+            <a:pPr algn="ctr"/>
+            <a:r>
+              <a:rPr lang="de-DE" sz="1400" dirty="0" smtClean="0"/>
+              <a:t>11.11.11.120</a:t>
+            </a:r>
+            <a:endParaRPr lang="de-DE" sz="1400" dirty="0" smtClean="0"/>
+          </a:p>
+          <a:p>
+            <a:pPr algn="ctr"/>
+            <a:r>
+              <a:rPr lang="de-DE" sz="1400" dirty="0" smtClean="0"/>
+              <a:t>DNS</a:t>
+            </a:r>
+          </a:p>
+          <a:p>
+            <a:pPr algn="ctr"/>
+            <a:r>
+              <a:rPr lang="de-DE" sz="1400" dirty="0" smtClean="0"/>
+              <a:t>DHCP</a:t>
+            </a:r>
+          </a:p>
+          <a:p>
+            <a:pPr algn="ctr"/>
+            <a:r>
+              <a:rPr lang="de-DE" sz="1400" dirty="0" smtClean="0"/>
+              <a:t>PXE/TFTP</a:t>
+            </a:r>
+            <a:endParaRPr lang="de-DE" sz="1400" dirty="0"/>
+          </a:p>
+        </p:txBody>
+      </p:sp>
+      <p:sp>
+        <p:nvSpPr>
+          <p:cNvPr id="22" name="Rechteck 21"/>
+          <p:cNvSpPr/>
+          <p:nvPr/>
+        </p:nvSpPr>
+        <p:spPr>
+          <a:xfrm>
+            <a:off x="3776871" y="380170"/>
+            <a:ext cx="1762539" cy="1033670"/>
+          </a:xfrm>
+          <a:prstGeom prst="rect">
+            <a:avLst/>
+          </a:prstGeom>
+          <a:solidFill>
+            <a:srgbClr val="00B0F0"/>
+          </a:solidFill>
+        </p:spPr>
+        <p:style>
+          <a:lnRef idx="2">
+            <a:schemeClr val="accent1">
+              <a:shade val="50000"/>
+            </a:schemeClr>
+          </a:lnRef>
+          <a:fillRef idx="1">
+            <a:schemeClr val="accent1"/>
+          </a:fillRef>
+          <a:effectRef idx="0">
+            <a:schemeClr val="accent1"/>
+          </a:effectRef>
+          <a:fontRef idx="minor">
+            <a:schemeClr val="lt1"/>
+          </a:fontRef>
+        </p:style>
+        <p:txBody>
+          <a:bodyPr rtlCol="0" anchor="ctr"/>
+          <a:lstStyle/>
+          <a:p>
+            <a:pPr algn="ctr"/>
+            <a:r>
+              <a:rPr lang="de-DE" dirty="0" err="1" smtClean="0"/>
+              <a:t>ocpregistry</a:t>
+            </a:r>
+            <a:endParaRPr lang="de-DE" dirty="0" smtClean="0"/>
+          </a:p>
+          <a:p>
+            <a:pPr algn="ctr"/>
+            <a:r>
+              <a:rPr lang="de-DE" dirty="0" smtClean="0"/>
+              <a:t>11.11.11.130</a:t>
+            </a:r>
+            <a:endParaRPr lang="de-DE" dirty="0"/>
+          </a:p>
+        </p:txBody>
+      </p:sp>
+      <p:sp>
+        <p:nvSpPr>
+          <p:cNvPr id="23" name="Rechteck 22"/>
+          <p:cNvSpPr/>
+          <p:nvPr/>
+        </p:nvSpPr>
+        <p:spPr>
+          <a:xfrm>
+            <a:off x="3776870" y="2722079"/>
+            <a:ext cx="1762539" cy="1033670"/>
+          </a:xfrm>
+          <a:prstGeom prst="rect">
+            <a:avLst/>
+          </a:prstGeom>
+          <a:solidFill>
+            <a:schemeClr val="accent3"/>
+          </a:solidFill>
+        </p:spPr>
+        <p:style>
+          <a:lnRef idx="2">
+            <a:schemeClr val="accent1">
+              <a:shade val="50000"/>
+            </a:schemeClr>
+          </a:lnRef>
+          <a:fillRef idx="1">
+            <a:schemeClr val="accent1"/>
+          </a:fillRef>
+          <a:effectRef idx="0">
+            <a:schemeClr val="accent1"/>
+          </a:effectRef>
+          <a:fontRef idx="minor">
+            <a:schemeClr val="lt1"/>
+          </a:fontRef>
+        </p:style>
+        <p:txBody>
+          <a:bodyPr rtlCol="0" anchor="ctr"/>
+          <a:lstStyle/>
+          <a:p>
+            <a:pPr algn="ctr"/>
+            <a:r>
+              <a:rPr lang="de-DE" dirty="0" smtClean="0"/>
+              <a:t>ocplb01</a:t>
+            </a:r>
+          </a:p>
+          <a:p>
+            <a:pPr algn="ctr"/>
+            <a:r>
+              <a:rPr lang="de-DE" dirty="0" smtClean="0"/>
+              <a:t>11.11.11.128</a:t>
+            </a:r>
+            <a:endParaRPr lang="de-DE" dirty="0" smtClean="0"/>
+          </a:p>
+          <a:p>
+            <a:pPr algn="ctr"/>
+            <a:r>
+              <a:rPr lang="de-DE" dirty="0" err="1" smtClean="0"/>
+              <a:t>haproxy</a:t>
+            </a:r>
+            <a:endParaRPr lang="de-DE" dirty="0"/>
+          </a:p>
+        </p:txBody>
+      </p:sp>
+      <p:sp>
+        <p:nvSpPr>
+          <p:cNvPr id="32" name="Rechteck 31"/>
+          <p:cNvSpPr/>
+          <p:nvPr/>
+        </p:nvSpPr>
+        <p:spPr>
+          <a:xfrm>
+            <a:off x="5745535" y="1551734"/>
+            <a:ext cx="1762539" cy="1033670"/>
+          </a:xfrm>
+          <a:prstGeom prst="rect">
+            <a:avLst/>
+          </a:prstGeom>
+          <a:solidFill>
+            <a:schemeClr val="accent2"/>
+          </a:solidFill>
+        </p:spPr>
+        <p:style>
+          <a:lnRef idx="2">
+            <a:schemeClr val="accent1">
+              <a:shade val="50000"/>
+            </a:schemeClr>
+          </a:lnRef>
+          <a:fillRef idx="1">
+            <a:schemeClr val="accent1"/>
+          </a:fillRef>
+          <a:effectRef idx="0">
+            <a:schemeClr val="accent1"/>
+          </a:effectRef>
+          <a:fontRef idx="minor">
+            <a:schemeClr val="lt1"/>
+          </a:fontRef>
+        </p:style>
+        <p:txBody>
+          <a:bodyPr rtlCol="0" anchor="ctr"/>
+          <a:lstStyle/>
+          <a:p>
+            <a:pPr algn="ctr"/>
+            <a:r>
+              <a:rPr lang="de-DE" dirty="0" err="1" smtClean="0"/>
+              <a:t>ocpbootstrap</a:t>
+            </a:r>
+            <a:endParaRPr lang="de-DE" dirty="0" smtClean="0"/>
+          </a:p>
+          <a:p>
+            <a:pPr algn="ctr"/>
+            <a:r>
+              <a:rPr lang="de-DE" dirty="0" smtClean="0"/>
+              <a:t>11.11.11.127</a:t>
+            </a:r>
+            <a:endParaRPr lang="de-DE" dirty="0"/>
+          </a:p>
+        </p:txBody>
+      </p:sp>
+      <p:sp>
+        <p:nvSpPr>
+          <p:cNvPr id="4" name="Rechteck 3"/>
+          <p:cNvSpPr/>
+          <p:nvPr/>
+        </p:nvSpPr>
+        <p:spPr>
+          <a:xfrm>
+            <a:off x="685799" y="2331967"/>
+            <a:ext cx="1762539" cy="1033670"/>
+          </a:xfrm>
+          <a:prstGeom prst="rect">
+            <a:avLst/>
+          </a:prstGeom>
+        </p:spPr>
+        <p:style>
+          <a:lnRef idx="2">
+            <a:schemeClr val="accent1">
+              <a:shade val="50000"/>
+            </a:schemeClr>
+          </a:lnRef>
+          <a:fillRef idx="1">
+            <a:schemeClr val="accent1"/>
+          </a:fillRef>
+          <a:effectRef idx="0">
+            <a:schemeClr val="accent1"/>
+          </a:effectRef>
+          <a:fontRef idx="minor">
+            <a:schemeClr val="lt1"/>
+          </a:fontRef>
+        </p:style>
+        <p:txBody>
+          <a:bodyPr rtlCol="0" anchor="ctr"/>
+          <a:lstStyle/>
+          <a:p>
+            <a:pPr algn="ctr"/>
+            <a:r>
+              <a:rPr lang="de-DE" dirty="0" err="1" smtClean="0"/>
+              <a:t>Install</a:t>
+            </a:r>
+            <a:r>
+              <a:rPr lang="de-DE" dirty="0" smtClean="0"/>
+              <a:t> VM</a:t>
+            </a:r>
+          </a:p>
+          <a:p>
+            <a:pPr algn="ctr"/>
+            <a:r>
+              <a:rPr lang="de-DE" dirty="0" smtClean="0"/>
+              <a:t>Notebook</a:t>
+            </a:r>
+            <a:endParaRPr lang="de-DE" dirty="0"/>
+          </a:p>
+        </p:txBody>
+      </p:sp>
+      <p:cxnSp>
+        <p:nvCxnSpPr>
+          <p:cNvPr id="24" name="Gewinkelter Verbinder 23"/>
+          <p:cNvCxnSpPr>
+            <a:stCxn id="17" idx="0"/>
+            <a:endCxn id="4" idx="2"/>
+          </p:cNvCxnSpPr>
+          <p:nvPr/>
+        </p:nvCxnSpPr>
+        <p:spPr>
+          <a:xfrm rot="16200000" flipV="1">
+            <a:off x="1151075" y="3781631"/>
+            <a:ext cx="835302" cy="3313"/>
+          </a:xfrm>
+          <a:prstGeom prst="bentConnector3">
+            <a:avLst>
+              <a:gd name="adj1" fmla="val 50000"/>
+            </a:avLst>
+          </a:prstGeom>
+          <a:ln w="12700">
+            <a:solidFill>
+              <a:schemeClr val="accent2"/>
+            </a:solidFill>
+          </a:ln>
+        </p:spPr>
+        <p:style>
+          <a:lnRef idx="1">
+            <a:schemeClr val="accent1"/>
+          </a:lnRef>
+          <a:fillRef idx="0">
+            <a:schemeClr val="accent1"/>
+          </a:fillRef>
+          <a:effectRef idx="0">
+            <a:schemeClr val="accent1"/>
+          </a:effectRef>
+          <a:fontRef idx="minor">
+            <a:schemeClr val="tx1"/>
+          </a:fontRef>
+        </p:style>
+      </p:cxnSp>
+      <p:sp>
+        <p:nvSpPr>
+          <p:cNvPr id="27" name="Rechteck 26"/>
+          <p:cNvSpPr/>
+          <p:nvPr/>
+        </p:nvSpPr>
+        <p:spPr>
+          <a:xfrm>
+            <a:off x="1821456" y="380170"/>
+            <a:ext cx="1762539" cy="1033670"/>
+          </a:xfrm>
+          <a:prstGeom prst="rect">
+            <a:avLst/>
+          </a:prstGeom>
+        </p:spPr>
+        <p:style>
+          <a:lnRef idx="2">
+            <a:schemeClr val="accent1">
+              <a:shade val="50000"/>
+            </a:schemeClr>
+          </a:lnRef>
+          <a:fillRef idx="1">
+            <a:schemeClr val="accent1"/>
+          </a:fillRef>
+          <a:effectRef idx="0">
+            <a:schemeClr val="accent1"/>
+          </a:effectRef>
+          <a:fontRef idx="minor">
+            <a:schemeClr val="lt1"/>
+          </a:fontRef>
+        </p:style>
+        <p:txBody>
+          <a:bodyPr rtlCol="0" anchor="ctr"/>
+          <a:lstStyle/>
+          <a:p>
+            <a:pPr algn="ctr"/>
+            <a:r>
+              <a:rPr lang="de-DE" dirty="0" smtClean="0"/>
+              <a:t>Router-VM</a:t>
+            </a:r>
+            <a:endParaRPr lang="de-DE" dirty="0"/>
+          </a:p>
+        </p:txBody>
+      </p:sp>
+      <p:cxnSp>
+        <p:nvCxnSpPr>
+          <p:cNvPr id="33" name="Gewinkelter Verbinder 32"/>
+          <p:cNvCxnSpPr>
+            <a:stCxn id="16" idx="0"/>
+            <a:endCxn id="23" idx="2"/>
+          </p:cNvCxnSpPr>
+          <p:nvPr/>
+        </p:nvCxnSpPr>
+        <p:spPr>
+          <a:xfrm rot="16200000" flipV="1">
+            <a:off x="5901566" y="2512323"/>
+            <a:ext cx="445190" cy="2932041"/>
+          </a:xfrm>
+          <a:prstGeom prst="bentConnector3">
+            <a:avLst>
+              <a:gd name="adj1" fmla="val 50000"/>
+            </a:avLst>
+          </a:prstGeom>
+          <a:ln w="12700">
+            <a:solidFill>
+              <a:schemeClr val="accent6"/>
+            </a:solidFill>
+          </a:ln>
+        </p:spPr>
+        <p:style>
+          <a:lnRef idx="1">
+            <a:schemeClr val="accent1"/>
+          </a:lnRef>
+          <a:fillRef idx="0">
+            <a:schemeClr val="accent1"/>
+          </a:fillRef>
+          <a:effectRef idx="0">
+            <a:schemeClr val="accent1"/>
+          </a:effectRef>
+          <a:fontRef idx="minor">
+            <a:schemeClr val="tx1"/>
+          </a:fontRef>
+        </p:style>
+      </p:cxnSp>
+      <p:cxnSp>
+        <p:nvCxnSpPr>
+          <p:cNvPr id="34" name="Gewinkelter Verbinder 33"/>
+          <p:cNvCxnSpPr>
+            <a:stCxn id="16" idx="0"/>
+            <a:endCxn id="12" idx="2"/>
+          </p:cNvCxnSpPr>
+          <p:nvPr/>
+        </p:nvCxnSpPr>
+        <p:spPr>
+          <a:xfrm rot="5400000" flipH="1" flipV="1">
+            <a:off x="7892648" y="3453282"/>
+            <a:ext cx="445190" cy="1050125"/>
+          </a:xfrm>
+          <a:prstGeom prst="bentConnector3">
+            <a:avLst>
+              <a:gd name="adj1" fmla="val 50000"/>
+            </a:avLst>
+          </a:prstGeom>
+          <a:ln w="12700">
+            <a:solidFill>
+              <a:schemeClr val="accent6"/>
+            </a:solidFill>
+          </a:ln>
+        </p:spPr>
+        <p:style>
+          <a:lnRef idx="1">
+            <a:schemeClr val="accent1"/>
+          </a:lnRef>
+          <a:fillRef idx="0">
+            <a:schemeClr val="accent1"/>
+          </a:fillRef>
+          <a:effectRef idx="0">
+            <a:schemeClr val="accent1"/>
+          </a:effectRef>
+          <a:fontRef idx="minor">
+            <a:schemeClr val="tx1"/>
+          </a:fontRef>
+        </p:style>
+      </p:cxnSp>
+      <p:cxnSp>
+        <p:nvCxnSpPr>
+          <p:cNvPr id="37" name="Gewinkelter Verbinder 36"/>
+          <p:cNvCxnSpPr>
+            <a:stCxn id="16" idx="0"/>
+            <a:endCxn id="15" idx="2"/>
+          </p:cNvCxnSpPr>
+          <p:nvPr/>
+        </p:nvCxnSpPr>
+        <p:spPr>
+          <a:xfrm rot="5400000" flipH="1" flipV="1">
+            <a:off x="8843492" y="2502438"/>
+            <a:ext cx="445190" cy="2951813"/>
+          </a:xfrm>
+          <a:prstGeom prst="bentConnector3">
+            <a:avLst>
+              <a:gd name="adj1" fmla="val 50000"/>
+            </a:avLst>
+          </a:prstGeom>
+          <a:ln w="12700">
+            <a:solidFill>
+              <a:schemeClr val="accent6"/>
+            </a:solidFill>
+          </a:ln>
+        </p:spPr>
+        <p:style>
+          <a:lnRef idx="1">
+            <a:schemeClr val="accent1"/>
+          </a:lnRef>
+          <a:fillRef idx="0">
+            <a:schemeClr val="accent1"/>
+          </a:fillRef>
+          <a:effectRef idx="0">
+            <a:schemeClr val="accent1"/>
+          </a:effectRef>
+          <a:fontRef idx="minor">
+            <a:schemeClr val="tx1"/>
+          </a:fontRef>
+        </p:style>
+      </p:cxnSp>
+      <p:cxnSp>
+        <p:nvCxnSpPr>
+          <p:cNvPr id="40" name="Gewinkelter Verbinder 39"/>
+          <p:cNvCxnSpPr>
+            <a:stCxn id="16" idx="0"/>
+            <a:endCxn id="32" idx="2"/>
+          </p:cNvCxnSpPr>
+          <p:nvPr/>
+        </p:nvCxnSpPr>
+        <p:spPr>
+          <a:xfrm rot="16200000" flipV="1">
+            <a:off x="6300726" y="2911484"/>
+            <a:ext cx="1615535" cy="963376"/>
+          </a:xfrm>
+          <a:prstGeom prst="bentConnector3">
+            <a:avLst>
+              <a:gd name="adj1" fmla="val 50000"/>
+            </a:avLst>
+          </a:prstGeom>
+          <a:ln w="12700">
+            <a:solidFill>
+              <a:schemeClr val="accent6"/>
+            </a:solidFill>
+          </a:ln>
+        </p:spPr>
+        <p:style>
+          <a:lnRef idx="1">
+            <a:schemeClr val="accent1"/>
+          </a:lnRef>
+          <a:fillRef idx="0">
+            <a:schemeClr val="accent1"/>
+          </a:fillRef>
+          <a:effectRef idx="0">
+            <a:schemeClr val="accent1"/>
+          </a:effectRef>
+          <a:fontRef idx="minor">
+            <a:schemeClr val="tx1"/>
+          </a:fontRef>
+        </p:style>
+      </p:cxnSp>
+      <p:cxnSp>
+        <p:nvCxnSpPr>
+          <p:cNvPr id="43" name="Gewinkelter Verbinder 42"/>
+          <p:cNvCxnSpPr>
+            <a:stCxn id="16" idx="1"/>
+            <a:endCxn id="27" idx="3"/>
+          </p:cNvCxnSpPr>
+          <p:nvPr/>
+        </p:nvCxnSpPr>
+        <p:spPr>
+          <a:xfrm rot="10800000">
+            <a:off x="3583995" y="897006"/>
+            <a:ext cx="199500" cy="3585543"/>
+          </a:xfrm>
+          <a:prstGeom prst="bentConnector3">
+            <a:avLst>
+              <a:gd name="adj1" fmla="val 50000"/>
+            </a:avLst>
+          </a:prstGeom>
+          <a:ln w="12700">
+            <a:solidFill>
+              <a:schemeClr val="accent6"/>
+            </a:solidFill>
+          </a:ln>
+        </p:spPr>
+        <p:style>
+          <a:lnRef idx="1">
+            <a:schemeClr val="accent1"/>
+          </a:lnRef>
+          <a:fillRef idx="0">
+            <a:schemeClr val="accent1"/>
+          </a:fillRef>
+          <a:effectRef idx="0">
+            <a:schemeClr val="accent1"/>
+          </a:effectRef>
+          <a:fontRef idx="minor">
+            <a:schemeClr val="tx1"/>
+          </a:fontRef>
+        </p:style>
+      </p:cxnSp>
+      <p:cxnSp>
+        <p:nvCxnSpPr>
+          <p:cNvPr id="47" name="Gewinkelter Verbinder 46"/>
+          <p:cNvCxnSpPr>
+            <a:stCxn id="4" idx="0"/>
+            <a:endCxn id="27" idx="1"/>
+          </p:cNvCxnSpPr>
+          <p:nvPr/>
+        </p:nvCxnSpPr>
+        <p:spPr>
+          <a:xfrm rot="5400000" flipH="1" flipV="1">
+            <a:off x="976781" y="1487293"/>
+            <a:ext cx="1434962" cy="254387"/>
+          </a:xfrm>
+          <a:prstGeom prst="bentConnector2">
+            <a:avLst/>
+          </a:prstGeom>
+          <a:ln w="12700">
+            <a:solidFill>
+              <a:schemeClr val="accent2"/>
+            </a:solidFill>
+          </a:ln>
+        </p:spPr>
+        <p:style>
+          <a:lnRef idx="1">
+            <a:schemeClr val="accent1"/>
+          </a:lnRef>
+          <a:fillRef idx="0">
+            <a:schemeClr val="accent1"/>
+          </a:fillRef>
+          <a:effectRef idx="0">
+            <a:schemeClr val="accent1"/>
+          </a:effectRef>
+          <a:fontRef idx="minor">
+            <a:schemeClr val="tx1"/>
+          </a:fontRef>
+        </p:style>
+      </p:cxnSp>
+    </p:spTree>
+    <p:extLst>
+      <p:ext uri="{BB962C8B-B14F-4D97-AF65-F5344CB8AC3E}">
+        <p14:creationId xmlns:p14="http://schemas.microsoft.com/office/powerpoint/2010/main" val="3071569064"/>
+      </p:ext>
+    </p:extLst>
+  </p:cSld>
+  <p:clrMapOvr>
+    <a:masterClrMapping/>
+  </p:clrMapOvr>
+  <p:timing>
+    <p:tnLst>
+      <p:par>
+        <p:cTn id="1" dur="indefinite" restart="never" nodeType="tmRoot">
+          <p:childTnLst>
+            <p:seq concurrent="1" nextAc="seek">
+              <p:cTn id="2" dur="indefinite" nodeType="mainSeq">
+                <p:childTnLst>
+                  <p:par>
+                    <p:cTn id="3" fill="hold">
+                      <p:stCondLst>
+                        <p:cond delay="indefinite"/>
+                      </p:stCondLst>
+                      <p:childTnLst>
+                        <p:par>
+                          <p:cTn id="4" fill="hold">
+                            <p:stCondLst>
+                              <p:cond delay="0"/>
+                            </p:stCondLst>
+                            <p:childTnLst>
+                              <p:par>
+                                <p:cTn id="5" presetID="1" presetClass="entr" presetSubtype="0" fill="hold" grpId="0" nodeType="clickEffect">
+                                  <p:stCondLst>
+                                    <p:cond delay="0"/>
+                                  </p:stCondLst>
+                                  <p:childTnLst>
+                                    <p:set>
+                                      <p:cBhvr>
+                                        <p:cTn id="6" dur="1" fill="hold">
+                                          <p:stCondLst>
+                                            <p:cond delay="0"/>
+                                          </p:stCondLst>
+                                        </p:cTn>
+                                        <p:tgtEl>
+                                          <p:spTgt spid="9"/>
+                                        </p:tgtEl>
+                                        <p:attrNameLst>
+                                          <p:attrName>style.visibility</p:attrName>
+                                        </p:attrNameLst>
+                                      </p:cBhvr>
+                                      <p:to>
+                                        <p:strVal val="visible"/>
+                                      </p:to>
+                                    </p:set>
+                                  </p:childTnLst>
+                                </p:cTn>
+                              </p:par>
+                            </p:childTnLst>
+                          </p:cTn>
+                        </p:par>
+                      </p:childTnLst>
+                    </p:cTn>
+                  </p:par>
+                  <p:par>
+                    <p:cTn id="7" fill="hold">
+                      <p:stCondLst>
+                        <p:cond delay="indefinite"/>
+                      </p:stCondLst>
+                      <p:childTnLst>
+                        <p:par>
+                          <p:cTn id="8" fill="hold">
+                            <p:stCondLst>
+                              <p:cond delay="0"/>
+                            </p:stCondLst>
+                            <p:childTnLst>
+                              <p:par>
+                                <p:cTn id="9" presetID="1" presetClass="entr" presetSubtype="0" fill="hold" grpId="0" nodeType="clickEffect">
+                                  <p:stCondLst>
+                                    <p:cond delay="0"/>
+                                  </p:stCondLst>
+                                  <p:childTnLst>
+                                    <p:set>
+                                      <p:cBhvr>
+                                        <p:cTn id="10" dur="1" fill="hold">
+                                          <p:stCondLst>
+                                            <p:cond delay="0"/>
+                                          </p:stCondLst>
+                                        </p:cTn>
+                                        <p:tgtEl>
+                                          <p:spTgt spid="17"/>
+                                        </p:tgtEl>
+                                        <p:attrNameLst>
+                                          <p:attrName>style.visibility</p:attrName>
+                                        </p:attrNameLst>
+                                      </p:cBhvr>
+                                      <p:to>
+                                        <p:strVal val="visible"/>
+                                      </p:to>
+                                    </p:set>
+                                  </p:childTnLst>
+                                </p:cTn>
+                              </p:par>
+                            </p:childTnLst>
+                          </p:cTn>
+                        </p:par>
+                      </p:childTnLst>
+                    </p:cTn>
+                  </p:par>
+                  <p:par>
+                    <p:cTn id="11" fill="hold">
+                      <p:stCondLst>
+                        <p:cond delay="indefinite"/>
+                      </p:stCondLst>
+                      <p:childTnLst>
+                        <p:par>
+                          <p:cTn id="12" fill="hold">
+                            <p:stCondLst>
+                              <p:cond delay="0"/>
+                            </p:stCondLst>
+                            <p:childTnLst>
+                              <p:par>
+                                <p:cTn id="13" presetID="1" presetClass="entr" presetSubtype="0" fill="hold" grpId="0" nodeType="clickEffect">
+                                  <p:stCondLst>
+                                    <p:cond delay="0"/>
+                                  </p:stCondLst>
+                                  <p:childTnLst>
+                                    <p:set>
+                                      <p:cBhvr>
+                                        <p:cTn id="14" dur="1" fill="hold">
+                                          <p:stCondLst>
+                                            <p:cond delay="0"/>
+                                          </p:stCondLst>
+                                        </p:cTn>
+                                        <p:tgtEl>
+                                          <p:spTgt spid="16"/>
+                                        </p:tgtEl>
+                                        <p:attrNameLst>
+                                          <p:attrName>style.visibility</p:attrName>
+                                        </p:attrNameLst>
+                                      </p:cBhvr>
+                                      <p:to>
+                                        <p:strVal val="visible"/>
+                                      </p:to>
+                                    </p:set>
+                                  </p:childTnLst>
+                                </p:cTn>
+                              </p:par>
+                            </p:childTnLst>
+                          </p:cTn>
+                        </p:par>
+                      </p:childTnLst>
+                    </p:cTn>
+                  </p:par>
+                  <p:par>
+                    <p:cTn id="15" fill="hold">
+                      <p:stCondLst>
+                        <p:cond delay="indefinite"/>
+                      </p:stCondLst>
+                      <p:childTnLst>
+                        <p:par>
+                          <p:cTn id="16" fill="hold">
+                            <p:stCondLst>
+                              <p:cond delay="0"/>
+                            </p:stCondLst>
+                            <p:childTnLst>
+                              <p:par>
+                                <p:cTn id="17" presetID="1" presetClass="entr" presetSubtype="0" fill="hold" grpId="0" nodeType="clickEffect">
+                                  <p:stCondLst>
+                                    <p:cond delay="0"/>
+                                  </p:stCondLst>
+                                  <p:childTnLst>
+                                    <p:set>
+                                      <p:cBhvr>
+                                        <p:cTn id="18" dur="1" fill="hold">
+                                          <p:stCondLst>
+                                            <p:cond delay="0"/>
+                                          </p:stCondLst>
+                                        </p:cTn>
+                                        <p:tgtEl>
+                                          <p:spTgt spid="18"/>
+                                        </p:tgtEl>
+                                        <p:attrNameLst>
+                                          <p:attrName>style.visibility</p:attrName>
+                                        </p:attrNameLst>
+                                      </p:cBhvr>
+                                      <p:to>
+                                        <p:strVal val="visible"/>
+                                      </p:to>
+                                    </p:set>
+                                  </p:childTnLst>
+                                </p:cTn>
+                              </p:par>
+                            </p:childTnLst>
+                          </p:cTn>
+                        </p:par>
+                      </p:childTnLst>
+                    </p:cTn>
+                  </p:par>
+                  <p:par>
+                    <p:cTn id="19" fill="hold">
+                      <p:stCondLst>
+                        <p:cond delay="indefinite"/>
+                      </p:stCondLst>
+                      <p:childTnLst>
+                        <p:par>
+                          <p:cTn id="20" fill="hold">
+                            <p:stCondLst>
+                              <p:cond delay="0"/>
+                            </p:stCondLst>
+                            <p:childTnLst>
+                              <p:par>
+                                <p:cTn id="21" presetID="1" presetClass="entr" presetSubtype="0" fill="hold" grpId="0" nodeType="clickEffect">
+                                  <p:stCondLst>
+                                    <p:cond delay="0"/>
+                                  </p:stCondLst>
+                                  <p:childTnLst>
+                                    <p:set>
+                                      <p:cBhvr>
+                                        <p:cTn id="22" dur="1" fill="hold">
+                                          <p:stCondLst>
+                                            <p:cond delay="0"/>
+                                          </p:stCondLst>
+                                        </p:cTn>
+                                        <p:tgtEl>
+                                          <p:spTgt spid="8"/>
+                                        </p:tgtEl>
+                                        <p:attrNameLst>
+                                          <p:attrName>style.visibility</p:attrName>
+                                        </p:attrNameLst>
+                                      </p:cBhvr>
+                                      <p:to>
+                                        <p:strVal val="visible"/>
+                                      </p:to>
+                                    </p:set>
+                                  </p:childTnLst>
+                                </p:cTn>
+                              </p:par>
+                            </p:childTnLst>
+                          </p:cTn>
+                        </p:par>
+                      </p:childTnLst>
+                    </p:cTn>
+                  </p:par>
+                  <p:par>
+                    <p:cTn id="23" fill="hold">
+                      <p:stCondLst>
+                        <p:cond delay="indefinite"/>
+                      </p:stCondLst>
+                      <p:childTnLst>
+                        <p:par>
+                          <p:cTn id="24" fill="hold">
+                            <p:stCondLst>
+                              <p:cond delay="0"/>
+                            </p:stCondLst>
+                            <p:childTnLst>
+                              <p:par>
+                                <p:cTn id="25" presetID="1" presetClass="entr" presetSubtype="0" fill="hold" grpId="0" nodeType="clickEffect">
+                                  <p:stCondLst>
+                                    <p:cond delay="0"/>
+                                  </p:stCondLst>
+                                  <p:childTnLst>
+                                    <p:set>
+                                      <p:cBhvr>
+                                        <p:cTn id="26" dur="1" fill="hold">
+                                          <p:stCondLst>
+                                            <p:cond delay="0"/>
+                                          </p:stCondLst>
+                                        </p:cTn>
+                                        <p:tgtEl>
+                                          <p:spTgt spid="4"/>
+                                        </p:tgtEl>
+                                        <p:attrNameLst>
+                                          <p:attrName>style.visibility</p:attrName>
+                                        </p:attrNameLst>
+                                      </p:cBhvr>
+                                      <p:to>
+                                        <p:strVal val="visible"/>
+                                      </p:to>
+                                    </p:set>
+                                  </p:childTnLst>
+                                </p:cTn>
+                              </p:par>
+                            </p:childTnLst>
+                          </p:cTn>
+                        </p:par>
+                      </p:childTnLst>
+                    </p:cTn>
+                  </p:par>
+                  <p:par>
+                    <p:cTn id="27" fill="hold">
+                      <p:stCondLst>
+                        <p:cond delay="indefinite"/>
+                      </p:stCondLst>
+                      <p:childTnLst>
+                        <p:par>
+                          <p:cTn id="28" fill="hold">
+                            <p:stCondLst>
+                              <p:cond delay="0"/>
+                            </p:stCondLst>
+                            <p:childTnLst>
+                              <p:par>
+                                <p:cTn id="29" presetID="1" presetClass="entr" presetSubtype="0" fill="hold" grpId="0" nodeType="clickEffect">
+                                  <p:stCondLst>
+                                    <p:cond delay="0"/>
+                                  </p:stCondLst>
+                                  <p:childTnLst>
+                                    <p:set>
+                                      <p:cBhvr>
+                                        <p:cTn id="30" dur="1" fill="hold">
+                                          <p:stCondLst>
+                                            <p:cond delay="0"/>
+                                          </p:stCondLst>
+                                        </p:cTn>
+                                        <p:tgtEl>
+                                          <p:spTgt spid="21"/>
+                                        </p:tgtEl>
+                                        <p:attrNameLst>
+                                          <p:attrName>style.visibility</p:attrName>
+                                        </p:attrNameLst>
+                                      </p:cBhvr>
+                                      <p:to>
+                                        <p:strVal val="visible"/>
+                                      </p:to>
+                                    </p:set>
+                                  </p:childTnLst>
+                                </p:cTn>
+                              </p:par>
+                            </p:childTnLst>
+                          </p:cTn>
+                        </p:par>
+                      </p:childTnLst>
+                    </p:cTn>
+                  </p:par>
+                  <p:par>
+                    <p:cTn id="31" fill="hold">
+                      <p:stCondLst>
+                        <p:cond delay="indefinite"/>
+                      </p:stCondLst>
+                      <p:childTnLst>
+                        <p:par>
+                          <p:cTn id="32" fill="hold">
+                            <p:stCondLst>
+                              <p:cond delay="0"/>
+                            </p:stCondLst>
+                            <p:childTnLst>
+                              <p:par>
+                                <p:cTn id="33" presetID="1" presetClass="entr" presetSubtype="0" fill="hold" grpId="0" nodeType="clickEffect">
+                                  <p:stCondLst>
+                                    <p:cond delay="0"/>
+                                  </p:stCondLst>
+                                  <p:childTnLst>
+                                    <p:set>
+                                      <p:cBhvr>
+                                        <p:cTn id="34" dur="1" fill="hold">
+                                          <p:stCondLst>
+                                            <p:cond delay="0"/>
+                                          </p:stCondLst>
+                                        </p:cTn>
+                                        <p:tgtEl>
+                                          <p:spTgt spid="22"/>
+                                        </p:tgtEl>
+                                        <p:attrNameLst>
+                                          <p:attrName>style.visibility</p:attrName>
+                                        </p:attrNameLst>
+                                      </p:cBhvr>
+                                      <p:to>
+                                        <p:strVal val="visible"/>
+                                      </p:to>
+                                    </p:set>
+                                  </p:childTnLst>
+                                </p:cTn>
+                              </p:par>
+                            </p:childTnLst>
+                          </p:cTn>
+                        </p:par>
+                      </p:childTnLst>
+                    </p:cTn>
+                  </p:par>
+                  <p:par>
+                    <p:cTn id="35" fill="hold">
+                      <p:stCondLst>
+                        <p:cond delay="indefinite"/>
+                      </p:stCondLst>
+                      <p:childTnLst>
+                        <p:par>
+                          <p:cTn id="36" fill="hold">
+                            <p:stCondLst>
+                              <p:cond delay="0"/>
+                            </p:stCondLst>
+                            <p:childTnLst>
+                              <p:par>
+                                <p:cTn id="37" presetID="1" presetClass="entr" presetSubtype="0" fill="hold" grpId="0" nodeType="clickEffect">
+                                  <p:stCondLst>
+                                    <p:cond delay="0"/>
+                                  </p:stCondLst>
+                                  <p:childTnLst>
+                                    <p:set>
+                                      <p:cBhvr>
+                                        <p:cTn id="38" dur="1" fill="hold">
+                                          <p:stCondLst>
+                                            <p:cond delay="0"/>
+                                          </p:stCondLst>
+                                        </p:cTn>
+                                        <p:tgtEl>
+                                          <p:spTgt spid="23"/>
+                                        </p:tgtEl>
+                                        <p:attrNameLst>
+                                          <p:attrName>style.visibility</p:attrName>
+                                        </p:attrNameLst>
+                                      </p:cBhvr>
+                                      <p:to>
+                                        <p:strVal val="visible"/>
+                                      </p:to>
+                                    </p:set>
+                                  </p:childTnLst>
+                                </p:cTn>
+                              </p:par>
+                            </p:childTnLst>
+                          </p:cTn>
+                        </p:par>
+                      </p:childTnLst>
+                    </p:cTn>
+                  </p:par>
+                  <p:par>
+                    <p:cTn id="39" fill="hold">
+                      <p:stCondLst>
+                        <p:cond delay="indefinite"/>
+                      </p:stCondLst>
+                      <p:childTnLst>
+                        <p:par>
+                          <p:cTn id="40" fill="hold">
+                            <p:stCondLst>
+                              <p:cond delay="0"/>
+                            </p:stCondLst>
+                            <p:childTnLst>
+                              <p:par>
+                                <p:cTn id="41" presetID="1" presetClass="entr" presetSubtype="0" fill="hold" grpId="0" nodeType="clickEffect">
+                                  <p:stCondLst>
+                                    <p:cond delay="0"/>
+                                  </p:stCondLst>
+                                  <p:childTnLst>
+                                    <p:set>
+                                      <p:cBhvr>
+                                        <p:cTn id="42" dur="1" fill="hold">
+                                          <p:stCondLst>
+                                            <p:cond delay="0"/>
+                                          </p:stCondLst>
+                                        </p:cTn>
+                                        <p:tgtEl>
+                                          <p:spTgt spid="10"/>
+                                        </p:tgtEl>
+                                        <p:attrNameLst>
+                                          <p:attrName>style.visibility</p:attrName>
+                                        </p:attrNameLst>
+                                      </p:cBhvr>
+                                      <p:to>
+                                        <p:strVal val="visible"/>
+                                      </p:to>
+                                    </p:set>
+                                  </p:childTnLst>
+                                </p:cTn>
+                              </p:par>
+                            </p:childTnLst>
+                          </p:cTn>
+                        </p:par>
+                      </p:childTnLst>
+                    </p:cTn>
+                  </p:par>
+                  <p:par>
+                    <p:cTn id="43" fill="hold">
+                      <p:stCondLst>
+                        <p:cond delay="indefinite"/>
+                      </p:stCondLst>
+                      <p:childTnLst>
+                        <p:par>
+                          <p:cTn id="44" fill="hold">
+                            <p:stCondLst>
+                              <p:cond delay="0"/>
+                            </p:stCondLst>
+                            <p:childTnLst>
+                              <p:par>
+                                <p:cTn id="45" presetID="1" presetClass="entr" presetSubtype="0" fill="hold" grpId="0" nodeType="clickEffect">
+                                  <p:stCondLst>
+                                    <p:cond delay="0"/>
+                                  </p:stCondLst>
+                                  <p:childTnLst>
+                                    <p:set>
+                                      <p:cBhvr>
+                                        <p:cTn id="46" dur="1" fill="hold">
+                                          <p:stCondLst>
+                                            <p:cond delay="0"/>
+                                          </p:stCondLst>
+                                        </p:cTn>
+                                        <p:tgtEl>
+                                          <p:spTgt spid="11"/>
+                                        </p:tgtEl>
+                                        <p:attrNameLst>
+                                          <p:attrName>style.visibility</p:attrName>
+                                        </p:attrNameLst>
+                                      </p:cBhvr>
+                                      <p:to>
+                                        <p:strVal val="visible"/>
+                                      </p:to>
+                                    </p:set>
+                                  </p:childTnLst>
+                                </p:cTn>
+                              </p:par>
+                            </p:childTnLst>
+                          </p:cTn>
+                        </p:par>
+                      </p:childTnLst>
+                    </p:cTn>
+                  </p:par>
+                  <p:par>
+                    <p:cTn id="47" fill="hold">
+                      <p:stCondLst>
+                        <p:cond delay="indefinite"/>
+                      </p:stCondLst>
+                      <p:childTnLst>
+                        <p:par>
+                          <p:cTn id="48" fill="hold">
+                            <p:stCondLst>
+                              <p:cond delay="0"/>
+                            </p:stCondLst>
+                            <p:childTnLst>
+                              <p:par>
+                                <p:cTn id="49" presetID="1" presetClass="entr" presetSubtype="0" fill="hold" grpId="0" nodeType="clickEffect">
+                                  <p:stCondLst>
+                                    <p:cond delay="0"/>
+                                  </p:stCondLst>
+                                  <p:childTnLst>
+                                    <p:set>
+                                      <p:cBhvr>
+                                        <p:cTn id="50" dur="1" fill="hold">
+                                          <p:stCondLst>
+                                            <p:cond delay="0"/>
+                                          </p:stCondLst>
+                                        </p:cTn>
+                                        <p:tgtEl>
+                                          <p:spTgt spid="12"/>
+                                        </p:tgtEl>
+                                        <p:attrNameLst>
+                                          <p:attrName>style.visibility</p:attrName>
+                                        </p:attrNameLst>
+                                      </p:cBhvr>
+                                      <p:to>
+                                        <p:strVal val="visible"/>
+                                      </p:to>
+                                    </p:set>
+                                  </p:childTnLst>
+                                </p:cTn>
+                              </p:par>
+                            </p:childTnLst>
+                          </p:cTn>
+                        </p:par>
+                      </p:childTnLst>
+                    </p:cTn>
+                  </p:par>
+                  <p:par>
+                    <p:cTn id="51" fill="hold">
+                      <p:stCondLst>
+                        <p:cond delay="indefinite"/>
+                      </p:stCondLst>
+                      <p:childTnLst>
+                        <p:par>
+                          <p:cTn id="52" fill="hold">
+                            <p:stCondLst>
+                              <p:cond delay="0"/>
+                            </p:stCondLst>
+                            <p:childTnLst>
+                              <p:par>
+                                <p:cTn id="53" presetID="1" presetClass="entr" presetSubtype="0" fill="hold" grpId="0" nodeType="clickEffect">
+                                  <p:stCondLst>
+                                    <p:cond delay="0"/>
+                                  </p:stCondLst>
+                                  <p:childTnLst>
+                                    <p:set>
+                                      <p:cBhvr>
+                                        <p:cTn id="54" dur="1" fill="hold">
+                                          <p:stCondLst>
+                                            <p:cond delay="0"/>
+                                          </p:stCondLst>
+                                        </p:cTn>
+                                        <p:tgtEl>
+                                          <p:spTgt spid="13"/>
+                                        </p:tgtEl>
+                                        <p:attrNameLst>
+                                          <p:attrName>style.visibility</p:attrName>
+                                        </p:attrNameLst>
+                                      </p:cBhvr>
+                                      <p:to>
+                                        <p:strVal val="visible"/>
+                                      </p:to>
+                                    </p:set>
+                                  </p:childTnLst>
+                                </p:cTn>
+                              </p:par>
+                            </p:childTnLst>
+                          </p:cTn>
+                        </p:par>
+                      </p:childTnLst>
+                    </p:cTn>
+                  </p:par>
+                  <p:par>
+                    <p:cTn id="55" fill="hold">
+                      <p:stCondLst>
+                        <p:cond delay="indefinite"/>
+                      </p:stCondLst>
+                      <p:childTnLst>
+                        <p:par>
+                          <p:cTn id="56" fill="hold">
+                            <p:stCondLst>
+                              <p:cond delay="0"/>
+                            </p:stCondLst>
+                            <p:childTnLst>
+                              <p:par>
+                                <p:cTn id="57" presetID="1" presetClass="entr" presetSubtype="0" fill="hold" grpId="0" nodeType="clickEffect">
+                                  <p:stCondLst>
+                                    <p:cond delay="0"/>
+                                  </p:stCondLst>
+                                  <p:childTnLst>
+                                    <p:set>
+                                      <p:cBhvr>
+                                        <p:cTn id="58" dur="1" fill="hold">
+                                          <p:stCondLst>
+                                            <p:cond delay="0"/>
+                                          </p:stCondLst>
+                                        </p:cTn>
+                                        <p:tgtEl>
+                                          <p:spTgt spid="14"/>
+                                        </p:tgtEl>
+                                        <p:attrNameLst>
+                                          <p:attrName>style.visibility</p:attrName>
+                                        </p:attrNameLst>
+                                      </p:cBhvr>
+                                      <p:to>
+                                        <p:strVal val="visible"/>
+                                      </p:to>
+                                    </p:set>
+                                  </p:childTnLst>
+                                </p:cTn>
+                              </p:par>
+                            </p:childTnLst>
+                          </p:cTn>
+                        </p:par>
+                      </p:childTnLst>
+                    </p:cTn>
+                  </p:par>
+                  <p:par>
+                    <p:cTn id="59" fill="hold">
+                      <p:stCondLst>
+                        <p:cond delay="indefinite"/>
+                      </p:stCondLst>
+                      <p:childTnLst>
+                        <p:par>
+                          <p:cTn id="60" fill="hold">
+                            <p:stCondLst>
+                              <p:cond delay="0"/>
+                            </p:stCondLst>
+                            <p:childTnLst>
+                              <p:par>
+                                <p:cTn id="61" presetID="1" presetClass="entr" presetSubtype="0" fill="hold" grpId="0" nodeType="clickEffect">
+                                  <p:stCondLst>
+                                    <p:cond delay="0"/>
+                                  </p:stCondLst>
+                                  <p:childTnLst>
+                                    <p:set>
+                                      <p:cBhvr>
+                                        <p:cTn id="62" dur="1" fill="hold">
+                                          <p:stCondLst>
+                                            <p:cond delay="0"/>
+                                          </p:stCondLst>
+                                        </p:cTn>
+                                        <p:tgtEl>
+                                          <p:spTgt spid="15"/>
+                                        </p:tgtEl>
+                                        <p:attrNameLst>
+                                          <p:attrName>style.visibility</p:attrName>
+                                        </p:attrNameLst>
+                                      </p:cBhvr>
+                                      <p:to>
+                                        <p:strVal val="visible"/>
+                                      </p:to>
+                                    </p:set>
+                                  </p:childTnLst>
+                                </p:cTn>
+                              </p:par>
+                            </p:childTnLst>
+                          </p:cTn>
+                        </p:par>
+                      </p:childTnLst>
+                    </p:cTn>
+                  </p:par>
+                  <p:par>
+                    <p:cTn id="63" fill="hold">
+                      <p:stCondLst>
+                        <p:cond delay="indefinite"/>
+                      </p:stCondLst>
+                      <p:childTnLst>
+                        <p:par>
+                          <p:cTn id="64" fill="hold">
+                            <p:stCondLst>
+                              <p:cond delay="0"/>
+                            </p:stCondLst>
+                            <p:childTnLst>
+                              <p:par>
+                                <p:cTn id="65" presetID="1" presetClass="entr" presetSubtype="0" fill="hold" grpId="0" nodeType="clickEffect">
+                                  <p:stCondLst>
+                                    <p:cond delay="0"/>
+                                  </p:stCondLst>
+                                  <p:childTnLst>
+                                    <p:set>
+                                      <p:cBhvr>
+                                        <p:cTn id="66" dur="1" fill="hold">
+                                          <p:stCondLst>
+                                            <p:cond delay="0"/>
+                                          </p:stCondLst>
+                                        </p:cTn>
+                                        <p:tgtEl>
+                                          <p:spTgt spid="32"/>
+                                        </p:tgtEl>
+                                        <p:attrNameLst>
+                                          <p:attrName>style.visibility</p:attrName>
+                                        </p:attrNameLst>
+                                      </p:cBhvr>
+                                      <p:to>
+                                        <p:strVal val="visible"/>
+                                      </p:to>
+                                    </p:set>
+                                  </p:childTnLst>
+                                </p:cTn>
+                              </p:par>
+                            </p:childTnLst>
+                          </p:cTn>
+                        </p:par>
+                      </p:childTnLst>
+                    </p:cTn>
+                  </p:par>
+                  <p:par>
+                    <p:cTn id="67" fill="hold">
+                      <p:stCondLst>
+                        <p:cond delay="indefinite"/>
+                      </p:stCondLst>
+                      <p:childTnLst>
+                        <p:par>
+                          <p:cTn id="68" fill="hold">
+                            <p:stCondLst>
+                              <p:cond delay="0"/>
+                            </p:stCondLst>
+                            <p:childTnLst>
+                              <p:par>
+                                <p:cTn id="69" presetID="1" presetClass="entr" presetSubtype="0" fill="hold" grpId="0" nodeType="clickEffect">
+                                  <p:stCondLst>
+                                    <p:cond delay="0"/>
+                                  </p:stCondLst>
+                                  <p:childTnLst>
+                                    <p:set>
+                                      <p:cBhvr>
+                                        <p:cTn id="70" dur="1" fill="hold">
+                                          <p:stCondLst>
+                                            <p:cond delay="0"/>
+                                          </p:stCondLst>
+                                        </p:cTn>
+                                        <p:tgtEl>
+                                          <p:spTgt spid="27"/>
+                                        </p:tgtEl>
+                                        <p:attrNameLst>
+                                          <p:attrName>style.visibility</p:attrName>
+                                        </p:attrNameLst>
+                                      </p:cBhvr>
+                                      <p:to>
+                                        <p:strVal val="visible"/>
+                                      </p:to>
+                                    </p:set>
+                                  </p:childTnLst>
+                                </p:cTn>
+                              </p:par>
+                            </p:childTnLst>
+                          </p:cTn>
+                        </p:par>
+                      </p:childTnLst>
+                    </p:cTn>
+                  </p:par>
+                </p:childTnLst>
+              </p:cTn>
+              <p:prevCondLst>
+                <p:cond evt="onPrev" delay="0">
+                  <p:tgtEl>
+                    <p:sldTgt/>
+                  </p:tgtEl>
+                </p:cond>
+              </p:prevCondLst>
+              <p:nextCondLst>
+                <p:cond evt="onNext" delay="0">
+                  <p:tgtEl>
+                    <p:sldTgt/>
+                  </p:tgtEl>
+                </p:cond>
+              </p:nextCondLst>
+            </p:seq>
+          </p:childTnLst>
+        </p:cTn>
+      </p:par>
+    </p:tnLst>
+    <p:bldLst>
+      <p:bldP spid="8" grpId="0" animBg="1"/>
+      <p:bldP spid="9" grpId="0" animBg="1"/>
+      <p:bldP spid="10" grpId="0" animBg="1"/>
+      <p:bldP spid="11" grpId="0" animBg="1"/>
+      <p:bldP spid="12" grpId="0" animBg="1"/>
+      <p:bldP spid="13" grpId="0" animBg="1"/>
+      <p:bldP spid="14" grpId="0" animBg="1"/>
+      <p:bldP spid="15" grpId="0" animBg="1"/>
+      <p:bldP spid="16" grpId="0" animBg="1"/>
+      <p:bldP spid="17" grpId="0" animBg="1"/>
+      <p:bldP spid="18" grpId="0" animBg="1"/>
+      <p:bldP spid="21" grpId="0" animBg="1"/>
+      <p:bldP spid="22" grpId="0" animBg="1"/>
+      <p:bldP spid="23" grpId="0" animBg="1"/>
+      <p:bldP spid="32" grpId="0" animBg="1"/>
+      <p:bldP spid="4" grpId="0" animBg="1"/>
+      <p:bldP spid="27" grpId="0" animBg="1"/>
+    </p:bldLst>
+  </p:timing>
+</p:sld>
+</file>
+
 <file path=ppt/theme/theme1.xml><?xml version="1.0" encoding="utf-8"?>
 <a:theme xmlns:a="http://schemas.openxmlformats.org/drawingml/2006/main" name="Office">
   <a:themeElements>

--- a/Architecture-Overview.pptx
+++ b/Architecture-Overview.pptx
@@ -6,6 +6,7 @@
   </p:sldMasterIdLst>
   <p:sldIdLst>
     <p:sldId id="256" r:id="rId2"/>
+    <p:sldId id="257" r:id="rId3"/>
   </p:sldIdLst>
   <p:sldSz cx="12192000" cy="6858000"/>
   <p:notesSz cx="6858000" cy="9144000"/>
@@ -243,7 +244,7 @@
           <a:p>
             <a:fld id="{FB965CEE-315E-405C-BA70-ED45D4E0DFFE}" type="datetimeFigureOut">
               <a:rPr lang="de-DE" smtClean="0"/>
-              <a:t>18.12.2020</a:t>
+              <a:t>22.01.2021</a:t>
             </a:fld>
             <a:endParaRPr lang="de-DE"/>
           </a:p>
@@ -413,7 +414,7 @@
           <a:p>
             <a:fld id="{FB965CEE-315E-405C-BA70-ED45D4E0DFFE}" type="datetimeFigureOut">
               <a:rPr lang="de-DE" smtClean="0"/>
-              <a:t>18.12.2020</a:t>
+              <a:t>22.01.2021</a:t>
             </a:fld>
             <a:endParaRPr lang="de-DE"/>
           </a:p>
@@ -593,7 +594,7 @@
           <a:p>
             <a:fld id="{FB965CEE-315E-405C-BA70-ED45D4E0DFFE}" type="datetimeFigureOut">
               <a:rPr lang="de-DE" smtClean="0"/>
-              <a:t>18.12.2020</a:t>
+              <a:t>22.01.2021</a:t>
             </a:fld>
             <a:endParaRPr lang="de-DE"/>
           </a:p>
@@ -763,7 +764,7 @@
           <a:p>
             <a:fld id="{FB965CEE-315E-405C-BA70-ED45D4E0DFFE}" type="datetimeFigureOut">
               <a:rPr lang="de-DE" smtClean="0"/>
-              <a:t>18.12.2020</a:t>
+              <a:t>22.01.2021</a:t>
             </a:fld>
             <a:endParaRPr lang="de-DE"/>
           </a:p>
@@ -1009,7 +1010,7 @@
           <a:p>
             <a:fld id="{FB965CEE-315E-405C-BA70-ED45D4E0DFFE}" type="datetimeFigureOut">
               <a:rPr lang="de-DE" smtClean="0"/>
-              <a:t>18.12.2020</a:t>
+              <a:t>22.01.2021</a:t>
             </a:fld>
             <a:endParaRPr lang="de-DE"/>
           </a:p>
@@ -1241,7 +1242,7 @@
           <a:p>
             <a:fld id="{FB965CEE-315E-405C-BA70-ED45D4E0DFFE}" type="datetimeFigureOut">
               <a:rPr lang="de-DE" smtClean="0"/>
-              <a:t>18.12.2020</a:t>
+              <a:t>22.01.2021</a:t>
             </a:fld>
             <a:endParaRPr lang="de-DE"/>
           </a:p>
@@ -1608,7 +1609,7 @@
           <a:p>
             <a:fld id="{FB965CEE-315E-405C-BA70-ED45D4E0DFFE}" type="datetimeFigureOut">
               <a:rPr lang="de-DE" smtClean="0"/>
-              <a:t>18.12.2020</a:t>
+              <a:t>22.01.2021</a:t>
             </a:fld>
             <a:endParaRPr lang="de-DE"/>
           </a:p>
@@ -1726,7 +1727,7 @@
           <a:p>
             <a:fld id="{FB965CEE-315E-405C-BA70-ED45D4E0DFFE}" type="datetimeFigureOut">
               <a:rPr lang="de-DE" smtClean="0"/>
-              <a:t>18.12.2020</a:t>
+              <a:t>22.01.2021</a:t>
             </a:fld>
             <a:endParaRPr lang="de-DE"/>
           </a:p>
@@ -1821,7 +1822,7 @@
           <a:p>
             <a:fld id="{FB965CEE-315E-405C-BA70-ED45D4E0DFFE}" type="datetimeFigureOut">
               <a:rPr lang="de-DE" smtClean="0"/>
-              <a:t>18.12.2020</a:t>
+              <a:t>22.01.2021</a:t>
             </a:fld>
             <a:endParaRPr lang="de-DE"/>
           </a:p>
@@ -2098,7 +2099,7 @@
           <a:p>
             <a:fld id="{FB965CEE-315E-405C-BA70-ED45D4E0DFFE}" type="datetimeFigureOut">
               <a:rPr lang="de-DE" smtClean="0"/>
-              <a:t>18.12.2020</a:t>
+              <a:t>22.01.2021</a:t>
             </a:fld>
             <a:endParaRPr lang="de-DE"/>
           </a:p>
@@ -2351,7 +2352,7 @@
           <a:p>
             <a:fld id="{FB965CEE-315E-405C-BA70-ED45D4E0DFFE}" type="datetimeFigureOut">
               <a:rPr lang="de-DE" smtClean="0"/>
-              <a:t>18.12.2020</a:t>
+              <a:t>22.01.2021</a:t>
             </a:fld>
             <a:endParaRPr lang="de-DE"/>
           </a:p>
@@ -2564,7 +2565,7 @@
           <a:p>
             <a:fld id="{FB965CEE-315E-405C-BA70-ED45D4E0DFFE}" type="datetimeFigureOut">
               <a:rPr lang="de-DE" smtClean="0"/>
-              <a:t>18.12.2020</a:t>
+              <a:t>22.01.2021</a:t>
             </a:fld>
             <a:endParaRPr lang="de-DE"/>
           </a:p>
@@ -2977,8 +2978,8 @@
         </p:nvSpPr>
         <p:spPr>
           <a:xfrm>
-            <a:off x="689111" y="2966830"/>
-            <a:ext cx="1762539" cy="1033670"/>
+            <a:off x="452176" y="4994130"/>
+            <a:ext cx="1999473" cy="429512"/>
           </a:xfrm>
           <a:prstGeom prst="rect">
             <a:avLst/>
@@ -3006,21 +3007,18 @@
           <a:p>
             <a:pPr algn="ctr"/>
             <a:r>
-              <a:rPr lang="de-DE" dirty="0" err="1" smtClean="0"/>
+              <a:rPr lang="de-DE" sz="1400" dirty="0" err="1" smtClean="0"/>
               <a:t>Install</a:t>
             </a:r>
             <a:r>
-              <a:rPr lang="de-DE" dirty="0" smtClean="0"/>
-              <a:t> VM</a:t>
-            </a:r>
-          </a:p>
-          <a:p>
-            <a:pPr algn="ctr"/>
-            <a:r>
-              <a:rPr lang="de-DE" dirty="0" smtClean="0"/>
-              <a:t>Notebook</a:t>
-            </a:r>
-            <a:endParaRPr lang="de-DE" dirty="0"/>
+              <a:rPr lang="de-DE" sz="1400" dirty="0" smtClean="0"/>
+              <a:t> </a:t>
+            </a:r>
+            <a:r>
+              <a:rPr lang="de-DE" sz="1400" dirty="0" smtClean="0"/>
+              <a:t>VM</a:t>
+            </a:r>
+            <a:endParaRPr lang="de-DE" sz="1400" dirty="0" smtClean="0"/>
           </a:p>
         </p:txBody>
       </p:sp>
@@ -3032,8 +3030,8 @@
         </p:nvSpPr>
         <p:spPr>
           <a:xfrm>
-            <a:off x="2789583" y="225288"/>
-            <a:ext cx="9011478" cy="4764156"/>
+            <a:off x="7375491" y="3295859"/>
+            <a:ext cx="4425570" cy="2793441"/>
           </a:xfrm>
           <a:prstGeom prst="rect">
             <a:avLst/>
@@ -3060,11 +3058,23 @@
           </a:fontRef>
         </p:style>
         <p:txBody>
-          <a:bodyPr rtlCol="0" anchor="ctr"/>
+          <a:bodyPr rtlCol="0" anchor="t"/>
           <a:lstStyle/>
           <a:p>
             <a:pPr algn="ctr"/>
-            <a:endParaRPr lang="de-DE"/>
+            <a:r>
+              <a:rPr lang="de-DE" dirty="0" err="1" smtClean="0">
+                <a:solidFill>
+                  <a:schemeClr val="tx1"/>
+                </a:solidFill>
+              </a:rPr>
+              <a:t>openshift.local</a:t>
+            </a:r>
+            <a:endParaRPr lang="de-DE" dirty="0">
+              <a:solidFill>
+                <a:schemeClr val="tx1"/>
+              </a:solidFill>
+            </a:endParaRPr>
           </a:p>
         </p:txBody>
       </p:sp>
@@ -3076,8 +3086,8 @@
         </p:nvSpPr>
         <p:spPr>
           <a:xfrm>
-            <a:off x="278296" y="5189883"/>
-            <a:ext cx="11522765" cy="1033670"/>
+            <a:off x="278296" y="6252540"/>
+            <a:ext cx="11522765" cy="489502"/>
           </a:xfrm>
           <a:prstGeom prst="rect">
             <a:avLst/>
@@ -3132,8 +3142,8 @@
         </p:nvSpPr>
         <p:spPr>
           <a:xfrm>
-            <a:off x="5817703" y="380170"/>
-            <a:ext cx="1762539" cy="1033670"/>
+            <a:off x="9051487" y="3706855"/>
+            <a:ext cx="1168555" cy="519404"/>
           </a:xfrm>
           <a:prstGeom prst="rect">
             <a:avLst/>
@@ -3159,15 +3169,20 @@
           </a:fontRef>
         </p:style>
         <p:txBody>
-          <a:bodyPr rtlCol="0" anchor="ctr"/>
-          <a:lstStyle/>
-          <a:p>
-            <a:pPr algn="ctr"/>
-            <a:r>
-              <a:rPr lang="de-DE" dirty="0" smtClean="0"/>
+          <a:bodyPr rtlCol="0" anchor="t"/>
+          <a:lstStyle/>
+          <a:p>
+            <a:r>
+              <a:rPr lang="de-DE" sz="1400" dirty="0" smtClean="0"/>
               <a:t>Master#1</a:t>
             </a:r>
-            <a:endParaRPr lang="de-DE" dirty="0"/>
+          </a:p>
+          <a:p>
+            <a:r>
+              <a:rPr lang="de-DE" sz="1400" dirty="0" smtClean="0"/>
+              <a:t>11.11.11.121</a:t>
+            </a:r>
+            <a:endParaRPr lang="de-DE" sz="1400" dirty="0"/>
           </a:p>
         </p:txBody>
       </p:sp>
@@ -3179,8 +3194,8 @@
         </p:nvSpPr>
         <p:spPr>
           <a:xfrm>
-            <a:off x="5817703" y="1533939"/>
-            <a:ext cx="1762539" cy="1033670"/>
+            <a:off x="9051487" y="4307879"/>
+            <a:ext cx="1168555" cy="519404"/>
           </a:xfrm>
           <a:prstGeom prst="rect">
             <a:avLst/>
@@ -3206,15 +3221,20 @@
           </a:fontRef>
         </p:style>
         <p:txBody>
-          <a:bodyPr rtlCol="0" anchor="ctr"/>
-          <a:lstStyle/>
-          <a:p>
-            <a:pPr algn="ctr"/>
-            <a:r>
-              <a:rPr lang="de-DE" dirty="0" smtClean="0"/>
+          <a:bodyPr rtlCol="0" anchor="t"/>
+          <a:lstStyle/>
+          <a:p>
+            <a:r>
+              <a:rPr lang="de-DE" sz="1400" dirty="0" smtClean="0"/>
               <a:t>Master#2</a:t>
             </a:r>
-            <a:endParaRPr lang="de-DE" dirty="0"/>
+          </a:p>
+          <a:p>
+            <a:r>
+              <a:rPr lang="de-DE" sz="1400" dirty="0" smtClean="0"/>
+              <a:t>11.11.11.122</a:t>
+            </a:r>
+            <a:endParaRPr lang="de-DE" sz="1400" dirty="0"/>
           </a:p>
         </p:txBody>
       </p:sp>
@@ -3226,8 +3246,8 @@
         </p:nvSpPr>
         <p:spPr>
           <a:xfrm>
-            <a:off x="5817700" y="2722079"/>
-            <a:ext cx="1762539" cy="1033670"/>
+            <a:off x="9051488" y="4908903"/>
+            <a:ext cx="1168555" cy="519404"/>
           </a:xfrm>
           <a:prstGeom prst="rect">
             <a:avLst/>
@@ -3253,15 +3273,20 @@
           </a:fontRef>
         </p:style>
         <p:txBody>
-          <a:bodyPr rtlCol="0" anchor="ctr"/>
-          <a:lstStyle/>
-          <a:p>
-            <a:pPr algn="ctr"/>
-            <a:r>
-              <a:rPr lang="de-DE" dirty="0" smtClean="0"/>
+          <a:bodyPr rtlCol="0" anchor="t"/>
+          <a:lstStyle/>
+          <a:p>
+            <a:r>
+              <a:rPr lang="de-DE" sz="1400" dirty="0" smtClean="0"/>
               <a:t>Master#3</a:t>
             </a:r>
-            <a:endParaRPr lang="de-DE" dirty="0"/>
+          </a:p>
+          <a:p>
+            <a:r>
+              <a:rPr lang="de-DE" sz="1400" dirty="0" smtClean="0"/>
+              <a:t>11.11.11.123</a:t>
+            </a:r>
+            <a:endParaRPr lang="de-DE" sz="1400" dirty="0"/>
           </a:p>
         </p:txBody>
       </p:sp>
@@ -3273,8 +3298,8 @@
         </p:nvSpPr>
         <p:spPr>
           <a:xfrm>
-            <a:off x="7719389" y="380170"/>
-            <a:ext cx="1762539" cy="1033670"/>
+            <a:off x="10372443" y="3702191"/>
+            <a:ext cx="1168555" cy="519404"/>
           </a:xfrm>
           <a:prstGeom prst="rect">
             <a:avLst/>
@@ -3300,15 +3325,20 @@
           </a:fontRef>
         </p:style>
         <p:txBody>
-          <a:bodyPr rtlCol="0" anchor="ctr"/>
-          <a:lstStyle/>
-          <a:p>
-            <a:pPr algn="ctr"/>
-            <a:r>
-              <a:rPr lang="de-DE" dirty="0" smtClean="0"/>
+          <a:bodyPr rtlCol="0" anchor="t"/>
+          <a:lstStyle/>
+          <a:p>
+            <a:r>
+              <a:rPr lang="de-DE" sz="1400" dirty="0" smtClean="0"/>
               <a:t>Worker#1</a:t>
             </a:r>
-            <a:endParaRPr lang="de-DE" dirty="0"/>
+          </a:p>
+          <a:p>
+            <a:r>
+              <a:rPr lang="de-DE" sz="1400" dirty="0" smtClean="0"/>
+              <a:t>11.11.11.124</a:t>
+            </a:r>
+            <a:endParaRPr lang="de-DE" sz="1400" dirty="0"/>
           </a:p>
         </p:txBody>
       </p:sp>
@@ -3320,8 +3350,8 @@
         </p:nvSpPr>
         <p:spPr>
           <a:xfrm>
-            <a:off x="7719389" y="1533939"/>
-            <a:ext cx="1762539" cy="1033670"/>
+            <a:off x="10372444" y="4303215"/>
+            <a:ext cx="1168555" cy="519404"/>
           </a:xfrm>
           <a:prstGeom prst="rect">
             <a:avLst/>
@@ -3347,15 +3377,20 @@
           </a:fontRef>
         </p:style>
         <p:txBody>
-          <a:bodyPr rtlCol="0" anchor="ctr"/>
-          <a:lstStyle/>
-          <a:p>
-            <a:pPr algn="ctr"/>
-            <a:r>
-              <a:rPr lang="de-DE" dirty="0" smtClean="0"/>
+          <a:bodyPr rtlCol="0" anchor="t"/>
+          <a:lstStyle/>
+          <a:p>
+            <a:r>
+              <a:rPr lang="de-DE" sz="1400" dirty="0" smtClean="0"/>
               <a:t>Worker#2</a:t>
             </a:r>
-            <a:endParaRPr lang="de-DE" dirty="0"/>
+          </a:p>
+          <a:p>
+            <a:r>
+              <a:rPr lang="de-DE" sz="1400" dirty="0" smtClean="0"/>
+              <a:t>11.11.11.125</a:t>
+            </a:r>
+            <a:endParaRPr lang="de-DE" sz="1400" dirty="0"/>
           </a:p>
         </p:txBody>
       </p:sp>
@@ -3367,8 +3402,8 @@
         </p:nvSpPr>
         <p:spPr>
           <a:xfrm>
-            <a:off x="7719388" y="2722079"/>
-            <a:ext cx="1762539" cy="1033670"/>
+            <a:off x="10372445" y="4904239"/>
+            <a:ext cx="1168555" cy="519404"/>
           </a:xfrm>
           <a:prstGeom prst="rect">
             <a:avLst/>
@@ -3394,15 +3429,20 @@
           </a:fontRef>
         </p:style>
         <p:txBody>
-          <a:bodyPr rtlCol="0" anchor="ctr"/>
-          <a:lstStyle/>
-          <a:p>
-            <a:pPr algn="ctr"/>
-            <a:r>
-              <a:rPr lang="de-DE" dirty="0" smtClean="0"/>
+          <a:bodyPr rtlCol="0" anchor="t"/>
+          <a:lstStyle/>
+          <a:p>
+            <a:r>
+              <a:rPr lang="de-DE" sz="1400" dirty="0" smtClean="0"/>
               <a:t>Worker#3</a:t>
             </a:r>
-            <a:endParaRPr lang="de-DE" dirty="0"/>
+          </a:p>
+          <a:p>
+            <a:r>
+              <a:rPr lang="de-DE" sz="1400" dirty="0" smtClean="0"/>
+              <a:t>11.11.11.126</a:t>
+            </a:r>
+            <a:endParaRPr lang="de-DE" sz="1400" dirty="0"/>
           </a:p>
         </p:txBody>
       </p:sp>
@@ -3414,8 +3454,8 @@
         </p:nvSpPr>
         <p:spPr>
           <a:xfrm>
-            <a:off x="3180521" y="4200939"/>
-            <a:ext cx="8328991" cy="563218"/>
+            <a:off x="7611586" y="5586883"/>
+            <a:ext cx="3929413" cy="379079"/>
           </a:xfrm>
           <a:prstGeom prst="rect">
             <a:avLst/>
@@ -3443,10 +3483,14 @@
           <a:p>
             <a:pPr algn="ctr"/>
             <a:r>
-              <a:rPr lang="de-DE" dirty="0" smtClean="0"/>
-              <a:t>Internal Network 192.168.111.0/26</a:t>
-            </a:r>
-            <a:endParaRPr lang="de-DE" dirty="0"/>
+              <a:rPr lang="de-DE" sz="1400" dirty="0" smtClean="0"/>
+              <a:t>Internal Network </a:t>
+            </a:r>
+            <a:r>
+              <a:rPr lang="de-DE" sz="1400" dirty="0" smtClean="0"/>
+              <a:t>11.11.11.0/24</a:t>
+            </a:r>
+            <a:endParaRPr lang="de-DE" sz="1400" dirty="0"/>
           </a:p>
         </p:txBody>
       </p:sp>
@@ -3458,8 +3502,8 @@
         </p:nvSpPr>
         <p:spPr>
           <a:xfrm>
-            <a:off x="689112" y="4200939"/>
-            <a:ext cx="1762539" cy="563218"/>
+            <a:off x="452176" y="5586882"/>
+            <a:ext cx="1999473" cy="379079"/>
           </a:xfrm>
           <a:prstGeom prst="rect">
             <a:avLst/>
@@ -3506,8 +3550,8 @@
         </p:nvSpPr>
         <p:spPr>
           <a:xfrm>
-            <a:off x="278296" y="225288"/>
-            <a:ext cx="2358887" cy="4764156"/>
+            <a:off x="278296" y="2763297"/>
+            <a:ext cx="2358887" cy="3326002"/>
           </a:xfrm>
           <a:prstGeom prst="rect">
             <a:avLst/>
@@ -3553,58 +3597,16 @@
         </p:nvSpPr>
         <p:spPr>
           <a:xfrm>
-            <a:off x="1832114" y="1079224"/>
-            <a:ext cx="1762539" cy="1033670"/>
-          </a:xfrm>
-          <a:prstGeom prst="rect">
-            <a:avLst/>
-          </a:prstGeom>
-        </p:spPr>
-        <p:style>
-          <a:lnRef idx="2">
-            <a:schemeClr val="accent1">
-              <a:shade val="50000"/>
-            </a:schemeClr>
-          </a:lnRef>
-          <a:fillRef idx="1">
-            <a:schemeClr val="accent1"/>
-          </a:fillRef>
-          <a:effectRef idx="0">
-            <a:schemeClr val="accent1"/>
-          </a:effectRef>
-          <a:fontRef idx="minor">
-            <a:schemeClr val="lt1"/>
-          </a:fontRef>
-        </p:style>
-        <p:txBody>
-          <a:bodyPr rtlCol="0" anchor="ctr"/>
-          <a:lstStyle/>
-          <a:p>
-            <a:pPr algn="ctr"/>
-            <a:r>
-              <a:rPr lang="de-DE" dirty="0" smtClean="0"/>
-              <a:t>Router-VM</a:t>
-            </a:r>
-            <a:endParaRPr lang="de-DE" dirty="0"/>
-          </a:p>
-        </p:txBody>
-      </p:sp>
-      <p:sp>
-        <p:nvSpPr>
-          <p:cNvPr id="20" name="Rechteck 19"/>
-          <p:cNvSpPr/>
-          <p:nvPr/>
-        </p:nvSpPr>
-        <p:spPr>
-          <a:xfrm>
-            <a:off x="9634328" y="380170"/>
-            <a:ext cx="1762539" cy="1033670"/>
+            <a:off x="452175" y="3001963"/>
+            <a:ext cx="1999473" cy="1027426"/>
           </a:xfrm>
           <a:prstGeom prst="rect">
             <a:avLst/>
           </a:prstGeom>
           <a:solidFill>
-            <a:schemeClr val="accent2"/>
+            <a:schemeClr val="accent2">
+              <a:lumMod val="75000"/>
+            </a:schemeClr>
           </a:solidFill>
         </p:spPr>
         <p:style>
@@ -3624,15 +3626,32 @@
           </a:fontRef>
         </p:style>
         <p:txBody>
-          <a:bodyPr rtlCol="0" anchor="ctr"/>
-          <a:lstStyle/>
-          <a:p>
-            <a:pPr algn="ctr"/>
-            <a:r>
-              <a:rPr lang="de-DE" dirty="0" smtClean="0"/>
-              <a:t>Worker#4</a:t>
-            </a:r>
-            <a:endParaRPr lang="de-DE" dirty="0"/>
+          <a:bodyPr rtlCol="0" anchor="t"/>
+          <a:lstStyle/>
+          <a:p>
+            <a:r>
+              <a:rPr lang="de-DE" sz="1400" dirty="0" smtClean="0"/>
+              <a:t>Router-VM</a:t>
+            </a:r>
+          </a:p>
+          <a:p>
+            <a:r>
+              <a:rPr lang="de-DE" sz="1400" dirty="0" smtClean="0"/>
+              <a:t>10.0.249.94/24</a:t>
+            </a:r>
+          </a:p>
+          <a:p>
+            <a:r>
+              <a:rPr lang="de-DE" sz="1400" dirty="0" smtClean="0"/>
+              <a:t>11.11.11.1/24</a:t>
+            </a:r>
+          </a:p>
+          <a:p>
+            <a:r>
+              <a:rPr lang="de-DE" sz="1400" dirty="0" smtClean="0"/>
+              <a:t>11.11.10.1/24</a:t>
+            </a:r>
+            <a:endParaRPr lang="de-DE" sz="1400" dirty="0"/>
           </a:p>
         </p:txBody>
       </p:sp>
@@ -3644,8 +3663,8 @@
         </p:nvSpPr>
         <p:spPr>
           <a:xfrm>
-            <a:off x="3783495" y="1537666"/>
-            <a:ext cx="1762539" cy="1033670"/>
+            <a:off x="7611586" y="4303214"/>
+            <a:ext cx="1287499" cy="532193"/>
           </a:xfrm>
           <a:prstGeom prst="rect">
             <a:avLst/>
@@ -3671,15 +3690,24 @@
           </a:fontRef>
         </p:style>
         <p:txBody>
-          <a:bodyPr rtlCol="0" anchor="ctr"/>
-          <a:lstStyle/>
-          <a:p>
-            <a:pPr algn="ctr"/>
-            <a:r>
-              <a:rPr lang="de-DE" dirty="0" smtClean="0"/>
-              <a:t>Bastion Host</a:t>
-            </a:r>
-            <a:endParaRPr lang="de-DE" dirty="0"/>
+          <a:bodyPr rtlCol="0" anchor="t"/>
+          <a:lstStyle/>
+          <a:p>
+            <a:r>
+              <a:rPr lang="de-DE" sz="1400" dirty="0" smtClean="0"/>
+              <a:t>Bastion </a:t>
+            </a:r>
+            <a:r>
+              <a:rPr lang="de-DE" sz="1400" dirty="0" smtClean="0"/>
+              <a:t>Host</a:t>
+            </a:r>
+          </a:p>
+          <a:p>
+            <a:r>
+              <a:rPr lang="de-DE" sz="1400" dirty="0" smtClean="0"/>
+              <a:t>11.11.11.120</a:t>
+            </a:r>
+            <a:endParaRPr lang="de-DE" sz="1400" dirty="0"/>
           </a:p>
         </p:txBody>
       </p:sp>
@@ -3691,8 +3719,8 @@
         </p:nvSpPr>
         <p:spPr>
           <a:xfrm>
-            <a:off x="3776871" y="380170"/>
-            <a:ext cx="1762539" cy="1033670"/>
+            <a:off x="4906621" y="753895"/>
+            <a:ext cx="1999473" cy="777542"/>
           </a:xfrm>
           <a:prstGeom prst="rect">
             <a:avLst/>
@@ -3718,15 +3746,29 @@
           </a:fontRef>
         </p:style>
         <p:txBody>
-          <a:bodyPr rtlCol="0" anchor="ctr"/>
-          <a:lstStyle/>
-          <a:p>
-            <a:pPr algn="ctr"/>
-            <a:r>
-              <a:rPr lang="de-DE" dirty="0" smtClean="0"/>
+          <a:bodyPr rtlCol="0" anchor="t"/>
+          <a:lstStyle/>
+          <a:p>
+            <a:r>
+              <a:rPr lang="de-DE" sz="1100" dirty="0" smtClean="0"/>
               <a:t>Registry</a:t>
             </a:r>
-            <a:endParaRPr lang="de-DE" dirty="0"/>
+          </a:p>
+          <a:p>
+            <a:r>
+              <a:rPr lang="de-DE" sz="1100" dirty="0" smtClean="0"/>
+              <a:t>11.11.10.10/24</a:t>
+            </a:r>
+            <a:endParaRPr lang="de-DE" sz="1100" dirty="0"/>
+          </a:p>
+          <a:p>
+            <a:r>
+              <a:rPr lang="de-DE" sz="1100" dirty="0" smtClean="0"/>
+              <a:t>GW: 11.11.10.1</a:t>
+            </a:r>
+          </a:p>
+          <a:p>
+            <a:endParaRPr lang="de-DE" sz="1100" dirty="0" smtClean="0"/>
           </a:p>
         </p:txBody>
       </p:sp>
@@ -3738,8 +3780,8 @@
         </p:nvSpPr>
         <p:spPr>
           <a:xfrm>
-            <a:off x="3776870" y="2722079"/>
-            <a:ext cx="1762539" cy="1033670"/>
+            <a:off x="7611587" y="4904239"/>
+            <a:ext cx="1287499" cy="519404"/>
           </a:xfrm>
           <a:prstGeom prst="rect">
             <a:avLst/>
@@ -3765,39 +3807,46 @@
           </a:fontRef>
         </p:style>
         <p:txBody>
-          <a:bodyPr rtlCol="0" anchor="ctr"/>
-          <a:lstStyle/>
-          <a:p>
-            <a:pPr algn="ctr"/>
-            <a:r>
-              <a:rPr lang="de-DE" dirty="0" smtClean="0"/>
+          <a:bodyPr rtlCol="0" anchor="t"/>
+          <a:lstStyle/>
+          <a:p>
+            <a:r>
+              <a:rPr lang="de-DE" sz="1400" dirty="0" smtClean="0"/>
               <a:t>Load-</a:t>
             </a:r>
             <a:r>
-              <a:rPr lang="de-DE" dirty="0" err="1" smtClean="0"/>
+              <a:rPr lang="de-DE" sz="1400" dirty="0" err="1" smtClean="0"/>
               <a:t>Balancer</a:t>
             </a:r>
-            <a:endParaRPr lang="de-DE" dirty="0"/>
-          </a:p>
-        </p:txBody>
-      </p:sp>
-      <p:sp>
-        <p:nvSpPr>
-          <p:cNvPr id="31" name="Rechteck 30"/>
+            <a:endParaRPr lang="de-DE" sz="1400" dirty="0" smtClean="0"/>
+          </a:p>
+          <a:p>
+            <a:r>
+              <a:rPr lang="de-DE" sz="1400" dirty="0" smtClean="0"/>
+              <a:t>11.11.11.129</a:t>
+            </a:r>
+            <a:endParaRPr lang="de-DE" sz="1400" dirty="0"/>
+          </a:p>
+        </p:txBody>
+      </p:sp>
+      <p:sp>
+        <p:nvSpPr>
+          <p:cNvPr id="24" name="Rechteck 23"/>
           <p:cNvSpPr/>
           <p:nvPr/>
         </p:nvSpPr>
         <p:spPr>
           <a:xfrm>
-            <a:off x="9634327" y="1533939"/>
-            <a:ext cx="1762539" cy="1033670"/>
+            <a:off x="4749083" y="377950"/>
+            <a:ext cx="2358887" cy="1802542"/>
           </a:xfrm>
           <a:prstGeom prst="rect">
             <a:avLst/>
           </a:prstGeom>
-          <a:solidFill>
-            <a:schemeClr val="accent2"/>
-          </a:solidFill>
+          <a:noFill/>
+          <a:ln>
+            <a:prstDash val="dash"/>
+          </a:ln>
         </p:spPr>
         <p:style>
           <a:lnRef idx="2">
@@ -3816,47 +3865,63 @@
           </a:fontRef>
         </p:style>
         <p:txBody>
-          <a:bodyPr rtlCol="0" anchor="ctr"/>
+          <a:bodyPr rtlCol="0" anchor="t"/>
           <a:lstStyle/>
           <a:p>
             <a:pPr algn="ctr"/>
             <a:r>
-              <a:rPr lang="de-DE" dirty="0" smtClean="0"/>
-              <a:t>Worker#5</a:t>
-            </a:r>
-            <a:endParaRPr lang="de-DE" dirty="0"/>
-          </a:p>
-        </p:txBody>
-      </p:sp>
-      <p:sp>
-        <p:nvSpPr>
-          <p:cNvPr id="32" name="Rechteck 31"/>
+              <a:rPr lang="de-DE" dirty="0" err="1" smtClean="0">
+                <a:solidFill>
+                  <a:schemeClr val="tx1"/>
+                </a:solidFill>
+              </a:rPr>
+              <a:t>registry.</a:t>
+            </a:r>
+            <a:r>
+              <a:rPr lang="de-DE" dirty="0" err="1" smtClean="0">
+                <a:solidFill>
+                  <a:schemeClr val="tx1"/>
+                </a:solidFill>
+              </a:rPr>
+              <a:t>local</a:t>
+            </a:r>
+            <a:endParaRPr lang="de-DE" dirty="0">
+              <a:solidFill>
+                <a:schemeClr val="tx1"/>
+              </a:solidFill>
+            </a:endParaRPr>
+          </a:p>
+        </p:txBody>
+      </p:sp>
+      <p:sp>
+        <p:nvSpPr>
+          <p:cNvPr id="25" name="Rechteck 24"/>
           <p:cNvSpPr/>
           <p:nvPr/>
         </p:nvSpPr>
         <p:spPr>
           <a:xfrm>
-            <a:off x="9634327" y="2722079"/>
-            <a:ext cx="1762539" cy="1033670"/>
+            <a:off x="4906621" y="1654775"/>
+            <a:ext cx="1999473" cy="379079"/>
           </a:xfrm>
           <a:prstGeom prst="rect">
             <a:avLst/>
           </a:prstGeom>
           <a:solidFill>
-            <a:schemeClr val="accent2"/>
+            <a:srgbClr val="7030A0"/>
           </a:solidFill>
         </p:spPr>
         <p:style>
           <a:lnRef idx="2">
-            <a:schemeClr val="accent1">
+            <a:schemeClr val="accent2">
               <a:shade val="50000"/>
             </a:schemeClr>
           </a:lnRef>
           <a:fillRef idx="1">
-            <a:schemeClr val="accent1"/>
+            <a:schemeClr val="accent2"/>
           </a:fillRef>
           <a:effectRef idx="0">
-            <a:schemeClr val="accent1"/>
+            <a:schemeClr val="accent2"/>
           </a:effectRef>
           <a:fontRef idx="minor">
             <a:schemeClr val="lt1"/>
@@ -3868,10 +3933,22 @@
           <a:p>
             <a:pPr algn="ctr"/>
             <a:r>
-              <a:rPr lang="de-DE" dirty="0" smtClean="0"/>
-              <a:t>Worker#6</a:t>
-            </a:r>
-            <a:endParaRPr lang="de-DE" dirty="0"/>
+              <a:rPr lang="de-DE" sz="1200" dirty="0" smtClean="0"/>
+              <a:t>Internal </a:t>
+            </a:r>
+            <a:r>
+              <a:rPr lang="de-DE" sz="1200" dirty="0" smtClean="0"/>
+              <a:t>Network </a:t>
+            </a:r>
+            <a:r>
+              <a:rPr lang="de-DE" sz="1200" dirty="0" err="1" smtClean="0"/>
+              <a:t>for</a:t>
+            </a:r>
+            <a:r>
+              <a:rPr lang="de-DE" sz="1200" dirty="0" smtClean="0"/>
+              <a:t> Registry 11.11.10.0/24</a:t>
+            </a:r>
+            <a:endParaRPr lang="de-DE" sz="1200" dirty="0"/>
           </a:p>
         </p:txBody>
       </p:sp>
@@ -4594,7 +4671,7 @@
                                           </p:stCondLst>
                                         </p:cTn>
                                         <p:tgtEl>
-                                          <p:spTgt spid="20"/>
+                                          <p:spTgt spid="19"/>
                                         </p:tgtEl>
                                         <p:attrNameLst>
                                           <p:attrName>style.visibility</p:attrName>
@@ -4639,7 +4716,7 @@
                                           </p:stCondLst>
                                         </p:cTn>
                                         <p:tgtEl>
-                                          <p:spTgt spid="31"/>
+                                          <p:spTgt spid="24"/>
                                         </p:tgtEl>
                                         <p:attrNameLst>
                                           <p:attrName>style.visibility</p:attrName>
@@ -4684,52 +4761,7 @@
                                           </p:stCondLst>
                                         </p:cTn>
                                         <p:tgtEl>
-                                          <p:spTgt spid="32"/>
-                                        </p:tgtEl>
-                                        <p:attrNameLst>
-                                          <p:attrName>style.visibility</p:attrName>
-                                        </p:attrNameLst>
-                                      </p:cBhvr>
-                                      <p:to>
-                                        <p:strVal val="visible"/>
-                                      </p:to>
-                                    </p:set>
-                                  </p:childTnLst>
-                                </p:cTn>
-                              </p:par>
-                            </p:childTnLst>
-                          </p:cTn>
-                        </p:par>
-                      </p:childTnLst>
-                    </p:cTn>
-                  </p:par>
-                  <p:par>
-                    <p:cTn id="75" fill="hold">
-                      <p:stCondLst>
-                        <p:cond delay="indefinite"/>
-                      </p:stCondLst>
-                      <p:childTnLst>
-                        <p:par>
-                          <p:cTn id="76" fill="hold">
-                            <p:stCondLst>
-                              <p:cond delay="0"/>
-                            </p:stCondLst>
-                            <p:childTnLst>
-                              <p:par>
-                                <p:cTn id="77" presetID="1" presetClass="entr" presetSubtype="0" fill="hold" grpId="0" nodeType="clickEffect">
-                                  <p:stCondLst>
-                                    <p:cond delay="0"/>
-                                  </p:stCondLst>
-                                  <p:childTnLst>
-                                    <p:set>
-                                      <p:cBhvr>
-                                        <p:cTn id="78" dur="1" fill="hold">
-                                          <p:stCondLst>
-                                            <p:cond delay="0"/>
-                                          </p:stCondLst>
-                                        </p:cTn>
-                                        <p:tgtEl>
-                                          <p:spTgt spid="19"/>
+                                          <p:spTgt spid="25"/>
                                         </p:tgtEl>
                                         <p:attrNameLst>
                                           <p:attrName>style.visibility</p:attrName>
@@ -4783,13 +4815,1021 @@
       <p:bldP spid="17" grpId="0" animBg="1"/>
       <p:bldP spid="18" grpId="0" animBg="1"/>
       <p:bldP spid="19" grpId="0" animBg="1"/>
-      <p:bldP spid="20" grpId="0" animBg="1"/>
       <p:bldP spid="21" grpId="0" animBg="1"/>
       <p:bldP spid="22" grpId="0" animBg="1"/>
       <p:bldP spid="23" grpId="0" animBg="1"/>
-      <p:bldP spid="31" grpId="0" animBg="1"/>
-      <p:bldP spid="32" grpId="0" animBg="1"/>
+      <p:bldP spid="24" grpId="0" animBg="1"/>
+      <p:bldP spid="25" grpId="0" animBg="1"/>
     </p:bldLst>
+  </p:timing>
+</p:sld>
+</file>
+
+<file path=ppt/slides/slide2.xml><?xml version="1.0" encoding="utf-8"?>
+<p:sld xmlns:a="http://schemas.openxmlformats.org/drawingml/2006/main" xmlns:r="http://schemas.openxmlformats.org/officeDocument/2006/relationships" xmlns:p="http://schemas.openxmlformats.org/presentationml/2006/main">
+  <p:cSld>
+    <p:spTree>
+      <p:nvGrpSpPr>
+        <p:cNvPr id="1" name=""/>
+        <p:cNvGrpSpPr/>
+        <p:nvPr/>
+      </p:nvGrpSpPr>
+      <p:grpSpPr>
+        <a:xfrm>
+          <a:off x="0" y="0"/>
+          <a:ext cx="0" cy="0"/>
+          <a:chOff x="0" y="0"/>
+          <a:chExt cx="0" cy="0"/>
+        </a:xfrm>
+      </p:grpSpPr>
+      <p:graphicFrame>
+        <p:nvGraphicFramePr>
+          <p:cNvPr id="5" name="Tabelle 4"/>
+          <p:cNvGraphicFramePr>
+            <a:graphicFrameLocks noGrp="1"/>
+          </p:cNvGraphicFramePr>
+          <p:nvPr>
+            <p:extLst>
+              <p:ext uri="{D42A27DB-BD31-4B8C-83A1-F6EECF244321}">
+                <p14:modId xmlns:p14="http://schemas.microsoft.com/office/powerpoint/2010/main" val="4048129413"/>
+              </p:ext>
+            </p:extLst>
+          </p:nvPr>
+        </p:nvGraphicFramePr>
+        <p:xfrm>
+          <a:off x="223294" y="247394"/>
+          <a:ext cx="11422747" cy="6489576"/>
+        </p:xfrm>
+        <a:graphic>
+          <a:graphicData uri="http://schemas.openxmlformats.org/drawingml/2006/table">
+            <a:tbl>
+              <a:tblPr firstRow="1" bandRow="1">
+                <a:tableStyleId>{5C22544A-7EE6-4342-B048-85BDC9FD1C3A}</a:tableStyleId>
+              </a:tblPr>
+              <a:tblGrid>
+                <a:gridCol w="1789161">
+                  <a:extLst>
+                    <a:ext uri="{9D8B030D-6E8A-4147-A177-3AD203B41FA5}">
+                      <a16:colId xmlns:a16="http://schemas.microsoft.com/office/drawing/2014/main" val="674962493"/>
+                    </a:ext>
+                  </a:extLst>
+                </a:gridCol>
+                <a:gridCol w="4066798">
+                  <a:extLst>
+                    <a:ext uri="{9D8B030D-6E8A-4147-A177-3AD203B41FA5}">
+                      <a16:colId xmlns:a16="http://schemas.microsoft.com/office/drawing/2014/main" val="3488339607"/>
+                    </a:ext>
+                  </a:extLst>
+                </a:gridCol>
+                <a:gridCol w="2692958">
+                  <a:extLst>
+                    <a:ext uri="{9D8B030D-6E8A-4147-A177-3AD203B41FA5}">
+                      <a16:colId xmlns:a16="http://schemas.microsoft.com/office/drawing/2014/main" val="2204301085"/>
+                    </a:ext>
+                  </a:extLst>
+                </a:gridCol>
+                <a:gridCol w="2873830">
+                  <a:extLst>
+                    <a:ext uri="{9D8B030D-6E8A-4147-A177-3AD203B41FA5}">
+                      <a16:colId xmlns:a16="http://schemas.microsoft.com/office/drawing/2014/main" val="4098244152"/>
+                    </a:ext>
+                  </a:extLst>
+                </a:gridCol>
+              </a:tblGrid>
+              <a:tr h="436584">
+                <a:tc>
+                  <a:txBody>
+                    <a:bodyPr/>
+                    <a:lstStyle/>
+                    <a:p>
+                      <a:r>
+                        <a:rPr lang="de-DE" dirty="0" smtClean="0"/>
+                        <a:t>Rolle</a:t>
+                      </a:r>
+                      <a:endParaRPr lang="de-DE" dirty="0"/>
+                    </a:p>
+                  </a:txBody>
+                  <a:tcPr/>
+                </a:tc>
+                <a:tc>
+                  <a:txBody>
+                    <a:bodyPr/>
+                    <a:lstStyle/>
+                    <a:p>
+                      <a:r>
+                        <a:rPr lang="de-DE" dirty="0" smtClean="0"/>
+                        <a:t>Beschreibung</a:t>
+                      </a:r>
+                      <a:endParaRPr lang="de-DE" dirty="0"/>
+                    </a:p>
+                  </a:txBody>
+                  <a:tcPr/>
+                </a:tc>
+                <a:tc>
+                  <a:txBody>
+                    <a:bodyPr/>
+                    <a:lstStyle/>
+                    <a:p>
+                      <a:r>
+                        <a:rPr lang="de-DE" dirty="0" smtClean="0"/>
+                        <a:t>Hostname</a:t>
+                      </a:r>
+                      <a:endParaRPr lang="de-DE" dirty="0"/>
+                    </a:p>
+                  </a:txBody>
+                  <a:tcPr/>
+                </a:tc>
+                <a:tc>
+                  <a:txBody>
+                    <a:bodyPr/>
+                    <a:lstStyle/>
+                    <a:p>
+                      <a:r>
+                        <a:rPr lang="de-DE" dirty="0" smtClean="0"/>
+                        <a:t>IP</a:t>
+                      </a:r>
+                      <a:endParaRPr lang="de-DE" dirty="0"/>
+                    </a:p>
+                  </a:txBody>
+                  <a:tcPr/>
+                </a:tc>
+                <a:extLst>
+                  <a:ext uri="{0D108BD9-81ED-4DB2-BD59-A6C34878D82A}">
+                    <a16:rowId xmlns:a16="http://schemas.microsoft.com/office/drawing/2014/main" val="4165280786"/>
+                  </a:ext>
+                </a:extLst>
+              </a:tr>
+              <a:tr h="436584">
+                <a:tc>
+                  <a:txBody>
+                    <a:bodyPr/>
+                    <a:lstStyle/>
+                    <a:p>
+                      <a:r>
+                        <a:rPr lang="de-DE" dirty="0" err="1" smtClean="0"/>
+                        <a:t>Install</a:t>
+                      </a:r>
+                      <a:r>
+                        <a:rPr lang="de-DE" dirty="0" smtClean="0"/>
+                        <a:t>-VM</a:t>
+                      </a:r>
+                      <a:endParaRPr lang="de-DE" dirty="0"/>
+                    </a:p>
+                  </a:txBody>
+                  <a:tcPr/>
+                </a:tc>
+                <a:tc>
+                  <a:txBody>
+                    <a:bodyPr/>
+                    <a:lstStyle/>
+                    <a:p>
+                      <a:endParaRPr lang="de-DE" dirty="0"/>
+                    </a:p>
+                  </a:txBody>
+                  <a:tcPr/>
+                </a:tc>
+                <a:tc>
+                  <a:txBody>
+                    <a:bodyPr/>
+                    <a:lstStyle/>
+                    <a:p>
+                      <a:r>
+                        <a:rPr lang="de-DE" dirty="0" err="1" smtClean="0"/>
+                        <a:t>install-vm</a:t>
+                      </a:r>
+                      <a:endParaRPr lang="de-DE" dirty="0"/>
+                    </a:p>
+                  </a:txBody>
+                  <a:tcPr/>
+                </a:tc>
+                <a:tc>
+                  <a:txBody>
+                    <a:bodyPr/>
+                    <a:lstStyle/>
+                    <a:p>
+                      <a:r>
+                        <a:rPr lang="de-DE" dirty="0" smtClean="0"/>
+                        <a:t>10.0.249.113</a:t>
+                      </a:r>
+                      <a:endParaRPr lang="de-DE" dirty="0"/>
+                    </a:p>
+                  </a:txBody>
+                  <a:tcPr/>
+                </a:tc>
+                <a:extLst>
+                  <a:ext uri="{0D108BD9-81ED-4DB2-BD59-A6C34878D82A}">
+                    <a16:rowId xmlns:a16="http://schemas.microsoft.com/office/drawing/2014/main" val="3300308436"/>
+                  </a:ext>
+                </a:extLst>
+              </a:tr>
+              <a:tr h="436584">
+                <a:tc>
+                  <a:txBody>
+                    <a:bodyPr/>
+                    <a:lstStyle/>
+                    <a:p>
+                      <a:r>
+                        <a:rPr lang="de-DE" dirty="0" smtClean="0"/>
+                        <a:t>Router</a:t>
+                      </a:r>
+                      <a:endParaRPr lang="de-DE" dirty="0"/>
+                    </a:p>
+                  </a:txBody>
+                  <a:tcPr/>
+                </a:tc>
+                <a:tc>
+                  <a:txBody>
+                    <a:bodyPr/>
+                    <a:lstStyle/>
+                    <a:p>
+                      <a:r>
+                        <a:rPr lang="de-DE" dirty="0" smtClean="0"/>
+                        <a:t>Router-VM zur Navigation zwischen den Netzwerken in </a:t>
+                      </a:r>
+                      <a:r>
+                        <a:rPr lang="de-DE" dirty="0" err="1" smtClean="0"/>
+                        <a:t>Vmware</a:t>
+                      </a:r>
+                      <a:endParaRPr lang="de-DE" dirty="0"/>
+                    </a:p>
+                  </a:txBody>
+                  <a:tcPr/>
+                </a:tc>
+                <a:tc>
+                  <a:txBody>
+                    <a:bodyPr/>
+                    <a:lstStyle/>
+                    <a:p>
+                      <a:r>
+                        <a:rPr lang="de-DE" dirty="0" err="1" smtClean="0"/>
+                        <a:t>router</a:t>
+                      </a:r>
+                      <a:endParaRPr lang="de-DE" dirty="0"/>
+                    </a:p>
+                  </a:txBody>
+                  <a:tcPr/>
+                </a:tc>
+                <a:tc>
+                  <a:txBody>
+                    <a:bodyPr/>
+                    <a:lstStyle/>
+                    <a:p>
+                      <a:r>
+                        <a:rPr lang="de-DE" dirty="0" smtClean="0"/>
+                        <a:t>11.11.11.1</a:t>
+                      </a:r>
+                      <a:br>
+                        <a:rPr lang="de-DE" dirty="0" smtClean="0"/>
+                      </a:br>
+                      <a:r>
+                        <a:rPr lang="de-DE" dirty="0" smtClean="0"/>
+                        <a:t>10.0.249.2</a:t>
+                      </a:r>
+                      <a:endParaRPr lang="de-DE" dirty="0"/>
+                    </a:p>
+                  </a:txBody>
+                  <a:tcPr/>
+                </a:tc>
+                <a:extLst>
+                  <a:ext uri="{0D108BD9-81ED-4DB2-BD59-A6C34878D82A}">
+                    <a16:rowId xmlns:a16="http://schemas.microsoft.com/office/drawing/2014/main" val="1923464837"/>
+                  </a:ext>
+                </a:extLst>
+              </a:tr>
+              <a:tr h="436584">
+                <a:tc>
+                  <a:txBody>
+                    <a:bodyPr/>
+                    <a:lstStyle/>
+                    <a:p>
+                      <a:r>
+                        <a:rPr lang="de-DE" dirty="0" smtClean="0"/>
+                        <a:t>Registry</a:t>
+                      </a:r>
+                      <a:endParaRPr lang="de-DE" dirty="0"/>
+                    </a:p>
+                  </a:txBody>
+                  <a:tcPr/>
+                </a:tc>
+                <a:tc>
+                  <a:txBody>
+                    <a:bodyPr/>
+                    <a:lstStyle/>
+                    <a:p>
+                      <a:r>
+                        <a:rPr lang="de-DE" dirty="0" smtClean="0"/>
+                        <a:t>Die zentrale</a:t>
+                      </a:r>
+                      <a:r>
+                        <a:rPr lang="de-DE" baseline="0" dirty="0" smtClean="0"/>
+                        <a:t> Image-Registry</a:t>
+                      </a:r>
+                      <a:endParaRPr lang="de-DE" dirty="0"/>
+                    </a:p>
+                  </a:txBody>
+                  <a:tcPr/>
+                </a:tc>
+                <a:tc>
+                  <a:txBody>
+                    <a:bodyPr/>
+                    <a:lstStyle/>
+                    <a:p>
+                      <a:r>
+                        <a:rPr lang="de-DE" dirty="0" smtClean="0"/>
+                        <a:t>ocpregistry01</a:t>
+                      </a:r>
+                      <a:endParaRPr lang="de-DE" dirty="0"/>
+                    </a:p>
+                  </a:txBody>
+                  <a:tcPr/>
+                </a:tc>
+                <a:tc>
+                  <a:txBody>
+                    <a:bodyPr/>
+                    <a:lstStyle/>
+                    <a:p>
+                      <a:r>
+                        <a:rPr lang="de-DE" dirty="0" smtClean="0"/>
+                        <a:t>11.11.11.2</a:t>
+                      </a:r>
+                      <a:endParaRPr lang="de-DE" dirty="0"/>
+                    </a:p>
+                  </a:txBody>
+                  <a:tcPr/>
+                </a:tc>
+                <a:extLst>
+                  <a:ext uri="{0D108BD9-81ED-4DB2-BD59-A6C34878D82A}">
+                    <a16:rowId xmlns:a16="http://schemas.microsoft.com/office/drawing/2014/main" val="1742835167"/>
+                  </a:ext>
+                </a:extLst>
+              </a:tr>
+              <a:tr h="436584">
+                <a:tc>
+                  <a:txBody>
+                    <a:bodyPr/>
+                    <a:lstStyle/>
+                    <a:p>
+                      <a:r>
+                        <a:rPr lang="de-DE" dirty="0" smtClean="0"/>
+                        <a:t>Load </a:t>
+                      </a:r>
+                      <a:r>
+                        <a:rPr lang="de-DE" dirty="0" err="1" smtClean="0"/>
+                        <a:t>Balancer</a:t>
+                      </a:r>
+                      <a:endParaRPr lang="de-DE" dirty="0"/>
+                    </a:p>
+                  </a:txBody>
+                  <a:tcPr/>
+                </a:tc>
+                <a:tc>
+                  <a:txBody>
+                    <a:bodyPr/>
+                    <a:lstStyle/>
+                    <a:p>
+                      <a:r>
+                        <a:rPr lang="de-DE" dirty="0" smtClean="0"/>
+                        <a:t>Der Load-</a:t>
+                      </a:r>
+                      <a:r>
+                        <a:rPr lang="de-DE" dirty="0" err="1" smtClean="0"/>
+                        <a:t>Balancer</a:t>
+                      </a:r>
+                      <a:r>
+                        <a:rPr lang="de-DE" dirty="0" smtClean="0"/>
+                        <a:t> vor dem </a:t>
+                      </a:r>
+                      <a:r>
+                        <a:rPr lang="de-DE" dirty="0" err="1" smtClean="0"/>
+                        <a:t>OpenShift</a:t>
+                      </a:r>
+                      <a:r>
+                        <a:rPr lang="de-DE" dirty="0" smtClean="0"/>
+                        <a:t>-Cluster</a:t>
+                      </a:r>
+                      <a:endParaRPr lang="de-DE" dirty="0"/>
+                    </a:p>
+                  </a:txBody>
+                  <a:tcPr/>
+                </a:tc>
+                <a:tc>
+                  <a:txBody>
+                    <a:bodyPr/>
+                    <a:lstStyle/>
+                    <a:p>
+                      <a:r>
+                        <a:rPr lang="de-DE" dirty="0" smtClean="0"/>
+                        <a:t>ocplb01</a:t>
+                      </a:r>
+                      <a:endParaRPr lang="de-DE" dirty="0"/>
+                    </a:p>
+                  </a:txBody>
+                  <a:tcPr/>
+                </a:tc>
+                <a:tc>
+                  <a:txBody>
+                    <a:bodyPr/>
+                    <a:lstStyle/>
+                    <a:p>
+                      <a:r>
+                        <a:rPr lang="de-DE" dirty="0" smtClean="0"/>
+                        <a:t>11.11.11.3</a:t>
+                      </a:r>
+                      <a:endParaRPr lang="de-DE" dirty="0"/>
+                    </a:p>
+                  </a:txBody>
+                  <a:tcPr/>
+                </a:tc>
+                <a:extLst>
+                  <a:ext uri="{0D108BD9-81ED-4DB2-BD59-A6C34878D82A}">
+                    <a16:rowId xmlns:a16="http://schemas.microsoft.com/office/drawing/2014/main" val="26461902"/>
+                  </a:ext>
+                </a:extLst>
+              </a:tr>
+              <a:tr h="436584">
+                <a:tc>
+                  <a:txBody>
+                    <a:bodyPr/>
+                    <a:lstStyle/>
+                    <a:p>
+                      <a:r>
+                        <a:rPr lang="de-DE" dirty="0" smtClean="0"/>
+                        <a:t>Bastion-Host</a:t>
+                      </a:r>
+                      <a:endParaRPr lang="de-DE" dirty="0"/>
+                    </a:p>
+                  </a:txBody>
+                  <a:tcPr/>
+                </a:tc>
+                <a:tc>
+                  <a:txBody>
+                    <a:bodyPr/>
+                    <a:lstStyle/>
+                    <a:p>
+                      <a:r>
+                        <a:rPr lang="de-DE" dirty="0" smtClean="0"/>
+                        <a:t>Der zentrale</a:t>
+                      </a:r>
+                      <a:r>
+                        <a:rPr lang="de-DE" baseline="0" dirty="0" smtClean="0"/>
+                        <a:t> </a:t>
+                      </a:r>
+                      <a:r>
+                        <a:rPr lang="de-DE" baseline="0" dirty="0" err="1" smtClean="0"/>
+                        <a:t>OpenShift</a:t>
+                      </a:r>
+                      <a:r>
+                        <a:rPr lang="de-DE" baseline="0" smtClean="0"/>
+                        <a:t>-Installationsserver mit DNS, DHCP, PXE, TFTP, NFS</a:t>
+                      </a:r>
+                      <a:endParaRPr lang="de-DE" dirty="0"/>
+                    </a:p>
+                  </a:txBody>
+                  <a:tcPr/>
+                </a:tc>
+                <a:tc>
+                  <a:txBody>
+                    <a:bodyPr/>
+                    <a:lstStyle/>
+                    <a:p>
+                      <a:r>
+                        <a:rPr lang="de-DE" dirty="0" err="1" smtClean="0"/>
+                        <a:t>ocpbastion</a:t>
+                      </a:r>
+                      <a:endParaRPr lang="de-DE" dirty="0"/>
+                    </a:p>
+                  </a:txBody>
+                  <a:tcPr/>
+                </a:tc>
+                <a:tc>
+                  <a:txBody>
+                    <a:bodyPr/>
+                    <a:lstStyle/>
+                    <a:p>
+                      <a:r>
+                        <a:rPr lang="de-DE" dirty="0" smtClean="0"/>
+                        <a:t>11.11.11.10</a:t>
+                      </a:r>
+                      <a:endParaRPr lang="de-DE" dirty="0"/>
+                    </a:p>
+                  </a:txBody>
+                  <a:tcPr/>
+                </a:tc>
+                <a:extLst>
+                  <a:ext uri="{0D108BD9-81ED-4DB2-BD59-A6C34878D82A}">
+                    <a16:rowId xmlns:a16="http://schemas.microsoft.com/office/drawing/2014/main" val="2860226033"/>
+                  </a:ext>
+                </a:extLst>
+              </a:tr>
+              <a:tr h="436584">
+                <a:tc>
+                  <a:txBody>
+                    <a:bodyPr/>
+                    <a:lstStyle/>
+                    <a:p>
+                      <a:r>
+                        <a:rPr lang="de-DE" dirty="0" smtClean="0"/>
+                        <a:t>Master#01</a:t>
+                      </a:r>
+                      <a:endParaRPr lang="de-DE" dirty="0"/>
+                    </a:p>
+                  </a:txBody>
+                  <a:tcPr/>
+                </a:tc>
+                <a:tc>
+                  <a:txBody>
+                    <a:bodyPr/>
+                    <a:lstStyle/>
+                    <a:p>
+                      <a:r>
+                        <a:rPr lang="de-DE" dirty="0" err="1" smtClean="0"/>
+                        <a:t>OpenShift</a:t>
+                      </a:r>
+                      <a:r>
+                        <a:rPr lang="de-DE" dirty="0" smtClean="0"/>
+                        <a:t> Master-Node#01</a:t>
+                      </a:r>
+                      <a:endParaRPr lang="de-DE" dirty="0"/>
+                    </a:p>
+                  </a:txBody>
+                  <a:tcPr/>
+                </a:tc>
+                <a:tc>
+                  <a:txBody>
+                    <a:bodyPr/>
+                    <a:lstStyle/>
+                    <a:p>
+                      <a:r>
+                        <a:rPr lang="de-DE" dirty="0" smtClean="0"/>
+                        <a:t>ocpmaster01</a:t>
+                      </a:r>
+                      <a:endParaRPr lang="de-DE" dirty="0"/>
+                    </a:p>
+                  </a:txBody>
+                  <a:tcPr/>
+                </a:tc>
+                <a:tc>
+                  <a:txBody>
+                    <a:bodyPr/>
+                    <a:lstStyle/>
+                    <a:p>
+                      <a:r>
+                        <a:rPr lang="de-DE" dirty="0" smtClean="0"/>
+                        <a:t>11.11.11.11</a:t>
+                      </a:r>
+                      <a:endParaRPr lang="de-DE" dirty="0"/>
+                    </a:p>
+                  </a:txBody>
+                  <a:tcPr/>
+                </a:tc>
+                <a:extLst>
+                  <a:ext uri="{0D108BD9-81ED-4DB2-BD59-A6C34878D82A}">
+                    <a16:rowId xmlns:a16="http://schemas.microsoft.com/office/drawing/2014/main" val="1084430636"/>
+                  </a:ext>
+                </a:extLst>
+              </a:tr>
+              <a:tr h="436584">
+                <a:tc>
+                  <a:txBody>
+                    <a:bodyPr/>
+                    <a:lstStyle/>
+                    <a:p>
+                      <a:pPr marL="0" marR="0" lvl="0" indent="0" algn="l" defTabSz="914400" rtl="0" eaLnBrk="1" fontAlgn="auto" latinLnBrk="0" hangingPunct="1">
+                        <a:lnSpc>
+                          <a:spcPct val="100000"/>
+                        </a:lnSpc>
+                        <a:spcBef>
+                          <a:spcPts val="0"/>
+                        </a:spcBef>
+                        <a:spcAft>
+                          <a:spcPts val="0"/>
+                        </a:spcAft>
+                        <a:buClrTx/>
+                        <a:buSzTx/>
+                        <a:buFontTx/>
+                        <a:buNone/>
+                        <a:tabLst/>
+                        <a:defRPr/>
+                      </a:pPr>
+                      <a:r>
+                        <a:rPr lang="de-DE" dirty="0" smtClean="0"/>
+                        <a:t>Master#02</a:t>
+                      </a:r>
+                    </a:p>
+                  </a:txBody>
+                  <a:tcPr/>
+                </a:tc>
+                <a:tc>
+                  <a:txBody>
+                    <a:bodyPr/>
+                    <a:lstStyle/>
+                    <a:p>
+                      <a:r>
+                        <a:rPr lang="de-DE" dirty="0" err="1" smtClean="0"/>
+                        <a:t>OpenShift</a:t>
+                      </a:r>
+                      <a:r>
+                        <a:rPr lang="de-DE" dirty="0" smtClean="0"/>
+                        <a:t> Master-Node#02</a:t>
+                      </a:r>
+                      <a:endParaRPr lang="de-DE" dirty="0"/>
+                    </a:p>
+                  </a:txBody>
+                  <a:tcPr/>
+                </a:tc>
+                <a:tc>
+                  <a:txBody>
+                    <a:bodyPr/>
+                    <a:lstStyle/>
+                    <a:p>
+                      <a:r>
+                        <a:rPr lang="de-DE" dirty="0" smtClean="0"/>
+                        <a:t>ocpmaster02</a:t>
+                      </a:r>
+                      <a:endParaRPr lang="de-DE" dirty="0"/>
+                    </a:p>
+                  </a:txBody>
+                  <a:tcPr/>
+                </a:tc>
+                <a:tc>
+                  <a:txBody>
+                    <a:bodyPr/>
+                    <a:lstStyle/>
+                    <a:p>
+                      <a:r>
+                        <a:rPr lang="de-DE" dirty="0" smtClean="0"/>
+                        <a:t>11.11.11.12</a:t>
+                      </a:r>
+                      <a:endParaRPr lang="de-DE" dirty="0"/>
+                    </a:p>
+                  </a:txBody>
+                  <a:tcPr/>
+                </a:tc>
+                <a:extLst>
+                  <a:ext uri="{0D108BD9-81ED-4DB2-BD59-A6C34878D82A}">
+                    <a16:rowId xmlns:a16="http://schemas.microsoft.com/office/drawing/2014/main" val="128526927"/>
+                  </a:ext>
+                </a:extLst>
+              </a:tr>
+              <a:tr h="436584">
+                <a:tc>
+                  <a:txBody>
+                    <a:bodyPr/>
+                    <a:lstStyle/>
+                    <a:p>
+                      <a:r>
+                        <a:rPr lang="de-DE" dirty="0" smtClean="0"/>
+                        <a:t>Master#03</a:t>
+                      </a:r>
+                      <a:endParaRPr lang="de-DE" dirty="0"/>
+                    </a:p>
+                  </a:txBody>
+                  <a:tcPr/>
+                </a:tc>
+                <a:tc>
+                  <a:txBody>
+                    <a:bodyPr/>
+                    <a:lstStyle/>
+                    <a:p>
+                      <a:r>
+                        <a:rPr lang="de-DE" dirty="0" err="1" smtClean="0"/>
+                        <a:t>OpenShift</a:t>
+                      </a:r>
+                      <a:r>
+                        <a:rPr lang="de-DE" dirty="0" smtClean="0"/>
+                        <a:t> Master-Node#03</a:t>
+                      </a:r>
+                      <a:endParaRPr lang="de-DE" dirty="0"/>
+                    </a:p>
+                  </a:txBody>
+                  <a:tcPr/>
+                </a:tc>
+                <a:tc>
+                  <a:txBody>
+                    <a:bodyPr/>
+                    <a:lstStyle/>
+                    <a:p>
+                      <a:r>
+                        <a:rPr lang="de-DE" dirty="0" smtClean="0"/>
+                        <a:t>ocpmaster03</a:t>
+                      </a:r>
+                      <a:endParaRPr lang="de-DE" dirty="0"/>
+                    </a:p>
+                  </a:txBody>
+                  <a:tcPr/>
+                </a:tc>
+                <a:tc>
+                  <a:txBody>
+                    <a:bodyPr/>
+                    <a:lstStyle/>
+                    <a:p>
+                      <a:r>
+                        <a:rPr lang="de-DE" dirty="0" smtClean="0"/>
+                        <a:t>11.11.11.13</a:t>
+                      </a:r>
+                      <a:endParaRPr lang="de-DE" dirty="0"/>
+                    </a:p>
+                  </a:txBody>
+                  <a:tcPr/>
+                </a:tc>
+                <a:extLst>
+                  <a:ext uri="{0D108BD9-81ED-4DB2-BD59-A6C34878D82A}">
+                    <a16:rowId xmlns:a16="http://schemas.microsoft.com/office/drawing/2014/main" val="222159813"/>
+                  </a:ext>
+                </a:extLst>
+              </a:tr>
+              <a:tr h="436584">
+                <a:tc>
+                  <a:txBody>
+                    <a:bodyPr/>
+                    <a:lstStyle/>
+                    <a:p>
+                      <a:r>
+                        <a:rPr lang="de-DE" dirty="0" smtClean="0"/>
+                        <a:t>Worker#01</a:t>
+                      </a:r>
+                      <a:endParaRPr lang="de-DE" dirty="0"/>
+                    </a:p>
+                  </a:txBody>
+                  <a:tcPr/>
+                </a:tc>
+                <a:tc>
+                  <a:txBody>
+                    <a:bodyPr/>
+                    <a:lstStyle/>
+                    <a:p>
+                      <a:r>
+                        <a:rPr lang="de-DE" dirty="0" err="1" smtClean="0"/>
+                        <a:t>OpenShift</a:t>
+                      </a:r>
+                      <a:r>
+                        <a:rPr lang="de-DE" dirty="0" smtClean="0"/>
+                        <a:t> Worker-Node#01</a:t>
+                      </a:r>
+                      <a:endParaRPr lang="de-DE" dirty="0"/>
+                    </a:p>
+                  </a:txBody>
+                  <a:tcPr/>
+                </a:tc>
+                <a:tc>
+                  <a:txBody>
+                    <a:bodyPr/>
+                    <a:lstStyle/>
+                    <a:p>
+                      <a:r>
+                        <a:rPr lang="de-DE" dirty="0" smtClean="0"/>
+                        <a:t>ocpworker01</a:t>
+                      </a:r>
+                      <a:endParaRPr lang="de-DE" dirty="0"/>
+                    </a:p>
+                  </a:txBody>
+                  <a:tcPr/>
+                </a:tc>
+                <a:tc>
+                  <a:txBody>
+                    <a:bodyPr/>
+                    <a:lstStyle/>
+                    <a:p>
+                      <a:r>
+                        <a:rPr lang="de-DE" dirty="0" smtClean="0"/>
+                        <a:t>11.11.11.14</a:t>
+                      </a:r>
+                      <a:endParaRPr lang="de-DE" dirty="0"/>
+                    </a:p>
+                  </a:txBody>
+                  <a:tcPr/>
+                </a:tc>
+                <a:extLst>
+                  <a:ext uri="{0D108BD9-81ED-4DB2-BD59-A6C34878D82A}">
+                    <a16:rowId xmlns:a16="http://schemas.microsoft.com/office/drawing/2014/main" val="2776491128"/>
+                  </a:ext>
+                </a:extLst>
+              </a:tr>
+              <a:tr h="436584">
+                <a:tc>
+                  <a:txBody>
+                    <a:bodyPr/>
+                    <a:lstStyle/>
+                    <a:p>
+                      <a:r>
+                        <a:rPr lang="de-DE" dirty="0" smtClean="0"/>
+                        <a:t>Worker#02</a:t>
+                      </a:r>
+                      <a:endParaRPr lang="de-DE" dirty="0"/>
+                    </a:p>
+                  </a:txBody>
+                  <a:tcPr/>
+                </a:tc>
+                <a:tc>
+                  <a:txBody>
+                    <a:bodyPr/>
+                    <a:lstStyle/>
+                    <a:p>
+                      <a:r>
+                        <a:rPr lang="de-DE" dirty="0" err="1" smtClean="0"/>
+                        <a:t>OpenShift</a:t>
+                      </a:r>
+                      <a:r>
+                        <a:rPr lang="de-DE" dirty="0" smtClean="0"/>
+                        <a:t> Worker-Node#02</a:t>
+                      </a:r>
+                      <a:endParaRPr lang="de-DE" dirty="0"/>
+                    </a:p>
+                  </a:txBody>
+                  <a:tcPr/>
+                </a:tc>
+                <a:tc>
+                  <a:txBody>
+                    <a:bodyPr/>
+                    <a:lstStyle/>
+                    <a:p>
+                      <a:r>
+                        <a:rPr lang="de-DE" dirty="0" smtClean="0"/>
+                        <a:t>ocpworker02</a:t>
+                      </a:r>
+                      <a:endParaRPr lang="de-DE" dirty="0"/>
+                    </a:p>
+                  </a:txBody>
+                  <a:tcPr/>
+                </a:tc>
+                <a:tc>
+                  <a:txBody>
+                    <a:bodyPr/>
+                    <a:lstStyle/>
+                    <a:p>
+                      <a:r>
+                        <a:rPr lang="de-DE" dirty="0" smtClean="0"/>
+                        <a:t>11.11.11.15</a:t>
+                      </a:r>
+                      <a:endParaRPr lang="de-DE" dirty="0"/>
+                    </a:p>
+                  </a:txBody>
+                  <a:tcPr/>
+                </a:tc>
+                <a:extLst>
+                  <a:ext uri="{0D108BD9-81ED-4DB2-BD59-A6C34878D82A}">
+                    <a16:rowId xmlns:a16="http://schemas.microsoft.com/office/drawing/2014/main" val="1663983966"/>
+                  </a:ext>
+                </a:extLst>
+              </a:tr>
+              <a:tr h="436584">
+                <a:tc>
+                  <a:txBody>
+                    <a:bodyPr/>
+                    <a:lstStyle/>
+                    <a:p>
+                      <a:r>
+                        <a:rPr lang="de-DE" dirty="0" smtClean="0"/>
+                        <a:t>Worker#03</a:t>
+                      </a:r>
+                      <a:endParaRPr lang="de-DE" dirty="0"/>
+                    </a:p>
+                  </a:txBody>
+                  <a:tcPr/>
+                </a:tc>
+                <a:tc>
+                  <a:txBody>
+                    <a:bodyPr/>
+                    <a:lstStyle/>
+                    <a:p>
+                      <a:r>
+                        <a:rPr lang="de-DE" dirty="0" err="1" smtClean="0"/>
+                        <a:t>OpenShift</a:t>
+                      </a:r>
+                      <a:r>
+                        <a:rPr lang="de-DE" dirty="0" smtClean="0"/>
+                        <a:t> Worker-Node#03</a:t>
+                      </a:r>
+                      <a:endParaRPr lang="de-DE" dirty="0"/>
+                    </a:p>
+                  </a:txBody>
+                  <a:tcPr/>
+                </a:tc>
+                <a:tc>
+                  <a:txBody>
+                    <a:bodyPr/>
+                    <a:lstStyle/>
+                    <a:p>
+                      <a:r>
+                        <a:rPr lang="de-DE" dirty="0" smtClean="0"/>
+                        <a:t>ocpworker03</a:t>
+                      </a:r>
+                      <a:endParaRPr lang="de-DE" dirty="0"/>
+                    </a:p>
+                  </a:txBody>
+                  <a:tcPr/>
+                </a:tc>
+                <a:tc>
+                  <a:txBody>
+                    <a:bodyPr/>
+                    <a:lstStyle/>
+                    <a:p>
+                      <a:r>
+                        <a:rPr lang="de-DE" dirty="0" smtClean="0"/>
+                        <a:t>11.11.11.16</a:t>
+                      </a:r>
+                      <a:endParaRPr lang="de-DE" dirty="0"/>
+                    </a:p>
+                  </a:txBody>
+                  <a:tcPr/>
+                </a:tc>
+                <a:extLst>
+                  <a:ext uri="{0D108BD9-81ED-4DB2-BD59-A6C34878D82A}">
+                    <a16:rowId xmlns:a16="http://schemas.microsoft.com/office/drawing/2014/main" val="545400745"/>
+                  </a:ext>
+                </a:extLst>
+              </a:tr>
+              <a:tr h="436584">
+                <a:tc>
+                  <a:txBody>
+                    <a:bodyPr/>
+                    <a:lstStyle/>
+                    <a:p>
+                      <a:r>
+                        <a:rPr lang="de-DE" dirty="0" smtClean="0"/>
+                        <a:t>Bootstrap-Host</a:t>
+                      </a:r>
+                      <a:endParaRPr lang="de-DE" dirty="0"/>
+                    </a:p>
+                  </a:txBody>
+                  <a:tcPr/>
+                </a:tc>
+                <a:tc>
+                  <a:txBody>
+                    <a:bodyPr/>
+                    <a:lstStyle/>
+                    <a:p>
+                      <a:r>
+                        <a:rPr lang="de-DE" dirty="0" smtClean="0"/>
+                        <a:t>temporärer </a:t>
+                      </a:r>
+                      <a:r>
+                        <a:rPr lang="de-DE" dirty="0" err="1" smtClean="0"/>
+                        <a:t>Node</a:t>
+                      </a:r>
+                      <a:r>
+                        <a:rPr lang="de-DE" dirty="0" smtClean="0"/>
+                        <a:t> zum Installieren des Clusters</a:t>
+                      </a:r>
+                      <a:endParaRPr lang="de-DE" dirty="0"/>
+                    </a:p>
+                  </a:txBody>
+                  <a:tcPr/>
+                </a:tc>
+                <a:tc>
+                  <a:txBody>
+                    <a:bodyPr/>
+                    <a:lstStyle/>
+                    <a:p>
+                      <a:r>
+                        <a:rPr lang="de-DE" dirty="0" smtClean="0"/>
+                        <a:t>ocpbootstrap01</a:t>
+                      </a:r>
+                      <a:endParaRPr lang="de-DE" dirty="0"/>
+                    </a:p>
+                  </a:txBody>
+                  <a:tcPr/>
+                </a:tc>
+                <a:tc>
+                  <a:txBody>
+                    <a:bodyPr/>
+                    <a:lstStyle/>
+                    <a:p>
+                      <a:r>
+                        <a:rPr lang="de-DE" dirty="0" smtClean="0"/>
+                        <a:t>11.11.11.99</a:t>
+                      </a:r>
+                      <a:endParaRPr lang="de-DE" dirty="0"/>
+                    </a:p>
+                  </a:txBody>
+                  <a:tcPr/>
+                </a:tc>
+                <a:extLst>
+                  <a:ext uri="{0D108BD9-81ED-4DB2-BD59-A6C34878D82A}">
+                    <a16:rowId xmlns:a16="http://schemas.microsoft.com/office/drawing/2014/main" val="88185719"/>
+                  </a:ext>
+                </a:extLst>
+              </a:tr>
+            </a:tbl>
+          </a:graphicData>
+        </a:graphic>
+      </p:graphicFrame>
+    </p:spTree>
+    <p:extLst>
+      <p:ext uri="{BB962C8B-B14F-4D97-AF65-F5344CB8AC3E}">
+        <p14:creationId xmlns:p14="http://schemas.microsoft.com/office/powerpoint/2010/main" val="1278377530"/>
+      </p:ext>
+    </p:extLst>
+  </p:cSld>
+  <p:clrMapOvr>
+    <a:masterClrMapping/>
+  </p:clrMapOvr>
+  <p:timing>
+    <p:tnLst>
+      <p:par>
+        <p:cTn id="1" dur="indefinite" restart="never" nodeType="tmRoot"/>
+      </p:par>
+    </p:tnLst>
   </p:timing>
 </p:sld>
 </file>

--- a/Architecture-Overview.pptx
+++ b/Architecture-Overview.pptx
@@ -3007,18 +3007,24 @@
           <a:p>
             <a:pPr algn="ctr"/>
             <a:r>
-              <a:rPr lang="de-DE" sz="1400" dirty="0" err="1" smtClean="0"/>
+              <a:rPr lang="de-DE" sz="1050" dirty="0" err="1" smtClean="0"/>
               <a:t>Install</a:t>
             </a:r>
             <a:r>
-              <a:rPr lang="de-DE" sz="1400" dirty="0" smtClean="0"/>
+              <a:rPr lang="de-DE" sz="1050" dirty="0" smtClean="0"/>
               <a:t> </a:t>
             </a:r>
             <a:r>
-              <a:rPr lang="de-DE" sz="1400" dirty="0" smtClean="0"/>
+              <a:rPr lang="de-DE" sz="1050" dirty="0" smtClean="0"/>
               <a:t>VM</a:t>
             </a:r>
-            <a:endParaRPr lang="de-DE" sz="1400" dirty="0" smtClean="0"/>
+          </a:p>
+          <a:p>
+            <a:pPr algn="ctr"/>
+            <a:r>
+              <a:rPr lang="de-DE" sz="1050" dirty="0" smtClean="0"/>
+              <a:t>10.0.249.113</a:t>
+            </a:r>
           </a:p>
         </p:txBody>
       </p:sp>
@@ -3484,11 +3490,7 @@
             <a:pPr algn="ctr"/>
             <a:r>
               <a:rPr lang="de-DE" sz="1400" dirty="0" smtClean="0"/>
-              <a:t>Internal Network </a:t>
-            </a:r>
-            <a:r>
-              <a:rPr lang="de-DE" sz="1400" dirty="0" smtClean="0"/>
-              <a:t>11.11.11.0/24</a:t>
+              <a:t>Internal Network 11.11.11.0/24</a:t>
             </a:r>
             <a:endParaRPr lang="de-DE" sz="1400" dirty="0"/>
           </a:p>
@@ -3637,21 +3639,16 @@
           <a:p>
             <a:r>
               <a:rPr lang="de-DE" sz="1400" dirty="0" smtClean="0"/>
-              <a:t>10.0.249.94/24</a:t>
-            </a:r>
+              <a:t>10.0.249.2/24</a:t>
+            </a:r>
+            <a:endParaRPr lang="de-DE" sz="1400" dirty="0" smtClean="0"/>
           </a:p>
           <a:p>
             <a:r>
               <a:rPr lang="de-DE" sz="1400" dirty="0" smtClean="0"/>
               <a:t>11.11.11.1/24</a:t>
             </a:r>
-          </a:p>
-          <a:p>
-            <a:r>
-              <a:rPr lang="de-DE" sz="1400" dirty="0" smtClean="0"/>
-              <a:t>11.11.10.1/24</a:t>
-            </a:r>
-            <a:endParaRPr lang="de-DE" sz="1400" dirty="0"/>
+            <a:endParaRPr lang="de-DE" sz="1400" dirty="0" smtClean="0"/>
           </a:p>
         </p:txBody>
       </p:sp>
@@ -3695,11 +3692,7 @@
           <a:p>
             <a:r>
               <a:rPr lang="de-DE" sz="1400" dirty="0" smtClean="0"/>
-              <a:t>Bastion </a:t>
-            </a:r>
-            <a:r>
-              <a:rPr lang="de-DE" sz="1400" dirty="0" smtClean="0"/>
-              <a:t>Host</a:t>
+              <a:t>Bastion Host</a:t>
             </a:r>
           </a:p>
           <a:p>
@@ -3719,7 +3712,7 @@
         </p:nvSpPr>
         <p:spPr>
           <a:xfrm>
-            <a:off x="4906621" y="753895"/>
+            <a:off x="7533029" y="886371"/>
             <a:ext cx="1999473" cy="777542"/>
           </a:xfrm>
           <a:prstGeom prst="rect">
@@ -3837,7 +3830,7 @@
         </p:nvSpPr>
         <p:spPr>
           <a:xfrm>
-            <a:off x="4749083" y="377950"/>
+            <a:off x="7375491" y="510426"/>
             <a:ext cx="2358887" cy="1802542"/>
           </a:xfrm>
           <a:prstGeom prst="rect">
@@ -3875,15 +3868,7 @@
                   <a:schemeClr val="tx1"/>
                 </a:solidFill>
               </a:rPr>
-              <a:t>registry.</a:t>
-            </a:r>
-            <a:r>
-              <a:rPr lang="de-DE" dirty="0" err="1" smtClean="0">
-                <a:solidFill>
-                  <a:schemeClr val="tx1"/>
-                </a:solidFill>
-              </a:rPr>
-              <a:t>local</a:t>
+              <a:t>registry.local</a:t>
             </a:r>
             <a:endParaRPr lang="de-DE" dirty="0">
               <a:solidFill>
@@ -3901,7 +3886,7 @@
         </p:nvSpPr>
         <p:spPr>
           <a:xfrm>
-            <a:off x="4906621" y="1654775"/>
+            <a:off x="7533029" y="1787251"/>
             <a:ext cx="1999473" cy="379079"/>
           </a:xfrm>
           <a:prstGeom prst="rect">
@@ -3934,11 +3919,7 @@
             <a:pPr algn="ctr"/>
             <a:r>
               <a:rPr lang="de-DE" sz="1200" dirty="0" smtClean="0"/>
-              <a:t>Internal </a:t>
-            </a:r>
-            <a:r>
-              <a:rPr lang="de-DE" sz="1200" dirty="0" smtClean="0"/>
-              <a:t>Network </a:t>
+              <a:t>Internal Network </a:t>
             </a:r>
             <a:r>
               <a:rPr lang="de-DE" sz="1200" dirty="0" err="1" smtClean="0"/>
@@ -3952,6 +3933,196 @@
           </a:p>
         </p:txBody>
       </p:sp>
+      <p:sp>
+        <p:nvSpPr>
+          <p:cNvPr id="20" name="Rechteck 19"/>
+          <p:cNvSpPr/>
+          <p:nvPr/>
+        </p:nvSpPr>
+        <p:spPr>
+          <a:xfrm>
+            <a:off x="452174" y="213560"/>
+            <a:ext cx="1999473" cy="1027426"/>
+          </a:xfrm>
+          <a:prstGeom prst="rect">
+            <a:avLst/>
+          </a:prstGeom>
+          <a:solidFill>
+            <a:schemeClr val="tx1">
+              <a:lumMod val="50000"/>
+              <a:lumOff val="50000"/>
+            </a:schemeClr>
+          </a:solidFill>
+        </p:spPr>
+        <p:style>
+          <a:lnRef idx="2">
+            <a:schemeClr val="accent1">
+              <a:shade val="50000"/>
+            </a:schemeClr>
+          </a:lnRef>
+          <a:fillRef idx="1">
+            <a:schemeClr val="accent1"/>
+          </a:fillRef>
+          <a:effectRef idx="0">
+            <a:schemeClr val="accent1"/>
+          </a:effectRef>
+          <a:fontRef idx="minor">
+            <a:schemeClr val="lt1"/>
+          </a:fontRef>
+        </p:style>
+        <p:txBody>
+          <a:bodyPr rtlCol="0" anchor="t"/>
+          <a:lstStyle/>
+          <a:p>
+            <a:r>
+              <a:rPr lang="de-DE" sz="1400" dirty="0" smtClean="0"/>
+              <a:t>Fritz-Box (Internet)</a:t>
+            </a:r>
+            <a:endParaRPr lang="de-DE" sz="1400" dirty="0" smtClean="0"/>
+          </a:p>
+          <a:p>
+            <a:r>
+              <a:rPr lang="de-DE" sz="1400" dirty="0" smtClean="0"/>
+              <a:t>10.0.249.1/24</a:t>
+            </a:r>
+            <a:endParaRPr lang="de-DE" sz="1400" dirty="0" smtClean="0"/>
+          </a:p>
+        </p:txBody>
+      </p:sp>
+      <p:cxnSp>
+        <p:nvCxnSpPr>
+          <p:cNvPr id="3" name="Gewinkelter Verbinder 2"/>
+          <p:cNvCxnSpPr>
+            <a:stCxn id="19" idx="0"/>
+            <a:endCxn id="20" idx="2"/>
+          </p:cNvCxnSpPr>
+          <p:nvPr/>
+        </p:nvCxnSpPr>
+        <p:spPr>
+          <a:xfrm rot="16200000" flipV="1">
+            <a:off x="571424" y="2121474"/>
+            <a:ext cx="1760977" cy="1"/>
+          </a:xfrm>
+          <a:prstGeom prst="bentConnector3">
+            <a:avLst/>
+          </a:prstGeom>
+        </p:spPr>
+        <p:style>
+          <a:lnRef idx="1">
+            <a:schemeClr val="accent1"/>
+          </a:lnRef>
+          <a:fillRef idx="0">
+            <a:schemeClr val="accent1"/>
+          </a:fillRef>
+          <a:effectRef idx="0">
+            <a:schemeClr val="accent1"/>
+          </a:effectRef>
+          <a:fontRef idx="minor">
+            <a:schemeClr val="tx1"/>
+          </a:fontRef>
+        </p:style>
+      </p:cxnSp>
+      <p:cxnSp>
+        <p:nvCxnSpPr>
+          <p:cNvPr id="26" name="Gewinkelter Verbinder 25"/>
+          <p:cNvCxnSpPr>
+            <a:stCxn id="19" idx="3"/>
+            <a:endCxn id="25" idx="1"/>
+          </p:cNvCxnSpPr>
+          <p:nvPr/>
+        </p:nvCxnSpPr>
+        <p:spPr>
+          <a:xfrm flipV="1">
+            <a:off x="2451648" y="1976791"/>
+            <a:ext cx="5081381" cy="1538885"/>
+          </a:xfrm>
+          <a:prstGeom prst="bentConnector3">
+            <a:avLst/>
+          </a:prstGeom>
+        </p:spPr>
+        <p:style>
+          <a:lnRef idx="1">
+            <a:schemeClr val="accent1"/>
+          </a:lnRef>
+          <a:fillRef idx="0">
+            <a:schemeClr val="accent1"/>
+          </a:fillRef>
+          <a:effectRef idx="0">
+            <a:schemeClr val="accent1"/>
+          </a:effectRef>
+          <a:fontRef idx="minor">
+            <a:schemeClr val="tx1"/>
+          </a:fontRef>
+        </p:style>
+      </p:cxnSp>
+      <p:cxnSp>
+        <p:nvCxnSpPr>
+          <p:cNvPr id="27" name="Gewinkelter Verbinder 26"/>
+          <p:cNvCxnSpPr>
+            <a:stCxn id="19" idx="3"/>
+            <a:endCxn id="16" idx="1"/>
+          </p:cNvCxnSpPr>
+          <p:nvPr/>
+        </p:nvCxnSpPr>
+        <p:spPr>
+          <a:xfrm>
+            <a:off x="2451648" y="3515676"/>
+            <a:ext cx="5159938" cy="2260747"/>
+          </a:xfrm>
+          <a:prstGeom prst="bentConnector3">
+            <a:avLst>
+              <a:gd name="adj1" fmla="val 67332"/>
+            </a:avLst>
+          </a:prstGeom>
+        </p:spPr>
+        <p:style>
+          <a:lnRef idx="1">
+            <a:schemeClr val="accent1"/>
+          </a:lnRef>
+          <a:fillRef idx="0">
+            <a:schemeClr val="accent1"/>
+          </a:fillRef>
+          <a:effectRef idx="0">
+            <a:schemeClr val="accent1"/>
+          </a:effectRef>
+          <a:fontRef idx="minor">
+            <a:schemeClr val="tx1"/>
+          </a:fontRef>
+        </p:style>
+      </p:cxnSp>
+      <p:cxnSp>
+        <p:nvCxnSpPr>
+          <p:cNvPr id="31" name="Gewinkelter Verbinder 30"/>
+          <p:cNvCxnSpPr>
+            <a:stCxn id="4" idx="0"/>
+            <a:endCxn id="19" idx="2"/>
+          </p:cNvCxnSpPr>
+          <p:nvPr/>
+        </p:nvCxnSpPr>
+        <p:spPr>
+          <a:xfrm rot="16200000" flipV="1">
+            <a:off x="969543" y="4511759"/>
+            <a:ext cx="964741" cy="1"/>
+          </a:xfrm>
+          <a:prstGeom prst="bentConnector3">
+            <a:avLst/>
+          </a:prstGeom>
+        </p:spPr>
+        <p:style>
+          <a:lnRef idx="1">
+            <a:schemeClr val="accent1"/>
+          </a:lnRef>
+          <a:fillRef idx="0">
+            <a:schemeClr val="accent1"/>
+          </a:fillRef>
+          <a:effectRef idx="0">
+            <a:schemeClr val="accent1"/>
+          </a:effectRef>
+          <a:fontRef idx="minor">
+            <a:schemeClr val="tx1"/>
+          </a:fontRef>
+        </p:style>
+      </p:cxnSp>
     </p:spTree>
     <p:extLst>
       <p:ext uri="{BB962C8B-B14F-4D97-AF65-F5344CB8AC3E}">
@@ -4780,6 +4951,51 @@
                       </p:childTnLst>
                     </p:cTn>
                   </p:par>
+                  <p:par>
+                    <p:cTn id="75" fill="hold">
+                      <p:stCondLst>
+                        <p:cond delay="indefinite"/>
+                      </p:stCondLst>
+                      <p:childTnLst>
+                        <p:par>
+                          <p:cTn id="76" fill="hold">
+                            <p:stCondLst>
+                              <p:cond delay="0"/>
+                            </p:stCondLst>
+                            <p:childTnLst>
+                              <p:par>
+                                <p:cTn id="77" presetID="1" presetClass="entr" presetSubtype="0" fill="hold" grpId="0" nodeType="clickEffect">
+                                  <p:stCondLst>
+                                    <p:cond delay="0"/>
+                                  </p:stCondLst>
+                                  <p:childTnLst>
+                                    <p:set>
+                                      <p:cBhvr>
+                                        <p:cTn id="78" dur="1" fill="hold">
+                                          <p:stCondLst>
+                                            <p:cond delay="0"/>
+                                          </p:stCondLst>
+                                        </p:cTn>
+                                        <p:tgtEl>
+                                          <p:spTgt spid="20"/>
+                                        </p:tgtEl>
+                                        <p:attrNameLst>
+                                          <p:attrName>style.visibility</p:attrName>
+                                        </p:attrNameLst>
+                                      </p:cBhvr>
+                                      <p:to>
+                                        <p:strVal val="visible"/>
+                                      </p:to>
+                                    </p:set>
+                                  </p:childTnLst>
+                                </p:cTn>
+                              </p:par>
+                            </p:childTnLst>
+                          </p:cTn>
+                        </p:par>
+                      </p:childTnLst>
+                    </p:cTn>
+                  </p:par>
                 </p:childTnLst>
               </p:cTn>
               <p:prevCondLst>
@@ -4820,6 +5036,7 @@
       <p:bldP spid="23" grpId="0" animBg="1"/>
       <p:bldP spid="24" grpId="0" animBg="1"/>
       <p:bldP spid="25" grpId="0" animBg="1"/>
+      <p:bldP spid="20" grpId="0" animBg="1"/>
     </p:bldLst>
   </p:timing>
 </p:sld>

--- a/Architecture-Overview.pptx
+++ b/Architecture-Overview.pptx
@@ -155,10 +155,9 @@
           </a:lstStyle>
           <a:p>
             <a:r>
-              <a:rPr lang="de-DE" smtClean="0"/>
+              <a:rPr lang="de-DE"/>
               <a:t>Titelmasterformat durch Klicken bearbeiten</a:t>
             </a:r>
-            <a:endParaRPr lang="de-DE"/>
           </a:p>
         </p:txBody>
       </p:sp>
@@ -220,10 +219,9 @@
           </a:lstStyle>
           <a:p>
             <a:r>
-              <a:rPr lang="de-DE" smtClean="0"/>
+              <a:rPr lang="de-DE"/>
               <a:t>Formatvorlage des Untertitelmasters durch Klicken bearbeiten</a:t>
             </a:r>
-            <a:endParaRPr lang="de-DE"/>
           </a:p>
         </p:txBody>
       </p:sp>
@@ -244,7 +242,7 @@
           <a:p>
             <a:fld id="{FB965CEE-315E-405C-BA70-ED45D4E0DFFE}" type="datetimeFigureOut">
               <a:rPr lang="de-DE" smtClean="0"/>
-              <a:t>22.01.2021</a:t>
+              <a:t>25.01.2021</a:t>
             </a:fld>
             <a:endParaRPr lang="de-DE"/>
           </a:p>
@@ -338,10 +336,9 @@
           <a:lstStyle/>
           <a:p>
             <a:r>
-              <a:rPr lang="de-DE" smtClean="0"/>
+              <a:rPr lang="de-DE"/>
               <a:t>Titelmasterformat durch Klicken bearbeiten</a:t>
             </a:r>
-            <a:endParaRPr lang="de-DE"/>
           </a:p>
         </p:txBody>
       </p:sp>
@@ -362,38 +359,37 @@
           <a:p>
             <a:pPr lvl="0"/>
             <a:r>
-              <a:rPr lang="de-DE" smtClean="0"/>
+              <a:rPr lang="de-DE"/>
               <a:t>Formatvorlagen des Textmasters bearbeiten</a:t>
             </a:r>
           </a:p>
           <a:p>
             <a:pPr lvl="1"/>
             <a:r>
-              <a:rPr lang="de-DE" smtClean="0"/>
+              <a:rPr lang="de-DE"/>
               <a:t>Zweite Ebene</a:t>
             </a:r>
           </a:p>
           <a:p>
             <a:pPr lvl="2"/>
             <a:r>
-              <a:rPr lang="de-DE" smtClean="0"/>
+              <a:rPr lang="de-DE"/>
               <a:t>Dritte Ebene</a:t>
             </a:r>
           </a:p>
           <a:p>
             <a:pPr lvl="3"/>
             <a:r>
-              <a:rPr lang="de-DE" smtClean="0"/>
+              <a:rPr lang="de-DE"/>
               <a:t>Vierte Ebene</a:t>
             </a:r>
           </a:p>
           <a:p>
             <a:pPr lvl="4"/>
             <a:r>
-              <a:rPr lang="de-DE" smtClean="0"/>
+              <a:rPr lang="de-DE"/>
               <a:t>Fünfte Ebene</a:t>
             </a:r>
-            <a:endParaRPr lang="de-DE"/>
           </a:p>
         </p:txBody>
       </p:sp>
@@ -414,7 +410,7 @@
           <a:p>
             <a:fld id="{FB965CEE-315E-405C-BA70-ED45D4E0DFFE}" type="datetimeFigureOut">
               <a:rPr lang="de-DE" smtClean="0"/>
-              <a:t>22.01.2021</a:t>
+              <a:t>25.01.2021</a:t>
             </a:fld>
             <a:endParaRPr lang="de-DE"/>
           </a:p>
@@ -513,10 +509,9 @@
           <a:lstStyle/>
           <a:p>
             <a:r>
-              <a:rPr lang="de-DE" smtClean="0"/>
+              <a:rPr lang="de-DE"/>
               <a:t>Titelmasterformat durch Klicken bearbeiten</a:t>
             </a:r>
-            <a:endParaRPr lang="de-DE"/>
           </a:p>
         </p:txBody>
       </p:sp>
@@ -542,38 +537,37 @@
           <a:p>
             <a:pPr lvl="0"/>
             <a:r>
-              <a:rPr lang="de-DE" smtClean="0"/>
+              <a:rPr lang="de-DE"/>
               <a:t>Formatvorlagen des Textmasters bearbeiten</a:t>
             </a:r>
           </a:p>
           <a:p>
             <a:pPr lvl="1"/>
             <a:r>
-              <a:rPr lang="de-DE" smtClean="0"/>
+              <a:rPr lang="de-DE"/>
               <a:t>Zweite Ebene</a:t>
             </a:r>
           </a:p>
           <a:p>
             <a:pPr lvl="2"/>
             <a:r>
-              <a:rPr lang="de-DE" smtClean="0"/>
+              <a:rPr lang="de-DE"/>
               <a:t>Dritte Ebene</a:t>
             </a:r>
           </a:p>
           <a:p>
             <a:pPr lvl="3"/>
             <a:r>
-              <a:rPr lang="de-DE" smtClean="0"/>
+              <a:rPr lang="de-DE"/>
               <a:t>Vierte Ebene</a:t>
             </a:r>
           </a:p>
           <a:p>
             <a:pPr lvl="4"/>
             <a:r>
-              <a:rPr lang="de-DE" smtClean="0"/>
+              <a:rPr lang="de-DE"/>
               <a:t>Fünfte Ebene</a:t>
             </a:r>
-            <a:endParaRPr lang="de-DE"/>
           </a:p>
         </p:txBody>
       </p:sp>
@@ -594,7 +588,7 @@
           <a:p>
             <a:fld id="{FB965CEE-315E-405C-BA70-ED45D4E0DFFE}" type="datetimeFigureOut">
               <a:rPr lang="de-DE" smtClean="0"/>
-              <a:t>22.01.2021</a:t>
+              <a:t>25.01.2021</a:t>
             </a:fld>
             <a:endParaRPr lang="de-DE"/>
           </a:p>
@@ -688,10 +682,9 @@
           <a:lstStyle/>
           <a:p>
             <a:r>
-              <a:rPr lang="de-DE" smtClean="0"/>
+              <a:rPr lang="de-DE"/>
               <a:t>Titelmasterformat durch Klicken bearbeiten</a:t>
             </a:r>
-            <a:endParaRPr lang="de-DE"/>
           </a:p>
         </p:txBody>
       </p:sp>
@@ -712,38 +705,37 @@
           <a:p>
             <a:pPr lvl="0"/>
             <a:r>
-              <a:rPr lang="de-DE" smtClean="0"/>
+              <a:rPr lang="de-DE"/>
               <a:t>Formatvorlagen des Textmasters bearbeiten</a:t>
             </a:r>
           </a:p>
           <a:p>
             <a:pPr lvl="1"/>
             <a:r>
-              <a:rPr lang="de-DE" smtClean="0"/>
+              <a:rPr lang="de-DE"/>
               <a:t>Zweite Ebene</a:t>
             </a:r>
           </a:p>
           <a:p>
             <a:pPr lvl="2"/>
             <a:r>
-              <a:rPr lang="de-DE" smtClean="0"/>
+              <a:rPr lang="de-DE"/>
               <a:t>Dritte Ebene</a:t>
             </a:r>
           </a:p>
           <a:p>
             <a:pPr lvl="3"/>
             <a:r>
-              <a:rPr lang="de-DE" smtClean="0"/>
+              <a:rPr lang="de-DE"/>
               <a:t>Vierte Ebene</a:t>
             </a:r>
           </a:p>
           <a:p>
             <a:pPr lvl="4"/>
             <a:r>
-              <a:rPr lang="de-DE" smtClean="0"/>
+              <a:rPr lang="de-DE"/>
               <a:t>Fünfte Ebene</a:t>
             </a:r>
-            <a:endParaRPr lang="de-DE"/>
           </a:p>
         </p:txBody>
       </p:sp>
@@ -764,7 +756,7 @@
           <a:p>
             <a:fld id="{FB965CEE-315E-405C-BA70-ED45D4E0DFFE}" type="datetimeFigureOut">
               <a:rPr lang="de-DE" smtClean="0"/>
-              <a:t>22.01.2021</a:t>
+              <a:t>25.01.2021</a:t>
             </a:fld>
             <a:endParaRPr lang="de-DE"/>
           </a:p>
@@ -867,10 +859,9 @@
           </a:lstStyle>
           <a:p>
             <a:r>
-              <a:rPr lang="de-DE" smtClean="0"/>
+              <a:rPr lang="de-DE"/>
               <a:t>Titelmasterformat durch Klicken bearbeiten</a:t>
             </a:r>
-            <a:endParaRPr lang="de-DE"/>
           </a:p>
         </p:txBody>
       </p:sp>
@@ -987,7 +978,7 @@
           <a:p>
             <a:pPr lvl="0"/>
             <a:r>
-              <a:rPr lang="de-DE" smtClean="0"/>
+              <a:rPr lang="de-DE"/>
               <a:t>Formatvorlagen des Textmasters bearbeiten</a:t>
             </a:r>
           </a:p>
@@ -1010,7 +1001,7 @@
           <a:p>
             <a:fld id="{FB965CEE-315E-405C-BA70-ED45D4E0DFFE}" type="datetimeFigureOut">
               <a:rPr lang="de-DE" smtClean="0"/>
-              <a:t>22.01.2021</a:t>
+              <a:t>25.01.2021</a:t>
             </a:fld>
             <a:endParaRPr lang="de-DE"/>
           </a:p>
@@ -1104,10 +1095,9 @@
           <a:lstStyle/>
           <a:p>
             <a:r>
-              <a:rPr lang="de-DE" smtClean="0"/>
+              <a:rPr lang="de-DE"/>
               <a:t>Titelmasterformat durch Klicken bearbeiten</a:t>
             </a:r>
-            <a:endParaRPr lang="de-DE"/>
           </a:p>
         </p:txBody>
       </p:sp>
@@ -1133,38 +1123,37 @@
           <a:p>
             <a:pPr lvl="0"/>
             <a:r>
-              <a:rPr lang="de-DE" smtClean="0"/>
+              <a:rPr lang="de-DE"/>
               <a:t>Formatvorlagen des Textmasters bearbeiten</a:t>
             </a:r>
           </a:p>
           <a:p>
             <a:pPr lvl="1"/>
             <a:r>
-              <a:rPr lang="de-DE" smtClean="0"/>
+              <a:rPr lang="de-DE"/>
               <a:t>Zweite Ebene</a:t>
             </a:r>
           </a:p>
           <a:p>
             <a:pPr lvl="2"/>
             <a:r>
-              <a:rPr lang="de-DE" smtClean="0"/>
+              <a:rPr lang="de-DE"/>
               <a:t>Dritte Ebene</a:t>
             </a:r>
           </a:p>
           <a:p>
             <a:pPr lvl="3"/>
             <a:r>
-              <a:rPr lang="de-DE" smtClean="0"/>
+              <a:rPr lang="de-DE"/>
               <a:t>Vierte Ebene</a:t>
             </a:r>
           </a:p>
           <a:p>
             <a:pPr lvl="4"/>
             <a:r>
-              <a:rPr lang="de-DE" smtClean="0"/>
+              <a:rPr lang="de-DE"/>
               <a:t>Fünfte Ebene</a:t>
             </a:r>
-            <a:endParaRPr lang="de-DE"/>
           </a:p>
         </p:txBody>
       </p:sp>
@@ -1190,38 +1179,37 @@
           <a:p>
             <a:pPr lvl="0"/>
             <a:r>
-              <a:rPr lang="de-DE" smtClean="0"/>
+              <a:rPr lang="de-DE"/>
               <a:t>Formatvorlagen des Textmasters bearbeiten</a:t>
             </a:r>
           </a:p>
           <a:p>
             <a:pPr lvl="1"/>
             <a:r>
-              <a:rPr lang="de-DE" smtClean="0"/>
+              <a:rPr lang="de-DE"/>
               <a:t>Zweite Ebene</a:t>
             </a:r>
           </a:p>
           <a:p>
             <a:pPr lvl="2"/>
             <a:r>
-              <a:rPr lang="de-DE" smtClean="0"/>
+              <a:rPr lang="de-DE"/>
               <a:t>Dritte Ebene</a:t>
             </a:r>
           </a:p>
           <a:p>
             <a:pPr lvl="3"/>
             <a:r>
-              <a:rPr lang="de-DE" smtClean="0"/>
+              <a:rPr lang="de-DE"/>
               <a:t>Vierte Ebene</a:t>
             </a:r>
           </a:p>
           <a:p>
             <a:pPr lvl="4"/>
             <a:r>
-              <a:rPr lang="de-DE" smtClean="0"/>
+              <a:rPr lang="de-DE"/>
               <a:t>Fünfte Ebene</a:t>
             </a:r>
-            <a:endParaRPr lang="de-DE"/>
           </a:p>
         </p:txBody>
       </p:sp>
@@ -1242,7 +1230,7 @@
           <a:p>
             <a:fld id="{FB965CEE-315E-405C-BA70-ED45D4E0DFFE}" type="datetimeFigureOut">
               <a:rPr lang="de-DE" smtClean="0"/>
-              <a:t>22.01.2021</a:t>
+              <a:t>25.01.2021</a:t>
             </a:fld>
             <a:endParaRPr lang="de-DE"/>
           </a:p>
@@ -1341,10 +1329,9 @@
           <a:lstStyle/>
           <a:p>
             <a:r>
-              <a:rPr lang="de-DE" smtClean="0"/>
+              <a:rPr lang="de-DE"/>
               <a:t>Titelmasterformat durch Klicken bearbeiten</a:t>
             </a:r>
-            <a:endParaRPr lang="de-DE"/>
           </a:p>
         </p:txBody>
       </p:sp>
@@ -1407,7 +1394,7 @@
           <a:p>
             <a:pPr lvl="0"/>
             <a:r>
-              <a:rPr lang="de-DE" smtClean="0"/>
+              <a:rPr lang="de-DE"/>
               <a:t>Formatvorlagen des Textmasters bearbeiten</a:t>
             </a:r>
           </a:p>
@@ -1435,38 +1422,37 @@
           <a:p>
             <a:pPr lvl="0"/>
             <a:r>
-              <a:rPr lang="de-DE" smtClean="0"/>
+              <a:rPr lang="de-DE"/>
               <a:t>Formatvorlagen des Textmasters bearbeiten</a:t>
             </a:r>
           </a:p>
           <a:p>
             <a:pPr lvl="1"/>
             <a:r>
-              <a:rPr lang="de-DE" smtClean="0"/>
+              <a:rPr lang="de-DE"/>
               <a:t>Zweite Ebene</a:t>
             </a:r>
           </a:p>
           <a:p>
             <a:pPr lvl="2"/>
             <a:r>
-              <a:rPr lang="de-DE" smtClean="0"/>
+              <a:rPr lang="de-DE"/>
               <a:t>Dritte Ebene</a:t>
             </a:r>
           </a:p>
           <a:p>
             <a:pPr lvl="3"/>
             <a:r>
-              <a:rPr lang="de-DE" smtClean="0"/>
+              <a:rPr lang="de-DE"/>
               <a:t>Vierte Ebene</a:t>
             </a:r>
           </a:p>
           <a:p>
             <a:pPr lvl="4"/>
             <a:r>
-              <a:rPr lang="de-DE" smtClean="0"/>
+              <a:rPr lang="de-DE"/>
               <a:t>Fünfte Ebene</a:t>
             </a:r>
-            <a:endParaRPr lang="de-DE"/>
           </a:p>
         </p:txBody>
       </p:sp>
@@ -1529,7 +1515,7 @@
           <a:p>
             <a:pPr lvl="0"/>
             <a:r>
-              <a:rPr lang="de-DE" smtClean="0"/>
+              <a:rPr lang="de-DE"/>
               <a:t>Formatvorlagen des Textmasters bearbeiten</a:t>
             </a:r>
           </a:p>
@@ -1557,38 +1543,37 @@
           <a:p>
             <a:pPr lvl="0"/>
             <a:r>
-              <a:rPr lang="de-DE" smtClean="0"/>
+              <a:rPr lang="de-DE"/>
               <a:t>Formatvorlagen des Textmasters bearbeiten</a:t>
             </a:r>
           </a:p>
           <a:p>
             <a:pPr lvl="1"/>
             <a:r>
-              <a:rPr lang="de-DE" smtClean="0"/>
+              <a:rPr lang="de-DE"/>
               <a:t>Zweite Ebene</a:t>
             </a:r>
           </a:p>
           <a:p>
             <a:pPr lvl="2"/>
             <a:r>
-              <a:rPr lang="de-DE" smtClean="0"/>
+              <a:rPr lang="de-DE"/>
               <a:t>Dritte Ebene</a:t>
             </a:r>
           </a:p>
           <a:p>
             <a:pPr lvl="3"/>
             <a:r>
-              <a:rPr lang="de-DE" smtClean="0"/>
+              <a:rPr lang="de-DE"/>
               <a:t>Vierte Ebene</a:t>
             </a:r>
           </a:p>
           <a:p>
             <a:pPr lvl="4"/>
             <a:r>
-              <a:rPr lang="de-DE" smtClean="0"/>
+              <a:rPr lang="de-DE"/>
               <a:t>Fünfte Ebene</a:t>
             </a:r>
-            <a:endParaRPr lang="de-DE"/>
           </a:p>
         </p:txBody>
       </p:sp>
@@ -1609,7 +1594,7 @@
           <a:p>
             <a:fld id="{FB965CEE-315E-405C-BA70-ED45D4E0DFFE}" type="datetimeFigureOut">
               <a:rPr lang="de-DE" smtClean="0"/>
-              <a:t>22.01.2021</a:t>
+              <a:t>25.01.2021</a:t>
             </a:fld>
             <a:endParaRPr lang="de-DE"/>
           </a:p>
@@ -1703,10 +1688,9 @@
           <a:lstStyle/>
           <a:p>
             <a:r>
-              <a:rPr lang="de-DE" smtClean="0"/>
+              <a:rPr lang="de-DE"/>
               <a:t>Titelmasterformat durch Klicken bearbeiten</a:t>
             </a:r>
-            <a:endParaRPr lang="de-DE"/>
           </a:p>
         </p:txBody>
       </p:sp>
@@ -1727,7 +1711,7 @@
           <a:p>
             <a:fld id="{FB965CEE-315E-405C-BA70-ED45D4E0DFFE}" type="datetimeFigureOut">
               <a:rPr lang="de-DE" smtClean="0"/>
-              <a:t>22.01.2021</a:t>
+              <a:t>25.01.2021</a:t>
             </a:fld>
             <a:endParaRPr lang="de-DE"/>
           </a:p>
@@ -1822,7 +1806,7 @@
           <a:p>
             <a:fld id="{FB965CEE-315E-405C-BA70-ED45D4E0DFFE}" type="datetimeFigureOut">
               <a:rPr lang="de-DE" smtClean="0"/>
-              <a:t>22.01.2021</a:t>
+              <a:t>25.01.2021</a:t>
             </a:fld>
             <a:endParaRPr lang="de-DE"/>
           </a:p>
@@ -1925,10 +1909,9 @@
           </a:lstStyle>
           <a:p>
             <a:r>
-              <a:rPr lang="de-DE" smtClean="0"/>
+              <a:rPr lang="de-DE"/>
               <a:t>Titelmasterformat durch Klicken bearbeiten</a:t>
             </a:r>
-            <a:endParaRPr lang="de-DE"/>
           </a:p>
         </p:txBody>
       </p:sp>
@@ -1982,38 +1965,37 @@
           <a:p>
             <a:pPr lvl="0"/>
             <a:r>
-              <a:rPr lang="de-DE" smtClean="0"/>
+              <a:rPr lang="de-DE"/>
               <a:t>Formatvorlagen des Textmasters bearbeiten</a:t>
             </a:r>
           </a:p>
           <a:p>
             <a:pPr lvl="1"/>
             <a:r>
-              <a:rPr lang="de-DE" smtClean="0"/>
+              <a:rPr lang="de-DE"/>
               <a:t>Zweite Ebene</a:t>
             </a:r>
           </a:p>
           <a:p>
             <a:pPr lvl="2"/>
             <a:r>
-              <a:rPr lang="de-DE" smtClean="0"/>
+              <a:rPr lang="de-DE"/>
               <a:t>Dritte Ebene</a:t>
             </a:r>
           </a:p>
           <a:p>
             <a:pPr lvl="3"/>
             <a:r>
-              <a:rPr lang="de-DE" smtClean="0"/>
+              <a:rPr lang="de-DE"/>
               <a:t>Vierte Ebene</a:t>
             </a:r>
           </a:p>
           <a:p>
             <a:pPr lvl="4"/>
             <a:r>
-              <a:rPr lang="de-DE" smtClean="0"/>
+              <a:rPr lang="de-DE"/>
               <a:t>Fünfte Ebene</a:t>
             </a:r>
-            <a:endParaRPr lang="de-DE"/>
           </a:p>
         </p:txBody>
       </p:sp>
@@ -2076,7 +2058,7 @@
           <a:p>
             <a:pPr lvl="0"/>
             <a:r>
-              <a:rPr lang="de-DE" smtClean="0"/>
+              <a:rPr lang="de-DE"/>
               <a:t>Formatvorlagen des Textmasters bearbeiten</a:t>
             </a:r>
           </a:p>
@@ -2099,7 +2081,7 @@
           <a:p>
             <a:fld id="{FB965CEE-315E-405C-BA70-ED45D4E0DFFE}" type="datetimeFigureOut">
               <a:rPr lang="de-DE" smtClean="0"/>
-              <a:t>22.01.2021</a:t>
+              <a:t>25.01.2021</a:t>
             </a:fld>
             <a:endParaRPr lang="de-DE"/>
           </a:p>
@@ -2202,10 +2184,9 @@
           </a:lstStyle>
           <a:p>
             <a:r>
-              <a:rPr lang="de-DE" smtClean="0"/>
+              <a:rPr lang="de-DE"/>
               <a:t>Titelmasterformat durch Klicken bearbeiten</a:t>
             </a:r>
-            <a:endParaRPr lang="de-DE"/>
           </a:p>
         </p:txBody>
       </p:sp>
@@ -2329,7 +2310,7 @@
           <a:p>
             <a:pPr lvl="0"/>
             <a:r>
-              <a:rPr lang="de-DE" smtClean="0"/>
+              <a:rPr lang="de-DE"/>
               <a:t>Formatvorlagen des Textmasters bearbeiten</a:t>
             </a:r>
           </a:p>
@@ -2352,7 +2333,7 @@
           <a:p>
             <a:fld id="{FB965CEE-315E-405C-BA70-ED45D4E0DFFE}" type="datetimeFigureOut">
               <a:rPr lang="de-DE" smtClean="0"/>
-              <a:t>22.01.2021</a:t>
+              <a:t>25.01.2021</a:t>
             </a:fld>
             <a:endParaRPr lang="de-DE"/>
           </a:p>
@@ -2461,10 +2442,9 @@
           <a:lstStyle/>
           <a:p>
             <a:r>
-              <a:rPr lang="de-DE" smtClean="0"/>
+              <a:rPr lang="de-DE"/>
               <a:t>Titelmasterformat durch Klicken bearbeiten</a:t>
             </a:r>
-            <a:endParaRPr lang="de-DE"/>
           </a:p>
         </p:txBody>
       </p:sp>
@@ -2495,38 +2475,37 @@
           <a:p>
             <a:pPr lvl="0"/>
             <a:r>
-              <a:rPr lang="de-DE" smtClean="0"/>
+              <a:rPr lang="de-DE"/>
               <a:t>Formatvorlagen des Textmasters bearbeiten</a:t>
             </a:r>
           </a:p>
           <a:p>
             <a:pPr lvl="1"/>
             <a:r>
-              <a:rPr lang="de-DE" smtClean="0"/>
+              <a:rPr lang="de-DE"/>
               <a:t>Zweite Ebene</a:t>
             </a:r>
           </a:p>
           <a:p>
             <a:pPr lvl="2"/>
             <a:r>
-              <a:rPr lang="de-DE" smtClean="0"/>
+              <a:rPr lang="de-DE"/>
               <a:t>Dritte Ebene</a:t>
             </a:r>
           </a:p>
           <a:p>
             <a:pPr lvl="3"/>
             <a:r>
-              <a:rPr lang="de-DE" smtClean="0"/>
+              <a:rPr lang="de-DE"/>
               <a:t>Vierte Ebene</a:t>
             </a:r>
           </a:p>
           <a:p>
             <a:pPr lvl="4"/>
             <a:r>
-              <a:rPr lang="de-DE" smtClean="0"/>
+              <a:rPr lang="de-DE"/>
               <a:t>Fünfte Ebene</a:t>
             </a:r>
-            <a:endParaRPr lang="de-DE"/>
           </a:p>
         </p:txBody>
       </p:sp>
@@ -2565,7 +2544,7 @@
           <a:p>
             <a:fld id="{FB965CEE-315E-405C-BA70-ED45D4E0DFFE}" type="datetimeFigureOut">
               <a:rPr lang="de-DE" smtClean="0"/>
-              <a:t>22.01.2021</a:t>
+              <a:t>25.01.2021</a:t>
             </a:fld>
             <a:endParaRPr lang="de-DE"/>
           </a:p>
@@ -3007,22 +2986,18 @@
           <a:p>
             <a:pPr algn="ctr"/>
             <a:r>
-              <a:rPr lang="de-DE" sz="1050" dirty="0" err="1" smtClean="0"/>
+              <a:rPr lang="de-DE" sz="1050" dirty="0" err="1"/>
               <a:t>Install</a:t>
             </a:r>
             <a:r>
-              <a:rPr lang="de-DE" sz="1050" dirty="0" smtClean="0"/>
-              <a:t> </a:t>
-            </a:r>
-            <a:r>
-              <a:rPr lang="de-DE" sz="1050" dirty="0" smtClean="0"/>
-              <a:t>VM</a:t>
+              <a:rPr lang="de-DE" sz="1050" dirty="0"/>
+              <a:t> VM</a:t>
             </a:r>
           </a:p>
           <a:p>
             <a:pPr algn="ctr"/>
             <a:r>
-              <a:rPr lang="de-DE" sz="1050" dirty="0" smtClean="0"/>
+              <a:rPr lang="de-DE" sz="1050" dirty="0"/>
               <a:t>10.0.249.113</a:t>
             </a:r>
           </a:p>
@@ -3069,7 +3044,7 @@
           <a:p>
             <a:pPr algn="ctr"/>
             <a:r>
-              <a:rPr lang="de-DE" dirty="0" err="1" smtClean="0">
+              <a:rPr lang="de-DE" dirty="0" err="1">
                 <a:solidFill>
                   <a:schemeClr val="tx1"/>
                 </a:solidFill>
@@ -3121,19 +3096,19 @@
           <a:p>
             <a:pPr algn="ctr"/>
             <a:r>
-              <a:rPr lang="de-DE" dirty="0" smtClean="0"/>
+              <a:rPr lang="de-DE" dirty="0"/>
               <a:t>VMware </a:t>
             </a:r>
             <a:r>
-              <a:rPr lang="de-DE" dirty="0" err="1" smtClean="0"/>
+              <a:rPr lang="de-DE" dirty="0" err="1"/>
               <a:t>vSphere</a:t>
             </a:r>
             <a:r>
-              <a:rPr lang="de-DE" dirty="0" smtClean="0"/>
+              <a:rPr lang="de-DE" dirty="0"/>
               <a:t>+ </a:t>
             </a:r>
             <a:r>
-              <a:rPr lang="de-DE" dirty="0" err="1" smtClean="0"/>
+              <a:rPr lang="de-DE" dirty="0" err="1"/>
               <a:t>vCenter</a:t>
             </a:r>
             <a:endParaRPr lang="de-DE" dirty="0"/>
@@ -3179,16 +3154,15 @@
           <a:lstStyle/>
           <a:p>
             <a:r>
-              <a:rPr lang="de-DE" sz="1400" dirty="0" smtClean="0"/>
+              <a:rPr lang="de-DE" sz="1400" dirty="0"/>
               <a:t>Master#1</a:t>
             </a:r>
           </a:p>
           <a:p>
             <a:r>
-              <a:rPr lang="de-DE" sz="1400" dirty="0" smtClean="0"/>
+              <a:rPr lang="de-DE" sz="1400" dirty="0"/>
               <a:t>11.11.11.121</a:t>
             </a:r>
-            <a:endParaRPr lang="de-DE" sz="1400" dirty="0"/>
           </a:p>
         </p:txBody>
       </p:sp>
@@ -3231,16 +3205,15 @@
           <a:lstStyle/>
           <a:p>
             <a:r>
-              <a:rPr lang="de-DE" sz="1400" dirty="0" smtClean="0"/>
+              <a:rPr lang="de-DE" sz="1400" dirty="0"/>
               <a:t>Master#2</a:t>
             </a:r>
           </a:p>
           <a:p>
             <a:r>
-              <a:rPr lang="de-DE" sz="1400" dirty="0" smtClean="0"/>
+              <a:rPr lang="de-DE" sz="1400" dirty="0"/>
               <a:t>11.11.11.122</a:t>
             </a:r>
-            <a:endParaRPr lang="de-DE" sz="1400" dirty="0"/>
           </a:p>
         </p:txBody>
       </p:sp>
@@ -3283,16 +3256,15 @@
           <a:lstStyle/>
           <a:p>
             <a:r>
-              <a:rPr lang="de-DE" sz="1400" dirty="0" smtClean="0"/>
+              <a:rPr lang="de-DE" sz="1400" dirty="0"/>
               <a:t>Master#3</a:t>
             </a:r>
           </a:p>
           <a:p>
             <a:r>
-              <a:rPr lang="de-DE" sz="1400" dirty="0" smtClean="0"/>
+              <a:rPr lang="de-DE" sz="1400" dirty="0"/>
               <a:t>11.11.11.123</a:t>
             </a:r>
-            <a:endParaRPr lang="de-DE" sz="1400" dirty="0"/>
           </a:p>
         </p:txBody>
       </p:sp>
@@ -3335,16 +3307,15 @@
           <a:lstStyle/>
           <a:p>
             <a:r>
-              <a:rPr lang="de-DE" sz="1400" dirty="0" smtClean="0"/>
+              <a:rPr lang="de-DE" sz="1400" dirty="0"/>
               <a:t>Worker#1</a:t>
             </a:r>
           </a:p>
           <a:p>
             <a:r>
-              <a:rPr lang="de-DE" sz="1400" dirty="0" smtClean="0"/>
+              <a:rPr lang="de-DE" sz="1400" dirty="0"/>
               <a:t>11.11.11.124</a:t>
             </a:r>
-            <a:endParaRPr lang="de-DE" sz="1400" dirty="0"/>
           </a:p>
         </p:txBody>
       </p:sp>
@@ -3387,16 +3358,15 @@
           <a:lstStyle/>
           <a:p>
             <a:r>
-              <a:rPr lang="de-DE" sz="1400" dirty="0" smtClean="0"/>
+              <a:rPr lang="de-DE" sz="1400" dirty="0"/>
               <a:t>Worker#2</a:t>
             </a:r>
           </a:p>
           <a:p>
             <a:r>
-              <a:rPr lang="de-DE" sz="1400" dirty="0" smtClean="0"/>
+              <a:rPr lang="de-DE" sz="1400" dirty="0"/>
               <a:t>11.11.11.125</a:t>
             </a:r>
-            <a:endParaRPr lang="de-DE" sz="1400" dirty="0"/>
           </a:p>
         </p:txBody>
       </p:sp>
@@ -3439,16 +3409,15 @@
           <a:lstStyle/>
           <a:p>
             <a:r>
-              <a:rPr lang="de-DE" sz="1400" dirty="0" smtClean="0"/>
+              <a:rPr lang="de-DE" sz="1400" dirty="0"/>
               <a:t>Worker#3</a:t>
             </a:r>
           </a:p>
           <a:p>
             <a:r>
-              <a:rPr lang="de-DE" sz="1400" dirty="0" smtClean="0"/>
+              <a:rPr lang="de-DE" sz="1400" dirty="0"/>
               <a:t>11.11.11.126</a:t>
             </a:r>
-            <a:endParaRPr lang="de-DE" sz="1400" dirty="0"/>
           </a:p>
         </p:txBody>
       </p:sp>
@@ -3489,10 +3458,9 @@
           <a:p>
             <a:pPr algn="ctr"/>
             <a:r>
-              <a:rPr lang="de-DE" sz="1400" dirty="0" smtClean="0"/>
+              <a:rPr lang="de-DE" sz="1400" dirty="0"/>
               <a:t>Internal Network 11.11.11.0/24</a:t>
             </a:r>
-            <a:endParaRPr lang="de-DE" sz="1400" dirty="0"/>
           </a:p>
         </p:txBody>
       </p:sp>
@@ -3533,14 +3501,13 @@
           <a:p>
             <a:pPr algn="ctr"/>
             <a:r>
-              <a:rPr lang="de-DE" sz="1200" dirty="0" err="1" smtClean="0"/>
+              <a:rPr lang="de-DE" sz="1200" dirty="0" err="1"/>
               <a:t>External</a:t>
             </a:r>
             <a:r>
-              <a:rPr lang="de-DE" sz="1200" dirty="0" smtClean="0"/>
+              <a:rPr lang="de-DE" sz="1200" dirty="0"/>
               <a:t> Network 10.0.249.0/24</a:t>
             </a:r>
-            <a:endParaRPr lang="de-DE" sz="1200" dirty="0"/>
           </a:p>
         </p:txBody>
       </p:sp>
@@ -3632,23 +3599,21 @@
           <a:lstStyle/>
           <a:p>
             <a:r>
-              <a:rPr lang="de-DE" sz="1400" dirty="0" smtClean="0"/>
+              <a:rPr lang="de-DE" sz="1400" dirty="0"/>
               <a:t>Router-VM</a:t>
             </a:r>
           </a:p>
           <a:p>
             <a:r>
-              <a:rPr lang="de-DE" sz="1400" dirty="0" smtClean="0"/>
+              <a:rPr lang="de-DE" sz="1400" dirty="0"/>
               <a:t>10.0.249.2/24</a:t>
             </a:r>
-            <a:endParaRPr lang="de-DE" sz="1400" dirty="0" smtClean="0"/>
-          </a:p>
-          <a:p>
-            <a:r>
-              <a:rPr lang="de-DE" sz="1400" dirty="0" smtClean="0"/>
+          </a:p>
+          <a:p>
+            <a:r>
+              <a:rPr lang="de-DE" sz="1400" dirty="0"/>
               <a:t>11.11.11.1/24</a:t>
             </a:r>
-            <a:endParaRPr lang="de-DE" sz="1400" dirty="0" smtClean="0"/>
           </a:p>
         </p:txBody>
       </p:sp>
@@ -3691,16 +3656,15 @@
           <a:lstStyle/>
           <a:p>
             <a:r>
-              <a:rPr lang="de-DE" sz="1400" dirty="0" smtClean="0"/>
+              <a:rPr lang="de-DE" sz="1400" dirty="0"/>
               <a:t>Bastion Host</a:t>
             </a:r>
           </a:p>
           <a:p>
             <a:r>
-              <a:rPr lang="de-DE" sz="1400" dirty="0" smtClean="0"/>
+              <a:rPr lang="de-DE" sz="1400" dirty="0"/>
               <a:t>11.11.11.120</a:t>
             </a:r>
-            <a:endParaRPr lang="de-DE" sz="1400" dirty="0"/>
           </a:p>
         </p:txBody>
       </p:sp>
@@ -3743,25 +3707,24 @@
           <a:lstStyle/>
           <a:p>
             <a:r>
-              <a:rPr lang="de-DE" sz="1100" dirty="0" smtClean="0"/>
+              <a:rPr lang="de-DE" sz="1100" dirty="0"/>
               <a:t>Registry</a:t>
             </a:r>
           </a:p>
           <a:p>
             <a:r>
-              <a:rPr lang="de-DE" sz="1100" dirty="0" smtClean="0"/>
+              <a:rPr lang="de-DE" sz="1100" dirty="0"/>
               <a:t>11.11.10.10/24</a:t>
             </a:r>
+          </a:p>
+          <a:p>
+            <a:r>
+              <a:rPr lang="de-DE" sz="1100" dirty="0"/>
+              <a:t>GW: 11.11.10.1</a:t>
+            </a:r>
+          </a:p>
+          <a:p>
             <a:endParaRPr lang="de-DE" sz="1100" dirty="0"/>
-          </a:p>
-          <a:p>
-            <a:r>
-              <a:rPr lang="de-DE" sz="1100" dirty="0" smtClean="0"/>
-              <a:t>GW: 11.11.10.1</a:t>
-            </a:r>
-          </a:p>
-          <a:p>
-            <a:endParaRPr lang="de-DE" sz="1100" dirty="0" smtClean="0"/>
           </a:p>
         </p:txBody>
       </p:sp>
@@ -3804,21 +3767,20 @@
           <a:lstStyle/>
           <a:p>
             <a:r>
-              <a:rPr lang="de-DE" sz="1400" dirty="0" smtClean="0"/>
+              <a:rPr lang="de-DE" sz="1400" dirty="0"/>
               <a:t>Load-</a:t>
             </a:r>
             <a:r>
-              <a:rPr lang="de-DE" sz="1400" dirty="0" err="1" smtClean="0"/>
+              <a:rPr lang="de-DE" sz="1400" dirty="0" err="1"/>
               <a:t>Balancer</a:t>
             </a:r>
-            <a:endParaRPr lang="de-DE" sz="1400" dirty="0" smtClean="0"/>
-          </a:p>
-          <a:p>
-            <a:r>
-              <a:rPr lang="de-DE" sz="1400" dirty="0" smtClean="0"/>
+            <a:endParaRPr lang="de-DE" sz="1400" dirty="0"/>
+          </a:p>
+          <a:p>
+            <a:r>
+              <a:rPr lang="de-DE" sz="1400" dirty="0"/>
               <a:t>11.11.11.129</a:t>
             </a:r>
-            <a:endParaRPr lang="de-DE" sz="1400" dirty="0"/>
           </a:p>
         </p:txBody>
       </p:sp>
@@ -3863,7 +3825,7 @@
           <a:p>
             <a:pPr algn="ctr"/>
             <a:r>
-              <a:rPr lang="de-DE" dirty="0" err="1" smtClean="0">
+              <a:rPr lang="de-DE" dirty="0" err="1">
                 <a:solidFill>
                   <a:schemeClr val="tx1"/>
                 </a:solidFill>
@@ -3918,18 +3880,17 @@
           <a:p>
             <a:pPr algn="ctr"/>
             <a:r>
-              <a:rPr lang="de-DE" sz="1200" dirty="0" smtClean="0"/>
+              <a:rPr lang="de-DE" sz="1200" dirty="0"/>
               <a:t>Internal Network </a:t>
             </a:r>
             <a:r>
-              <a:rPr lang="de-DE" sz="1200" dirty="0" err="1" smtClean="0"/>
+              <a:rPr lang="de-DE" sz="1200" dirty="0" err="1"/>
               <a:t>for</a:t>
             </a:r>
             <a:r>
-              <a:rPr lang="de-DE" sz="1200" dirty="0" smtClean="0"/>
+              <a:rPr lang="de-DE" sz="1200" dirty="0"/>
               <a:t> Registry 11.11.10.0/24</a:t>
             </a:r>
-            <a:endParaRPr lang="de-DE" sz="1200" dirty="0"/>
           </a:p>
         </p:txBody>
       </p:sp>
@@ -3975,17 +3936,15 @@
           <a:lstStyle/>
           <a:p>
             <a:r>
-              <a:rPr lang="de-DE" sz="1400" dirty="0" smtClean="0"/>
+              <a:rPr lang="de-DE" sz="1400" dirty="0"/>
               <a:t>Fritz-Box (Internet)</a:t>
             </a:r>
-            <a:endParaRPr lang="de-DE" sz="1400" dirty="0" smtClean="0"/>
-          </a:p>
-          <a:p>
-            <a:r>
-              <a:rPr lang="de-DE" sz="1400" dirty="0" smtClean="0"/>
+          </a:p>
+          <a:p>
+            <a:r>
+              <a:rPr lang="de-DE" sz="1400" dirty="0"/>
               <a:t>10.0.249.1/24</a:t>
             </a:r>
-            <a:endParaRPr lang="de-DE" sz="1400" dirty="0" smtClean="0"/>
           </a:p>
         </p:txBody>
       </p:sp>
@@ -5068,7 +5027,7 @@
           <p:nvPr>
             <p:extLst>
               <p:ext uri="{D42A27DB-BD31-4B8C-83A1-F6EECF244321}">
-                <p14:modId xmlns:p14="http://schemas.microsoft.com/office/powerpoint/2010/main" val="4048129413"/>
+                <p14:modId xmlns:p14="http://schemas.microsoft.com/office/powerpoint/2010/main" val="4123529389"/>
               </p:ext>
             </p:extLst>
           </p:nvPr>
@@ -5120,10 +5079,9 @@
                     <a:lstStyle/>
                     <a:p>
                       <a:r>
-                        <a:rPr lang="de-DE" dirty="0" smtClean="0"/>
+                        <a:rPr lang="de-DE" dirty="0"/>
                         <a:t>Rolle</a:t>
                       </a:r>
-                      <a:endParaRPr lang="de-DE" dirty="0"/>
                     </a:p>
                   </a:txBody>
                   <a:tcPr/>
@@ -5134,10 +5092,9 @@
                     <a:lstStyle/>
                     <a:p>
                       <a:r>
-                        <a:rPr lang="de-DE" dirty="0" smtClean="0"/>
+                        <a:rPr lang="de-DE" dirty="0"/>
                         <a:t>Beschreibung</a:t>
                       </a:r>
-                      <a:endParaRPr lang="de-DE" dirty="0"/>
                     </a:p>
                   </a:txBody>
                   <a:tcPr/>
@@ -5148,10 +5105,9 @@
                     <a:lstStyle/>
                     <a:p>
                       <a:r>
-                        <a:rPr lang="de-DE" dirty="0" smtClean="0"/>
+                        <a:rPr lang="de-DE" dirty="0"/>
                         <a:t>Hostname</a:t>
                       </a:r>
-                      <a:endParaRPr lang="de-DE" dirty="0"/>
                     </a:p>
                   </a:txBody>
                   <a:tcPr/>
@@ -5162,10 +5118,9 @@
                     <a:lstStyle/>
                     <a:p>
                       <a:r>
-                        <a:rPr lang="de-DE" dirty="0" smtClean="0"/>
+                        <a:rPr lang="de-DE" dirty="0"/>
                         <a:t>IP</a:t>
                       </a:r>
-                      <a:endParaRPr lang="de-DE" dirty="0"/>
                     </a:p>
                   </a:txBody>
                   <a:tcPr/>
@@ -5183,14 +5138,13 @@
                     <a:lstStyle/>
                     <a:p>
                       <a:r>
-                        <a:rPr lang="de-DE" dirty="0" err="1" smtClean="0"/>
+                        <a:rPr lang="de-DE" dirty="0" err="1"/>
                         <a:t>Install</a:t>
                       </a:r>
                       <a:r>
-                        <a:rPr lang="de-DE" dirty="0" smtClean="0"/>
+                        <a:rPr lang="de-DE" dirty="0"/>
                         <a:t>-VM</a:t>
                       </a:r>
-                      <a:endParaRPr lang="de-DE" dirty="0"/>
                     </a:p>
                   </a:txBody>
                   <a:tcPr/>
@@ -5211,7 +5165,7 @@
                     <a:lstStyle/>
                     <a:p>
                       <a:r>
-                        <a:rPr lang="de-DE" dirty="0" err="1" smtClean="0"/>
+                        <a:rPr lang="de-DE" dirty="0" err="1"/>
                         <a:t>install-vm</a:t>
                       </a:r>
                       <a:endParaRPr lang="de-DE" dirty="0"/>
@@ -5225,8 +5179,8 @@
                     <a:lstStyle/>
                     <a:p>
                       <a:r>
-                        <a:rPr lang="de-DE" dirty="0" smtClean="0"/>
-                        <a:t>10.0.249.113</a:t>
+                        <a:rPr lang="de-DE"/>
+                        <a:t>10.0.249.113 </a:t>
                       </a:r>
                       <a:endParaRPr lang="de-DE" dirty="0"/>
                     </a:p>
@@ -5246,8 +5200,25 @@
                     <a:lstStyle/>
                     <a:p>
                       <a:r>
-                        <a:rPr lang="de-DE" dirty="0" smtClean="0"/>
+                        <a:rPr lang="de-DE" dirty="0"/>
                         <a:t>Router</a:t>
+                      </a:r>
+                    </a:p>
+                  </a:txBody>
+                  <a:tcPr/>
+                </a:tc>
+                <a:tc>
+                  <a:txBody>
+                    <a:bodyPr/>
+                    <a:lstStyle/>
+                    <a:p>
+                      <a:r>
+                        <a:rPr lang="de-DE" dirty="0"/>
+                        <a:t>Router-VM zur Navigation zwischen den Netzwerken in </a:t>
+                      </a:r>
+                      <a:r>
+                        <a:rPr lang="de-DE" dirty="0" err="1"/>
+                        <a:t>Vmware</a:t>
                       </a:r>
                       <a:endParaRPr lang="de-DE" dirty="0"/>
                     </a:p>
@@ -5260,12 +5231,8 @@
                     <a:lstStyle/>
                     <a:p>
                       <a:r>
-                        <a:rPr lang="de-DE" dirty="0" smtClean="0"/>
-                        <a:t>Router-VM zur Navigation zwischen den Netzwerken in </a:t>
-                      </a:r>
-                      <a:r>
-                        <a:rPr lang="de-DE" dirty="0" err="1" smtClean="0"/>
-                        <a:t>Vmware</a:t>
+                        <a:rPr lang="de-DE" dirty="0" err="1"/>
+                        <a:t>router</a:t>
                       </a:r>
                       <a:endParaRPr lang="de-DE" dirty="0"/>
                     </a:p>
@@ -5278,31 +5245,16 @@
                     <a:lstStyle/>
                     <a:p>
                       <a:r>
-                        <a:rPr lang="de-DE" dirty="0" err="1" smtClean="0"/>
-                        <a:t>router</a:t>
-                      </a:r>
-                      <a:endParaRPr lang="de-DE" dirty="0"/>
-                    </a:p>
-                  </a:txBody>
-                  <a:tcPr/>
-                </a:tc>
-                <a:tc>
-                  <a:txBody>
-                    <a:bodyPr/>
-                    <a:lstStyle/>
-                    <a:p>
-                      <a:r>
-                        <a:rPr lang="de-DE" dirty="0" smtClean="0"/>
+                        <a:rPr lang="de-DE" dirty="0"/>
                         <a:t>11.11.11.1</a:t>
                       </a:r>
                       <a:br>
-                        <a:rPr lang="de-DE" dirty="0" smtClean="0"/>
+                        <a:rPr lang="de-DE" dirty="0"/>
                       </a:br>
                       <a:r>
-                        <a:rPr lang="de-DE" dirty="0" smtClean="0"/>
+                        <a:rPr lang="de-DE" dirty="0"/>
                         <a:t>10.0.249.2</a:t>
                       </a:r>
-                      <a:endParaRPr lang="de-DE" dirty="0"/>
                     </a:p>
                   </a:txBody>
                   <a:tcPr/>
@@ -5320,8 +5272,25 @@
                     <a:lstStyle/>
                     <a:p>
                       <a:r>
-                        <a:rPr lang="de-DE" dirty="0" smtClean="0"/>
+                        <a:rPr lang="de-DE" dirty="0"/>
                         <a:t>Registry</a:t>
+                      </a:r>
+                    </a:p>
+                  </a:txBody>
+                  <a:tcPr/>
+                </a:tc>
+                <a:tc>
+                  <a:txBody>
+                    <a:bodyPr/>
+                    <a:lstStyle/>
+                    <a:p>
+                      <a:r>
+                        <a:rPr lang="de-DE" dirty="0"/>
+                        <a:t>Die zentrale</a:t>
+                      </a:r>
+                      <a:r>
+                        <a:rPr lang="de-DE" baseline="0" dirty="0"/>
+                        <a:t> Image-Registry</a:t>
                       </a:r>
                       <a:endParaRPr lang="de-DE" dirty="0"/>
                     </a:p>
@@ -5334,14 +5303,9 @@
                     <a:lstStyle/>
                     <a:p>
                       <a:r>
-                        <a:rPr lang="de-DE" dirty="0" smtClean="0"/>
-                        <a:t>Die zentrale</a:t>
-                      </a:r>
-                      <a:r>
-                        <a:rPr lang="de-DE" baseline="0" dirty="0" smtClean="0"/>
-                        <a:t> Image-Registry</a:t>
-                      </a:r>
-                      <a:endParaRPr lang="de-DE" dirty="0"/>
+                        <a:rPr lang="de-DE" dirty="0"/>
+                        <a:t>ocpregistry01</a:t>
+                      </a:r>
                     </a:p>
                   </a:txBody>
                   <a:tcPr/>
@@ -5352,24 +5316,9 @@
                     <a:lstStyle/>
                     <a:p>
                       <a:r>
-                        <a:rPr lang="de-DE" dirty="0" smtClean="0"/>
-                        <a:t>ocpregistry01</a:t>
-                      </a:r>
-                      <a:endParaRPr lang="de-DE" dirty="0"/>
-                    </a:p>
-                  </a:txBody>
-                  <a:tcPr/>
-                </a:tc>
-                <a:tc>
-                  <a:txBody>
-                    <a:bodyPr/>
-                    <a:lstStyle/>
-                    <a:p>
-                      <a:r>
-                        <a:rPr lang="de-DE" dirty="0" smtClean="0"/>
+                        <a:rPr lang="de-DE" dirty="0"/>
                         <a:t>11.11.11.2</a:t>
                       </a:r>
-                      <a:endParaRPr lang="de-DE" dirty="0"/>
                     </a:p>
                   </a:txBody>
                   <a:tcPr/>
@@ -5387,11 +5336,11 @@
                     <a:lstStyle/>
                     <a:p>
                       <a:r>
-                        <a:rPr lang="de-DE" dirty="0" smtClean="0"/>
+                        <a:rPr lang="de-DE" dirty="0"/>
                         <a:t>Load </a:t>
                       </a:r>
                       <a:r>
-                        <a:rPr lang="de-DE" dirty="0" err="1" smtClean="0"/>
+                        <a:rPr lang="de-DE" dirty="0" err="1"/>
                         <a:t>Balancer</a:t>
                       </a:r>
                       <a:endParaRPr lang="de-DE" dirty="0"/>
@@ -5405,26 +5354,25 @@
                     <a:lstStyle/>
                     <a:p>
                       <a:r>
-                        <a:rPr lang="de-DE" dirty="0" smtClean="0"/>
+                        <a:rPr lang="de-DE" dirty="0"/>
                         <a:t>Der Load-</a:t>
                       </a:r>
                       <a:r>
-                        <a:rPr lang="de-DE" dirty="0" err="1" smtClean="0"/>
+                        <a:rPr lang="de-DE" dirty="0" err="1"/>
                         <a:t>Balancer</a:t>
                       </a:r>
                       <a:r>
-                        <a:rPr lang="de-DE" dirty="0" smtClean="0"/>
+                        <a:rPr lang="de-DE" dirty="0"/>
                         <a:t> vor dem </a:t>
                       </a:r>
                       <a:r>
-                        <a:rPr lang="de-DE" dirty="0" err="1" smtClean="0"/>
+                        <a:rPr lang="de-DE" dirty="0" err="1"/>
                         <a:t>OpenShift</a:t>
                       </a:r>
                       <a:r>
-                        <a:rPr lang="de-DE" dirty="0" smtClean="0"/>
+                        <a:rPr lang="de-DE" dirty="0"/>
                         <a:t>-Cluster</a:t>
                       </a:r>
-                      <a:endParaRPr lang="de-DE" dirty="0"/>
                     </a:p>
                   </a:txBody>
                   <a:tcPr/>
@@ -5435,10 +5383,9 @@
                     <a:lstStyle/>
                     <a:p>
                       <a:r>
-                        <a:rPr lang="de-DE" dirty="0" smtClean="0"/>
+                        <a:rPr lang="de-DE" dirty="0"/>
                         <a:t>ocplb01</a:t>
                       </a:r>
-                      <a:endParaRPr lang="de-DE" dirty="0"/>
                     </a:p>
                   </a:txBody>
                   <a:tcPr/>
@@ -5449,10 +5396,9 @@
                     <a:lstStyle/>
                     <a:p>
                       <a:r>
-                        <a:rPr lang="de-DE" dirty="0" smtClean="0"/>
+                        <a:rPr lang="de-DE" dirty="0"/>
                         <a:t>11.11.11.3</a:t>
                       </a:r>
-                      <a:endParaRPr lang="de-DE" dirty="0"/>
                     </a:p>
                   </a:txBody>
                   <a:tcPr/>
@@ -5470,8 +5416,33 @@
                     <a:lstStyle/>
                     <a:p>
                       <a:r>
-                        <a:rPr lang="de-DE" dirty="0" smtClean="0"/>
+                        <a:rPr lang="de-DE" dirty="0"/>
                         <a:t>Bastion-Host</a:t>
+                      </a:r>
+                    </a:p>
+                  </a:txBody>
+                  <a:tcPr/>
+                </a:tc>
+                <a:tc>
+                  <a:txBody>
+                    <a:bodyPr/>
+                    <a:lstStyle/>
+                    <a:p>
+                      <a:r>
+                        <a:rPr lang="de-DE" dirty="0"/>
+                        <a:t>Der zentrale</a:t>
+                      </a:r>
+                      <a:r>
+                        <a:rPr lang="de-DE" baseline="0" dirty="0"/>
+                        <a:t> </a:t>
+                      </a:r>
+                      <a:r>
+                        <a:rPr lang="de-DE" baseline="0" dirty="0" err="1"/>
+                        <a:t>OpenShift</a:t>
+                      </a:r>
+                      <a:r>
+                        <a:rPr lang="de-DE" baseline="0"/>
+                        <a:t>-Installationsserver mit DNS, DHCP, PXE, TFTP, NFS</a:t>
                       </a:r>
                       <a:endParaRPr lang="de-DE" dirty="0"/>
                     </a:p>
@@ -5484,20 +5455,8 @@
                     <a:lstStyle/>
                     <a:p>
                       <a:r>
-                        <a:rPr lang="de-DE" dirty="0" smtClean="0"/>
-                        <a:t>Der zentrale</a:t>
-                      </a:r>
-                      <a:r>
-                        <a:rPr lang="de-DE" baseline="0" dirty="0" smtClean="0"/>
-                        <a:t> </a:t>
-                      </a:r>
-                      <a:r>
-                        <a:rPr lang="de-DE" baseline="0" dirty="0" err="1" smtClean="0"/>
-                        <a:t>OpenShift</a:t>
-                      </a:r>
-                      <a:r>
-                        <a:rPr lang="de-DE" baseline="0" smtClean="0"/>
-                        <a:t>-Installationsserver mit DNS, DHCP, PXE, TFTP, NFS</a:t>
+                        <a:rPr lang="de-DE" dirty="0" err="1"/>
+                        <a:t>ocpbastion</a:t>
                       </a:r>
                       <a:endParaRPr lang="de-DE" dirty="0"/>
                     </a:p>
@@ -5510,24 +5469,9 @@
                     <a:lstStyle/>
                     <a:p>
                       <a:r>
-                        <a:rPr lang="de-DE" dirty="0" err="1" smtClean="0"/>
-                        <a:t>ocpbastion</a:t>
-                      </a:r>
-                      <a:endParaRPr lang="de-DE" dirty="0"/>
-                    </a:p>
-                  </a:txBody>
-                  <a:tcPr/>
-                </a:tc>
-                <a:tc>
-                  <a:txBody>
-                    <a:bodyPr/>
-                    <a:lstStyle/>
-                    <a:p>
-                      <a:r>
-                        <a:rPr lang="de-DE" dirty="0" smtClean="0"/>
+                        <a:rPr lang="de-DE" dirty="0"/>
                         <a:t>11.11.11.10</a:t>
                       </a:r>
-                      <a:endParaRPr lang="de-DE" dirty="0"/>
                     </a:p>
                   </a:txBody>
                   <a:tcPr/>
@@ -5545,10 +5489,9 @@
                     <a:lstStyle/>
                     <a:p>
                       <a:r>
-                        <a:rPr lang="de-DE" dirty="0" smtClean="0"/>
+                        <a:rPr lang="de-DE" dirty="0"/>
                         <a:t>Master#01</a:t>
                       </a:r>
-                      <a:endParaRPr lang="de-DE" dirty="0"/>
                     </a:p>
                   </a:txBody>
                   <a:tcPr/>
@@ -5559,14 +5502,13 @@
                     <a:lstStyle/>
                     <a:p>
                       <a:r>
-                        <a:rPr lang="de-DE" dirty="0" err="1" smtClean="0"/>
+                        <a:rPr lang="de-DE" dirty="0" err="1"/>
                         <a:t>OpenShift</a:t>
                       </a:r>
                       <a:r>
-                        <a:rPr lang="de-DE" dirty="0" smtClean="0"/>
+                        <a:rPr lang="de-DE" dirty="0"/>
                         <a:t> Master-Node#01</a:t>
                       </a:r>
-                      <a:endParaRPr lang="de-DE" dirty="0"/>
                     </a:p>
                   </a:txBody>
                   <a:tcPr/>
@@ -5577,10 +5519,9 @@
                     <a:lstStyle/>
                     <a:p>
                       <a:r>
-                        <a:rPr lang="de-DE" dirty="0" smtClean="0"/>
+                        <a:rPr lang="de-DE" dirty="0"/>
                         <a:t>ocpmaster01</a:t>
                       </a:r>
-                      <a:endParaRPr lang="de-DE" dirty="0"/>
                     </a:p>
                   </a:txBody>
                   <a:tcPr/>
@@ -5591,10 +5532,9 @@
                     <a:lstStyle/>
                     <a:p>
                       <a:r>
-                        <a:rPr lang="de-DE" dirty="0" smtClean="0"/>
+                        <a:rPr lang="de-DE" dirty="0"/>
                         <a:t>11.11.11.11</a:t>
                       </a:r>
-                      <a:endParaRPr lang="de-DE" dirty="0"/>
                     </a:p>
                   </a:txBody>
                   <a:tcPr/>
@@ -5629,7 +5569,7 @@
                         <a:defRPr/>
                       </a:pPr>
                       <a:r>
-                        <a:rPr lang="de-DE" dirty="0" smtClean="0"/>
+                        <a:rPr lang="de-DE" dirty="0"/>
                         <a:t>Master#02</a:t>
                       </a:r>
                     </a:p>
@@ -5642,14 +5582,13 @@
                     <a:lstStyle/>
                     <a:p>
                       <a:r>
-                        <a:rPr lang="de-DE" dirty="0" err="1" smtClean="0"/>
+                        <a:rPr lang="de-DE" dirty="0" err="1"/>
                         <a:t>OpenShift</a:t>
                       </a:r>
                       <a:r>
-                        <a:rPr lang="de-DE" dirty="0" smtClean="0"/>
+                        <a:rPr lang="de-DE" dirty="0"/>
                         <a:t> Master-Node#02</a:t>
                       </a:r>
-                      <a:endParaRPr lang="de-DE" dirty="0"/>
                     </a:p>
                   </a:txBody>
                   <a:tcPr/>
@@ -5660,10 +5599,9 @@
                     <a:lstStyle/>
                     <a:p>
                       <a:r>
-                        <a:rPr lang="de-DE" dirty="0" smtClean="0"/>
+                        <a:rPr lang="de-DE" dirty="0"/>
                         <a:t>ocpmaster02</a:t>
                       </a:r>
-                      <a:endParaRPr lang="de-DE" dirty="0"/>
                     </a:p>
                   </a:txBody>
                   <a:tcPr/>
@@ -5674,10 +5612,9 @@
                     <a:lstStyle/>
                     <a:p>
                       <a:r>
-                        <a:rPr lang="de-DE" dirty="0" smtClean="0"/>
+                        <a:rPr lang="de-DE" dirty="0"/>
                         <a:t>11.11.11.12</a:t>
                       </a:r>
-                      <a:endParaRPr lang="de-DE" dirty="0"/>
                     </a:p>
                   </a:txBody>
                   <a:tcPr/>
@@ -5695,10 +5632,9 @@
                     <a:lstStyle/>
                     <a:p>
                       <a:r>
-                        <a:rPr lang="de-DE" dirty="0" smtClean="0"/>
+                        <a:rPr lang="de-DE" dirty="0"/>
                         <a:t>Master#03</a:t>
                       </a:r>
-                      <a:endParaRPr lang="de-DE" dirty="0"/>
                     </a:p>
                   </a:txBody>
                   <a:tcPr/>
@@ -5709,14 +5645,13 @@
                     <a:lstStyle/>
                     <a:p>
                       <a:r>
-                        <a:rPr lang="de-DE" dirty="0" err="1" smtClean="0"/>
+                        <a:rPr lang="de-DE" dirty="0" err="1"/>
                         <a:t>OpenShift</a:t>
                       </a:r>
                       <a:r>
-                        <a:rPr lang="de-DE" dirty="0" smtClean="0"/>
+                        <a:rPr lang="de-DE" dirty="0"/>
                         <a:t> Master-Node#03</a:t>
                       </a:r>
-                      <a:endParaRPr lang="de-DE" dirty="0"/>
                     </a:p>
                   </a:txBody>
                   <a:tcPr/>
@@ -5727,10 +5662,9 @@
                     <a:lstStyle/>
                     <a:p>
                       <a:r>
-                        <a:rPr lang="de-DE" dirty="0" smtClean="0"/>
+                        <a:rPr lang="de-DE" dirty="0"/>
                         <a:t>ocpmaster03</a:t>
                       </a:r>
-                      <a:endParaRPr lang="de-DE" dirty="0"/>
                     </a:p>
                   </a:txBody>
                   <a:tcPr/>
@@ -5741,10 +5675,9 @@
                     <a:lstStyle/>
                     <a:p>
                       <a:r>
-                        <a:rPr lang="de-DE" dirty="0" smtClean="0"/>
+                        <a:rPr lang="de-DE" dirty="0"/>
                         <a:t>11.11.11.13</a:t>
                       </a:r>
-                      <a:endParaRPr lang="de-DE" dirty="0"/>
                     </a:p>
                   </a:txBody>
                   <a:tcPr/>
@@ -5762,10 +5695,9 @@
                     <a:lstStyle/>
                     <a:p>
                       <a:r>
-                        <a:rPr lang="de-DE" dirty="0" smtClean="0"/>
+                        <a:rPr lang="de-DE" dirty="0"/>
                         <a:t>Worker#01</a:t>
                       </a:r>
-                      <a:endParaRPr lang="de-DE" dirty="0"/>
                     </a:p>
                   </a:txBody>
                   <a:tcPr/>
@@ -5776,14 +5708,13 @@
                     <a:lstStyle/>
                     <a:p>
                       <a:r>
-                        <a:rPr lang="de-DE" dirty="0" err="1" smtClean="0"/>
+                        <a:rPr lang="de-DE" dirty="0" err="1"/>
                         <a:t>OpenShift</a:t>
                       </a:r>
                       <a:r>
-                        <a:rPr lang="de-DE" dirty="0" smtClean="0"/>
+                        <a:rPr lang="de-DE" dirty="0"/>
                         <a:t> Worker-Node#01</a:t>
                       </a:r>
-                      <a:endParaRPr lang="de-DE" dirty="0"/>
                     </a:p>
                   </a:txBody>
                   <a:tcPr/>
@@ -5794,10 +5725,9 @@
                     <a:lstStyle/>
                     <a:p>
                       <a:r>
-                        <a:rPr lang="de-DE" dirty="0" smtClean="0"/>
+                        <a:rPr lang="de-DE" dirty="0"/>
                         <a:t>ocpworker01</a:t>
                       </a:r>
-                      <a:endParaRPr lang="de-DE" dirty="0"/>
                     </a:p>
                   </a:txBody>
                   <a:tcPr/>
@@ -5808,10 +5738,9 @@
                     <a:lstStyle/>
                     <a:p>
                       <a:r>
-                        <a:rPr lang="de-DE" dirty="0" smtClean="0"/>
+                        <a:rPr lang="de-DE" dirty="0"/>
                         <a:t>11.11.11.14</a:t>
                       </a:r>
-                      <a:endParaRPr lang="de-DE" dirty="0"/>
                     </a:p>
                   </a:txBody>
                   <a:tcPr/>
@@ -5829,10 +5758,9 @@
                     <a:lstStyle/>
                     <a:p>
                       <a:r>
-                        <a:rPr lang="de-DE" dirty="0" smtClean="0"/>
+                        <a:rPr lang="de-DE" dirty="0"/>
                         <a:t>Worker#02</a:t>
                       </a:r>
-                      <a:endParaRPr lang="de-DE" dirty="0"/>
                     </a:p>
                   </a:txBody>
                   <a:tcPr/>
@@ -5843,14 +5771,13 @@
                     <a:lstStyle/>
                     <a:p>
                       <a:r>
-                        <a:rPr lang="de-DE" dirty="0" err="1" smtClean="0"/>
+                        <a:rPr lang="de-DE" dirty="0" err="1"/>
                         <a:t>OpenShift</a:t>
                       </a:r>
                       <a:r>
-                        <a:rPr lang="de-DE" dirty="0" smtClean="0"/>
+                        <a:rPr lang="de-DE" dirty="0"/>
                         <a:t> Worker-Node#02</a:t>
                       </a:r>
-                      <a:endParaRPr lang="de-DE" dirty="0"/>
                     </a:p>
                   </a:txBody>
                   <a:tcPr/>
@@ -5861,10 +5788,9 @@
                     <a:lstStyle/>
                     <a:p>
                       <a:r>
-                        <a:rPr lang="de-DE" dirty="0" smtClean="0"/>
+                        <a:rPr lang="de-DE" dirty="0"/>
                         <a:t>ocpworker02</a:t>
                       </a:r>
-                      <a:endParaRPr lang="de-DE" dirty="0"/>
                     </a:p>
                   </a:txBody>
                   <a:tcPr/>
@@ -5875,10 +5801,9 @@
                     <a:lstStyle/>
                     <a:p>
                       <a:r>
-                        <a:rPr lang="de-DE" dirty="0" smtClean="0"/>
+                        <a:rPr lang="de-DE" dirty="0"/>
                         <a:t>11.11.11.15</a:t>
                       </a:r>
-                      <a:endParaRPr lang="de-DE" dirty="0"/>
                     </a:p>
                   </a:txBody>
                   <a:tcPr/>
@@ -5896,10 +5821,9 @@
                     <a:lstStyle/>
                     <a:p>
                       <a:r>
-                        <a:rPr lang="de-DE" dirty="0" smtClean="0"/>
+                        <a:rPr lang="de-DE" dirty="0"/>
                         <a:t>Worker#03</a:t>
                       </a:r>
-                      <a:endParaRPr lang="de-DE" dirty="0"/>
                     </a:p>
                   </a:txBody>
                   <a:tcPr/>
@@ -5910,14 +5834,13 @@
                     <a:lstStyle/>
                     <a:p>
                       <a:r>
-                        <a:rPr lang="de-DE" dirty="0" err="1" smtClean="0"/>
+                        <a:rPr lang="de-DE" dirty="0" err="1"/>
                         <a:t>OpenShift</a:t>
                       </a:r>
                       <a:r>
-                        <a:rPr lang="de-DE" dirty="0" smtClean="0"/>
+                        <a:rPr lang="de-DE" dirty="0"/>
                         <a:t> Worker-Node#03</a:t>
                       </a:r>
-                      <a:endParaRPr lang="de-DE" dirty="0"/>
                     </a:p>
                   </a:txBody>
                   <a:tcPr/>
@@ -5928,10 +5851,9 @@
                     <a:lstStyle/>
                     <a:p>
                       <a:r>
-                        <a:rPr lang="de-DE" dirty="0" smtClean="0"/>
+                        <a:rPr lang="de-DE" dirty="0"/>
                         <a:t>ocpworker03</a:t>
                       </a:r>
-                      <a:endParaRPr lang="de-DE" dirty="0"/>
                     </a:p>
                   </a:txBody>
                   <a:tcPr/>
@@ -5942,10 +5864,9 @@
                     <a:lstStyle/>
                     <a:p>
                       <a:r>
-                        <a:rPr lang="de-DE" dirty="0" smtClean="0"/>
+                        <a:rPr lang="de-DE" dirty="0"/>
                         <a:t>11.11.11.16</a:t>
                       </a:r>
-                      <a:endParaRPr lang="de-DE" dirty="0"/>
                     </a:p>
                   </a:txBody>
                   <a:tcPr/>
@@ -5963,10 +5884,9 @@
                     <a:lstStyle/>
                     <a:p>
                       <a:r>
-                        <a:rPr lang="de-DE" dirty="0" smtClean="0"/>
+                        <a:rPr lang="de-DE" dirty="0"/>
                         <a:t>Bootstrap-Host</a:t>
                       </a:r>
-                      <a:endParaRPr lang="de-DE" dirty="0"/>
                     </a:p>
                   </a:txBody>
                   <a:tcPr/>
@@ -5977,18 +5897,17 @@
                     <a:lstStyle/>
                     <a:p>
                       <a:r>
-                        <a:rPr lang="de-DE" dirty="0" smtClean="0"/>
+                        <a:rPr lang="de-DE" dirty="0"/>
                         <a:t>temporärer </a:t>
                       </a:r>
                       <a:r>
-                        <a:rPr lang="de-DE" dirty="0" err="1" smtClean="0"/>
+                        <a:rPr lang="de-DE" dirty="0" err="1"/>
                         <a:t>Node</a:t>
                       </a:r>
                       <a:r>
-                        <a:rPr lang="de-DE" dirty="0" smtClean="0"/>
+                        <a:rPr lang="de-DE" dirty="0"/>
                         <a:t> zum Installieren des Clusters</a:t>
                       </a:r>
-                      <a:endParaRPr lang="de-DE" dirty="0"/>
                     </a:p>
                   </a:txBody>
                   <a:tcPr/>
@@ -5999,10 +5918,9 @@
                     <a:lstStyle/>
                     <a:p>
                       <a:r>
-                        <a:rPr lang="de-DE" dirty="0" smtClean="0"/>
+                        <a:rPr lang="de-DE" dirty="0"/>
                         <a:t>ocpbootstrap01</a:t>
                       </a:r>
-                      <a:endParaRPr lang="de-DE" dirty="0"/>
                     </a:p>
                   </a:txBody>
                   <a:tcPr/>
@@ -6013,10 +5931,9 @@
                     <a:lstStyle/>
                     <a:p>
                       <a:r>
-                        <a:rPr lang="de-DE" dirty="0" smtClean="0"/>
+                        <a:rPr lang="de-DE" dirty="0"/>
                         <a:t>11.11.11.99</a:t>
                       </a:r>
-                      <a:endParaRPr lang="de-DE" dirty="0"/>
                     </a:p>
                   </a:txBody>
                   <a:tcPr/>
@@ -6041,13 +5958,6 @@
   <p:clrMapOvr>
     <a:masterClrMapping/>
   </p:clrMapOvr>
-  <p:timing>
-    <p:tnLst>
-      <p:par>
-        <p:cTn id="1" dur="indefinite" restart="never" nodeType="tmRoot"/>
-      </p:par>
-    </p:tnLst>
-  </p:timing>
 </p:sld>
 </file>
 

--- a/Architecture-Overview.pptx
+++ b/Architecture-Overview.pptx
@@ -4,9 +4,13 @@
   <p:sldMasterIdLst>
     <p:sldMasterId id="2147483648" r:id="rId1"/>
   </p:sldMasterIdLst>
+  <p:notesMasterIdLst>
+    <p:notesMasterId r:id="rId5"/>
+  </p:notesMasterIdLst>
   <p:sldIdLst>
     <p:sldId id="256" r:id="rId2"/>
-    <p:sldId id="257" r:id="rId3"/>
+    <p:sldId id="258" r:id="rId3"/>
+    <p:sldId id="257" r:id="rId4"/>
   </p:sldIdLst>
   <p:sldSz cx="12192000" cy="6858000"/>
   <p:notesSz cx="6858000" cy="9144000"/>
@@ -113,6 +117,958 @@
 </p:presentation>
 </file>
 
+<file path=ppt/notesMasters/notesMaster1.xml><?xml version="1.0" encoding="utf-8"?>
+<p:notesMaster xmlns:a="http://schemas.openxmlformats.org/drawingml/2006/main" xmlns:r="http://schemas.openxmlformats.org/officeDocument/2006/relationships" xmlns:p="http://schemas.openxmlformats.org/presentationml/2006/main">
+  <p:cSld>
+    <p:bg>
+      <p:bgRef idx="1001">
+        <a:schemeClr val="bg1"/>
+      </p:bgRef>
+    </p:bg>
+    <p:spTree>
+      <p:nvGrpSpPr>
+        <p:cNvPr id="1" name=""/>
+        <p:cNvGrpSpPr/>
+        <p:nvPr/>
+      </p:nvGrpSpPr>
+      <p:grpSpPr>
+        <a:xfrm>
+          <a:off x="0" y="0"/>
+          <a:ext cx="0" cy="0"/>
+          <a:chOff x="0" y="0"/>
+          <a:chExt cx="0" cy="0"/>
+        </a:xfrm>
+      </p:grpSpPr>
+      <p:sp>
+        <p:nvSpPr>
+          <p:cNvPr id="2" name="Kopfzeilenplatzhalter 1"/>
+          <p:cNvSpPr>
+            <a:spLocks noGrp="1"/>
+          </p:cNvSpPr>
+          <p:nvPr>
+            <p:ph type="hdr" sz="quarter"/>
+          </p:nvPr>
+        </p:nvSpPr>
+        <p:spPr>
+          <a:xfrm>
+            <a:off x="0" y="0"/>
+            <a:ext cx="2971800" cy="458788"/>
+          </a:xfrm>
+          <a:prstGeom prst="rect">
+            <a:avLst/>
+          </a:prstGeom>
+        </p:spPr>
+        <p:txBody>
+          <a:bodyPr vert="horz" lIns="91440" tIns="45720" rIns="91440" bIns="45720" rtlCol="0"/>
+          <a:lstStyle>
+            <a:lvl1pPr algn="l">
+              <a:defRPr sz="1200"/>
+            </a:lvl1pPr>
+          </a:lstStyle>
+          <a:p>
+            <a:endParaRPr lang="de-DE"/>
+          </a:p>
+        </p:txBody>
+      </p:sp>
+      <p:sp>
+        <p:nvSpPr>
+          <p:cNvPr id="3" name="Datumsplatzhalter 2"/>
+          <p:cNvSpPr>
+            <a:spLocks noGrp="1"/>
+          </p:cNvSpPr>
+          <p:nvPr>
+            <p:ph type="dt" idx="1"/>
+          </p:nvPr>
+        </p:nvSpPr>
+        <p:spPr>
+          <a:xfrm>
+            <a:off x="3884613" y="0"/>
+            <a:ext cx="2971800" cy="458788"/>
+          </a:xfrm>
+          <a:prstGeom prst="rect">
+            <a:avLst/>
+          </a:prstGeom>
+        </p:spPr>
+        <p:txBody>
+          <a:bodyPr vert="horz" lIns="91440" tIns="45720" rIns="91440" bIns="45720" rtlCol="0"/>
+          <a:lstStyle>
+            <a:lvl1pPr algn="r">
+              <a:defRPr sz="1200"/>
+            </a:lvl1pPr>
+          </a:lstStyle>
+          <a:p>
+            <a:fld id="{3FBBFDC0-72CF-4F89-88CC-5D8A549643C9}" type="datetimeFigureOut">
+              <a:rPr lang="de-DE" smtClean="0"/>
+              <a:t>07.10.2024</a:t>
+            </a:fld>
+            <a:endParaRPr lang="de-DE"/>
+          </a:p>
+        </p:txBody>
+      </p:sp>
+      <p:sp>
+        <p:nvSpPr>
+          <p:cNvPr id="4" name="Folienbildplatzhalter 3"/>
+          <p:cNvSpPr>
+            <a:spLocks noGrp="1" noRot="1" noChangeAspect="1"/>
+          </p:cNvSpPr>
+          <p:nvPr>
+            <p:ph type="sldImg" idx="2"/>
+          </p:nvPr>
+        </p:nvSpPr>
+        <p:spPr>
+          <a:xfrm>
+            <a:off x="685800" y="1143000"/>
+            <a:ext cx="5486400" cy="3086100"/>
+          </a:xfrm>
+          <a:prstGeom prst="rect">
+            <a:avLst/>
+          </a:prstGeom>
+          <a:noFill/>
+          <a:ln w="12700">
+            <a:solidFill>
+              <a:prstClr val="black"/>
+            </a:solidFill>
+          </a:ln>
+        </p:spPr>
+        <p:txBody>
+          <a:bodyPr vert="horz" lIns="91440" tIns="45720" rIns="91440" bIns="45720" rtlCol="0" anchor="ctr"/>
+          <a:lstStyle/>
+          <a:p>
+            <a:endParaRPr lang="de-DE"/>
+          </a:p>
+        </p:txBody>
+      </p:sp>
+      <p:sp>
+        <p:nvSpPr>
+          <p:cNvPr id="5" name="Notizenplatzhalter 4"/>
+          <p:cNvSpPr>
+            <a:spLocks noGrp="1"/>
+          </p:cNvSpPr>
+          <p:nvPr>
+            <p:ph type="body" sz="quarter" idx="3"/>
+          </p:nvPr>
+        </p:nvSpPr>
+        <p:spPr>
+          <a:xfrm>
+            <a:off x="685800" y="4400550"/>
+            <a:ext cx="5486400" cy="3600450"/>
+          </a:xfrm>
+          <a:prstGeom prst="rect">
+            <a:avLst/>
+          </a:prstGeom>
+        </p:spPr>
+        <p:txBody>
+          <a:bodyPr vert="horz" lIns="91440" tIns="45720" rIns="91440" bIns="45720" rtlCol="0"/>
+          <a:lstStyle/>
+          <a:p>
+            <a:pPr lvl="0"/>
+            <a:r>
+              <a:rPr lang="de-DE"/>
+              <a:t>Mastertextformat bearbeiten</a:t>
+            </a:r>
+          </a:p>
+          <a:p>
+            <a:pPr lvl="1"/>
+            <a:r>
+              <a:rPr lang="de-DE"/>
+              <a:t>Zweite Ebene</a:t>
+            </a:r>
+          </a:p>
+          <a:p>
+            <a:pPr lvl="2"/>
+            <a:r>
+              <a:rPr lang="de-DE"/>
+              <a:t>Dritte Ebene</a:t>
+            </a:r>
+          </a:p>
+          <a:p>
+            <a:pPr lvl="3"/>
+            <a:r>
+              <a:rPr lang="de-DE"/>
+              <a:t>Vierte Ebene</a:t>
+            </a:r>
+          </a:p>
+          <a:p>
+            <a:pPr lvl="4"/>
+            <a:r>
+              <a:rPr lang="de-DE"/>
+              <a:t>Fünfte Ebene</a:t>
+            </a:r>
+          </a:p>
+        </p:txBody>
+      </p:sp>
+      <p:sp>
+        <p:nvSpPr>
+          <p:cNvPr id="6" name="Fußzeilenplatzhalter 5"/>
+          <p:cNvSpPr>
+            <a:spLocks noGrp="1"/>
+          </p:cNvSpPr>
+          <p:nvPr>
+            <p:ph type="ftr" sz="quarter" idx="4"/>
+          </p:nvPr>
+        </p:nvSpPr>
+        <p:spPr>
+          <a:xfrm>
+            <a:off x="0" y="8685213"/>
+            <a:ext cx="2971800" cy="458787"/>
+          </a:xfrm>
+          <a:prstGeom prst="rect">
+            <a:avLst/>
+          </a:prstGeom>
+        </p:spPr>
+        <p:txBody>
+          <a:bodyPr vert="horz" lIns="91440" tIns="45720" rIns="91440" bIns="45720" rtlCol="0" anchor="b"/>
+          <a:lstStyle>
+            <a:lvl1pPr algn="l">
+              <a:defRPr sz="1200"/>
+            </a:lvl1pPr>
+          </a:lstStyle>
+          <a:p>
+            <a:endParaRPr lang="de-DE"/>
+          </a:p>
+        </p:txBody>
+      </p:sp>
+      <p:sp>
+        <p:nvSpPr>
+          <p:cNvPr id="7" name="Foliennummernplatzhalter 6"/>
+          <p:cNvSpPr>
+            <a:spLocks noGrp="1"/>
+          </p:cNvSpPr>
+          <p:nvPr>
+            <p:ph type="sldNum" sz="quarter" idx="5"/>
+          </p:nvPr>
+        </p:nvSpPr>
+        <p:spPr>
+          <a:xfrm>
+            <a:off x="3884613" y="8685213"/>
+            <a:ext cx="2971800" cy="458787"/>
+          </a:xfrm>
+          <a:prstGeom prst="rect">
+            <a:avLst/>
+          </a:prstGeom>
+        </p:spPr>
+        <p:txBody>
+          <a:bodyPr vert="horz" lIns="91440" tIns="45720" rIns="91440" bIns="45720" rtlCol="0" anchor="b"/>
+          <a:lstStyle>
+            <a:lvl1pPr algn="r">
+              <a:defRPr sz="1200"/>
+            </a:lvl1pPr>
+          </a:lstStyle>
+          <a:p>
+            <a:fld id="{CFB5E5EA-E2F6-4B8F-87CB-70FF7525933F}" type="slidenum">
+              <a:rPr lang="de-DE" smtClean="0"/>
+              <a:t>‹Nr.›</a:t>
+            </a:fld>
+            <a:endParaRPr lang="de-DE"/>
+          </a:p>
+        </p:txBody>
+      </p:sp>
+    </p:spTree>
+    <p:extLst>
+      <p:ext uri="{BB962C8B-B14F-4D97-AF65-F5344CB8AC3E}">
+        <p14:creationId xmlns:p14="http://schemas.microsoft.com/office/powerpoint/2010/main" val="1819337551"/>
+      </p:ext>
+    </p:extLst>
+  </p:cSld>
+  <p:clrMap bg1="lt1" tx1="dk1" bg2="lt2" tx2="dk2" accent1="accent1" accent2="accent2" accent3="accent3" accent4="accent4" accent5="accent5" accent6="accent6" hlink="hlink" folHlink="folHlink"/>
+  <p:notesStyle>
+    <a:lvl1pPr marL="0" algn="l" defTabSz="914400" rtl="0" eaLnBrk="1" latinLnBrk="0" hangingPunct="1">
+      <a:defRPr sz="1200" kern="1200">
+        <a:solidFill>
+          <a:schemeClr val="tx1"/>
+        </a:solidFill>
+        <a:latin typeface="+mn-lt"/>
+        <a:ea typeface="+mn-ea"/>
+        <a:cs typeface="+mn-cs"/>
+      </a:defRPr>
+    </a:lvl1pPr>
+    <a:lvl2pPr marL="457200" algn="l" defTabSz="914400" rtl="0" eaLnBrk="1" latinLnBrk="0" hangingPunct="1">
+      <a:defRPr sz="1200" kern="1200">
+        <a:solidFill>
+          <a:schemeClr val="tx1"/>
+        </a:solidFill>
+        <a:latin typeface="+mn-lt"/>
+        <a:ea typeface="+mn-ea"/>
+        <a:cs typeface="+mn-cs"/>
+      </a:defRPr>
+    </a:lvl2pPr>
+    <a:lvl3pPr marL="914400" algn="l" defTabSz="914400" rtl="0" eaLnBrk="1" latinLnBrk="0" hangingPunct="1">
+      <a:defRPr sz="1200" kern="1200">
+        <a:solidFill>
+          <a:schemeClr val="tx1"/>
+        </a:solidFill>
+        <a:latin typeface="+mn-lt"/>
+        <a:ea typeface="+mn-ea"/>
+        <a:cs typeface="+mn-cs"/>
+      </a:defRPr>
+    </a:lvl3pPr>
+    <a:lvl4pPr marL="1371600" algn="l" defTabSz="914400" rtl="0" eaLnBrk="1" latinLnBrk="0" hangingPunct="1">
+      <a:defRPr sz="1200" kern="1200">
+        <a:solidFill>
+          <a:schemeClr val="tx1"/>
+        </a:solidFill>
+        <a:latin typeface="+mn-lt"/>
+        <a:ea typeface="+mn-ea"/>
+        <a:cs typeface="+mn-cs"/>
+      </a:defRPr>
+    </a:lvl4pPr>
+    <a:lvl5pPr marL="1828800" algn="l" defTabSz="914400" rtl="0" eaLnBrk="1" latinLnBrk="0" hangingPunct="1">
+      <a:defRPr sz="1200" kern="1200">
+        <a:solidFill>
+          <a:schemeClr val="tx1"/>
+        </a:solidFill>
+        <a:latin typeface="+mn-lt"/>
+        <a:ea typeface="+mn-ea"/>
+        <a:cs typeface="+mn-cs"/>
+      </a:defRPr>
+    </a:lvl5pPr>
+    <a:lvl6pPr marL="2286000" algn="l" defTabSz="914400" rtl="0" eaLnBrk="1" latinLnBrk="0" hangingPunct="1">
+      <a:defRPr sz="1200" kern="1200">
+        <a:solidFill>
+          <a:schemeClr val="tx1"/>
+        </a:solidFill>
+        <a:latin typeface="+mn-lt"/>
+        <a:ea typeface="+mn-ea"/>
+        <a:cs typeface="+mn-cs"/>
+      </a:defRPr>
+    </a:lvl6pPr>
+    <a:lvl7pPr marL="2743200" algn="l" defTabSz="914400" rtl="0" eaLnBrk="1" latinLnBrk="0" hangingPunct="1">
+      <a:defRPr sz="1200" kern="1200">
+        <a:solidFill>
+          <a:schemeClr val="tx1"/>
+        </a:solidFill>
+        <a:latin typeface="+mn-lt"/>
+        <a:ea typeface="+mn-ea"/>
+        <a:cs typeface="+mn-cs"/>
+      </a:defRPr>
+    </a:lvl7pPr>
+    <a:lvl8pPr marL="3200400" algn="l" defTabSz="914400" rtl="0" eaLnBrk="1" latinLnBrk="0" hangingPunct="1">
+      <a:defRPr sz="1200" kern="1200">
+        <a:solidFill>
+          <a:schemeClr val="tx1"/>
+        </a:solidFill>
+        <a:latin typeface="+mn-lt"/>
+        <a:ea typeface="+mn-ea"/>
+        <a:cs typeface="+mn-cs"/>
+      </a:defRPr>
+    </a:lvl8pPr>
+    <a:lvl9pPr marL="3657600" algn="l" defTabSz="914400" rtl="0" eaLnBrk="1" latinLnBrk="0" hangingPunct="1">
+      <a:defRPr sz="1200" kern="1200">
+        <a:solidFill>
+          <a:schemeClr val="tx1"/>
+        </a:solidFill>
+        <a:latin typeface="+mn-lt"/>
+        <a:ea typeface="+mn-ea"/>
+        <a:cs typeface="+mn-cs"/>
+      </a:defRPr>
+    </a:lvl9pPr>
+  </p:notesStyle>
+</p:notesMaster>
+</file>
+
+<file path=ppt/notesSlides/notesSlide1.xml><?xml version="1.0" encoding="utf-8"?>
+<p:notes xmlns:a="http://schemas.openxmlformats.org/drawingml/2006/main" xmlns:r="http://schemas.openxmlformats.org/officeDocument/2006/relationships" xmlns:p="http://schemas.openxmlformats.org/presentationml/2006/main">
+  <p:cSld>
+    <p:spTree>
+      <p:nvGrpSpPr>
+        <p:cNvPr id="1" name=""/>
+        <p:cNvGrpSpPr/>
+        <p:nvPr/>
+      </p:nvGrpSpPr>
+      <p:grpSpPr>
+        <a:xfrm>
+          <a:off x="0" y="0"/>
+          <a:ext cx="0" cy="0"/>
+          <a:chOff x="0" y="0"/>
+          <a:chExt cx="0" cy="0"/>
+        </a:xfrm>
+      </p:grpSpPr>
+      <p:sp>
+        <p:nvSpPr>
+          <p:cNvPr id="2" name="Folienbildplatzhalter 1"/>
+          <p:cNvSpPr>
+            <a:spLocks noGrp="1" noRot="1" noChangeAspect="1"/>
+          </p:cNvSpPr>
+          <p:nvPr>
+            <p:ph type="sldImg"/>
+          </p:nvPr>
+        </p:nvSpPr>
+        <p:spPr/>
+      </p:sp>
+      <p:sp>
+        <p:nvSpPr>
+          <p:cNvPr id="3" name="Notizenplatzhalter 2"/>
+          <p:cNvSpPr>
+            <a:spLocks noGrp="1"/>
+          </p:cNvSpPr>
+          <p:nvPr>
+            <p:ph type="body" idx="1"/>
+          </p:nvPr>
+        </p:nvSpPr>
+        <p:spPr/>
+        <p:txBody>
+          <a:bodyPr/>
+          <a:lstStyle/>
+          <a:p>
+            <a:endParaRPr lang="de-DE" dirty="0"/>
+          </a:p>
+        </p:txBody>
+      </p:sp>
+      <p:sp>
+        <p:nvSpPr>
+          <p:cNvPr id="4" name="Foliennummernplatzhalter 3"/>
+          <p:cNvSpPr>
+            <a:spLocks noGrp="1"/>
+          </p:cNvSpPr>
+          <p:nvPr>
+            <p:ph type="sldNum" sz="quarter" idx="5"/>
+          </p:nvPr>
+        </p:nvSpPr>
+        <p:spPr/>
+        <p:txBody>
+          <a:bodyPr/>
+          <a:lstStyle/>
+          <a:p>
+            <a:fld id="{CFB5E5EA-E2F6-4B8F-87CB-70FF7525933F}" type="slidenum">
+              <a:rPr lang="de-DE" smtClean="0"/>
+              <a:t>1</a:t>
+            </a:fld>
+            <a:endParaRPr lang="de-DE"/>
+          </a:p>
+        </p:txBody>
+      </p:sp>
+    </p:spTree>
+    <p:extLst>
+      <p:ext uri="{BB962C8B-B14F-4D97-AF65-F5344CB8AC3E}">
+        <p14:creationId xmlns:p14="http://schemas.microsoft.com/office/powerpoint/2010/main" val="2977051929"/>
+      </p:ext>
+    </p:extLst>
+  </p:cSld>
+  <p:clrMapOvr>
+    <a:masterClrMapping/>
+  </p:clrMapOvr>
+</p:notes>
+</file>
+
+<file path=ppt/notesSlides/notesSlide2.xml><?xml version="1.0" encoding="utf-8"?>
+<p:notes xmlns:a="http://schemas.openxmlformats.org/drawingml/2006/main" xmlns:r="http://schemas.openxmlformats.org/officeDocument/2006/relationships" xmlns:p="http://schemas.openxmlformats.org/presentationml/2006/main">
+  <p:cSld>
+    <p:spTree>
+      <p:nvGrpSpPr>
+        <p:cNvPr id="1" name=""/>
+        <p:cNvGrpSpPr/>
+        <p:nvPr/>
+      </p:nvGrpSpPr>
+      <p:grpSpPr>
+        <a:xfrm>
+          <a:off x="0" y="0"/>
+          <a:ext cx="0" cy="0"/>
+          <a:chOff x="0" y="0"/>
+          <a:chExt cx="0" cy="0"/>
+        </a:xfrm>
+      </p:grpSpPr>
+      <p:sp>
+        <p:nvSpPr>
+          <p:cNvPr id="2" name="Folienbildplatzhalter 1"/>
+          <p:cNvSpPr>
+            <a:spLocks noGrp="1" noRot="1" noChangeAspect="1"/>
+          </p:cNvSpPr>
+          <p:nvPr>
+            <p:ph type="sldImg"/>
+          </p:nvPr>
+        </p:nvSpPr>
+        <p:spPr/>
+      </p:sp>
+      <p:sp>
+        <p:nvSpPr>
+          <p:cNvPr id="3" name="Notizenplatzhalter 2"/>
+          <p:cNvSpPr>
+            <a:spLocks noGrp="1"/>
+          </p:cNvSpPr>
+          <p:nvPr>
+            <p:ph type="body" idx="1"/>
+          </p:nvPr>
+        </p:nvSpPr>
+        <p:spPr/>
+        <p:txBody>
+          <a:bodyPr/>
+          <a:lstStyle/>
+          <a:p>
+            <a:pPr marL="0" marR="0" lvl="0" indent="0" algn="l" defTabSz="914400" rtl="0" eaLnBrk="1" fontAlgn="auto" latinLnBrk="0" hangingPunct="1">
+              <a:lnSpc>
+                <a:spcPct val="100000"/>
+              </a:lnSpc>
+              <a:spcBef>
+                <a:spcPts val="0"/>
+              </a:spcBef>
+              <a:spcAft>
+                <a:spcPts val="0"/>
+              </a:spcAft>
+              <a:buClrTx/>
+              <a:buSzTx/>
+              <a:buFontTx/>
+              <a:buNone/>
+              <a:tabLst/>
+              <a:defRPr/>
+            </a:pPr>
+            <a:r>
+              <a:rPr lang="de-DE" dirty="0"/>
+              <a:t>1 </a:t>
+            </a:r>
+            <a:r>
+              <a:rPr lang="de-DE" dirty="0" err="1"/>
+              <a:t>create</a:t>
+            </a:r>
+            <a:r>
+              <a:rPr lang="de-DE" dirty="0"/>
+              <a:t> a </a:t>
+            </a:r>
+            <a:r>
+              <a:rPr lang="de-DE" dirty="0" err="1"/>
+              <a:t>install-vm</a:t>
+            </a:r>
+            <a:r>
+              <a:rPr lang="de-DE" dirty="0"/>
+              <a:t> Rocky-Linux 8.9 &amp;&amp; </a:t>
+            </a:r>
+            <a:r>
+              <a:rPr lang="de-DE" dirty="0" err="1"/>
+              <a:t>execute</a:t>
+            </a:r>
+            <a:r>
+              <a:rPr lang="de-DE" dirty="0"/>
+              <a:t> </a:t>
+            </a:r>
+            <a:r>
+              <a:rPr lang="de-DE" dirty="0" err="1"/>
+              <a:t>the</a:t>
+            </a:r>
+            <a:r>
+              <a:rPr lang="de-DE" dirty="0"/>
+              <a:t> „Quick Start“ </a:t>
+            </a:r>
+            <a:r>
+              <a:rPr lang="de-DE" dirty="0" err="1"/>
+              <a:t>commands</a:t>
+            </a:r>
+            <a:r>
+              <a:rPr lang="de-DE" dirty="0"/>
+              <a:t> </a:t>
+            </a:r>
+            <a:r>
+              <a:rPr lang="de-DE" dirty="0" err="1"/>
+              <a:t>from</a:t>
+            </a:r>
+            <a:r>
+              <a:rPr lang="de-DE" dirty="0"/>
+              <a:t> </a:t>
+            </a:r>
+            <a:r>
+              <a:rPr lang="de-DE" dirty="0" err="1"/>
+              <a:t>the</a:t>
+            </a:r>
+            <a:r>
+              <a:rPr lang="de-DE" dirty="0"/>
+              <a:t> Readme-File (</a:t>
+            </a:r>
+            <a:r>
+              <a:rPr lang="de-DE" dirty="0" err="1"/>
+              <a:t>the</a:t>
+            </a:r>
+            <a:r>
+              <a:rPr lang="de-DE" dirty="0"/>
+              <a:t> </a:t>
+            </a:r>
+            <a:r>
+              <a:rPr lang="de-DE" dirty="0" err="1"/>
+              <a:t>playbooks</a:t>
+            </a:r>
+            <a:r>
+              <a:rPr lang="de-DE" dirty="0"/>
+              <a:t> </a:t>
+            </a:r>
+            <a:r>
+              <a:rPr lang="de-DE" dirty="0" err="1"/>
+              <a:t>creates</a:t>
+            </a:r>
+            <a:r>
+              <a:rPr lang="de-DE" dirty="0"/>
+              <a:t> </a:t>
+            </a:r>
+            <a:r>
+              <a:rPr lang="de-DE" dirty="0" err="1"/>
+              <a:t>everything</a:t>
+            </a:r>
+            <a:r>
+              <a:rPr lang="de-DE" dirty="0"/>
+              <a:t>. </a:t>
+            </a:r>
+            <a:r>
+              <a:rPr lang="en-US" dirty="0">
+                <a:effectLst/>
+              </a:rPr>
+              <a:t>(Router, Load-Balancer, Registry, Bootstrap, Master, Worker)</a:t>
+            </a:r>
+          </a:p>
+          <a:p>
+            <a:r>
+              <a:rPr lang="de-DE" dirty="0"/>
+              <a:t>)</a:t>
+            </a:r>
+          </a:p>
+          <a:p>
+            <a:pPr marL="0" marR="0" lvl="0" indent="0" algn="l" defTabSz="914400" rtl="0" eaLnBrk="1" fontAlgn="auto" latinLnBrk="0" hangingPunct="1">
+              <a:lnSpc>
+                <a:spcPct val="100000"/>
+              </a:lnSpc>
+              <a:spcBef>
+                <a:spcPts val="0"/>
+              </a:spcBef>
+              <a:spcAft>
+                <a:spcPts val="0"/>
+              </a:spcAft>
+              <a:buClrTx/>
+              <a:buSzTx/>
+              <a:buFontTx/>
+              <a:buNone/>
+              <a:tabLst/>
+              <a:defRPr/>
+            </a:pPr>
+            <a:r>
+              <a:rPr lang="de-DE" dirty="0"/>
+              <a:t>2 </a:t>
+            </a:r>
+            <a:r>
+              <a:rPr lang="de-DE" dirty="0" err="1"/>
+              <a:t>the</a:t>
+            </a:r>
+            <a:r>
+              <a:rPr lang="de-DE" dirty="0"/>
+              <a:t> </a:t>
+            </a:r>
+            <a:r>
+              <a:rPr lang="de-DE" dirty="0" err="1"/>
+              <a:t>install-vm</a:t>
+            </a:r>
+            <a:r>
+              <a:rPr lang="de-DE" dirty="0"/>
+              <a:t> </a:t>
+            </a:r>
+            <a:r>
+              <a:rPr lang="de-DE" dirty="0" err="1"/>
+              <a:t>uses</a:t>
+            </a:r>
+            <a:r>
+              <a:rPr lang="de-DE" dirty="0"/>
+              <a:t> </a:t>
+            </a:r>
+            <a:r>
+              <a:rPr lang="de-DE" dirty="0" err="1"/>
+              <a:t>terraform</a:t>
+            </a:r>
+            <a:r>
+              <a:rPr lang="de-DE" dirty="0"/>
+              <a:t> and </a:t>
+            </a:r>
+            <a:r>
+              <a:rPr lang="de-DE" dirty="0" err="1"/>
+              <a:t>the</a:t>
+            </a:r>
+            <a:r>
+              <a:rPr lang="de-DE" dirty="0"/>
+              <a:t> </a:t>
+            </a:r>
+            <a:r>
+              <a:rPr lang="de-DE" dirty="0" err="1"/>
+              <a:t>vm</a:t>
+            </a:r>
+            <a:r>
+              <a:rPr lang="de-DE" dirty="0"/>
+              <a:t>-template (</a:t>
+            </a:r>
+            <a:r>
+              <a:rPr lang="de-DE" b="0" i="0" dirty="0">
+                <a:effectLst/>
+                <a:highlight>
+                  <a:srgbClr val="FAFAFA"/>
+                </a:highlight>
+                <a:latin typeface="Metropolis"/>
+              </a:rPr>
+              <a:t>rocky89-for-automated-openshift</a:t>
+            </a:r>
+            <a:r>
+              <a:rPr lang="de-DE" dirty="0"/>
+              <a:t>) </a:t>
+            </a:r>
+            <a:r>
+              <a:rPr lang="de-DE" dirty="0" err="1"/>
+              <a:t>to</a:t>
+            </a:r>
+            <a:r>
+              <a:rPr lang="de-DE" dirty="0"/>
+              <a:t> </a:t>
+            </a:r>
+            <a:r>
+              <a:rPr lang="de-DE" dirty="0" err="1"/>
+              <a:t>create</a:t>
+            </a:r>
+            <a:r>
+              <a:rPr lang="de-DE" dirty="0"/>
+              <a:t> </a:t>
+            </a:r>
+            <a:r>
+              <a:rPr lang="de-DE" dirty="0" err="1"/>
+              <a:t>the</a:t>
+            </a:r>
+            <a:r>
+              <a:rPr lang="de-DE" dirty="0"/>
+              <a:t> </a:t>
+            </a:r>
+            <a:r>
+              <a:rPr lang="de-DE" dirty="0" err="1"/>
+              <a:t>router-vm</a:t>
+            </a:r>
+            <a:r>
+              <a:rPr lang="de-DE" dirty="0"/>
+              <a:t> and </a:t>
+            </a:r>
+            <a:r>
+              <a:rPr lang="de-DE" dirty="0" err="1"/>
+              <a:t>configures</a:t>
+            </a:r>
+            <a:r>
+              <a:rPr lang="de-DE" dirty="0"/>
+              <a:t> </a:t>
+            </a:r>
+            <a:r>
+              <a:rPr lang="de-DE" dirty="0" err="1"/>
+              <a:t>it</a:t>
+            </a:r>
+            <a:r>
+              <a:rPr lang="de-DE" dirty="0"/>
+              <a:t> </a:t>
+            </a:r>
+            <a:r>
+              <a:rPr lang="de-DE" dirty="0" err="1"/>
+              <a:t>with</a:t>
+            </a:r>
+            <a:r>
+              <a:rPr lang="de-DE" dirty="0"/>
+              <a:t> </a:t>
+            </a:r>
+            <a:r>
+              <a:rPr lang="de-DE" dirty="0" err="1"/>
+              <a:t>ansible</a:t>
+            </a:r>
+            <a:endParaRPr lang="de-DE" dirty="0"/>
+          </a:p>
+          <a:p>
+            <a:pPr marL="0" marR="0" lvl="0" indent="0" algn="l" defTabSz="914400" rtl="0" eaLnBrk="1" fontAlgn="auto" latinLnBrk="0" hangingPunct="1">
+              <a:lnSpc>
+                <a:spcPct val="100000"/>
+              </a:lnSpc>
+              <a:spcBef>
+                <a:spcPts val="0"/>
+              </a:spcBef>
+              <a:spcAft>
+                <a:spcPts val="0"/>
+              </a:spcAft>
+              <a:buClrTx/>
+              <a:buSzTx/>
+              <a:buFontTx/>
+              <a:buNone/>
+              <a:tabLst/>
+              <a:defRPr/>
+            </a:pPr>
+            <a:r>
+              <a:rPr lang="de-DE"/>
+              <a:t>3 </a:t>
+            </a:r>
+            <a:r>
+              <a:rPr lang="de-DE" dirty="0" err="1"/>
+              <a:t>the</a:t>
+            </a:r>
+            <a:r>
+              <a:rPr lang="de-DE" dirty="0"/>
+              <a:t> </a:t>
+            </a:r>
+            <a:r>
+              <a:rPr lang="de-DE" dirty="0" err="1"/>
+              <a:t>install-vm</a:t>
+            </a:r>
+            <a:r>
+              <a:rPr lang="de-DE" dirty="0"/>
+              <a:t> </a:t>
+            </a:r>
+            <a:r>
+              <a:rPr lang="de-DE" dirty="0" err="1"/>
+              <a:t>uses</a:t>
+            </a:r>
+            <a:r>
+              <a:rPr lang="de-DE" dirty="0"/>
+              <a:t> </a:t>
+            </a:r>
+            <a:r>
+              <a:rPr lang="de-DE" dirty="0" err="1"/>
+              <a:t>terraform</a:t>
+            </a:r>
+            <a:r>
+              <a:rPr lang="de-DE" dirty="0"/>
+              <a:t> and </a:t>
+            </a:r>
+            <a:r>
+              <a:rPr lang="de-DE" dirty="0" err="1"/>
+              <a:t>the</a:t>
+            </a:r>
+            <a:r>
+              <a:rPr lang="de-DE" dirty="0"/>
+              <a:t> </a:t>
+            </a:r>
+            <a:r>
+              <a:rPr lang="de-DE" dirty="0" err="1"/>
+              <a:t>vm</a:t>
+            </a:r>
+            <a:r>
+              <a:rPr lang="de-DE" dirty="0"/>
+              <a:t>-template (</a:t>
+            </a:r>
+            <a:r>
+              <a:rPr lang="de-DE" b="0" i="0" dirty="0">
+                <a:effectLst/>
+                <a:highlight>
+                  <a:srgbClr val="FAFAFA"/>
+                </a:highlight>
+                <a:latin typeface="Metropolis"/>
+              </a:rPr>
+              <a:t>rocky89-for-automated-openshift</a:t>
+            </a:r>
+            <a:r>
+              <a:rPr lang="de-DE" dirty="0"/>
+              <a:t>) </a:t>
+            </a:r>
+            <a:r>
+              <a:rPr lang="de-DE" dirty="0" err="1"/>
+              <a:t>to</a:t>
+            </a:r>
+            <a:r>
+              <a:rPr lang="de-DE" dirty="0"/>
+              <a:t> </a:t>
+            </a:r>
+            <a:r>
+              <a:rPr lang="de-DE" dirty="0" err="1"/>
+              <a:t>create</a:t>
+            </a:r>
+            <a:r>
+              <a:rPr lang="de-DE" dirty="0"/>
+              <a:t> </a:t>
+            </a:r>
+            <a:r>
+              <a:rPr lang="de-DE" dirty="0" err="1"/>
+              <a:t>the</a:t>
+            </a:r>
+            <a:r>
+              <a:rPr lang="de-DE" dirty="0"/>
+              <a:t> </a:t>
+            </a:r>
+            <a:r>
+              <a:rPr lang="de-DE" dirty="0" err="1"/>
+              <a:t>artifactory-vm</a:t>
+            </a:r>
+            <a:r>
+              <a:rPr lang="de-DE" dirty="0"/>
+              <a:t> and </a:t>
+            </a:r>
+            <a:r>
+              <a:rPr lang="de-DE" dirty="0" err="1"/>
+              <a:t>configures</a:t>
+            </a:r>
+            <a:r>
+              <a:rPr lang="de-DE" dirty="0"/>
+              <a:t> </a:t>
+            </a:r>
+            <a:r>
+              <a:rPr lang="de-DE" dirty="0" err="1"/>
+              <a:t>it</a:t>
+            </a:r>
+            <a:r>
+              <a:rPr lang="de-DE" dirty="0"/>
+              <a:t> </a:t>
+            </a:r>
+            <a:r>
+              <a:rPr lang="de-DE" dirty="0" err="1"/>
+              <a:t>with</a:t>
+            </a:r>
+            <a:r>
+              <a:rPr lang="de-DE" dirty="0"/>
+              <a:t> </a:t>
+            </a:r>
+            <a:r>
+              <a:rPr lang="de-DE" dirty="0" err="1"/>
+              <a:t>ansible</a:t>
+            </a:r>
+            <a:endParaRPr lang="de-DE" dirty="0"/>
+          </a:p>
+          <a:p>
+            <a:pPr marL="0" marR="0" lvl="0" indent="0" algn="l" defTabSz="914400" rtl="0" eaLnBrk="1" fontAlgn="auto" latinLnBrk="0" hangingPunct="1">
+              <a:lnSpc>
+                <a:spcPct val="100000"/>
+              </a:lnSpc>
+              <a:spcBef>
+                <a:spcPts val="0"/>
+              </a:spcBef>
+              <a:spcAft>
+                <a:spcPts val="0"/>
+              </a:spcAft>
+              <a:buClrTx/>
+              <a:buSzTx/>
+              <a:buFontTx/>
+              <a:buNone/>
+              <a:tabLst/>
+              <a:defRPr/>
+            </a:pPr>
+            <a:endParaRPr lang="de-DE" dirty="0"/>
+          </a:p>
+          <a:p>
+            <a:endParaRPr lang="de-DE" dirty="0"/>
+          </a:p>
+        </p:txBody>
+      </p:sp>
+      <p:sp>
+        <p:nvSpPr>
+          <p:cNvPr id="4" name="Foliennummernplatzhalter 3"/>
+          <p:cNvSpPr>
+            <a:spLocks noGrp="1"/>
+          </p:cNvSpPr>
+          <p:nvPr>
+            <p:ph type="sldNum" sz="quarter" idx="5"/>
+          </p:nvPr>
+        </p:nvSpPr>
+        <p:spPr/>
+        <p:txBody>
+          <a:bodyPr/>
+          <a:lstStyle/>
+          <a:p>
+            <a:fld id="{CFB5E5EA-E2F6-4B8F-87CB-70FF7525933F}" type="slidenum">
+              <a:rPr lang="de-DE" smtClean="0"/>
+              <a:t>2</a:t>
+            </a:fld>
+            <a:endParaRPr lang="de-DE"/>
+          </a:p>
+        </p:txBody>
+      </p:sp>
+    </p:spTree>
+    <p:extLst>
+      <p:ext uri="{BB962C8B-B14F-4D97-AF65-F5344CB8AC3E}">
+        <p14:creationId xmlns:p14="http://schemas.microsoft.com/office/powerpoint/2010/main" val="1989967717"/>
+      </p:ext>
+    </p:extLst>
+  </p:cSld>
+  <p:clrMapOvr>
+    <a:masterClrMapping/>
+  </p:clrMapOvr>
+</p:notes>
+</file>
+
 <file path=ppt/slideLayouts/slideLayout1.xml><?xml version="1.0" encoding="utf-8"?>
 <p:sldLayout xmlns:a="http://schemas.openxmlformats.org/drawingml/2006/main" xmlns:r="http://schemas.openxmlformats.org/officeDocument/2006/relationships" xmlns:p="http://schemas.openxmlformats.org/presentationml/2006/main" type="title" preserve="1">
   <p:cSld name="Titelfolie">
@@ -242,7 +1198,7 @@
           <a:p>
             <a:fld id="{FB965CEE-315E-405C-BA70-ED45D4E0DFFE}" type="datetimeFigureOut">
               <a:rPr lang="de-DE" smtClean="0"/>
-              <a:t>25.01.2021</a:t>
+              <a:t>07.10.2024</a:t>
             </a:fld>
             <a:endParaRPr lang="de-DE"/>
           </a:p>
@@ -410,7 +1366,7 @@
           <a:p>
             <a:fld id="{FB965CEE-315E-405C-BA70-ED45D4E0DFFE}" type="datetimeFigureOut">
               <a:rPr lang="de-DE" smtClean="0"/>
-              <a:t>25.01.2021</a:t>
+              <a:t>07.10.2024</a:t>
             </a:fld>
             <a:endParaRPr lang="de-DE"/>
           </a:p>
@@ -588,7 +1544,7 @@
           <a:p>
             <a:fld id="{FB965CEE-315E-405C-BA70-ED45D4E0DFFE}" type="datetimeFigureOut">
               <a:rPr lang="de-DE" smtClean="0"/>
-              <a:t>25.01.2021</a:t>
+              <a:t>07.10.2024</a:t>
             </a:fld>
             <a:endParaRPr lang="de-DE"/>
           </a:p>
@@ -756,7 +1712,7 @@
           <a:p>
             <a:fld id="{FB965CEE-315E-405C-BA70-ED45D4E0DFFE}" type="datetimeFigureOut">
               <a:rPr lang="de-DE" smtClean="0"/>
-              <a:t>25.01.2021</a:t>
+              <a:t>07.10.2024</a:t>
             </a:fld>
             <a:endParaRPr lang="de-DE"/>
           </a:p>
@@ -1001,7 +1957,7 @@
           <a:p>
             <a:fld id="{FB965CEE-315E-405C-BA70-ED45D4E0DFFE}" type="datetimeFigureOut">
               <a:rPr lang="de-DE" smtClean="0"/>
-              <a:t>25.01.2021</a:t>
+              <a:t>07.10.2024</a:t>
             </a:fld>
             <a:endParaRPr lang="de-DE"/>
           </a:p>
@@ -1230,7 +2186,7 @@
           <a:p>
             <a:fld id="{FB965CEE-315E-405C-BA70-ED45D4E0DFFE}" type="datetimeFigureOut">
               <a:rPr lang="de-DE" smtClean="0"/>
-              <a:t>25.01.2021</a:t>
+              <a:t>07.10.2024</a:t>
             </a:fld>
             <a:endParaRPr lang="de-DE"/>
           </a:p>
@@ -1594,7 +2550,7 @@
           <a:p>
             <a:fld id="{FB965CEE-315E-405C-BA70-ED45D4E0DFFE}" type="datetimeFigureOut">
               <a:rPr lang="de-DE" smtClean="0"/>
-              <a:t>25.01.2021</a:t>
+              <a:t>07.10.2024</a:t>
             </a:fld>
             <a:endParaRPr lang="de-DE"/>
           </a:p>
@@ -1711,7 +2667,7 @@
           <a:p>
             <a:fld id="{FB965CEE-315E-405C-BA70-ED45D4E0DFFE}" type="datetimeFigureOut">
               <a:rPr lang="de-DE" smtClean="0"/>
-              <a:t>25.01.2021</a:t>
+              <a:t>07.10.2024</a:t>
             </a:fld>
             <a:endParaRPr lang="de-DE"/>
           </a:p>
@@ -1806,7 +2762,7 @@
           <a:p>
             <a:fld id="{FB965CEE-315E-405C-BA70-ED45D4E0DFFE}" type="datetimeFigureOut">
               <a:rPr lang="de-DE" smtClean="0"/>
-              <a:t>25.01.2021</a:t>
+              <a:t>07.10.2024</a:t>
             </a:fld>
             <a:endParaRPr lang="de-DE"/>
           </a:p>
@@ -2081,7 +3037,7 @@
           <a:p>
             <a:fld id="{FB965CEE-315E-405C-BA70-ED45D4E0DFFE}" type="datetimeFigureOut">
               <a:rPr lang="de-DE" smtClean="0"/>
-              <a:t>25.01.2021</a:t>
+              <a:t>07.10.2024</a:t>
             </a:fld>
             <a:endParaRPr lang="de-DE"/>
           </a:p>
@@ -2333,7 +3289,7 @@
           <a:p>
             <a:fld id="{FB965CEE-315E-405C-BA70-ED45D4E0DFFE}" type="datetimeFigureOut">
               <a:rPr lang="de-DE" smtClean="0"/>
-              <a:t>25.01.2021</a:t>
+              <a:t>07.10.2024</a:t>
             </a:fld>
             <a:endParaRPr lang="de-DE"/>
           </a:p>
@@ -2544,7 +3500,7 @@
           <a:p>
             <a:fld id="{FB965CEE-315E-405C-BA70-ED45D4E0DFFE}" type="datetimeFigureOut">
               <a:rPr lang="de-DE" smtClean="0"/>
-              <a:t>25.01.2021</a:t>
+              <a:t>07.10.2024</a:t>
             </a:fld>
             <a:endParaRPr lang="de-DE"/>
           </a:p>
@@ -3161,7 +4117,7 @@
           <a:p>
             <a:r>
               <a:rPr lang="de-DE" sz="1400" dirty="0"/>
-              <a:t>11.11.11.121</a:t>
+              <a:t>172.16.1.121</a:t>
             </a:r>
           </a:p>
         </p:txBody>
@@ -3212,7 +4168,7 @@
           <a:p>
             <a:r>
               <a:rPr lang="de-DE" sz="1400" dirty="0"/>
-              <a:t>11.11.11.122</a:t>
+              <a:t>172.16.1.122</a:t>
             </a:r>
           </a:p>
         </p:txBody>
@@ -3263,7 +4219,7 @@
           <a:p>
             <a:r>
               <a:rPr lang="de-DE" sz="1400" dirty="0"/>
-              <a:t>11.11.11.123</a:t>
+              <a:t>172.16.1.123</a:t>
             </a:r>
           </a:p>
         </p:txBody>
@@ -3314,7 +4270,7 @@
           <a:p>
             <a:r>
               <a:rPr lang="de-DE" sz="1400" dirty="0"/>
-              <a:t>11.11.11.124</a:t>
+              <a:t>172.16.1.124</a:t>
             </a:r>
           </a:p>
         </p:txBody>
@@ -3365,7 +4321,7 @@
           <a:p>
             <a:r>
               <a:rPr lang="de-DE" sz="1400" dirty="0"/>
-              <a:t>11.11.11.125</a:t>
+              <a:t>172.16.1.125</a:t>
             </a:r>
           </a:p>
         </p:txBody>
@@ -3416,7 +4372,7 @@
           <a:p>
             <a:r>
               <a:rPr lang="de-DE" sz="1400" dirty="0"/>
-              <a:t>11.11.11.126</a:t>
+              <a:t>172.16.1.126</a:t>
             </a:r>
           </a:p>
         </p:txBody>
@@ -3459,7 +4415,7 @@
             <a:pPr algn="ctr"/>
             <a:r>
               <a:rPr lang="de-DE" sz="1400" dirty="0"/>
-              <a:t>Internal Network 11.11.11.0/24</a:t>
+              <a:t>Internal Network 172.16.1.0/24</a:t>
             </a:r>
           </a:p>
         </p:txBody>
@@ -3612,7 +4568,7 @@
           <a:p>
             <a:r>
               <a:rPr lang="de-DE" sz="1400" dirty="0"/>
-              <a:t>11.11.11.1/24</a:t>
+              <a:t>172.16.1.1/24</a:t>
             </a:r>
           </a:p>
         </p:txBody>
@@ -3663,7 +4619,7 @@
           <a:p>
             <a:r>
               <a:rPr lang="de-DE" sz="1400" dirty="0"/>
-              <a:t>11.11.11.120</a:t>
+              <a:t>172.16.1.120</a:t>
             </a:r>
           </a:p>
         </p:txBody>
@@ -3779,7 +4735,7 @@
           <a:p>
             <a:r>
               <a:rPr lang="de-DE" sz="1400" dirty="0"/>
-              <a:t>11.11.11.129</a:t>
+              <a:t>172.16.1.129</a:t>
             </a:r>
           </a:p>
         </p:txBody>
@@ -5018,6 +5974,2460 @@
           <a:chExt cx="0" cy="0"/>
         </a:xfrm>
       </p:grpSpPr>
+      <p:sp>
+        <p:nvSpPr>
+          <p:cNvPr id="4" name="Rechteck 3"/>
+          <p:cNvSpPr/>
+          <p:nvPr/>
+        </p:nvSpPr>
+        <p:spPr>
+          <a:xfrm>
+            <a:off x="452176" y="4994130"/>
+            <a:ext cx="1999473" cy="429512"/>
+          </a:xfrm>
+          <a:prstGeom prst="rect">
+            <a:avLst/>
+          </a:prstGeom>
+        </p:spPr>
+        <p:style>
+          <a:lnRef idx="2">
+            <a:schemeClr val="accent1">
+              <a:shade val="50000"/>
+            </a:schemeClr>
+          </a:lnRef>
+          <a:fillRef idx="1">
+            <a:schemeClr val="accent1"/>
+          </a:fillRef>
+          <a:effectRef idx="0">
+            <a:schemeClr val="accent1"/>
+          </a:effectRef>
+          <a:fontRef idx="minor">
+            <a:schemeClr val="lt1"/>
+          </a:fontRef>
+        </p:style>
+        <p:txBody>
+          <a:bodyPr rtlCol="0" anchor="ctr"/>
+          <a:lstStyle/>
+          <a:p>
+            <a:pPr algn="ctr"/>
+            <a:r>
+              <a:rPr lang="de-DE" sz="1050" dirty="0" err="1"/>
+              <a:t>Install</a:t>
+            </a:r>
+            <a:r>
+              <a:rPr lang="de-DE" sz="1050" dirty="0"/>
+              <a:t> VM</a:t>
+            </a:r>
+          </a:p>
+          <a:p>
+            <a:pPr algn="ctr"/>
+            <a:r>
+              <a:rPr lang="de-DE" sz="1050" dirty="0"/>
+              <a:t>10.0.249.113</a:t>
+            </a:r>
+          </a:p>
+        </p:txBody>
+      </p:sp>
+      <p:sp>
+        <p:nvSpPr>
+          <p:cNvPr id="8" name="Rechteck 7"/>
+          <p:cNvSpPr/>
+          <p:nvPr/>
+        </p:nvSpPr>
+        <p:spPr>
+          <a:xfrm>
+            <a:off x="7375491" y="3295859"/>
+            <a:ext cx="4425570" cy="2793441"/>
+          </a:xfrm>
+          <a:prstGeom prst="rect">
+            <a:avLst/>
+          </a:prstGeom>
+          <a:noFill/>
+          <a:ln>
+            <a:prstDash val="dash"/>
+          </a:ln>
+        </p:spPr>
+        <p:style>
+          <a:lnRef idx="2">
+            <a:schemeClr val="accent1">
+              <a:shade val="50000"/>
+            </a:schemeClr>
+          </a:lnRef>
+          <a:fillRef idx="1">
+            <a:schemeClr val="accent1"/>
+          </a:fillRef>
+          <a:effectRef idx="0">
+            <a:schemeClr val="accent1"/>
+          </a:effectRef>
+          <a:fontRef idx="minor">
+            <a:schemeClr val="lt1"/>
+          </a:fontRef>
+        </p:style>
+        <p:txBody>
+          <a:bodyPr rtlCol="0" anchor="t"/>
+          <a:lstStyle/>
+          <a:p>
+            <a:pPr algn="ctr"/>
+            <a:r>
+              <a:rPr lang="de-DE" dirty="0" err="1">
+                <a:solidFill>
+                  <a:schemeClr val="tx1"/>
+                </a:solidFill>
+              </a:rPr>
+              <a:t>openshift.local</a:t>
+            </a:r>
+            <a:endParaRPr lang="de-DE" dirty="0">
+              <a:solidFill>
+                <a:schemeClr val="tx1"/>
+              </a:solidFill>
+            </a:endParaRPr>
+          </a:p>
+        </p:txBody>
+      </p:sp>
+      <p:sp>
+        <p:nvSpPr>
+          <p:cNvPr id="9" name="Rechteck 8"/>
+          <p:cNvSpPr/>
+          <p:nvPr/>
+        </p:nvSpPr>
+        <p:spPr>
+          <a:xfrm>
+            <a:off x="278296" y="6252540"/>
+            <a:ext cx="11522765" cy="489502"/>
+          </a:xfrm>
+          <a:prstGeom prst="rect">
+            <a:avLst/>
+          </a:prstGeom>
+        </p:spPr>
+        <p:style>
+          <a:lnRef idx="2">
+            <a:schemeClr val="accent1">
+              <a:shade val="50000"/>
+            </a:schemeClr>
+          </a:lnRef>
+          <a:fillRef idx="1">
+            <a:schemeClr val="accent1"/>
+          </a:fillRef>
+          <a:effectRef idx="0">
+            <a:schemeClr val="accent1"/>
+          </a:effectRef>
+          <a:fontRef idx="minor">
+            <a:schemeClr val="lt1"/>
+          </a:fontRef>
+        </p:style>
+        <p:txBody>
+          <a:bodyPr rtlCol="0" anchor="ctr"/>
+          <a:lstStyle/>
+          <a:p>
+            <a:pPr algn="ctr"/>
+            <a:r>
+              <a:rPr lang="de-DE" dirty="0"/>
+              <a:t>VMware </a:t>
+            </a:r>
+            <a:r>
+              <a:rPr lang="de-DE" dirty="0" err="1"/>
+              <a:t>vSphere</a:t>
+            </a:r>
+            <a:r>
+              <a:rPr lang="de-DE" dirty="0"/>
+              <a:t>+ </a:t>
+            </a:r>
+            <a:r>
+              <a:rPr lang="de-DE" dirty="0" err="1"/>
+              <a:t>vCenter</a:t>
+            </a:r>
+            <a:endParaRPr lang="de-DE" dirty="0"/>
+          </a:p>
+        </p:txBody>
+      </p:sp>
+      <p:sp>
+        <p:nvSpPr>
+          <p:cNvPr id="10" name="Rechteck 9"/>
+          <p:cNvSpPr/>
+          <p:nvPr/>
+        </p:nvSpPr>
+        <p:spPr>
+          <a:xfrm>
+            <a:off x="9051487" y="3706855"/>
+            <a:ext cx="1168555" cy="519404"/>
+          </a:xfrm>
+          <a:prstGeom prst="rect">
+            <a:avLst/>
+          </a:prstGeom>
+          <a:solidFill>
+            <a:srgbClr val="C00000"/>
+          </a:solidFill>
+        </p:spPr>
+        <p:style>
+          <a:lnRef idx="2">
+            <a:schemeClr val="accent1">
+              <a:shade val="50000"/>
+            </a:schemeClr>
+          </a:lnRef>
+          <a:fillRef idx="1">
+            <a:schemeClr val="accent1"/>
+          </a:fillRef>
+          <a:effectRef idx="0">
+            <a:schemeClr val="accent1"/>
+          </a:effectRef>
+          <a:fontRef idx="minor">
+            <a:schemeClr val="lt1"/>
+          </a:fontRef>
+        </p:style>
+        <p:txBody>
+          <a:bodyPr rtlCol="0" anchor="t"/>
+          <a:lstStyle/>
+          <a:p>
+            <a:r>
+              <a:rPr lang="de-DE" sz="1400" dirty="0"/>
+              <a:t>Master#1</a:t>
+            </a:r>
+          </a:p>
+          <a:p>
+            <a:r>
+              <a:rPr lang="de-DE" sz="1400" dirty="0"/>
+              <a:t>172.16.1.121</a:t>
+            </a:r>
+          </a:p>
+        </p:txBody>
+      </p:sp>
+      <p:sp>
+        <p:nvSpPr>
+          <p:cNvPr id="11" name="Rechteck 10"/>
+          <p:cNvSpPr/>
+          <p:nvPr/>
+        </p:nvSpPr>
+        <p:spPr>
+          <a:xfrm>
+            <a:off x="9051487" y="4307879"/>
+            <a:ext cx="1168555" cy="519404"/>
+          </a:xfrm>
+          <a:prstGeom prst="rect">
+            <a:avLst/>
+          </a:prstGeom>
+          <a:solidFill>
+            <a:srgbClr val="C00000"/>
+          </a:solidFill>
+        </p:spPr>
+        <p:style>
+          <a:lnRef idx="2">
+            <a:schemeClr val="accent1">
+              <a:shade val="50000"/>
+            </a:schemeClr>
+          </a:lnRef>
+          <a:fillRef idx="1">
+            <a:schemeClr val="accent1"/>
+          </a:fillRef>
+          <a:effectRef idx="0">
+            <a:schemeClr val="accent1"/>
+          </a:effectRef>
+          <a:fontRef idx="minor">
+            <a:schemeClr val="lt1"/>
+          </a:fontRef>
+        </p:style>
+        <p:txBody>
+          <a:bodyPr rtlCol="0" anchor="t"/>
+          <a:lstStyle/>
+          <a:p>
+            <a:r>
+              <a:rPr lang="de-DE" sz="1400" dirty="0"/>
+              <a:t>Master#2</a:t>
+            </a:r>
+          </a:p>
+          <a:p>
+            <a:r>
+              <a:rPr lang="de-DE" sz="1400" dirty="0"/>
+              <a:t>172.16.1.122</a:t>
+            </a:r>
+          </a:p>
+        </p:txBody>
+      </p:sp>
+      <p:sp>
+        <p:nvSpPr>
+          <p:cNvPr id="12" name="Rechteck 11"/>
+          <p:cNvSpPr/>
+          <p:nvPr/>
+        </p:nvSpPr>
+        <p:spPr>
+          <a:xfrm>
+            <a:off x="9051488" y="4908903"/>
+            <a:ext cx="1168555" cy="519404"/>
+          </a:xfrm>
+          <a:prstGeom prst="rect">
+            <a:avLst/>
+          </a:prstGeom>
+          <a:solidFill>
+            <a:srgbClr val="C00000"/>
+          </a:solidFill>
+        </p:spPr>
+        <p:style>
+          <a:lnRef idx="2">
+            <a:schemeClr val="accent1">
+              <a:shade val="50000"/>
+            </a:schemeClr>
+          </a:lnRef>
+          <a:fillRef idx="1">
+            <a:schemeClr val="accent1"/>
+          </a:fillRef>
+          <a:effectRef idx="0">
+            <a:schemeClr val="accent1"/>
+          </a:effectRef>
+          <a:fontRef idx="minor">
+            <a:schemeClr val="lt1"/>
+          </a:fontRef>
+        </p:style>
+        <p:txBody>
+          <a:bodyPr rtlCol="0" anchor="t"/>
+          <a:lstStyle/>
+          <a:p>
+            <a:r>
+              <a:rPr lang="de-DE" sz="1400" dirty="0"/>
+              <a:t>Master#3</a:t>
+            </a:r>
+          </a:p>
+          <a:p>
+            <a:r>
+              <a:rPr lang="de-DE" sz="1400" dirty="0"/>
+              <a:t>172.16.1.123</a:t>
+            </a:r>
+          </a:p>
+        </p:txBody>
+      </p:sp>
+      <p:sp>
+        <p:nvSpPr>
+          <p:cNvPr id="13" name="Rechteck 12"/>
+          <p:cNvSpPr/>
+          <p:nvPr/>
+        </p:nvSpPr>
+        <p:spPr>
+          <a:xfrm>
+            <a:off x="10372443" y="3702191"/>
+            <a:ext cx="1168555" cy="519404"/>
+          </a:xfrm>
+          <a:prstGeom prst="rect">
+            <a:avLst/>
+          </a:prstGeom>
+          <a:solidFill>
+            <a:schemeClr val="accent2"/>
+          </a:solidFill>
+        </p:spPr>
+        <p:style>
+          <a:lnRef idx="2">
+            <a:schemeClr val="accent1">
+              <a:shade val="50000"/>
+            </a:schemeClr>
+          </a:lnRef>
+          <a:fillRef idx="1">
+            <a:schemeClr val="accent1"/>
+          </a:fillRef>
+          <a:effectRef idx="0">
+            <a:schemeClr val="accent1"/>
+          </a:effectRef>
+          <a:fontRef idx="minor">
+            <a:schemeClr val="lt1"/>
+          </a:fontRef>
+        </p:style>
+        <p:txBody>
+          <a:bodyPr rtlCol="0" anchor="t"/>
+          <a:lstStyle/>
+          <a:p>
+            <a:r>
+              <a:rPr lang="de-DE" sz="1400" dirty="0"/>
+              <a:t>Worker#1</a:t>
+            </a:r>
+          </a:p>
+          <a:p>
+            <a:r>
+              <a:rPr lang="de-DE" sz="1400" dirty="0"/>
+              <a:t>172.16.1.124</a:t>
+            </a:r>
+          </a:p>
+        </p:txBody>
+      </p:sp>
+      <p:sp>
+        <p:nvSpPr>
+          <p:cNvPr id="14" name="Rechteck 13"/>
+          <p:cNvSpPr/>
+          <p:nvPr/>
+        </p:nvSpPr>
+        <p:spPr>
+          <a:xfrm>
+            <a:off x="10372444" y="4303215"/>
+            <a:ext cx="1168555" cy="519404"/>
+          </a:xfrm>
+          <a:prstGeom prst="rect">
+            <a:avLst/>
+          </a:prstGeom>
+          <a:solidFill>
+            <a:schemeClr val="accent2"/>
+          </a:solidFill>
+        </p:spPr>
+        <p:style>
+          <a:lnRef idx="2">
+            <a:schemeClr val="accent1">
+              <a:shade val="50000"/>
+            </a:schemeClr>
+          </a:lnRef>
+          <a:fillRef idx="1">
+            <a:schemeClr val="accent1"/>
+          </a:fillRef>
+          <a:effectRef idx="0">
+            <a:schemeClr val="accent1"/>
+          </a:effectRef>
+          <a:fontRef idx="minor">
+            <a:schemeClr val="lt1"/>
+          </a:fontRef>
+        </p:style>
+        <p:txBody>
+          <a:bodyPr rtlCol="0" anchor="t"/>
+          <a:lstStyle/>
+          <a:p>
+            <a:r>
+              <a:rPr lang="de-DE" sz="1400" dirty="0"/>
+              <a:t>Worker#2</a:t>
+            </a:r>
+          </a:p>
+          <a:p>
+            <a:r>
+              <a:rPr lang="de-DE" sz="1400" dirty="0"/>
+              <a:t>172.16.1.125</a:t>
+            </a:r>
+          </a:p>
+        </p:txBody>
+      </p:sp>
+      <p:sp>
+        <p:nvSpPr>
+          <p:cNvPr id="15" name="Rechteck 14"/>
+          <p:cNvSpPr/>
+          <p:nvPr/>
+        </p:nvSpPr>
+        <p:spPr>
+          <a:xfrm>
+            <a:off x="10372445" y="4904239"/>
+            <a:ext cx="1168555" cy="519404"/>
+          </a:xfrm>
+          <a:prstGeom prst="rect">
+            <a:avLst/>
+          </a:prstGeom>
+          <a:solidFill>
+            <a:schemeClr val="accent2"/>
+          </a:solidFill>
+        </p:spPr>
+        <p:style>
+          <a:lnRef idx="2">
+            <a:schemeClr val="accent1">
+              <a:shade val="50000"/>
+            </a:schemeClr>
+          </a:lnRef>
+          <a:fillRef idx="1">
+            <a:schemeClr val="accent1"/>
+          </a:fillRef>
+          <a:effectRef idx="0">
+            <a:schemeClr val="accent1"/>
+          </a:effectRef>
+          <a:fontRef idx="minor">
+            <a:schemeClr val="lt1"/>
+          </a:fontRef>
+        </p:style>
+        <p:txBody>
+          <a:bodyPr rtlCol="0" anchor="t"/>
+          <a:lstStyle/>
+          <a:p>
+            <a:r>
+              <a:rPr lang="de-DE" sz="1400" dirty="0"/>
+              <a:t>Worker#3</a:t>
+            </a:r>
+          </a:p>
+          <a:p>
+            <a:r>
+              <a:rPr lang="de-DE" sz="1400" dirty="0"/>
+              <a:t>172.16.1.126</a:t>
+            </a:r>
+          </a:p>
+        </p:txBody>
+      </p:sp>
+      <p:sp>
+        <p:nvSpPr>
+          <p:cNvPr id="16" name="Rechteck 15"/>
+          <p:cNvSpPr/>
+          <p:nvPr/>
+        </p:nvSpPr>
+        <p:spPr>
+          <a:xfrm>
+            <a:off x="7611586" y="5586883"/>
+            <a:ext cx="3929413" cy="379079"/>
+          </a:xfrm>
+          <a:prstGeom prst="rect">
+            <a:avLst/>
+          </a:prstGeom>
+        </p:spPr>
+        <p:style>
+          <a:lnRef idx="2">
+            <a:schemeClr val="accent6">
+              <a:shade val="50000"/>
+            </a:schemeClr>
+          </a:lnRef>
+          <a:fillRef idx="1">
+            <a:schemeClr val="accent6"/>
+          </a:fillRef>
+          <a:effectRef idx="0">
+            <a:schemeClr val="accent6"/>
+          </a:effectRef>
+          <a:fontRef idx="minor">
+            <a:schemeClr val="lt1"/>
+          </a:fontRef>
+        </p:style>
+        <p:txBody>
+          <a:bodyPr rtlCol="0" anchor="ctr"/>
+          <a:lstStyle/>
+          <a:p>
+            <a:pPr algn="ctr"/>
+            <a:r>
+              <a:rPr lang="de-DE" sz="1400" dirty="0"/>
+              <a:t>Internal Network 172.16.1.0/24</a:t>
+            </a:r>
+          </a:p>
+        </p:txBody>
+      </p:sp>
+      <p:sp>
+        <p:nvSpPr>
+          <p:cNvPr id="18" name="Rechteck 17"/>
+          <p:cNvSpPr/>
+          <p:nvPr/>
+        </p:nvSpPr>
+        <p:spPr>
+          <a:xfrm>
+            <a:off x="278296" y="2763297"/>
+            <a:ext cx="2358887" cy="3326002"/>
+          </a:xfrm>
+          <a:prstGeom prst="rect">
+            <a:avLst/>
+          </a:prstGeom>
+          <a:noFill/>
+          <a:ln>
+            <a:solidFill>
+              <a:schemeClr val="accent2"/>
+            </a:solidFill>
+            <a:prstDash val="dash"/>
+          </a:ln>
+        </p:spPr>
+        <p:style>
+          <a:lnRef idx="2">
+            <a:schemeClr val="accent1">
+              <a:shade val="50000"/>
+            </a:schemeClr>
+          </a:lnRef>
+          <a:fillRef idx="1">
+            <a:schemeClr val="accent1"/>
+          </a:fillRef>
+          <a:effectRef idx="0">
+            <a:schemeClr val="accent1"/>
+          </a:effectRef>
+          <a:fontRef idx="minor">
+            <a:schemeClr val="lt1"/>
+          </a:fontRef>
+        </p:style>
+        <p:txBody>
+          <a:bodyPr rtlCol="0" anchor="ctr"/>
+          <a:lstStyle/>
+          <a:p>
+            <a:pPr algn="ctr"/>
+            <a:endParaRPr lang="de-DE"/>
+          </a:p>
+        </p:txBody>
+      </p:sp>
+      <p:sp>
+        <p:nvSpPr>
+          <p:cNvPr id="19" name="Rechteck 18"/>
+          <p:cNvSpPr/>
+          <p:nvPr/>
+        </p:nvSpPr>
+        <p:spPr>
+          <a:xfrm>
+            <a:off x="452175" y="3001963"/>
+            <a:ext cx="1999473" cy="1027426"/>
+          </a:xfrm>
+          <a:prstGeom prst="rect">
+            <a:avLst/>
+          </a:prstGeom>
+          <a:solidFill>
+            <a:schemeClr val="accent2">
+              <a:lumMod val="75000"/>
+            </a:schemeClr>
+          </a:solidFill>
+        </p:spPr>
+        <p:style>
+          <a:lnRef idx="2">
+            <a:schemeClr val="accent1">
+              <a:shade val="50000"/>
+            </a:schemeClr>
+          </a:lnRef>
+          <a:fillRef idx="1">
+            <a:schemeClr val="accent1"/>
+          </a:fillRef>
+          <a:effectRef idx="0">
+            <a:schemeClr val="accent1"/>
+          </a:effectRef>
+          <a:fontRef idx="minor">
+            <a:schemeClr val="lt1"/>
+          </a:fontRef>
+        </p:style>
+        <p:txBody>
+          <a:bodyPr rtlCol="0" anchor="t"/>
+          <a:lstStyle/>
+          <a:p>
+            <a:r>
+              <a:rPr lang="de-DE" sz="1400" dirty="0"/>
+              <a:t>Router-VM</a:t>
+            </a:r>
+          </a:p>
+          <a:p>
+            <a:r>
+              <a:rPr lang="de-DE" sz="1400" dirty="0"/>
+              <a:t>10.0.249.2/24</a:t>
+            </a:r>
+          </a:p>
+          <a:p>
+            <a:r>
+              <a:rPr lang="de-DE" sz="1400" dirty="0"/>
+              <a:t>172.16.1.1/24</a:t>
+            </a:r>
+          </a:p>
+        </p:txBody>
+      </p:sp>
+      <p:sp>
+        <p:nvSpPr>
+          <p:cNvPr id="21" name="Rechteck 20"/>
+          <p:cNvSpPr/>
+          <p:nvPr/>
+        </p:nvSpPr>
+        <p:spPr>
+          <a:xfrm>
+            <a:off x="7611586" y="4303214"/>
+            <a:ext cx="1287499" cy="532193"/>
+          </a:xfrm>
+          <a:prstGeom prst="rect">
+            <a:avLst/>
+          </a:prstGeom>
+          <a:solidFill>
+            <a:schemeClr val="accent6"/>
+          </a:solidFill>
+        </p:spPr>
+        <p:style>
+          <a:lnRef idx="2">
+            <a:schemeClr val="accent1">
+              <a:shade val="50000"/>
+            </a:schemeClr>
+          </a:lnRef>
+          <a:fillRef idx="1">
+            <a:schemeClr val="accent1"/>
+          </a:fillRef>
+          <a:effectRef idx="0">
+            <a:schemeClr val="accent1"/>
+          </a:effectRef>
+          <a:fontRef idx="minor">
+            <a:schemeClr val="lt1"/>
+          </a:fontRef>
+        </p:style>
+        <p:txBody>
+          <a:bodyPr rtlCol="0" anchor="t"/>
+          <a:lstStyle/>
+          <a:p>
+            <a:r>
+              <a:rPr lang="de-DE" sz="1400" dirty="0"/>
+              <a:t>Bastion Host</a:t>
+            </a:r>
+          </a:p>
+          <a:p>
+            <a:r>
+              <a:rPr lang="de-DE" sz="1400" dirty="0"/>
+              <a:t>172.16.1.120</a:t>
+            </a:r>
+          </a:p>
+        </p:txBody>
+      </p:sp>
+      <p:sp>
+        <p:nvSpPr>
+          <p:cNvPr id="22" name="Rechteck 21"/>
+          <p:cNvSpPr/>
+          <p:nvPr/>
+        </p:nvSpPr>
+        <p:spPr>
+          <a:xfrm>
+            <a:off x="7533029" y="886371"/>
+            <a:ext cx="1999473" cy="777542"/>
+          </a:xfrm>
+          <a:prstGeom prst="rect">
+            <a:avLst/>
+          </a:prstGeom>
+          <a:solidFill>
+            <a:srgbClr val="00B0F0"/>
+          </a:solidFill>
+        </p:spPr>
+        <p:style>
+          <a:lnRef idx="2">
+            <a:schemeClr val="accent1">
+              <a:shade val="50000"/>
+            </a:schemeClr>
+          </a:lnRef>
+          <a:fillRef idx="1">
+            <a:schemeClr val="accent1"/>
+          </a:fillRef>
+          <a:effectRef idx="0">
+            <a:schemeClr val="accent1"/>
+          </a:effectRef>
+          <a:fontRef idx="minor">
+            <a:schemeClr val="lt1"/>
+          </a:fontRef>
+        </p:style>
+        <p:txBody>
+          <a:bodyPr rtlCol="0" anchor="t"/>
+          <a:lstStyle/>
+          <a:p>
+            <a:r>
+              <a:rPr lang="de-DE" sz="1100" dirty="0"/>
+              <a:t>Registry</a:t>
+            </a:r>
+          </a:p>
+          <a:p>
+            <a:r>
+              <a:rPr lang="de-DE" sz="1100" dirty="0"/>
+              <a:t>11.11.10.10/24</a:t>
+            </a:r>
+          </a:p>
+          <a:p>
+            <a:r>
+              <a:rPr lang="de-DE" sz="1100" dirty="0"/>
+              <a:t>GW: 11.11.10.1</a:t>
+            </a:r>
+          </a:p>
+          <a:p>
+            <a:endParaRPr lang="de-DE" sz="1100" dirty="0"/>
+          </a:p>
+        </p:txBody>
+      </p:sp>
+      <p:sp>
+        <p:nvSpPr>
+          <p:cNvPr id="23" name="Rechteck 22"/>
+          <p:cNvSpPr/>
+          <p:nvPr/>
+        </p:nvSpPr>
+        <p:spPr>
+          <a:xfrm>
+            <a:off x="7611587" y="4904239"/>
+            <a:ext cx="1287499" cy="519404"/>
+          </a:xfrm>
+          <a:prstGeom prst="rect">
+            <a:avLst/>
+          </a:prstGeom>
+          <a:solidFill>
+            <a:schemeClr val="accent3"/>
+          </a:solidFill>
+        </p:spPr>
+        <p:style>
+          <a:lnRef idx="2">
+            <a:schemeClr val="accent1">
+              <a:shade val="50000"/>
+            </a:schemeClr>
+          </a:lnRef>
+          <a:fillRef idx="1">
+            <a:schemeClr val="accent1"/>
+          </a:fillRef>
+          <a:effectRef idx="0">
+            <a:schemeClr val="accent1"/>
+          </a:effectRef>
+          <a:fontRef idx="minor">
+            <a:schemeClr val="lt1"/>
+          </a:fontRef>
+        </p:style>
+        <p:txBody>
+          <a:bodyPr rtlCol="0" anchor="t"/>
+          <a:lstStyle/>
+          <a:p>
+            <a:r>
+              <a:rPr lang="de-DE" sz="1400" dirty="0"/>
+              <a:t>Load-</a:t>
+            </a:r>
+            <a:r>
+              <a:rPr lang="de-DE" sz="1400" dirty="0" err="1"/>
+              <a:t>Balancer</a:t>
+            </a:r>
+            <a:endParaRPr lang="de-DE" sz="1400" dirty="0"/>
+          </a:p>
+          <a:p>
+            <a:r>
+              <a:rPr lang="de-DE" sz="1400" dirty="0"/>
+              <a:t>172.16.1.129</a:t>
+            </a:r>
+          </a:p>
+        </p:txBody>
+      </p:sp>
+      <p:sp>
+        <p:nvSpPr>
+          <p:cNvPr id="24" name="Rechteck 23"/>
+          <p:cNvSpPr/>
+          <p:nvPr/>
+        </p:nvSpPr>
+        <p:spPr>
+          <a:xfrm>
+            <a:off x="7375491" y="510426"/>
+            <a:ext cx="2358887" cy="1802542"/>
+          </a:xfrm>
+          <a:prstGeom prst="rect">
+            <a:avLst/>
+          </a:prstGeom>
+          <a:noFill/>
+          <a:ln>
+            <a:prstDash val="dash"/>
+          </a:ln>
+        </p:spPr>
+        <p:style>
+          <a:lnRef idx="2">
+            <a:schemeClr val="accent1">
+              <a:shade val="50000"/>
+            </a:schemeClr>
+          </a:lnRef>
+          <a:fillRef idx="1">
+            <a:schemeClr val="accent1"/>
+          </a:fillRef>
+          <a:effectRef idx="0">
+            <a:schemeClr val="accent1"/>
+          </a:effectRef>
+          <a:fontRef idx="minor">
+            <a:schemeClr val="lt1"/>
+          </a:fontRef>
+        </p:style>
+        <p:txBody>
+          <a:bodyPr rtlCol="0" anchor="t"/>
+          <a:lstStyle/>
+          <a:p>
+            <a:pPr algn="ctr"/>
+            <a:r>
+              <a:rPr lang="de-DE" dirty="0" err="1">
+                <a:solidFill>
+                  <a:schemeClr val="tx1"/>
+                </a:solidFill>
+              </a:rPr>
+              <a:t>registry.local</a:t>
+            </a:r>
+            <a:endParaRPr lang="de-DE" dirty="0">
+              <a:solidFill>
+                <a:schemeClr val="tx1"/>
+              </a:solidFill>
+            </a:endParaRPr>
+          </a:p>
+        </p:txBody>
+      </p:sp>
+      <p:sp>
+        <p:nvSpPr>
+          <p:cNvPr id="25" name="Rechteck 24"/>
+          <p:cNvSpPr/>
+          <p:nvPr/>
+        </p:nvSpPr>
+        <p:spPr>
+          <a:xfrm>
+            <a:off x="7533029" y="1787251"/>
+            <a:ext cx="1999473" cy="379079"/>
+          </a:xfrm>
+          <a:prstGeom prst="rect">
+            <a:avLst/>
+          </a:prstGeom>
+          <a:solidFill>
+            <a:srgbClr val="7030A0"/>
+          </a:solidFill>
+        </p:spPr>
+        <p:style>
+          <a:lnRef idx="2">
+            <a:schemeClr val="accent2">
+              <a:shade val="50000"/>
+            </a:schemeClr>
+          </a:lnRef>
+          <a:fillRef idx="1">
+            <a:schemeClr val="accent2"/>
+          </a:fillRef>
+          <a:effectRef idx="0">
+            <a:schemeClr val="accent2"/>
+          </a:effectRef>
+          <a:fontRef idx="minor">
+            <a:schemeClr val="lt1"/>
+          </a:fontRef>
+        </p:style>
+        <p:txBody>
+          <a:bodyPr rtlCol="0" anchor="ctr"/>
+          <a:lstStyle/>
+          <a:p>
+            <a:pPr algn="ctr"/>
+            <a:r>
+              <a:rPr lang="de-DE" sz="1200" dirty="0"/>
+              <a:t>Internal Network </a:t>
+            </a:r>
+            <a:r>
+              <a:rPr lang="de-DE" sz="1200" dirty="0" err="1"/>
+              <a:t>for</a:t>
+            </a:r>
+            <a:r>
+              <a:rPr lang="de-DE" sz="1200" dirty="0"/>
+              <a:t> Registry 11.11.10.0/24</a:t>
+            </a:r>
+          </a:p>
+        </p:txBody>
+      </p:sp>
+      <p:sp>
+        <p:nvSpPr>
+          <p:cNvPr id="20" name="Rechteck 19"/>
+          <p:cNvSpPr/>
+          <p:nvPr/>
+        </p:nvSpPr>
+        <p:spPr>
+          <a:xfrm>
+            <a:off x="452174" y="213560"/>
+            <a:ext cx="1999473" cy="1027426"/>
+          </a:xfrm>
+          <a:prstGeom prst="rect">
+            <a:avLst/>
+          </a:prstGeom>
+          <a:solidFill>
+            <a:schemeClr val="tx1">
+              <a:lumMod val="50000"/>
+              <a:lumOff val="50000"/>
+            </a:schemeClr>
+          </a:solidFill>
+        </p:spPr>
+        <p:style>
+          <a:lnRef idx="2">
+            <a:schemeClr val="accent1">
+              <a:shade val="50000"/>
+            </a:schemeClr>
+          </a:lnRef>
+          <a:fillRef idx="1">
+            <a:schemeClr val="accent1"/>
+          </a:fillRef>
+          <a:effectRef idx="0">
+            <a:schemeClr val="accent1"/>
+          </a:effectRef>
+          <a:fontRef idx="minor">
+            <a:schemeClr val="lt1"/>
+          </a:fontRef>
+        </p:style>
+        <p:txBody>
+          <a:bodyPr rtlCol="0" anchor="t"/>
+          <a:lstStyle/>
+          <a:p>
+            <a:r>
+              <a:rPr lang="de-DE" sz="1400" dirty="0"/>
+              <a:t>Fritz-Box (Internet)</a:t>
+            </a:r>
+          </a:p>
+          <a:p>
+            <a:r>
+              <a:rPr lang="de-DE" sz="1400" dirty="0"/>
+              <a:t>10.0.249.1/24</a:t>
+            </a:r>
+          </a:p>
+        </p:txBody>
+      </p:sp>
+      <p:cxnSp>
+        <p:nvCxnSpPr>
+          <p:cNvPr id="3" name="Gewinkelter Verbinder 2"/>
+          <p:cNvCxnSpPr>
+            <a:stCxn id="19" idx="0"/>
+            <a:endCxn id="20" idx="2"/>
+          </p:cNvCxnSpPr>
+          <p:nvPr/>
+        </p:nvCxnSpPr>
+        <p:spPr>
+          <a:xfrm rot="16200000" flipV="1">
+            <a:off x="571424" y="2121474"/>
+            <a:ext cx="1760977" cy="1"/>
+          </a:xfrm>
+          <a:prstGeom prst="bentConnector3">
+            <a:avLst/>
+          </a:prstGeom>
+        </p:spPr>
+        <p:style>
+          <a:lnRef idx="1">
+            <a:schemeClr val="accent1"/>
+          </a:lnRef>
+          <a:fillRef idx="0">
+            <a:schemeClr val="accent1"/>
+          </a:fillRef>
+          <a:effectRef idx="0">
+            <a:schemeClr val="accent1"/>
+          </a:effectRef>
+          <a:fontRef idx="minor">
+            <a:schemeClr val="tx1"/>
+          </a:fontRef>
+        </p:style>
+      </p:cxnSp>
+      <p:sp>
+        <p:nvSpPr>
+          <p:cNvPr id="2" name="Textfeld 1">
+            <a:extLst>
+              <a:ext uri="{FF2B5EF4-FFF2-40B4-BE49-F238E27FC236}">
+                <a16:creationId xmlns:a16="http://schemas.microsoft.com/office/drawing/2014/main" id="{C1B3278C-5C3B-A685-93A1-A081C4F1F145}"/>
+              </a:ext>
+            </a:extLst>
+          </p:cNvPr>
+          <p:cNvSpPr txBox="1"/>
+          <p:nvPr/>
+        </p:nvSpPr>
+        <p:spPr>
+          <a:xfrm>
+            <a:off x="3985404" y="362309"/>
+            <a:ext cx="1095813" cy="369332"/>
+          </a:xfrm>
+          <a:prstGeom prst="rect">
+            <a:avLst/>
+          </a:prstGeom>
+          <a:noFill/>
+        </p:spPr>
+        <p:txBody>
+          <a:bodyPr wrap="none" rtlCol="0">
+            <a:spAutoFit/>
+          </a:bodyPr>
+          <a:lstStyle/>
+          <a:p>
+            <a:r>
+              <a:rPr lang="de-DE" dirty="0"/>
+              <a:t>Workflow</a:t>
+            </a:r>
+          </a:p>
+        </p:txBody>
+      </p:sp>
+      <p:sp>
+        <p:nvSpPr>
+          <p:cNvPr id="5" name="Stern: 10 Zacken 4">
+            <a:extLst>
+              <a:ext uri="{FF2B5EF4-FFF2-40B4-BE49-F238E27FC236}">
+                <a16:creationId xmlns:a16="http://schemas.microsoft.com/office/drawing/2014/main" id="{CE7B6160-3D79-2C95-B1E0-5C2E84F3566F}"/>
+              </a:ext>
+            </a:extLst>
+          </p:cNvPr>
+          <p:cNvSpPr/>
+          <p:nvPr/>
+        </p:nvSpPr>
+        <p:spPr>
+          <a:xfrm>
+            <a:off x="554557" y="4830889"/>
+            <a:ext cx="310547" cy="355120"/>
+          </a:xfrm>
+          <a:prstGeom prst="star10">
+            <a:avLst/>
+          </a:prstGeom>
+          <a:solidFill>
+            <a:srgbClr val="C00000"/>
+          </a:solidFill>
+        </p:spPr>
+        <p:style>
+          <a:lnRef idx="2">
+            <a:schemeClr val="accent2">
+              <a:shade val="15000"/>
+            </a:schemeClr>
+          </a:lnRef>
+          <a:fillRef idx="1">
+            <a:schemeClr val="accent2"/>
+          </a:fillRef>
+          <a:effectRef idx="0">
+            <a:schemeClr val="accent2"/>
+          </a:effectRef>
+          <a:fontRef idx="minor">
+            <a:schemeClr val="lt1"/>
+          </a:fontRef>
+        </p:style>
+        <p:txBody>
+          <a:bodyPr rtlCol="0" anchor="ctr"/>
+          <a:lstStyle/>
+          <a:p>
+            <a:pPr algn="ctr"/>
+            <a:r>
+              <a:rPr lang="de-DE" sz="1200" dirty="0"/>
+              <a:t>1</a:t>
+            </a:r>
+          </a:p>
+        </p:txBody>
+      </p:sp>
+      <p:cxnSp>
+        <p:nvCxnSpPr>
+          <p:cNvPr id="36" name="Verbinder: gewinkelt 35">
+            <a:extLst>
+              <a:ext uri="{FF2B5EF4-FFF2-40B4-BE49-F238E27FC236}">
+                <a16:creationId xmlns:a16="http://schemas.microsoft.com/office/drawing/2014/main" id="{8ED1D373-C52A-AA51-7617-2C710DA7C8D6}"/>
+              </a:ext>
+            </a:extLst>
+          </p:cNvPr>
+          <p:cNvCxnSpPr>
+            <a:stCxn id="4" idx="0"/>
+            <a:endCxn id="19" idx="2"/>
+          </p:cNvCxnSpPr>
+          <p:nvPr/>
+        </p:nvCxnSpPr>
+        <p:spPr>
+          <a:xfrm rot="16200000" flipV="1">
+            <a:off x="969543" y="4511759"/>
+            <a:ext cx="964741" cy="1"/>
+          </a:xfrm>
+          <a:prstGeom prst="bentConnector3">
+            <a:avLst/>
+          </a:prstGeom>
+          <a:ln>
+            <a:tailEnd type="triangle"/>
+          </a:ln>
+        </p:spPr>
+        <p:style>
+          <a:lnRef idx="1">
+            <a:schemeClr val="accent1"/>
+          </a:lnRef>
+          <a:fillRef idx="0">
+            <a:schemeClr val="accent1"/>
+          </a:fillRef>
+          <a:effectRef idx="0">
+            <a:schemeClr val="accent1"/>
+          </a:effectRef>
+          <a:fontRef idx="minor">
+            <a:schemeClr val="tx1"/>
+          </a:fontRef>
+        </p:style>
+      </p:cxnSp>
+      <p:cxnSp>
+        <p:nvCxnSpPr>
+          <p:cNvPr id="37" name="Verbinder: gewinkelt 36">
+            <a:extLst>
+              <a:ext uri="{FF2B5EF4-FFF2-40B4-BE49-F238E27FC236}">
+                <a16:creationId xmlns:a16="http://schemas.microsoft.com/office/drawing/2014/main" id="{546A706C-5745-8255-82DC-792C594FE038}"/>
+              </a:ext>
+            </a:extLst>
+          </p:cNvPr>
+          <p:cNvCxnSpPr>
+            <a:cxnSpLocks/>
+            <a:stCxn id="4" idx="3"/>
+            <a:endCxn id="24" idx="1"/>
+          </p:cNvCxnSpPr>
+          <p:nvPr/>
+        </p:nvCxnSpPr>
+        <p:spPr>
+          <a:xfrm flipV="1">
+            <a:off x="2451649" y="1411697"/>
+            <a:ext cx="4923842" cy="3797189"/>
+          </a:xfrm>
+          <a:prstGeom prst="bentConnector3">
+            <a:avLst/>
+          </a:prstGeom>
+          <a:ln>
+            <a:tailEnd type="triangle"/>
+          </a:ln>
+        </p:spPr>
+        <p:style>
+          <a:lnRef idx="1">
+            <a:schemeClr val="accent1"/>
+          </a:lnRef>
+          <a:fillRef idx="0">
+            <a:schemeClr val="accent1"/>
+          </a:fillRef>
+          <a:effectRef idx="0">
+            <a:schemeClr val="accent1"/>
+          </a:effectRef>
+          <a:fontRef idx="minor">
+            <a:schemeClr val="tx1"/>
+          </a:fontRef>
+        </p:style>
+      </p:cxnSp>
+      <p:sp>
+        <p:nvSpPr>
+          <p:cNvPr id="6" name="Stern: 10 Zacken 5">
+            <a:extLst>
+              <a:ext uri="{FF2B5EF4-FFF2-40B4-BE49-F238E27FC236}">
+                <a16:creationId xmlns:a16="http://schemas.microsoft.com/office/drawing/2014/main" id="{9109373C-E67A-3A3F-A008-023C54E68EED}"/>
+              </a:ext>
+            </a:extLst>
+          </p:cNvPr>
+          <p:cNvSpPr/>
+          <p:nvPr/>
+        </p:nvSpPr>
+        <p:spPr>
+          <a:xfrm>
+            <a:off x="1347829" y="4334199"/>
+            <a:ext cx="310547" cy="355120"/>
+          </a:xfrm>
+          <a:prstGeom prst="star10">
+            <a:avLst/>
+          </a:prstGeom>
+          <a:solidFill>
+            <a:srgbClr val="C00000"/>
+          </a:solidFill>
+        </p:spPr>
+        <p:style>
+          <a:lnRef idx="2">
+            <a:schemeClr val="accent2">
+              <a:shade val="15000"/>
+            </a:schemeClr>
+          </a:lnRef>
+          <a:fillRef idx="1">
+            <a:schemeClr val="accent2"/>
+          </a:fillRef>
+          <a:effectRef idx="0">
+            <a:schemeClr val="accent2"/>
+          </a:effectRef>
+          <a:fontRef idx="minor">
+            <a:schemeClr val="lt1"/>
+          </a:fontRef>
+        </p:style>
+        <p:txBody>
+          <a:bodyPr rtlCol="0" anchor="ctr"/>
+          <a:lstStyle/>
+          <a:p>
+            <a:pPr algn="ctr"/>
+            <a:r>
+              <a:rPr lang="de-DE" sz="1200" dirty="0"/>
+              <a:t>2</a:t>
+            </a:r>
+          </a:p>
+        </p:txBody>
+      </p:sp>
+      <p:sp>
+        <p:nvSpPr>
+          <p:cNvPr id="7" name="Stern: 10 Zacken 6">
+            <a:extLst>
+              <a:ext uri="{FF2B5EF4-FFF2-40B4-BE49-F238E27FC236}">
+                <a16:creationId xmlns:a16="http://schemas.microsoft.com/office/drawing/2014/main" id="{9DA948C5-EA93-E6E5-9BBB-D91AB9160EA8}"/>
+              </a:ext>
+            </a:extLst>
+          </p:cNvPr>
+          <p:cNvSpPr/>
+          <p:nvPr/>
+        </p:nvSpPr>
+        <p:spPr>
+          <a:xfrm>
+            <a:off x="5544220" y="1246342"/>
+            <a:ext cx="310547" cy="355120"/>
+          </a:xfrm>
+          <a:prstGeom prst="star10">
+            <a:avLst/>
+          </a:prstGeom>
+          <a:solidFill>
+            <a:srgbClr val="C00000"/>
+          </a:solidFill>
+        </p:spPr>
+        <p:style>
+          <a:lnRef idx="2">
+            <a:schemeClr val="accent2">
+              <a:shade val="15000"/>
+            </a:schemeClr>
+          </a:lnRef>
+          <a:fillRef idx="1">
+            <a:schemeClr val="accent2"/>
+          </a:fillRef>
+          <a:effectRef idx="0">
+            <a:schemeClr val="accent2"/>
+          </a:effectRef>
+          <a:fontRef idx="minor">
+            <a:schemeClr val="lt1"/>
+          </a:fontRef>
+        </p:style>
+        <p:txBody>
+          <a:bodyPr rtlCol="0" anchor="ctr"/>
+          <a:lstStyle/>
+          <a:p>
+            <a:pPr algn="ctr"/>
+            <a:r>
+              <a:rPr lang="de-DE" sz="1200" dirty="0"/>
+              <a:t>3</a:t>
+            </a:r>
+          </a:p>
+        </p:txBody>
+      </p:sp>
+      <p:cxnSp>
+        <p:nvCxnSpPr>
+          <p:cNvPr id="40" name="Verbinder: gewinkelt 39">
+            <a:extLst>
+              <a:ext uri="{FF2B5EF4-FFF2-40B4-BE49-F238E27FC236}">
+                <a16:creationId xmlns:a16="http://schemas.microsoft.com/office/drawing/2014/main" id="{E7C78907-D478-987F-19E7-E0E5AD85FE00}"/>
+              </a:ext>
+            </a:extLst>
+          </p:cNvPr>
+          <p:cNvCxnSpPr>
+            <a:cxnSpLocks/>
+            <a:stCxn id="4" idx="3"/>
+            <a:endCxn id="8" idx="1"/>
+          </p:cNvCxnSpPr>
+          <p:nvPr/>
+        </p:nvCxnSpPr>
+        <p:spPr>
+          <a:xfrm flipV="1">
+            <a:off x="2451649" y="4692580"/>
+            <a:ext cx="4923842" cy="516306"/>
+          </a:xfrm>
+          <a:prstGeom prst="bentConnector3">
+            <a:avLst/>
+          </a:prstGeom>
+          <a:ln>
+            <a:tailEnd type="triangle"/>
+          </a:ln>
+        </p:spPr>
+        <p:style>
+          <a:lnRef idx="1">
+            <a:schemeClr val="accent1"/>
+          </a:lnRef>
+          <a:fillRef idx="0">
+            <a:schemeClr val="accent1"/>
+          </a:fillRef>
+          <a:effectRef idx="0">
+            <a:schemeClr val="accent1"/>
+          </a:effectRef>
+          <a:fontRef idx="minor">
+            <a:schemeClr val="tx1"/>
+          </a:fontRef>
+        </p:style>
+      </p:cxnSp>
+      <p:sp>
+        <p:nvSpPr>
+          <p:cNvPr id="28" name="Stern: 10 Zacken 27">
+            <a:extLst>
+              <a:ext uri="{FF2B5EF4-FFF2-40B4-BE49-F238E27FC236}">
+                <a16:creationId xmlns:a16="http://schemas.microsoft.com/office/drawing/2014/main" id="{24F70FAF-42D8-3607-88B3-951E373F17C7}"/>
+              </a:ext>
+            </a:extLst>
+          </p:cNvPr>
+          <p:cNvSpPr/>
+          <p:nvPr/>
+        </p:nvSpPr>
+        <p:spPr>
+          <a:xfrm>
+            <a:off x="5940726" y="4533595"/>
+            <a:ext cx="310547" cy="355120"/>
+          </a:xfrm>
+          <a:prstGeom prst="star10">
+            <a:avLst/>
+          </a:prstGeom>
+          <a:solidFill>
+            <a:srgbClr val="C00000"/>
+          </a:solidFill>
+        </p:spPr>
+        <p:style>
+          <a:lnRef idx="2">
+            <a:schemeClr val="accent2">
+              <a:shade val="15000"/>
+            </a:schemeClr>
+          </a:lnRef>
+          <a:fillRef idx="1">
+            <a:schemeClr val="accent2"/>
+          </a:fillRef>
+          <a:effectRef idx="0">
+            <a:schemeClr val="accent2"/>
+          </a:effectRef>
+          <a:fontRef idx="minor">
+            <a:schemeClr val="lt1"/>
+          </a:fontRef>
+        </p:style>
+        <p:txBody>
+          <a:bodyPr rtlCol="0" anchor="ctr"/>
+          <a:lstStyle/>
+          <a:p>
+            <a:pPr algn="ctr"/>
+            <a:r>
+              <a:rPr lang="de-DE" sz="1200" dirty="0"/>
+              <a:t>4</a:t>
+            </a:r>
+          </a:p>
+        </p:txBody>
+      </p:sp>
+      <p:sp>
+        <p:nvSpPr>
+          <p:cNvPr id="29" name="Stern: 10 Zacken 28">
+            <a:extLst>
+              <a:ext uri="{FF2B5EF4-FFF2-40B4-BE49-F238E27FC236}">
+                <a16:creationId xmlns:a16="http://schemas.microsoft.com/office/drawing/2014/main" id="{33E62D92-95D1-E23B-AC70-7740A0A68061}"/>
+              </a:ext>
+            </a:extLst>
+          </p:cNvPr>
+          <p:cNvSpPr/>
+          <p:nvPr/>
+        </p:nvSpPr>
+        <p:spPr>
+          <a:xfrm>
+            <a:off x="11008378" y="784898"/>
+            <a:ext cx="310547" cy="355120"/>
+          </a:xfrm>
+          <a:prstGeom prst="star10">
+            <a:avLst/>
+          </a:prstGeom>
+          <a:solidFill>
+            <a:srgbClr val="C00000"/>
+          </a:solidFill>
+        </p:spPr>
+        <p:style>
+          <a:lnRef idx="2">
+            <a:schemeClr val="accent2">
+              <a:shade val="15000"/>
+            </a:schemeClr>
+          </a:lnRef>
+          <a:fillRef idx="1">
+            <a:schemeClr val="accent2"/>
+          </a:fillRef>
+          <a:effectRef idx="0">
+            <a:schemeClr val="accent2"/>
+          </a:effectRef>
+          <a:fontRef idx="minor">
+            <a:schemeClr val="lt1"/>
+          </a:fontRef>
+        </p:style>
+        <p:txBody>
+          <a:bodyPr rtlCol="0" anchor="ctr"/>
+          <a:lstStyle/>
+          <a:p>
+            <a:pPr algn="ctr"/>
+            <a:r>
+              <a:rPr lang="de-DE" sz="1200" dirty="0"/>
+              <a:t>1</a:t>
+            </a:r>
+          </a:p>
+        </p:txBody>
+      </p:sp>
+      <p:sp>
+        <p:nvSpPr>
+          <p:cNvPr id="30" name="Stern: 10 Zacken 29">
+            <a:extLst>
+              <a:ext uri="{FF2B5EF4-FFF2-40B4-BE49-F238E27FC236}">
+                <a16:creationId xmlns:a16="http://schemas.microsoft.com/office/drawing/2014/main" id="{F3E27153-2178-22BB-A8CF-C15426D39702}"/>
+              </a:ext>
+            </a:extLst>
+          </p:cNvPr>
+          <p:cNvSpPr/>
+          <p:nvPr/>
+        </p:nvSpPr>
+        <p:spPr>
+          <a:xfrm>
+            <a:off x="11160778" y="937298"/>
+            <a:ext cx="310547" cy="355120"/>
+          </a:xfrm>
+          <a:prstGeom prst="star10">
+            <a:avLst/>
+          </a:prstGeom>
+          <a:solidFill>
+            <a:srgbClr val="C00000"/>
+          </a:solidFill>
+        </p:spPr>
+        <p:style>
+          <a:lnRef idx="2">
+            <a:schemeClr val="accent2">
+              <a:shade val="15000"/>
+            </a:schemeClr>
+          </a:lnRef>
+          <a:fillRef idx="1">
+            <a:schemeClr val="accent2"/>
+          </a:fillRef>
+          <a:effectRef idx="0">
+            <a:schemeClr val="accent2"/>
+          </a:effectRef>
+          <a:fontRef idx="minor">
+            <a:schemeClr val="lt1"/>
+          </a:fontRef>
+        </p:style>
+        <p:txBody>
+          <a:bodyPr rtlCol="0" anchor="ctr"/>
+          <a:lstStyle/>
+          <a:p>
+            <a:pPr algn="ctr"/>
+            <a:r>
+              <a:rPr lang="de-DE" sz="1200" dirty="0"/>
+              <a:t>1</a:t>
+            </a:r>
+          </a:p>
+        </p:txBody>
+      </p:sp>
+      <p:sp>
+        <p:nvSpPr>
+          <p:cNvPr id="32" name="Stern: 10 Zacken 31">
+            <a:extLst>
+              <a:ext uri="{FF2B5EF4-FFF2-40B4-BE49-F238E27FC236}">
+                <a16:creationId xmlns:a16="http://schemas.microsoft.com/office/drawing/2014/main" id="{0E13F129-833A-74AA-250C-D8F2B21F1F83}"/>
+              </a:ext>
+            </a:extLst>
+          </p:cNvPr>
+          <p:cNvSpPr/>
+          <p:nvPr/>
+        </p:nvSpPr>
+        <p:spPr>
+          <a:xfrm>
+            <a:off x="11313178" y="1089698"/>
+            <a:ext cx="310547" cy="355120"/>
+          </a:xfrm>
+          <a:prstGeom prst="star10">
+            <a:avLst/>
+          </a:prstGeom>
+          <a:solidFill>
+            <a:srgbClr val="C00000"/>
+          </a:solidFill>
+        </p:spPr>
+        <p:style>
+          <a:lnRef idx="2">
+            <a:schemeClr val="accent2">
+              <a:shade val="15000"/>
+            </a:schemeClr>
+          </a:lnRef>
+          <a:fillRef idx="1">
+            <a:schemeClr val="accent2"/>
+          </a:fillRef>
+          <a:effectRef idx="0">
+            <a:schemeClr val="accent2"/>
+          </a:effectRef>
+          <a:fontRef idx="minor">
+            <a:schemeClr val="lt1"/>
+          </a:fontRef>
+        </p:style>
+        <p:txBody>
+          <a:bodyPr rtlCol="0" anchor="ctr"/>
+          <a:lstStyle/>
+          <a:p>
+            <a:pPr algn="ctr"/>
+            <a:r>
+              <a:rPr lang="de-DE" sz="1200" dirty="0"/>
+              <a:t>1</a:t>
+            </a:r>
+          </a:p>
+        </p:txBody>
+      </p:sp>
+      <p:sp>
+        <p:nvSpPr>
+          <p:cNvPr id="33" name="Stern: 10 Zacken 32">
+            <a:extLst>
+              <a:ext uri="{FF2B5EF4-FFF2-40B4-BE49-F238E27FC236}">
+                <a16:creationId xmlns:a16="http://schemas.microsoft.com/office/drawing/2014/main" id="{7E1E04FE-0728-B4AB-DF24-BFCE48AEB392}"/>
+              </a:ext>
+            </a:extLst>
+          </p:cNvPr>
+          <p:cNvSpPr/>
+          <p:nvPr/>
+        </p:nvSpPr>
+        <p:spPr>
+          <a:xfrm>
+            <a:off x="11465578" y="1242098"/>
+            <a:ext cx="310547" cy="355120"/>
+          </a:xfrm>
+          <a:prstGeom prst="star10">
+            <a:avLst/>
+          </a:prstGeom>
+          <a:solidFill>
+            <a:srgbClr val="C00000"/>
+          </a:solidFill>
+        </p:spPr>
+        <p:style>
+          <a:lnRef idx="2">
+            <a:schemeClr val="accent2">
+              <a:shade val="15000"/>
+            </a:schemeClr>
+          </a:lnRef>
+          <a:fillRef idx="1">
+            <a:schemeClr val="accent2"/>
+          </a:fillRef>
+          <a:effectRef idx="0">
+            <a:schemeClr val="accent2"/>
+          </a:effectRef>
+          <a:fontRef idx="minor">
+            <a:schemeClr val="lt1"/>
+          </a:fontRef>
+        </p:style>
+        <p:txBody>
+          <a:bodyPr rtlCol="0" anchor="ctr"/>
+          <a:lstStyle/>
+          <a:p>
+            <a:pPr algn="ctr"/>
+            <a:r>
+              <a:rPr lang="de-DE" sz="1200" dirty="0"/>
+              <a:t>1</a:t>
+            </a:r>
+          </a:p>
+        </p:txBody>
+      </p:sp>
+    </p:spTree>
+    <p:extLst>
+      <p:ext uri="{BB962C8B-B14F-4D97-AF65-F5344CB8AC3E}">
+        <p14:creationId xmlns:p14="http://schemas.microsoft.com/office/powerpoint/2010/main" val="720522289"/>
+      </p:ext>
+    </p:extLst>
+  </p:cSld>
+  <p:clrMapOvr>
+    <a:masterClrMapping/>
+  </p:clrMapOvr>
+  <p:timing>
+    <p:tnLst>
+      <p:par>
+        <p:cTn id="1" dur="indefinite" restart="never" nodeType="tmRoot">
+          <p:childTnLst>
+            <p:seq concurrent="1" nextAc="seek">
+              <p:cTn id="2" dur="indefinite" nodeType="mainSeq">
+                <p:childTnLst>
+                  <p:par>
+                    <p:cTn id="3" fill="hold">
+                      <p:stCondLst>
+                        <p:cond delay="indefinite"/>
+                      </p:stCondLst>
+                      <p:childTnLst>
+                        <p:par>
+                          <p:cTn id="4" fill="hold">
+                            <p:stCondLst>
+                              <p:cond delay="0"/>
+                            </p:stCondLst>
+                            <p:childTnLst>
+                              <p:par>
+                                <p:cTn id="5" presetID="1" presetClass="entr" presetSubtype="0" fill="hold" grpId="0" nodeType="clickEffect">
+                                  <p:stCondLst>
+                                    <p:cond delay="0"/>
+                                  </p:stCondLst>
+                                  <p:childTnLst>
+                                    <p:set>
+                                      <p:cBhvr>
+                                        <p:cTn id="6" dur="1" fill="hold">
+                                          <p:stCondLst>
+                                            <p:cond delay="0"/>
+                                          </p:stCondLst>
+                                        </p:cTn>
+                                        <p:tgtEl>
+                                          <p:spTgt spid="9"/>
+                                        </p:tgtEl>
+                                        <p:attrNameLst>
+                                          <p:attrName>style.visibility</p:attrName>
+                                        </p:attrNameLst>
+                                      </p:cBhvr>
+                                      <p:to>
+                                        <p:strVal val="visible"/>
+                                      </p:to>
+                                    </p:set>
+                                  </p:childTnLst>
+                                </p:cTn>
+                              </p:par>
+                            </p:childTnLst>
+                          </p:cTn>
+                        </p:par>
+                      </p:childTnLst>
+                    </p:cTn>
+                  </p:par>
+                  <p:par>
+                    <p:cTn id="7" fill="hold">
+                      <p:stCondLst>
+                        <p:cond delay="indefinite"/>
+                      </p:stCondLst>
+                      <p:childTnLst>
+                        <p:par>
+                          <p:cTn id="8" fill="hold">
+                            <p:stCondLst>
+                              <p:cond delay="0"/>
+                            </p:stCondLst>
+                            <p:childTnLst>
+                              <p:par>
+                                <p:cTn id="9" presetID="1" presetClass="entr" presetSubtype="0" fill="hold" grpId="0" nodeType="clickEffect">
+                                  <p:stCondLst>
+                                    <p:cond delay="0"/>
+                                  </p:stCondLst>
+                                  <p:childTnLst>
+                                    <p:set>
+                                      <p:cBhvr>
+                                        <p:cTn id="10" dur="1" fill="hold">
+                                          <p:stCondLst>
+                                            <p:cond delay="0"/>
+                                          </p:stCondLst>
+                                        </p:cTn>
+                                        <p:tgtEl>
+                                          <p:spTgt spid="16"/>
+                                        </p:tgtEl>
+                                        <p:attrNameLst>
+                                          <p:attrName>style.visibility</p:attrName>
+                                        </p:attrNameLst>
+                                      </p:cBhvr>
+                                      <p:to>
+                                        <p:strVal val="visible"/>
+                                      </p:to>
+                                    </p:set>
+                                  </p:childTnLst>
+                                </p:cTn>
+                              </p:par>
+                            </p:childTnLst>
+                          </p:cTn>
+                        </p:par>
+                      </p:childTnLst>
+                    </p:cTn>
+                  </p:par>
+                  <p:par>
+                    <p:cTn id="11" fill="hold">
+                      <p:stCondLst>
+                        <p:cond delay="indefinite"/>
+                      </p:stCondLst>
+                      <p:childTnLst>
+                        <p:par>
+                          <p:cTn id="12" fill="hold">
+                            <p:stCondLst>
+                              <p:cond delay="0"/>
+                            </p:stCondLst>
+                            <p:childTnLst>
+                              <p:par>
+                                <p:cTn id="13" presetID="1" presetClass="entr" presetSubtype="0" fill="hold" grpId="0" nodeType="clickEffect">
+                                  <p:stCondLst>
+                                    <p:cond delay="0"/>
+                                  </p:stCondLst>
+                                  <p:childTnLst>
+                                    <p:set>
+                                      <p:cBhvr>
+                                        <p:cTn id="14" dur="1" fill="hold">
+                                          <p:stCondLst>
+                                            <p:cond delay="0"/>
+                                          </p:stCondLst>
+                                        </p:cTn>
+                                        <p:tgtEl>
+                                          <p:spTgt spid="18"/>
+                                        </p:tgtEl>
+                                        <p:attrNameLst>
+                                          <p:attrName>style.visibility</p:attrName>
+                                        </p:attrNameLst>
+                                      </p:cBhvr>
+                                      <p:to>
+                                        <p:strVal val="visible"/>
+                                      </p:to>
+                                    </p:set>
+                                  </p:childTnLst>
+                                </p:cTn>
+                              </p:par>
+                            </p:childTnLst>
+                          </p:cTn>
+                        </p:par>
+                      </p:childTnLst>
+                    </p:cTn>
+                  </p:par>
+                  <p:par>
+                    <p:cTn id="15" fill="hold">
+                      <p:stCondLst>
+                        <p:cond delay="indefinite"/>
+                      </p:stCondLst>
+                      <p:childTnLst>
+                        <p:par>
+                          <p:cTn id="16" fill="hold">
+                            <p:stCondLst>
+                              <p:cond delay="0"/>
+                            </p:stCondLst>
+                            <p:childTnLst>
+                              <p:par>
+                                <p:cTn id="17" presetID="1" presetClass="entr" presetSubtype="0" fill="hold" grpId="0" nodeType="clickEffect">
+                                  <p:stCondLst>
+                                    <p:cond delay="0"/>
+                                  </p:stCondLst>
+                                  <p:childTnLst>
+                                    <p:set>
+                                      <p:cBhvr>
+                                        <p:cTn id="18" dur="1" fill="hold">
+                                          <p:stCondLst>
+                                            <p:cond delay="0"/>
+                                          </p:stCondLst>
+                                        </p:cTn>
+                                        <p:tgtEl>
+                                          <p:spTgt spid="8"/>
+                                        </p:tgtEl>
+                                        <p:attrNameLst>
+                                          <p:attrName>style.visibility</p:attrName>
+                                        </p:attrNameLst>
+                                      </p:cBhvr>
+                                      <p:to>
+                                        <p:strVal val="visible"/>
+                                      </p:to>
+                                    </p:set>
+                                  </p:childTnLst>
+                                </p:cTn>
+                              </p:par>
+                            </p:childTnLst>
+                          </p:cTn>
+                        </p:par>
+                      </p:childTnLst>
+                    </p:cTn>
+                  </p:par>
+                  <p:par>
+                    <p:cTn id="19" fill="hold">
+                      <p:stCondLst>
+                        <p:cond delay="indefinite"/>
+                      </p:stCondLst>
+                      <p:childTnLst>
+                        <p:par>
+                          <p:cTn id="20" fill="hold">
+                            <p:stCondLst>
+                              <p:cond delay="0"/>
+                            </p:stCondLst>
+                            <p:childTnLst>
+                              <p:par>
+                                <p:cTn id="21" presetID="1" presetClass="entr" presetSubtype="0" fill="hold" grpId="0" nodeType="clickEffect">
+                                  <p:stCondLst>
+                                    <p:cond delay="0"/>
+                                  </p:stCondLst>
+                                  <p:childTnLst>
+                                    <p:set>
+                                      <p:cBhvr>
+                                        <p:cTn id="22" dur="1" fill="hold">
+                                          <p:stCondLst>
+                                            <p:cond delay="0"/>
+                                          </p:stCondLst>
+                                        </p:cTn>
+                                        <p:tgtEl>
+                                          <p:spTgt spid="4"/>
+                                        </p:tgtEl>
+                                        <p:attrNameLst>
+                                          <p:attrName>style.visibility</p:attrName>
+                                        </p:attrNameLst>
+                                      </p:cBhvr>
+                                      <p:to>
+                                        <p:strVal val="visible"/>
+                                      </p:to>
+                                    </p:set>
+                                  </p:childTnLst>
+                                </p:cTn>
+                              </p:par>
+                            </p:childTnLst>
+                          </p:cTn>
+                        </p:par>
+                      </p:childTnLst>
+                    </p:cTn>
+                  </p:par>
+                  <p:par>
+                    <p:cTn id="23" fill="hold">
+                      <p:stCondLst>
+                        <p:cond delay="indefinite"/>
+                      </p:stCondLst>
+                      <p:childTnLst>
+                        <p:par>
+                          <p:cTn id="24" fill="hold">
+                            <p:stCondLst>
+                              <p:cond delay="0"/>
+                            </p:stCondLst>
+                            <p:childTnLst>
+                              <p:par>
+                                <p:cTn id="25" presetID="1" presetClass="entr" presetSubtype="0" fill="hold" grpId="0" nodeType="clickEffect">
+                                  <p:stCondLst>
+                                    <p:cond delay="0"/>
+                                  </p:stCondLst>
+                                  <p:childTnLst>
+                                    <p:set>
+                                      <p:cBhvr>
+                                        <p:cTn id="26" dur="1" fill="hold">
+                                          <p:stCondLst>
+                                            <p:cond delay="0"/>
+                                          </p:stCondLst>
+                                        </p:cTn>
+                                        <p:tgtEl>
+                                          <p:spTgt spid="21"/>
+                                        </p:tgtEl>
+                                        <p:attrNameLst>
+                                          <p:attrName>style.visibility</p:attrName>
+                                        </p:attrNameLst>
+                                      </p:cBhvr>
+                                      <p:to>
+                                        <p:strVal val="visible"/>
+                                      </p:to>
+                                    </p:set>
+                                  </p:childTnLst>
+                                </p:cTn>
+                              </p:par>
+                            </p:childTnLst>
+                          </p:cTn>
+                        </p:par>
+                      </p:childTnLst>
+                    </p:cTn>
+                  </p:par>
+                  <p:par>
+                    <p:cTn id="27" fill="hold">
+                      <p:stCondLst>
+                        <p:cond delay="indefinite"/>
+                      </p:stCondLst>
+                      <p:childTnLst>
+                        <p:par>
+                          <p:cTn id="28" fill="hold">
+                            <p:stCondLst>
+                              <p:cond delay="0"/>
+                            </p:stCondLst>
+                            <p:childTnLst>
+                              <p:par>
+                                <p:cTn id="29" presetID="1" presetClass="entr" presetSubtype="0" fill="hold" grpId="0" nodeType="clickEffect">
+                                  <p:stCondLst>
+                                    <p:cond delay="0"/>
+                                  </p:stCondLst>
+                                  <p:childTnLst>
+                                    <p:set>
+                                      <p:cBhvr>
+                                        <p:cTn id="30" dur="1" fill="hold">
+                                          <p:stCondLst>
+                                            <p:cond delay="0"/>
+                                          </p:stCondLst>
+                                        </p:cTn>
+                                        <p:tgtEl>
+                                          <p:spTgt spid="22"/>
+                                        </p:tgtEl>
+                                        <p:attrNameLst>
+                                          <p:attrName>style.visibility</p:attrName>
+                                        </p:attrNameLst>
+                                      </p:cBhvr>
+                                      <p:to>
+                                        <p:strVal val="visible"/>
+                                      </p:to>
+                                    </p:set>
+                                  </p:childTnLst>
+                                </p:cTn>
+                              </p:par>
+                            </p:childTnLst>
+                          </p:cTn>
+                        </p:par>
+                      </p:childTnLst>
+                    </p:cTn>
+                  </p:par>
+                  <p:par>
+                    <p:cTn id="31" fill="hold">
+                      <p:stCondLst>
+                        <p:cond delay="indefinite"/>
+                      </p:stCondLst>
+                      <p:childTnLst>
+                        <p:par>
+                          <p:cTn id="32" fill="hold">
+                            <p:stCondLst>
+                              <p:cond delay="0"/>
+                            </p:stCondLst>
+                            <p:childTnLst>
+                              <p:par>
+                                <p:cTn id="33" presetID="1" presetClass="entr" presetSubtype="0" fill="hold" grpId="0" nodeType="clickEffect">
+                                  <p:stCondLst>
+                                    <p:cond delay="0"/>
+                                  </p:stCondLst>
+                                  <p:childTnLst>
+                                    <p:set>
+                                      <p:cBhvr>
+                                        <p:cTn id="34" dur="1" fill="hold">
+                                          <p:stCondLst>
+                                            <p:cond delay="0"/>
+                                          </p:stCondLst>
+                                        </p:cTn>
+                                        <p:tgtEl>
+                                          <p:spTgt spid="23"/>
+                                        </p:tgtEl>
+                                        <p:attrNameLst>
+                                          <p:attrName>style.visibility</p:attrName>
+                                        </p:attrNameLst>
+                                      </p:cBhvr>
+                                      <p:to>
+                                        <p:strVal val="visible"/>
+                                      </p:to>
+                                    </p:set>
+                                  </p:childTnLst>
+                                </p:cTn>
+                              </p:par>
+                            </p:childTnLst>
+                          </p:cTn>
+                        </p:par>
+                      </p:childTnLst>
+                    </p:cTn>
+                  </p:par>
+                  <p:par>
+                    <p:cTn id="35" fill="hold">
+                      <p:stCondLst>
+                        <p:cond delay="indefinite"/>
+                      </p:stCondLst>
+                      <p:childTnLst>
+                        <p:par>
+                          <p:cTn id="36" fill="hold">
+                            <p:stCondLst>
+                              <p:cond delay="0"/>
+                            </p:stCondLst>
+                            <p:childTnLst>
+                              <p:par>
+                                <p:cTn id="37" presetID="1" presetClass="entr" presetSubtype="0" fill="hold" grpId="0" nodeType="clickEffect">
+                                  <p:stCondLst>
+                                    <p:cond delay="0"/>
+                                  </p:stCondLst>
+                                  <p:childTnLst>
+                                    <p:set>
+                                      <p:cBhvr>
+                                        <p:cTn id="38" dur="1" fill="hold">
+                                          <p:stCondLst>
+                                            <p:cond delay="0"/>
+                                          </p:stCondLst>
+                                        </p:cTn>
+                                        <p:tgtEl>
+                                          <p:spTgt spid="10"/>
+                                        </p:tgtEl>
+                                        <p:attrNameLst>
+                                          <p:attrName>style.visibility</p:attrName>
+                                        </p:attrNameLst>
+                                      </p:cBhvr>
+                                      <p:to>
+                                        <p:strVal val="visible"/>
+                                      </p:to>
+                                    </p:set>
+                                  </p:childTnLst>
+                                </p:cTn>
+                              </p:par>
+                            </p:childTnLst>
+                          </p:cTn>
+                        </p:par>
+                      </p:childTnLst>
+                    </p:cTn>
+                  </p:par>
+                  <p:par>
+                    <p:cTn id="39" fill="hold">
+                      <p:stCondLst>
+                        <p:cond delay="indefinite"/>
+                      </p:stCondLst>
+                      <p:childTnLst>
+                        <p:par>
+                          <p:cTn id="40" fill="hold">
+                            <p:stCondLst>
+                              <p:cond delay="0"/>
+                            </p:stCondLst>
+                            <p:childTnLst>
+                              <p:par>
+                                <p:cTn id="41" presetID="1" presetClass="entr" presetSubtype="0" fill="hold" grpId="0" nodeType="clickEffect">
+                                  <p:stCondLst>
+                                    <p:cond delay="0"/>
+                                  </p:stCondLst>
+                                  <p:childTnLst>
+                                    <p:set>
+                                      <p:cBhvr>
+                                        <p:cTn id="42" dur="1" fill="hold">
+                                          <p:stCondLst>
+                                            <p:cond delay="0"/>
+                                          </p:stCondLst>
+                                        </p:cTn>
+                                        <p:tgtEl>
+                                          <p:spTgt spid="11"/>
+                                        </p:tgtEl>
+                                        <p:attrNameLst>
+                                          <p:attrName>style.visibility</p:attrName>
+                                        </p:attrNameLst>
+                                      </p:cBhvr>
+                                      <p:to>
+                                        <p:strVal val="visible"/>
+                                      </p:to>
+                                    </p:set>
+                                  </p:childTnLst>
+                                </p:cTn>
+                              </p:par>
+                            </p:childTnLst>
+                          </p:cTn>
+                        </p:par>
+                      </p:childTnLst>
+                    </p:cTn>
+                  </p:par>
+                  <p:par>
+                    <p:cTn id="43" fill="hold">
+                      <p:stCondLst>
+                        <p:cond delay="indefinite"/>
+                      </p:stCondLst>
+                      <p:childTnLst>
+                        <p:par>
+                          <p:cTn id="44" fill="hold">
+                            <p:stCondLst>
+                              <p:cond delay="0"/>
+                            </p:stCondLst>
+                            <p:childTnLst>
+                              <p:par>
+                                <p:cTn id="45" presetID="1" presetClass="entr" presetSubtype="0" fill="hold" grpId="0" nodeType="clickEffect">
+                                  <p:stCondLst>
+                                    <p:cond delay="0"/>
+                                  </p:stCondLst>
+                                  <p:childTnLst>
+                                    <p:set>
+                                      <p:cBhvr>
+                                        <p:cTn id="46" dur="1" fill="hold">
+                                          <p:stCondLst>
+                                            <p:cond delay="0"/>
+                                          </p:stCondLst>
+                                        </p:cTn>
+                                        <p:tgtEl>
+                                          <p:spTgt spid="12"/>
+                                        </p:tgtEl>
+                                        <p:attrNameLst>
+                                          <p:attrName>style.visibility</p:attrName>
+                                        </p:attrNameLst>
+                                      </p:cBhvr>
+                                      <p:to>
+                                        <p:strVal val="visible"/>
+                                      </p:to>
+                                    </p:set>
+                                  </p:childTnLst>
+                                </p:cTn>
+                              </p:par>
+                            </p:childTnLst>
+                          </p:cTn>
+                        </p:par>
+                      </p:childTnLst>
+                    </p:cTn>
+                  </p:par>
+                  <p:par>
+                    <p:cTn id="47" fill="hold">
+                      <p:stCondLst>
+                        <p:cond delay="indefinite"/>
+                      </p:stCondLst>
+                      <p:childTnLst>
+                        <p:par>
+                          <p:cTn id="48" fill="hold">
+                            <p:stCondLst>
+                              <p:cond delay="0"/>
+                            </p:stCondLst>
+                            <p:childTnLst>
+                              <p:par>
+                                <p:cTn id="49" presetID="1" presetClass="entr" presetSubtype="0" fill="hold" grpId="0" nodeType="clickEffect">
+                                  <p:stCondLst>
+                                    <p:cond delay="0"/>
+                                  </p:stCondLst>
+                                  <p:childTnLst>
+                                    <p:set>
+                                      <p:cBhvr>
+                                        <p:cTn id="50" dur="1" fill="hold">
+                                          <p:stCondLst>
+                                            <p:cond delay="0"/>
+                                          </p:stCondLst>
+                                        </p:cTn>
+                                        <p:tgtEl>
+                                          <p:spTgt spid="13"/>
+                                        </p:tgtEl>
+                                        <p:attrNameLst>
+                                          <p:attrName>style.visibility</p:attrName>
+                                        </p:attrNameLst>
+                                      </p:cBhvr>
+                                      <p:to>
+                                        <p:strVal val="visible"/>
+                                      </p:to>
+                                    </p:set>
+                                  </p:childTnLst>
+                                </p:cTn>
+                              </p:par>
+                            </p:childTnLst>
+                          </p:cTn>
+                        </p:par>
+                      </p:childTnLst>
+                    </p:cTn>
+                  </p:par>
+                  <p:par>
+                    <p:cTn id="51" fill="hold">
+                      <p:stCondLst>
+                        <p:cond delay="indefinite"/>
+                      </p:stCondLst>
+                      <p:childTnLst>
+                        <p:par>
+                          <p:cTn id="52" fill="hold">
+                            <p:stCondLst>
+                              <p:cond delay="0"/>
+                            </p:stCondLst>
+                            <p:childTnLst>
+                              <p:par>
+                                <p:cTn id="53" presetID="1" presetClass="entr" presetSubtype="0" fill="hold" grpId="0" nodeType="clickEffect">
+                                  <p:stCondLst>
+                                    <p:cond delay="0"/>
+                                  </p:stCondLst>
+                                  <p:childTnLst>
+                                    <p:set>
+                                      <p:cBhvr>
+                                        <p:cTn id="54" dur="1" fill="hold">
+                                          <p:stCondLst>
+                                            <p:cond delay="0"/>
+                                          </p:stCondLst>
+                                        </p:cTn>
+                                        <p:tgtEl>
+                                          <p:spTgt spid="14"/>
+                                        </p:tgtEl>
+                                        <p:attrNameLst>
+                                          <p:attrName>style.visibility</p:attrName>
+                                        </p:attrNameLst>
+                                      </p:cBhvr>
+                                      <p:to>
+                                        <p:strVal val="visible"/>
+                                      </p:to>
+                                    </p:set>
+                                  </p:childTnLst>
+                                </p:cTn>
+                              </p:par>
+                            </p:childTnLst>
+                          </p:cTn>
+                        </p:par>
+                      </p:childTnLst>
+                    </p:cTn>
+                  </p:par>
+                  <p:par>
+                    <p:cTn id="55" fill="hold">
+                      <p:stCondLst>
+                        <p:cond delay="indefinite"/>
+                      </p:stCondLst>
+                      <p:childTnLst>
+                        <p:par>
+                          <p:cTn id="56" fill="hold">
+                            <p:stCondLst>
+                              <p:cond delay="0"/>
+                            </p:stCondLst>
+                            <p:childTnLst>
+                              <p:par>
+                                <p:cTn id="57" presetID="1" presetClass="entr" presetSubtype="0" fill="hold" grpId="0" nodeType="clickEffect">
+                                  <p:stCondLst>
+                                    <p:cond delay="0"/>
+                                  </p:stCondLst>
+                                  <p:childTnLst>
+                                    <p:set>
+                                      <p:cBhvr>
+                                        <p:cTn id="58" dur="1" fill="hold">
+                                          <p:stCondLst>
+                                            <p:cond delay="0"/>
+                                          </p:stCondLst>
+                                        </p:cTn>
+                                        <p:tgtEl>
+                                          <p:spTgt spid="15"/>
+                                        </p:tgtEl>
+                                        <p:attrNameLst>
+                                          <p:attrName>style.visibility</p:attrName>
+                                        </p:attrNameLst>
+                                      </p:cBhvr>
+                                      <p:to>
+                                        <p:strVal val="visible"/>
+                                      </p:to>
+                                    </p:set>
+                                  </p:childTnLst>
+                                </p:cTn>
+                              </p:par>
+                            </p:childTnLst>
+                          </p:cTn>
+                        </p:par>
+                      </p:childTnLst>
+                    </p:cTn>
+                  </p:par>
+                  <p:par>
+                    <p:cTn id="59" fill="hold">
+                      <p:stCondLst>
+                        <p:cond delay="indefinite"/>
+                      </p:stCondLst>
+                      <p:childTnLst>
+                        <p:par>
+                          <p:cTn id="60" fill="hold">
+                            <p:stCondLst>
+                              <p:cond delay="0"/>
+                            </p:stCondLst>
+                            <p:childTnLst>
+                              <p:par>
+                                <p:cTn id="61" presetID="1" presetClass="entr" presetSubtype="0" fill="hold" grpId="0" nodeType="clickEffect">
+                                  <p:stCondLst>
+                                    <p:cond delay="0"/>
+                                  </p:stCondLst>
+                                  <p:childTnLst>
+                                    <p:set>
+                                      <p:cBhvr>
+                                        <p:cTn id="62" dur="1" fill="hold">
+                                          <p:stCondLst>
+                                            <p:cond delay="0"/>
+                                          </p:stCondLst>
+                                        </p:cTn>
+                                        <p:tgtEl>
+                                          <p:spTgt spid="19"/>
+                                        </p:tgtEl>
+                                        <p:attrNameLst>
+                                          <p:attrName>style.visibility</p:attrName>
+                                        </p:attrNameLst>
+                                      </p:cBhvr>
+                                      <p:to>
+                                        <p:strVal val="visible"/>
+                                      </p:to>
+                                    </p:set>
+                                  </p:childTnLst>
+                                </p:cTn>
+                              </p:par>
+                            </p:childTnLst>
+                          </p:cTn>
+                        </p:par>
+                      </p:childTnLst>
+                    </p:cTn>
+                  </p:par>
+                  <p:par>
+                    <p:cTn id="63" fill="hold">
+                      <p:stCondLst>
+                        <p:cond delay="indefinite"/>
+                      </p:stCondLst>
+                      <p:childTnLst>
+                        <p:par>
+                          <p:cTn id="64" fill="hold">
+                            <p:stCondLst>
+                              <p:cond delay="0"/>
+                            </p:stCondLst>
+                            <p:childTnLst>
+                              <p:par>
+                                <p:cTn id="65" presetID="1" presetClass="entr" presetSubtype="0" fill="hold" grpId="0" nodeType="clickEffect">
+                                  <p:stCondLst>
+                                    <p:cond delay="0"/>
+                                  </p:stCondLst>
+                                  <p:childTnLst>
+                                    <p:set>
+                                      <p:cBhvr>
+                                        <p:cTn id="66" dur="1" fill="hold">
+                                          <p:stCondLst>
+                                            <p:cond delay="0"/>
+                                          </p:stCondLst>
+                                        </p:cTn>
+                                        <p:tgtEl>
+                                          <p:spTgt spid="24"/>
+                                        </p:tgtEl>
+                                        <p:attrNameLst>
+                                          <p:attrName>style.visibility</p:attrName>
+                                        </p:attrNameLst>
+                                      </p:cBhvr>
+                                      <p:to>
+                                        <p:strVal val="visible"/>
+                                      </p:to>
+                                    </p:set>
+                                  </p:childTnLst>
+                                </p:cTn>
+                              </p:par>
+                            </p:childTnLst>
+                          </p:cTn>
+                        </p:par>
+                      </p:childTnLst>
+                    </p:cTn>
+                  </p:par>
+                  <p:par>
+                    <p:cTn id="67" fill="hold">
+                      <p:stCondLst>
+                        <p:cond delay="indefinite"/>
+                      </p:stCondLst>
+                      <p:childTnLst>
+                        <p:par>
+                          <p:cTn id="68" fill="hold">
+                            <p:stCondLst>
+                              <p:cond delay="0"/>
+                            </p:stCondLst>
+                            <p:childTnLst>
+                              <p:par>
+                                <p:cTn id="69" presetID="1" presetClass="entr" presetSubtype="0" fill="hold" grpId="0" nodeType="clickEffect">
+                                  <p:stCondLst>
+                                    <p:cond delay="0"/>
+                                  </p:stCondLst>
+                                  <p:childTnLst>
+                                    <p:set>
+                                      <p:cBhvr>
+                                        <p:cTn id="70" dur="1" fill="hold">
+                                          <p:stCondLst>
+                                            <p:cond delay="0"/>
+                                          </p:stCondLst>
+                                        </p:cTn>
+                                        <p:tgtEl>
+                                          <p:spTgt spid="25"/>
+                                        </p:tgtEl>
+                                        <p:attrNameLst>
+                                          <p:attrName>style.visibility</p:attrName>
+                                        </p:attrNameLst>
+                                      </p:cBhvr>
+                                      <p:to>
+                                        <p:strVal val="visible"/>
+                                      </p:to>
+                                    </p:set>
+                                  </p:childTnLst>
+                                </p:cTn>
+                              </p:par>
+                            </p:childTnLst>
+                          </p:cTn>
+                        </p:par>
+                      </p:childTnLst>
+                    </p:cTn>
+                  </p:par>
+                  <p:par>
+                    <p:cTn id="71" fill="hold">
+                      <p:stCondLst>
+                        <p:cond delay="indefinite"/>
+                      </p:stCondLst>
+                      <p:childTnLst>
+                        <p:par>
+                          <p:cTn id="72" fill="hold">
+                            <p:stCondLst>
+                              <p:cond delay="0"/>
+                            </p:stCondLst>
+                            <p:childTnLst>
+                              <p:par>
+                                <p:cTn id="73" presetID="1" presetClass="entr" presetSubtype="0" fill="hold" grpId="0" nodeType="clickEffect">
+                                  <p:stCondLst>
+                                    <p:cond delay="0"/>
+                                  </p:stCondLst>
+                                  <p:childTnLst>
+                                    <p:set>
+                                      <p:cBhvr>
+                                        <p:cTn id="74" dur="1" fill="hold">
+                                          <p:stCondLst>
+                                            <p:cond delay="0"/>
+                                          </p:stCondLst>
+                                        </p:cTn>
+                                        <p:tgtEl>
+                                          <p:spTgt spid="20"/>
+                                        </p:tgtEl>
+                                        <p:attrNameLst>
+                                          <p:attrName>style.visibility</p:attrName>
+                                        </p:attrNameLst>
+                                      </p:cBhvr>
+                                      <p:to>
+                                        <p:strVal val="visible"/>
+                                      </p:to>
+                                    </p:set>
+                                  </p:childTnLst>
+                                </p:cTn>
+                              </p:par>
+                            </p:childTnLst>
+                          </p:cTn>
+                        </p:par>
+                      </p:childTnLst>
+                    </p:cTn>
+                  </p:par>
+                </p:childTnLst>
+              </p:cTn>
+              <p:prevCondLst>
+                <p:cond evt="onPrev" delay="0">
+                  <p:tgtEl>
+                    <p:sldTgt/>
+                  </p:tgtEl>
+                </p:cond>
+              </p:prevCondLst>
+              <p:nextCondLst>
+                <p:cond evt="onNext" delay="0">
+                  <p:tgtEl>
+                    <p:sldTgt/>
+                  </p:tgtEl>
+                </p:cond>
+              </p:nextCondLst>
+            </p:seq>
+          </p:childTnLst>
+        </p:cTn>
+      </p:par>
+    </p:tnLst>
+    <p:bldLst>
+      <p:bldP spid="4" grpId="0" animBg="1"/>
+      <p:bldP spid="8" grpId="0" animBg="1"/>
+      <p:bldP spid="9" grpId="0" animBg="1"/>
+      <p:bldP spid="10" grpId="0" animBg="1"/>
+      <p:bldP spid="11" grpId="0" animBg="1"/>
+      <p:bldP spid="12" grpId="0" animBg="1"/>
+      <p:bldP spid="13" grpId="0" animBg="1"/>
+      <p:bldP spid="14" grpId="0" animBg="1"/>
+      <p:bldP spid="15" grpId="0" animBg="1"/>
+      <p:bldP spid="16" grpId="0" animBg="1"/>
+      <p:bldP spid="18" grpId="0" animBg="1"/>
+      <p:bldP spid="19" grpId="0" animBg="1"/>
+      <p:bldP spid="21" grpId="0" animBg="1"/>
+      <p:bldP spid="22" grpId="0" animBg="1"/>
+      <p:bldP spid="23" grpId="0" animBg="1"/>
+      <p:bldP spid="24" grpId="0" animBg="1"/>
+      <p:bldP spid="25" grpId="0" animBg="1"/>
+      <p:bldP spid="20" grpId="0" animBg="1"/>
+    </p:bldLst>
+  </p:timing>
+</p:sld>
+</file>
+
+<file path=ppt/slides/slide3.xml><?xml version="1.0" encoding="utf-8"?>
+<p:sld xmlns:a="http://schemas.openxmlformats.org/drawingml/2006/main" xmlns:r="http://schemas.openxmlformats.org/officeDocument/2006/relationships" xmlns:p="http://schemas.openxmlformats.org/presentationml/2006/main">
+  <p:cSld>
+    <p:spTree>
+      <p:nvGrpSpPr>
+        <p:cNvPr id="1" name=""/>
+        <p:cNvGrpSpPr/>
+        <p:nvPr/>
+      </p:nvGrpSpPr>
+      <p:grpSpPr>
+        <a:xfrm>
+          <a:off x="0" y="0"/>
+          <a:ext cx="0" cy="0"/>
+          <a:chOff x="0" y="0"/>
+          <a:chExt cx="0" cy="0"/>
+        </a:xfrm>
+      </p:grpSpPr>
       <p:graphicFrame>
         <p:nvGraphicFramePr>
           <p:cNvPr id="5" name="Tabelle 4"/>
@@ -5027,7 +8437,7 @@
           <p:nvPr>
             <p:extLst>
               <p:ext uri="{D42A27DB-BD31-4B8C-83A1-F6EECF244321}">
-                <p14:modId xmlns:p14="http://schemas.microsoft.com/office/powerpoint/2010/main" val="4123529389"/>
+                <p14:modId xmlns:p14="http://schemas.microsoft.com/office/powerpoint/2010/main" val="1810599104"/>
               </p:ext>
             </p:extLst>
           </p:nvPr>
@@ -5179,10 +8589,9 @@
                     <a:lstStyle/>
                     <a:p>
                       <a:r>
-                        <a:rPr lang="de-DE"/>
-                        <a:t>10.0.249.113 </a:t>
+                        <a:rPr lang="de-DE" dirty="0"/>
+                        <a:t>10.0.249.160</a:t>
                       </a:r>
-                      <a:endParaRPr lang="de-DE" dirty="0"/>
                     </a:p>
                   </a:txBody>
                   <a:tcPr/>
@@ -5246,7 +8655,7 @@
                     <a:p>
                       <a:r>
                         <a:rPr lang="de-DE" dirty="0"/>
-                        <a:t>11.11.11.1</a:t>
+                        <a:t>172.16.1.1</a:t>
                       </a:r>
                       <a:br>
                         <a:rPr lang="de-DE" dirty="0"/>
@@ -5317,7 +8726,7 @@
                     <a:p>
                       <a:r>
                         <a:rPr lang="de-DE" dirty="0"/>
-                        <a:t>11.11.11.2</a:t>
+                        <a:t>172.16.1.2</a:t>
                       </a:r>
                     </a:p>
                   </a:txBody>
@@ -5397,7 +8806,7 @@
                     <a:p>
                       <a:r>
                         <a:rPr lang="de-DE" dirty="0"/>
-                        <a:t>11.11.11.3</a:t>
+                        <a:t>172.16.1.3</a:t>
                       </a:r>
                     </a:p>
                   </a:txBody>
@@ -5470,7 +8879,7 @@
                     <a:p>
                       <a:r>
                         <a:rPr lang="de-DE" dirty="0"/>
-                        <a:t>11.11.11.10</a:t>
+                        <a:t>172.16.1.10</a:t>
                       </a:r>
                     </a:p>
                   </a:txBody>
@@ -5533,7 +8942,7 @@
                     <a:p>
                       <a:r>
                         <a:rPr lang="de-DE" dirty="0"/>
-                        <a:t>11.11.11.11</a:t>
+                        <a:t>172.16.1.11</a:t>
                       </a:r>
                     </a:p>
                   </a:txBody>
@@ -5613,7 +9022,7 @@
                     <a:p>
                       <a:r>
                         <a:rPr lang="de-DE" dirty="0"/>
-                        <a:t>11.11.11.12</a:t>
+                        <a:t>172.16.1.12</a:t>
                       </a:r>
                     </a:p>
                   </a:txBody>
@@ -5676,7 +9085,7 @@
                     <a:p>
                       <a:r>
                         <a:rPr lang="de-DE" dirty="0"/>
-                        <a:t>11.11.11.13</a:t>
+                        <a:t>172.16.1.13</a:t>
                       </a:r>
                     </a:p>
                   </a:txBody>
@@ -5739,7 +9148,7 @@
                     <a:p>
                       <a:r>
                         <a:rPr lang="de-DE" dirty="0"/>
-                        <a:t>11.11.11.14</a:t>
+                        <a:t>172.16.1.14</a:t>
                       </a:r>
                     </a:p>
                   </a:txBody>
@@ -5802,7 +9211,7 @@
                     <a:p>
                       <a:r>
                         <a:rPr lang="de-DE" dirty="0"/>
-                        <a:t>11.11.11.15</a:t>
+                        <a:t>172.16.1.15</a:t>
                       </a:r>
                     </a:p>
                   </a:txBody>
@@ -5865,7 +9274,7 @@
                     <a:p>
                       <a:r>
                         <a:rPr lang="de-DE" dirty="0"/>
-                        <a:t>11.11.11.16</a:t>
+                        <a:t>172.16.1.16</a:t>
                       </a:r>
                     </a:p>
                   </a:txBody>
@@ -5932,7 +9341,7 @@
                     <a:p>
                       <a:r>
                         <a:rPr lang="de-DE" dirty="0"/>
-                        <a:t>11.11.11.99</a:t>
+                        <a:t>172.16.1.99</a:t>
                       </a:r>
                     </a:p>
                   </a:txBody>
@@ -6220,4 +9629,319 @@
     </a:ext>
   </a:extLst>
 </a:theme>
+</file>
+
+<file path=ppt/theme/theme2.xml><?xml version="1.0" encoding="utf-8"?>
+<a:theme xmlns:a="http://schemas.openxmlformats.org/drawingml/2006/main" name="Office">
+  <a:themeElements>
+    <a:clrScheme name="Office">
+      <a:dk1>
+        <a:sysClr val="windowText" lastClr="000000"/>
+      </a:dk1>
+      <a:lt1>
+        <a:sysClr val="window" lastClr="FFFFFF"/>
+      </a:lt1>
+      <a:dk2>
+        <a:srgbClr val="0E2841"/>
+      </a:dk2>
+      <a:lt2>
+        <a:srgbClr val="E8E8E8"/>
+      </a:lt2>
+      <a:accent1>
+        <a:srgbClr val="156082"/>
+      </a:accent1>
+      <a:accent2>
+        <a:srgbClr val="E97132"/>
+      </a:accent2>
+      <a:accent3>
+        <a:srgbClr val="196B24"/>
+      </a:accent3>
+      <a:accent4>
+        <a:srgbClr val="0F9ED5"/>
+      </a:accent4>
+      <a:accent5>
+        <a:srgbClr val="A02B93"/>
+      </a:accent5>
+      <a:accent6>
+        <a:srgbClr val="4EA72E"/>
+      </a:accent6>
+      <a:hlink>
+        <a:srgbClr val="467886"/>
+      </a:hlink>
+      <a:folHlink>
+        <a:srgbClr val="96607D"/>
+      </a:folHlink>
+    </a:clrScheme>
+    <a:fontScheme name="Office">
+      <a:majorFont>
+        <a:latin typeface="Aptos Display" panose="02110004020202020204"/>
+        <a:ea typeface=""/>
+        <a:cs typeface=""/>
+        <a:font script="Jpan" typeface="游ゴシック Light"/>
+        <a:font script="Hang" typeface="맑은 고딕"/>
+        <a:font script="Hans" typeface="等线 Light"/>
+        <a:font script="Hant" typeface="新細明體"/>
+        <a:font script="Arab" typeface="Times New Roman"/>
+        <a:font script="Hebr" typeface="Times New Roman"/>
+        <a:font script="Thai" typeface="Angsana New"/>
+        <a:font script="Ethi" typeface="Nyala"/>
+        <a:font script="Beng" typeface="Vrinda"/>
+        <a:font script="Gujr" typeface="Shruti"/>
+        <a:font script="Khmr" typeface="MoolBoran"/>
+        <a:font script="Knda" typeface="Tunga"/>
+        <a:font script="Guru" typeface="Raavi"/>
+        <a:font script="Cans" typeface="Euphemia"/>
+        <a:font script="Cher" typeface="Plantagenet Cherokee"/>
+        <a:font script="Yiii" typeface="Microsoft Yi Baiti"/>
+        <a:font script="Tibt" typeface="Microsoft Himalaya"/>
+        <a:font script="Thaa" typeface="MV Boli"/>
+        <a:font script="Deva" typeface="Mangal"/>
+        <a:font script="Telu" typeface="Gautami"/>
+        <a:font script="Taml" typeface="Latha"/>
+        <a:font script="Syrc" typeface="Estrangelo Edessa"/>
+        <a:font script="Orya" typeface="Kalinga"/>
+        <a:font script="Mlym" typeface="Kartika"/>
+        <a:font script="Laoo" typeface="DokChampa"/>
+        <a:font script="Sinh" typeface="Iskoola Pota"/>
+        <a:font script="Mong" typeface="Mongolian Baiti"/>
+        <a:font script="Viet" typeface="Times New Roman"/>
+        <a:font script="Uigh" typeface="Microsoft Uighur"/>
+        <a:font script="Geor" typeface="Sylfaen"/>
+        <a:font script="Armn" typeface="Arial"/>
+        <a:font script="Bugi" typeface="Leelawadee UI"/>
+        <a:font script="Bopo" typeface="Microsoft JhengHei"/>
+        <a:font script="Java" typeface="Javanese Text"/>
+        <a:font script="Lisu" typeface="Segoe UI"/>
+        <a:font script="Mymr" typeface="Myanmar Text"/>
+        <a:font script="Nkoo" typeface="Ebrima"/>
+        <a:font script="Olck" typeface="Nirmala UI"/>
+        <a:font script="Osma" typeface="Ebrima"/>
+        <a:font script="Phag" typeface="Phagspa"/>
+        <a:font script="Syrn" typeface="Estrangelo Edessa"/>
+        <a:font script="Syrj" typeface="Estrangelo Edessa"/>
+        <a:font script="Syre" typeface="Estrangelo Edessa"/>
+        <a:font script="Sora" typeface="Nirmala UI"/>
+        <a:font script="Tale" typeface="Microsoft Tai Le"/>
+        <a:font script="Talu" typeface="Microsoft New Tai Lue"/>
+        <a:font script="Tfng" typeface="Ebrima"/>
+      </a:majorFont>
+      <a:minorFont>
+        <a:latin typeface="Aptos" panose="02110004020202020204"/>
+        <a:ea typeface=""/>
+        <a:cs typeface=""/>
+        <a:font script="Jpan" typeface="游ゴシック"/>
+        <a:font script="Hang" typeface="맑은 고딕"/>
+        <a:font script="Hans" typeface="等线"/>
+        <a:font script="Hant" typeface="新細明體"/>
+        <a:font script="Arab" typeface="Arial"/>
+        <a:font script="Hebr" typeface="Arial"/>
+        <a:font script="Thai" typeface="Cordia New"/>
+        <a:font script="Ethi" typeface="Nyala"/>
+        <a:font script="Beng" typeface="Vrinda"/>
+        <a:font script="Gujr" typeface="Shruti"/>
+        <a:font script="Khmr" typeface="DaunPenh"/>
+        <a:font script="Knda" typeface="Tunga"/>
+        <a:font script="Guru" typeface="Raavi"/>
+        <a:font script="Cans" typeface="Euphemia"/>
+        <a:font script="Cher" typeface="Plantagenet Cherokee"/>
+        <a:font script="Yiii" typeface="Microsoft Yi Baiti"/>
+        <a:font script="Tibt" typeface="Microsoft Himalaya"/>
+        <a:font script="Thaa" typeface="MV Boli"/>
+        <a:font script="Deva" typeface="Mangal"/>
+        <a:font script="Telu" typeface="Gautami"/>
+        <a:font script="Taml" typeface="Latha"/>
+        <a:font script="Syrc" typeface="Estrangelo Edessa"/>
+        <a:font script="Orya" typeface="Kalinga"/>
+        <a:font script="Mlym" typeface="Kartika"/>
+        <a:font script="Laoo" typeface="DokChampa"/>
+        <a:font script="Sinh" typeface="Iskoola Pota"/>
+        <a:font script="Mong" typeface="Mongolian Baiti"/>
+        <a:font script="Viet" typeface="Arial"/>
+        <a:font script="Uigh" typeface="Microsoft Uighur"/>
+        <a:font script="Geor" typeface="Sylfaen"/>
+        <a:font script="Armn" typeface="Arial"/>
+        <a:font script="Bugi" typeface="Leelawadee UI"/>
+        <a:font script="Bopo" typeface="Microsoft JhengHei"/>
+        <a:font script="Java" typeface="Javanese Text"/>
+        <a:font script="Lisu" typeface="Segoe UI"/>
+        <a:font script="Mymr" typeface="Myanmar Text"/>
+        <a:font script="Nkoo" typeface="Ebrima"/>
+        <a:font script="Olck" typeface="Nirmala UI"/>
+        <a:font script="Osma" typeface="Ebrima"/>
+        <a:font script="Phag" typeface="Phagspa"/>
+        <a:font script="Syrn" typeface="Estrangelo Edessa"/>
+        <a:font script="Syrj" typeface="Estrangelo Edessa"/>
+        <a:font script="Syre" typeface="Estrangelo Edessa"/>
+        <a:font script="Sora" typeface="Nirmala UI"/>
+        <a:font script="Tale" typeface="Microsoft Tai Le"/>
+        <a:font script="Talu" typeface="Microsoft New Tai Lue"/>
+        <a:font script="Tfng" typeface="Ebrima"/>
+      </a:minorFont>
+    </a:fontScheme>
+    <a:fmtScheme name="Office">
+      <a:fillStyleLst>
+        <a:solidFill>
+          <a:schemeClr val="phClr"/>
+        </a:solidFill>
+        <a:gradFill rotWithShape="1">
+          <a:gsLst>
+            <a:gs pos="0">
+              <a:schemeClr val="phClr">
+                <a:lumMod val="110000"/>
+                <a:satMod val="105000"/>
+                <a:tint val="67000"/>
+              </a:schemeClr>
+            </a:gs>
+            <a:gs pos="50000">
+              <a:schemeClr val="phClr">
+                <a:lumMod val="105000"/>
+                <a:satMod val="103000"/>
+                <a:tint val="73000"/>
+              </a:schemeClr>
+            </a:gs>
+            <a:gs pos="100000">
+              <a:schemeClr val="phClr">
+                <a:lumMod val="105000"/>
+                <a:satMod val="109000"/>
+                <a:tint val="81000"/>
+              </a:schemeClr>
+            </a:gs>
+          </a:gsLst>
+          <a:lin ang="5400000" scaled="0"/>
+        </a:gradFill>
+        <a:gradFill rotWithShape="1">
+          <a:gsLst>
+            <a:gs pos="0">
+              <a:schemeClr val="phClr">
+                <a:satMod val="103000"/>
+                <a:lumMod val="102000"/>
+                <a:tint val="94000"/>
+              </a:schemeClr>
+            </a:gs>
+            <a:gs pos="50000">
+              <a:schemeClr val="phClr">
+                <a:satMod val="110000"/>
+                <a:lumMod val="100000"/>
+                <a:shade val="100000"/>
+              </a:schemeClr>
+            </a:gs>
+            <a:gs pos="100000">
+              <a:schemeClr val="phClr">
+                <a:lumMod val="99000"/>
+                <a:satMod val="120000"/>
+                <a:shade val="78000"/>
+              </a:schemeClr>
+            </a:gs>
+          </a:gsLst>
+          <a:lin ang="5400000" scaled="0"/>
+        </a:gradFill>
+      </a:fillStyleLst>
+      <a:lnStyleLst>
+        <a:ln w="12700" cap="flat" cmpd="sng" algn="ctr">
+          <a:solidFill>
+            <a:schemeClr val="phClr"/>
+          </a:solidFill>
+          <a:prstDash val="solid"/>
+          <a:miter lim="800000"/>
+        </a:ln>
+        <a:ln w="19050" cap="flat" cmpd="sng" algn="ctr">
+          <a:solidFill>
+            <a:schemeClr val="phClr"/>
+          </a:solidFill>
+          <a:prstDash val="solid"/>
+          <a:miter lim="800000"/>
+        </a:ln>
+        <a:ln w="25400" cap="flat" cmpd="sng" algn="ctr">
+          <a:solidFill>
+            <a:schemeClr val="phClr"/>
+          </a:solidFill>
+          <a:prstDash val="solid"/>
+          <a:miter lim="800000"/>
+        </a:ln>
+      </a:lnStyleLst>
+      <a:effectStyleLst>
+        <a:effectStyle>
+          <a:effectLst/>
+        </a:effectStyle>
+        <a:effectStyle>
+          <a:effectLst/>
+        </a:effectStyle>
+        <a:effectStyle>
+          <a:effectLst>
+            <a:outerShdw blurRad="57150" dist="19050" dir="5400000" algn="ctr" rotWithShape="0">
+              <a:srgbClr val="000000">
+                <a:alpha val="63000"/>
+              </a:srgbClr>
+            </a:outerShdw>
+          </a:effectLst>
+        </a:effectStyle>
+      </a:effectStyleLst>
+      <a:bgFillStyleLst>
+        <a:solidFill>
+          <a:schemeClr val="phClr"/>
+        </a:solidFill>
+        <a:solidFill>
+          <a:schemeClr val="phClr">
+            <a:tint val="95000"/>
+            <a:satMod val="170000"/>
+          </a:schemeClr>
+        </a:solidFill>
+        <a:gradFill rotWithShape="1">
+          <a:gsLst>
+            <a:gs pos="0">
+              <a:schemeClr val="phClr">
+                <a:tint val="93000"/>
+                <a:satMod val="150000"/>
+                <a:shade val="98000"/>
+                <a:lumMod val="102000"/>
+              </a:schemeClr>
+            </a:gs>
+            <a:gs pos="50000">
+              <a:schemeClr val="phClr">
+                <a:tint val="98000"/>
+                <a:satMod val="130000"/>
+                <a:shade val="90000"/>
+                <a:lumMod val="103000"/>
+              </a:schemeClr>
+            </a:gs>
+            <a:gs pos="100000">
+              <a:schemeClr val="phClr">
+                <a:shade val="63000"/>
+                <a:satMod val="120000"/>
+              </a:schemeClr>
+            </a:gs>
+          </a:gsLst>
+          <a:lin ang="5400000" scaled="0"/>
+        </a:gradFill>
+      </a:bgFillStyleLst>
+    </a:fmtScheme>
+  </a:themeElements>
+  <a:objectDefaults>
+    <a:lnDef>
+      <a:spPr/>
+      <a:bodyPr/>
+      <a:lstStyle/>
+      <a:style>
+        <a:lnRef idx="2">
+          <a:schemeClr val="accent1"/>
+        </a:lnRef>
+        <a:fillRef idx="0">
+          <a:schemeClr val="accent1"/>
+        </a:fillRef>
+        <a:effectRef idx="1">
+          <a:schemeClr val="accent1"/>
+        </a:effectRef>
+        <a:fontRef idx="minor">
+          <a:schemeClr val="tx1"/>
+        </a:fontRef>
+      </a:style>
+    </a:lnDef>
+  </a:objectDefaults>
+  <a:extraClrSchemeLst/>
+  <a:extLst>
+    <a:ext uri="{05A4C25C-085E-4340-85A3-A5531E510DB2}">
+      <thm15:themeFamily xmlns:thm15="http://schemas.microsoft.com/office/thememl/2012/main" name="Office Theme" id="{2E142A2C-CD16-42D6-873A-C26D2A0506FA}" vid="{1BDDFF52-6CD6-40A5-AB3C-68EB2F1E4D0A}"/>
+    </a:ext>
+  </a:extLst>
+</a:theme>
 </file>